--- a/doc/diagrams/UiComponent.pptx
+++ b/doc/diagrams/UiComponent.pptx
@@ -192,7 +192,7 @@
           <a:p>
             <a:fld id="{DC50A2AC-D691-437C-A69B-81ECFE08AD4B}" type="datetimeFigureOut">
               <a:rPr lang="en-SG" smtClean="0"/>
-              <a:t>9/7/2012</a:t>
+              <a:t>13/7/2012</a:t>
             </a:fld>
             <a:endParaRPr lang="en-SG"/>
           </a:p>
@@ -731,7 +731,7 @@
             <a:fld id="{1D8BD707-D9CF-40AE-B4C6-C98DA3205C09}" type="datetimeFigureOut">
               <a:rPr lang="en-US" smtClean="0"/>
               <a:pPr/>
-              <a:t>7/9/2012</a:t>
+              <a:t>7/13/2012</a:t>
             </a:fld>
             <a:endParaRPr lang="en-US"/>
           </a:p>
@@ -898,7 +898,7 @@
             <a:fld id="{1D8BD707-D9CF-40AE-B4C6-C98DA3205C09}" type="datetimeFigureOut">
               <a:rPr lang="en-US" smtClean="0"/>
               <a:pPr/>
-              <a:t>7/9/2012</a:t>
+              <a:t>7/13/2012</a:t>
             </a:fld>
             <a:endParaRPr lang="en-US"/>
           </a:p>
@@ -1075,7 +1075,7 @@
             <a:fld id="{1D8BD707-D9CF-40AE-B4C6-C98DA3205C09}" type="datetimeFigureOut">
               <a:rPr lang="en-US" smtClean="0"/>
               <a:pPr/>
-              <a:t>7/9/2012</a:t>
+              <a:t>7/13/2012</a:t>
             </a:fld>
             <a:endParaRPr lang="en-US"/>
           </a:p>
@@ -1242,7 +1242,7 @@
             <a:fld id="{1D8BD707-D9CF-40AE-B4C6-C98DA3205C09}" type="datetimeFigureOut">
               <a:rPr lang="en-US" smtClean="0"/>
               <a:pPr/>
-              <a:t>7/9/2012</a:t>
+              <a:t>7/13/2012</a:t>
             </a:fld>
             <a:endParaRPr lang="en-US"/>
           </a:p>
@@ -1485,7 +1485,7 @@
             <a:fld id="{1D8BD707-D9CF-40AE-B4C6-C98DA3205C09}" type="datetimeFigureOut">
               <a:rPr lang="en-US" smtClean="0"/>
               <a:pPr/>
-              <a:t>7/9/2012</a:t>
+              <a:t>7/13/2012</a:t>
             </a:fld>
             <a:endParaRPr lang="en-US"/>
           </a:p>
@@ -1770,7 +1770,7 @@
             <a:fld id="{1D8BD707-D9CF-40AE-B4C6-C98DA3205C09}" type="datetimeFigureOut">
               <a:rPr lang="en-US" smtClean="0"/>
               <a:pPr/>
-              <a:t>7/9/2012</a:t>
+              <a:t>7/13/2012</a:t>
             </a:fld>
             <a:endParaRPr lang="en-US"/>
           </a:p>
@@ -2189,7 +2189,7 @@
             <a:fld id="{1D8BD707-D9CF-40AE-B4C6-C98DA3205C09}" type="datetimeFigureOut">
               <a:rPr lang="en-US" smtClean="0"/>
               <a:pPr/>
-              <a:t>7/9/2012</a:t>
+              <a:t>7/13/2012</a:t>
             </a:fld>
             <a:endParaRPr lang="en-US"/>
           </a:p>
@@ -2304,7 +2304,7 @@
             <a:fld id="{1D8BD707-D9CF-40AE-B4C6-C98DA3205C09}" type="datetimeFigureOut">
               <a:rPr lang="en-US" smtClean="0"/>
               <a:pPr/>
-              <a:t>7/9/2012</a:t>
+              <a:t>7/13/2012</a:t>
             </a:fld>
             <a:endParaRPr lang="en-US"/>
           </a:p>
@@ -2396,7 +2396,7 @@
             <a:fld id="{1D8BD707-D9CF-40AE-B4C6-C98DA3205C09}" type="datetimeFigureOut">
               <a:rPr lang="en-US" smtClean="0"/>
               <a:pPr/>
-              <a:t>7/9/2012</a:t>
+              <a:t>7/13/2012</a:t>
             </a:fld>
             <a:endParaRPr lang="en-US"/>
           </a:p>
@@ -2670,7 +2670,7 @@
             <a:fld id="{1D8BD707-D9CF-40AE-B4C6-C98DA3205C09}" type="datetimeFigureOut">
               <a:rPr lang="en-US" smtClean="0"/>
               <a:pPr/>
-              <a:t>7/9/2012</a:t>
+              <a:t>7/13/2012</a:t>
             </a:fld>
             <a:endParaRPr lang="en-US"/>
           </a:p>
@@ -2920,7 +2920,7 @@
             <a:fld id="{1D8BD707-D9CF-40AE-B4C6-C98DA3205C09}" type="datetimeFigureOut">
               <a:rPr lang="en-US" smtClean="0"/>
               <a:pPr/>
-              <a:t>7/9/2012</a:t>
+              <a:t>7/13/2012</a:t>
             </a:fld>
             <a:endParaRPr lang="en-US"/>
           </a:p>
@@ -3130,7 +3130,7 @@
             <a:fld id="{1D8BD707-D9CF-40AE-B4C6-C98DA3205C09}" type="datetimeFigureOut">
               <a:rPr lang="en-US" smtClean="0"/>
               <a:pPr/>
-              <a:t>7/9/2012</a:t>
+              <a:t>7/13/2012</a:t>
             </a:fld>
             <a:endParaRPr lang="en-US"/>
           </a:p>
@@ -3674,7 +3674,7 @@
             <a:bodyPr rtlCol="0" anchor="t" anchorCtr="0"/>
             <a:lstStyle/>
             <a:p>
-              <a:pPr algn="ctr"/>
+              <a:pPr algn="r"/>
               <a:r>
                 <a:rPr lang="en-US" sz="1400" b="1" dirty="0" err="1" smtClean="0">
                   <a:solidFill>
@@ -3813,7 +3813,7 @@
             <a:bodyPr rtlCol="0" anchor="t" anchorCtr="0"/>
             <a:lstStyle/>
             <a:p>
-              <a:pPr algn="ctr"/>
+              <a:pPr algn="r"/>
               <a:r>
                 <a:rPr lang="en-US" sz="1400" b="1" dirty="0" smtClean="0">
                   <a:solidFill>
@@ -3899,486 +3899,21 @@
           </p:txBody>
         </p:sp>
       </p:grpSp>
-      <p:sp>
-        <p:nvSpPr>
-          <p:cNvPr id="197" name="Rectangle 196"/>
-          <p:cNvSpPr/>
-          <p:nvPr/>
-        </p:nvSpPr>
-        <p:spPr>
-          <a:xfrm>
-            <a:off x="3307242" y="1258887"/>
-            <a:ext cx="1466850" cy="377438"/>
-          </a:xfrm>
-          <a:prstGeom prst="rect">
-            <a:avLst/>
-          </a:prstGeom>
-        </p:spPr>
-        <p:style>
-          <a:lnRef idx="2">
-            <a:schemeClr val="accent2">
-              <a:shade val="50000"/>
-            </a:schemeClr>
-          </a:lnRef>
-          <a:fillRef idx="1">
-            <a:schemeClr val="accent2"/>
-          </a:fillRef>
-          <a:effectRef idx="0">
-            <a:schemeClr val="accent2"/>
-          </a:effectRef>
-          <a:fontRef idx="minor">
-            <a:schemeClr val="lt1"/>
-          </a:fontRef>
-        </p:style>
-        <p:txBody>
-          <a:bodyPr rtlCol="0" anchor="ctr"/>
-          <a:lstStyle/>
-          <a:p>
-            <a:pPr algn="ctr"/>
-            <a:r>
-              <a:rPr lang="en-US" sz="1600" b="1" dirty="0" err="1" smtClean="0"/>
-              <a:t>ActionServlet</a:t>
-            </a:r>
-            <a:endParaRPr lang="en-SG" sz="1600" b="1" dirty="0"/>
-          </a:p>
-        </p:txBody>
-      </p:sp>
-      <p:sp>
-        <p:nvSpPr>
-          <p:cNvPr id="198" name="Rectangle 197"/>
-          <p:cNvSpPr/>
-          <p:nvPr/>
-        </p:nvSpPr>
-        <p:spPr>
-          <a:xfrm>
-            <a:off x="2716692" y="1988128"/>
-            <a:ext cx="1466850" cy="609600"/>
-          </a:xfrm>
-          <a:prstGeom prst="rect">
-            <a:avLst/>
-          </a:prstGeom>
-        </p:spPr>
-        <p:style>
-          <a:lnRef idx="2">
-            <a:schemeClr val="accent2">
-              <a:shade val="50000"/>
-            </a:schemeClr>
-          </a:lnRef>
-          <a:fillRef idx="1">
-            <a:schemeClr val="accent2"/>
-          </a:fillRef>
-          <a:effectRef idx="0">
-            <a:schemeClr val="accent2"/>
-          </a:effectRef>
-          <a:fontRef idx="minor">
-            <a:schemeClr val="lt1"/>
-          </a:fontRef>
-        </p:style>
-        <p:txBody>
-          <a:bodyPr rtlCol="0" anchor="ctr"/>
-          <a:lstStyle/>
-          <a:p>
-            <a:pPr algn="ctr"/>
-            <a:r>
-              <a:rPr lang="en-US" sz="1600" b="1" dirty="0" smtClean="0"/>
-              <a:t>_</a:t>
-            </a:r>
-            <a:r>
-              <a:rPr lang="en-US" sz="1600" b="1" dirty="0" err="1" smtClean="0"/>
-              <a:t>xyz_Servlet</a:t>
-            </a:r>
-            <a:endParaRPr lang="en-SG" sz="1600" b="1" dirty="0"/>
-          </a:p>
-        </p:txBody>
-      </p:sp>
-      <p:sp>
-        <p:nvSpPr>
-          <p:cNvPr id="199" name="Isosceles Triangle 198"/>
-          <p:cNvSpPr/>
-          <p:nvPr/>
-        </p:nvSpPr>
-        <p:spPr>
-          <a:xfrm>
-            <a:off x="3900729" y="1639887"/>
-            <a:ext cx="276225" cy="228600"/>
-          </a:xfrm>
-          <a:prstGeom prst="triangle">
-            <a:avLst/>
-          </a:prstGeom>
-        </p:spPr>
-        <p:style>
-          <a:lnRef idx="2">
-            <a:schemeClr val="accent2">
-              <a:shade val="50000"/>
-            </a:schemeClr>
-          </a:lnRef>
-          <a:fillRef idx="1">
-            <a:schemeClr val="accent2"/>
-          </a:fillRef>
-          <a:effectRef idx="0">
-            <a:schemeClr val="accent2"/>
-          </a:effectRef>
-          <a:fontRef idx="minor">
-            <a:schemeClr val="lt1"/>
-          </a:fontRef>
-        </p:style>
-        <p:txBody>
-          <a:bodyPr rtlCol="0" anchor="ctr"/>
-          <a:lstStyle/>
-          <a:p>
-            <a:pPr algn="ctr"/>
-            <a:endParaRPr lang="en-SG"/>
-          </a:p>
-        </p:txBody>
-      </p:sp>
-      <p:sp>
-        <p:nvSpPr>
-          <p:cNvPr id="200" name="Rectangle 199"/>
-          <p:cNvSpPr/>
-          <p:nvPr/>
-        </p:nvSpPr>
-        <p:spPr>
-          <a:xfrm>
-            <a:off x="5468615" y="1988128"/>
-            <a:ext cx="1466850" cy="609600"/>
-          </a:xfrm>
-          <a:prstGeom prst="rect">
-            <a:avLst/>
-          </a:prstGeom>
-        </p:spPr>
-        <p:style>
-          <a:lnRef idx="2">
-            <a:schemeClr val="accent6">
-              <a:shade val="50000"/>
-            </a:schemeClr>
-          </a:lnRef>
-          <a:fillRef idx="1">
-            <a:schemeClr val="accent6"/>
-          </a:fillRef>
-          <a:effectRef idx="0">
-            <a:schemeClr val="accent6"/>
-          </a:effectRef>
-          <a:fontRef idx="minor">
-            <a:schemeClr val="lt1"/>
-          </a:fontRef>
-        </p:style>
-        <p:txBody>
-          <a:bodyPr rtlCol="0" anchor="ctr"/>
-          <a:lstStyle/>
-          <a:p>
-            <a:pPr algn="ctr"/>
-            <a:r>
-              <a:rPr lang="en-US" sz="1600" b="1" dirty="0" smtClean="0"/>
-              <a:t>_</a:t>
-            </a:r>
-            <a:r>
-              <a:rPr lang="en-US" sz="1600" b="1" dirty="0" err="1" smtClean="0"/>
-              <a:t>xyz_Helper</a:t>
-            </a:r>
-            <a:endParaRPr lang="en-SG" sz="1600" b="1" dirty="0"/>
-          </a:p>
-        </p:txBody>
-      </p:sp>
       <p:cxnSp>
         <p:nvCxnSpPr>
-          <p:cNvPr id="201" name="Elbow Connector 200"/>
-          <p:cNvCxnSpPr>
-            <a:stCxn id="199" idx="3"/>
-          </p:cNvCxnSpPr>
+          <p:cNvPr id="208" name="Straight Arrow Connector 207"/>
+          <p:cNvCxnSpPr/>
           <p:nvPr/>
         </p:nvCxnSpPr>
         <p:spPr>
-          <a:xfrm rot="16200000" flipH="1">
-            <a:off x="3972179" y="1935150"/>
-            <a:ext cx="134239" cy="912"/>
-          </a:xfrm>
-          <a:prstGeom prst="bentConnector3">
-            <a:avLst/>
-          </a:prstGeom>
-        </p:spPr>
-        <p:style>
-          <a:lnRef idx="2">
-            <a:schemeClr val="accent2">
-              <a:shade val="50000"/>
-            </a:schemeClr>
-          </a:lnRef>
-          <a:fillRef idx="1">
-            <a:schemeClr val="accent2"/>
-          </a:fillRef>
-          <a:effectRef idx="0">
-            <a:schemeClr val="accent2"/>
-          </a:effectRef>
-          <a:fontRef idx="minor">
-            <a:schemeClr val="lt1"/>
-          </a:fontRef>
-        </p:style>
-      </p:cxnSp>
-      <p:sp>
-        <p:nvSpPr>
-          <p:cNvPr id="202" name="Rectangle 201"/>
-          <p:cNvSpPr/>
-          <p:nvPr/>
-        </p:nvSpPr>
-        <p:spPr>
-          <a:xfrm>
-            <a:off x="5480901" y="1258887"/>
-            <a:ext cx="1454388" cy="373296"/>
-          </a:xfrm>
-          <a:prstGeom prst="rect">
-            <a:avLst/>
-          </a:prstGeom>
-        </p:spPr>
-        <p:style>
-          <a:lnRef idx="2">
-            <a:schemeClr val="accent6">
-              <a:shade val="50000"/>
-            </a:schemeClr>
-          </a:lnRef>
-          <a:fillRef idx="1">
-            <a:schemeClr val="accent6"/>
-          </a:fillRef>
-          <a:effectRef idx="0">
-            <a:schemeClr val="accent6"/>
-          </a:effectRef>
-          <a:fontRef idx="minor">
-            <a:schemeClr val="lt1"/>
-          </a:fontRef>
-        </p:style>
-        <p:txBody>
-          <a:bodyPr rtlCol="0" anchor="ctr"/>
-          <a:lstStyle/>
-          <a:p>
-            <a:pPr algn="ctr"/>
-            <a:r>
-              <a:rPr lang="en-US" sz="1600" b="1" dirty="0" smtClean="0"/>
-              <a:t>Helper</a:t>
-            </a:r>
-            <a:endParaRPr lang="en-SG" sz="1600" b="1" dirty="0"/>
-          </a:p>
-        </p:txBody>
-      </p:sp>
-      <p:sp>
-        <p:nvSpPr>
-          <p:cNvPr id="203" name="Isosceles Triangle 202"/>
-          <p:cNvSpPr/>
-          <p:nvPr/>
-        </p:nvSpPr>
-        <p:spPr>
-          <a:xfrm>
-            <a:off x="6061435" y="1620902"/>
-            <a:ext cx="276225" cy="228600"/>
-          </a:xfrm>
-          <a:prstGeom prst="triangle">
-            <a:avLst/>
-          </a:prstGeom>
-        </p:spPr>
-        <p:style>
-          <a:lnRef idx="2">
-            <a:schemeClr val="accent6">
-              <a:shade val="50000"/>
-            </a:schemeClr>
-          </a:lnRef>
-          <a:fillRef idx="1">
-            <a:schemeClr val="accent6"/>
-          </a:fillRef>
-          <a:effectRef idx="0">
-            <a:schemeClr val="accent6"/>
-          </a:effectRef>
-          <a:fontRef idx="minor">
-            <a:schemeClr val="lt1"/>
-          </a:fontRef>
-        </p:style>
-        <p:txBody>
-          <a:bodyPr rtlCol="0" anchor="ctr"/>
-          <a:lstStyle/>
-          <a:p>
-            <a:pPr algn="ctr"/>
-            <a:endParaRPr lang="en-SG"/>
-          </a:p>
-        </p:txBody>
-      </p:sp>
-      <p:cxnSp>
-        <p:nvCxnSpPr>
-          <p:cNvPr id="204" name="Elbow Connector 203"/>
-          <p:cNvCxnSpPr>
-            <a:stCxn id="203" idx="3"/>
-            <a:endCxn id="200" idx="0"/>
-          </p:cNvCxnSpPr>
-          <p:nvPr/>
-        </p:nvCxnSpPr>
-        <p:spPr>
-          <a:xfrm rot="16200000" flipH="1">
-            <a:off x="6131481" y="1917569"/>
-            <a:ext cx="138626" cy="2492"/>
+          <a:xfrm rot="5400000" flipH="1" flipV="1">
+            <a:off x="2763103" y="-863835"/>
+            <a:ext cx="1266442" cy="4896113"/>
           </a:xfrm>
           <a:prstGeom prst="bentConnector3">
             <a:avLst>
-              <a:gd name="adj1" fmla="val 50000"/>
+              <a:gd name="adj1" fmla="val 129932"/>
             </a:avLst>
-          </a:prstGeom>
-        </p:spPr>
-        <p:style>
-          <a:lnRef idx="2">
-            <a:schemeClr val="accent6">
-              <a:shade val="50000"/>
-            </a:schemeClr>
-          </a:lnRef>
-          <a:fillRef idx="1">
-            <a:schemeClr val="accent6"/>
-          </a:fillRef>
-          <a:effectRef idx="0">
-            <a:schemeClr val="accent6"/>
-          </a:effectRef>
-          <a:fontRef idx="minor">
-            <a:schemeClr val="lt1"/>
-          </a:fontRef>
-        </p:style>
-      </p:cxnSp>
-      <p:sp>
-        <p:nvSpPr>
-          <p:cNvPr id="205" name="Folded Corner 204"/>
-          <p:cNvSpPr/>
-          <p:nvPr/>
-        </p:nvSpPr>
-        <p:spPr>
-          <a:xfrm>
-            <a:off x="5468438" y="3614677"/>
-            <a:ext cx="1466850" cy="609600"/>
-          </a:xfrm>
-          <a:prstGeom prst="foldedCorner">
-            <a:avLst/>
-          </a:prstGeom>
-        </p:spPr>
-        <p:style>
-          <a:lnRef idx="2">
-            <a:schemeClr val="accent4">
-              <a:shade val="50000"/>
-            </a:schemeClr>
-          </a:lnRef>
-          <a:fillRef idx="1">
-            <a:schemeClr val="accent4"/>
-          </a:fillRef>
-          <a:effectRef idx="0">
-            <a:schemeClr val="accent4"/>
-          </a:effectRef>
-          <a:fontRef idx="minor">
-            <a:schemeClr val="lt1"/>
-          </a:fontRef>
-        </p:style>
-        <p:txBody>
-          <a:bodyPr rtlCol="0" anchor="ctr"/>
-          <a:lstStyle/>
-          <a:p>
-            <a:pPr algn="ctr"/>
-            <a:r>
-              <a:rPr lang="en-US" sz="1600" b="1" dirty="0" smtClean="0"/>
-              <a:t>_xyz_.</a:t>
-            </a:r>
-            <a:r>
-              <a:rPr lang="en-US" sz="1600" b="1" dirty="0" err="1" smtClean="0"/>
-              <a:t>jsp</a:t>
-            </a:r>
-            <a:endParaRPr lang="en-SG" sz="1600" b="1" dirty="0"/>
-          </a:p>
-        </p:txBody>
-      </p:sp>
-      <p:cxnSp>
-        <p:nvCxnSpPr>
-          <p:cNvPr id="206" name="Straight Arrow Connector 205"/>
-          <p:cNvCxnSpPr>
-            <a:stCxn id="198" idx="3"/>
-            <a:endCxn id="200" idx="1"/>
-          </p:cNvCxnSpPr>
-          <p:nvPr/>
-        </p:nvCxnSpPr>
-        <p:spPr>
-          <a:xfrm>
-            <a:off x="4183542" y="2292928"/>
-            <a:ext cx="1285073" cy="0"/>
-          </a:xfrm>
-          <a:prstGeom prst="straightConnector1">
-            <a:avLst/>
-          </a:prstGeom>
-          <a:ln w="38100">
-            <a:solidFill>
-              <a:schemeClr val="accent2">
-                <a:lumMod val="75000"/>
-              </a:schemeClr>
-            </a:solidFill>
-            <a:prstDash val="sysDot"/>
-            <a:tailEnd type="arrow"/>
-          </a:ln>
-        </p:spPr>
-        <p:style>
-          <a:lnRef idx="1">
-            <a:schemeClr val="accent1"/>
-          </a:lnRef>
-          <a:fillRef idx="0">
-            <a:schemeClr val="accent1"/>
-          </a:fillRef>
-          <a:effectRef idx="0">
-            <a:schemeClr val="accent1"/>
-          </a:effectRef>
-          <a:fontRef idx="minor">
-            <a:schemeClr val="tx1"/>
-          </a:fontRef>
-        </p:style>
-      </p:cxnSp>
-      <p:cxnSp>
-        <p:nvCxnSpPr>
-          <p:cNvPr id="207" name="Elbow Connector 206"/>
-          <p:cNvCxnSpPr>
-            <a:stCxn id="205" idx="0"/>
-          </p:cNvCxnSpPr>
-          <p:nvPr/>
-        </p:nvCxnSpPr>
-        <p:spPr>
-          <a:xfrm rot="16200000" flipV="1">
-            <a:off x="5733726" y="3146540"/>
-            <a:ext cx="933958" cy="2316"/>
-          </a:xfrm>
-          <a:prstGeom prst="bentConnector3">
-            <a:avLst>
-              <a:gd name="adj1" fmla="val 50000"/>
-            </a:avLst>
-          </a:prstGeom>
-          <a:ln>
-            <a:prstDash val="sysDot"/>
-            <a:tailEnd type="arrow"/>
-          </a:ln>
-        </p:spPr>
-        <p:style>
-          <a:lnRef idx="2">
-            <a:schemeClr val="accent4">
-              <a:shade val="50000"/>
-            </a:schemeClr>
-          </a:lnRef>
-          <a:fillRef idx="1">
-            <a:schemeClr val="accent4"/>
-          </a:fillRef>
-          <a:effectRef idx="0">
-            <a:schemeClr val="accent4"/>
-          </a:effectRef>
-          <a:fontRef idx="minor">
-            <a:schemeClr val="lt1"/>
-          </a:fontRef>
-        </p:style>
-      </p:cxnSp>
-      <p:cxnSp>
-        <p:nvCxnSpPr>
-          <p:cNvPr id="208" name="Straight Arrow Connector 207"/>
-          <p:cNvCxnSpPr>
-            <a:stCxn id="209" idx="3"/>
-          </p:cNvCxnSpPr>
-          <p:nvPr/>
-        </p:nvCxnSpPr>
-        <p:spPr>
-          <a:xfrm flipV="1">
-            <a:off x="1351501" y="2369128"/>
-            <a:ext cx="1405115" cy="2203"/>
-          </a:xfrm>
-          <a:prstGeom prst="straightConnector1">
-            <a:avLst/>
           </a:prstGeom>
           <a:ln w="38100">
             <a:solidFill>
@@ -4528,13 +4063,232 @@
       </p:sp>
       <p:sp>
         <p:nvSpPr>
-          <p:cNvPr id="210" name="TextBox 209"/>
+          <p:cNvPr id="211" name="Folded Corner 210"/>
+          <p:cNvSpPr/>
+          <p:nvPr/>
+        </p:nvSpPr>
+        <p:spPr>
+          <a:xfrm>
+            <a:off x="261200" y="2597729"/>
+            <a:ext cx="1143000" cy="1405783"/>
+          </a:xfrm>
+          <a:prstGeom prst="foldedCorner">
+            <a:avLst/>
+          </a:prstGeom>
+          <a:solidFill>
+            <a:schemeClr val="bg1"/>
+          </a:solidFill>
+          <a:ln>
+            <a:solidFill>
+              <a:schemeClr val="tx1"/>
+            </a:solidFill>
+          </a:ln>
+        </p:spPr>
+        <p:style>
+          <a:lnRef idx="2">
+            <a:schemeClr val="accent4">
+              <a:shade val="50000"/>
+            </a:schemeClr>
+          </a:lnRef>
+          <a:fillRef idx="1">
+            <a:schemeClr val="accent4"/>
+          </a:fillRef>
+          <a:effectRef idx="0">
+            <a:schemeClr val="accent4"/>
+          </a:effectRef>
+          <a:fontRef idx="minor">
+            <a:schemeClr val="lt1"/>
+          </a:fontRef>
+        </p:style>
+        <p:txBody>
+          <a:bodyPr rtlCol="0" anchor="ctr"/>
+          <a:lstStyle/>
+          <a:p>
+            <a:pPr algn="ctr"/>
+            <a:r>
+              <a:rPr lang="en-US" sz="1600" b="1" dirty="0" smtClean="0">
+                <a:solidFill>
+                  <a:schemeClr val="tx1"/>
+                </a:solidFill>
+              </a:rPr>
+              <a:t>Web page</a:t>
+            </a:r>
+            <a:endParaRPr lang="en-SG" sz="1600" b="1" dirty="0">
+              <a:solidFill>
+                <a:schemeClr val="tx1"/>
+              </a:solidFill>
+            </a:endParaRPr>
+          </a:p>
+        </p:txBody>
+      </p:sp>
+      <p:grpSp>
+        <p:nvGrpSpPr>
+          <p:cNvPr id="30" name="Group 29"/>
+          <p:cNvGrpSpPr/>
+          <p:nvPr/>
+        </p:nvGrpSpPr>
+        <p:grpSpPr>
+          <a:xfrm>
+            <a:off x="2851680" y="3965768"/>
+            <a:ext cx="1640617" cy="609600"/>
+            <a:chOff x="2904698" y="3849687"/>
+            <a:chExt cx="1640617" cy="609600"/>
+          </a:xfrm>
+        </p:grpSpPr>
+        <p:sp>
+          <p:nvSpPr>
+            <p:cNvPr id="213" name="Folded Corner 212"/>
+            <p:cNvSpPr/>
+            <p:nvPr/>
+          </p:nvSpPr>
+          <p:spPr>
+            <a:xfrm>
+              <a:off x="2904698" y="3849687"/>
+              <a:ext cx="1464715" cy="420881"/>
+            </a:xfrm>
+            <a:prstGeom prst="foldedCorner">
+              <a:avLst/>
+            </a:prstGeom>
+          </p:spPr>
+          <p:style>
+            <a:lnRef idx="2">
+              <a:schemeClr val="accent3">
+                <a:shade val="50000"/>
+              </a:schemeClr>
+            </a:lnRef>
+            <a:fillRef idx="1">
+              <a:schemeClr val="accent3"/>
+            </a:fillRef>
+            <a:effectRef idx="0">
+              <a:schemeClr val="accent3"/>
+            </a:effectRef>
+            <a:fontRef idx="minor">
+              <a:schemeClr val="lt1"/>
+            </a:fontRef>
+          </p:style>
+          <p:txBody>
+            <a:bodyPr rtlCol="0" anchor="ctr"/>
+            <a:lstStyle/>
+            <a:p>
+              <a:pPr algn="ctr"/>
+              <a:r>
+                <a:rPr lang="en-US" sz="1600" b="1" dirty="0" smtClean="0"/>
+                <a:t>*.</a:t>
+              </a:r>
+              <a:r>
+                <a:rPr lang="en-US" sz="1600" b="1" dirty="0" err="1" smtClean="0"/>
+                <a:t>js</a:t>
+              </a:r>
+              <a:endParaRPr lang="en-SG" sz="1600" b="1" dirty="0"/>
+            </a:p>
+          </p:txBody>
+        </p:sp>
+        <p:sp>
+          <p:nvSpPr>
+            <p:cNvPr id="214" name="Folded Corner 213"/>
+            <p:cNvSpPr/>
+            <p:nvPr/>
+          </p:nvSpPr>
+          <p:spPr>
+            <a:xfrm>
+              <a:off x="3004400" y="3935145"/>
+              <a:ext cx="1464715" cy="420881"/>
+            </a:xfrm>
+            <a:prstGeom prst="foldedCorner">
+              <a:avLst/>
+            </a:prstGeom>
+          </p:spPr>
+          <p:style>
+            <a:lnRef idx="2">
+              <a:schemeClr val="accent3">
+                <a:shade val="50000"/>
+              </a:schemeClr>
+            </a:lnRef>
+            <a:fillRef idx="1">
+              <a:schemeClr val="accent3"/>
+            </a:fillRef>
+            <a:effectRef idx="0">
+              <a:schemeClr val="accent3"/>
+            </a:effectRef>
+            <a:fontRef idx="minor">
+              <a:schemeClr val="lt1"/>
+            </a:fontRef>
+          </p:style>
+          <p:txBody>
+            <a:bodyPr rtlCol="0" anchor="ctr"/>
+            <a:lstStyle/>
+            <a:p>
+              <a:pPr algn="ctr"/>
+              <a:r>
+                <a:rPr lang="en-US" sz="1600" b="1" dirty="0" smtClean="0"/>
+                <a:t>*.</a:t>
+              </a:r>
+              <a:r>
+                <a:rPr lang="en-US" sz="1600" b="1" dirty="0" err="1" smtClean="0"/>
+                <a:t>js</a:t>
+              </a:r>
+              <a:endParaRPr lang="en-SG" sz="1600" b="1" dirty="0"/>
+            </a:p>
+          </p:txBody>
+        </p:sp>
+        <p:sp>
+          <p:nvSpPr>
+            <p:cNvPr id="215" name="Folded Corner 214"/>
+            <p:cNvSpPr/>
+            <p:nvPr/>
+          </p:nvSpPr>
+          <p:spPr>
+            <a:xfrm>
+              <a:off x="3080600" y="4038406"/>
+              <a:ext cx="1464715" cy="420881"/>
+            </a:xfrm>
+            <a:prstGeom prst="foldedCorner">
+              <a:avLst/>
+            </a:prstGeom>
+          </p:spPr>
+          <p:style>
+            <a:lnRef idx="2">
+              <a:schemeClr val="accent3">
+                <a:shade val="50000"/>
+              </a:schemeClr>
+            </a:lnRef>
+            <a:fillRef idx="1">
+              <a:schemeClr val="accent3"/>
+            </a:fillRef>
+            <a:effectRef idx="0">
+              <a:schemeClr val="accent3"/>
+            </a:effectRef>
+            <a:fontRef idx="minor">
+              <a:schemeClr val="lt1"/>
+            </a:fontRef>
+          </p:style>
+          <p:txBody>
+            <a:bodyPr rtlCol="0" anchor="ctr"/>
+            <a:lstStyle/>
+            <a:p>
+              <a:pPr algn="ctr"/>
+              <a:r>
+                <a:rPr lang="en-US" sz="1600" b="1" dirty="0" smtClean="0"/>
+                <a:t>*.</a:t>
+              </a:r>
+              <a:r>
+                <a:rPr lang="en-US" sz="1600" b="1" dirty="0" err="1" smtClean="0"/>
+                <a:t>js</a:t>
+              </a:r>
+              <a:endParaRPr lang="en-SG" sz="1600" b="1" dirty="0"/>
+            </a:p>
+          </p:txBody>
+        </p:sp>
+      </p:grpSp>
+      <p:sp>
+        <p:nvSpPr>
+          <p:cNvPr id="217" name="TextBox 216"/>
           <p:cNvSpPr txBox="1"/>
           <p:nvPr/>
         </p:nvSpPr>
         <p:spPr>
           <a:xfrm>
-            <a:off x="4411073" y="1985151"/>
+            <a:off x="2471000" y="3399481"/>
             <a:ext cx="1066800" cy="307777"/>
           </a:xfrm>
           <a:prstGeom prst="rect">
@@ -4634,295 +4388,194 @@
           <a:p>
             <a:pPr algn="r"/>
             <a:r>
-              <a:rPr lang="en-US" dirty="0" smtClean="0">
-                <a:solidFill>
-                  <a:schemeClr val="accent2">
-                    <a:lumMod val="75000"/>
-                  </a:schemeClr>
-                </a:solidFill>
-              </a:rPr>
+              <a:rPr lang="en-US" dirty="0" smtClean="0"/>
               <a:t>&lt;&lt;create&gt;&gt;</a:t>
             </a:r>
-            <a:endParaRPr lang="en-SG" dirty="0">
-              <a:solidFill>
-                <a:schemeClr val="accent2">
-                  <a:lumMod val="75000"/>
-                </a:schemeClr>
-              </a:solidFill>
-            </a:endParaRPr>
-          </a:p>
-        </p:txBody>
-      </p:sp>
-      <p:sp>
-        <p:nvSpPr>
-          <p:cNvPr id="211" name="Folded Corner 210"/>
-          <p:cNvSpPr/>
+            <a:endParaRPr lang="en-SG" dirty="0"/>
+          </a:p>
+        </p:txBody>
+      </p:sp>
+      <p:grpSp>
+        <p:nvGrpSpPr>
+          <p:cNvPr id="31" name="Group 30"/>
+          <p:cNvGrpSpPr/>
           <p:nvPr/>
-        </p:nvSpPr>
+        </p:nvGrpSpPr>
+        <p:grpSpPr>
+          <a:xfrm>
+            <a:off x="2938936" y="4759593"/>
+            <a:ext cx="1545900" cy="527703"/>
+            <a:chOff x="2928200" y="4617384"/>
+            <a:chExt cx="1545900" cy="527703"/>
+          </a:xfrm>
+        </p:grpSpPr>
+        <p:sp>
+          <p:nvSpPr>
+            <p:cNvPr id="212" name="Folded Corner 211"/>
+            <p:cNvSpPr/>
+            <p:nvPr/>
+          </p:nvSpPr>
+          <p:spPr>
+            <a:xfrm>
+              <a:off x="2928200" y="4617384"/>
+              <a:ext cx="1464715" cy="374591"/>
+            </a:xfrm>
+            <a:prstGeom prst="foldedCorner">
+              <a:avLst/>
+            </a:prstGeom>
+          </p:spPr>
+          <p:style>
+            <a:lnRef idx="2">
+              <a:schemeClr val="accent5">
+                <a:shade val="50000"/>
+              </a:schemeClr>
+            </a:lnRef>
+            <a:fillRef idx="1">
+              <a:schemeClr val="accent5"/>
+            </a:fillRef>
+            <a:effectRef idx="0">
+              <a:schemeClr val="accent5"/>
+            </a:effectRef>
+            <a:fontRef idx="minor">
+              <a:schemeClr val="lt1"/>
+            </a:fontRef>
+          </p:style>
+          <p:txBody>
+            <a:bodyPr rtlCol="0" anchor="ctr"/>
+            <a:lstStyle/>
+            <a:p>
+              <a:pPr algn="ctr"/>
+              <a:r>
+                <a:rPr lang="en-US" sz="1600" b="1" dirty="0" smtClean="0"/>
+                <a:t>*.</a:t>
+              </a:r>
+              <a:r>
+                <a:rPr lang="en-US" sz="1600" b="1" dirty="0" err="1" smtClean="0"/>
+                <a:t>css</a:t>
+              </a:r>
+              <a:endParaRPr lang="en-SG" sz="1600" b="1" dirty="0"/>
+            </a:p>
+          </p:txBody>
+        </p:sp>
+        <p:sp>
+          <p:nvSpPr>
+            <p:cNvPr id="218" name="Folded Corner 217"/>
+            <p:cNvSpPr/>
+            <p:nvPr/>
+          </p:nvSpPr>
+          <p:spPr>
+            <a:xfrm>
+              <a:off x="2967369" y="4699993"/>
+              <a:ext cx="1464715" cy="374591"/>
+            </a:xfrm>
+            <a:prstGeom prst="foldedCorner">
+              <a:avLst/>
+            </a:prstGeom>
+          </p:spPr>
+          <p:style>
+            <a:lnRef idx="2">
+              <a:schemeClr val="accent5">
+                <a:shade val="50000"/>
+              </a:schemeClr>
+            </a:lnRef>
+            <a:fillRef idx="1">
+              <a:schemeClr val="accent5"/>
+            </a:fillRef>
+            <a:effectRef idx="0">
+              <a:schemeClr val="accent5"/>
+            </a:effectRef>
+            <a:fontRef idx="minor">
+              <a:schemeClr val="lt1"/>
+            </a:fontRef>
+          </p:style>
+          <p:txBody>
+            <a:bodyPr rtlCol="0" anchor="ctr"/>
+            <a:lstStyle/>
+            <a:p>
+              <a:pPr algn="ctr"/>
+              <a:r>
+                <a:rPr lang="en-US" sz="1600" b="1" dirty="0" smtClean="0"/>
+                <a:t>*.</a:t>
+              </a:r>
+              <a:r>
+                <a:rPr lang="en-US" sz="1600" b="1" dirty="0" err="1" smtClean="0"/>
+                <a:t>css</a:t>
+              </a:r>
+              <a:endParaRPr lang="en-SG" sz="1600" b="1" dirty="0"/>
+            </a:p>
+          </p:txBody>
+        </p:sp>
+        <p:sp>
+          <p:nvSpPr>
+            <p:cNvPr id="219" name="Folded Corner 218"/>
+            <p:cNvSpPr/>
+            <p:nvPr/>
+          </p:nvSpPr>
+          <p:spPr>
+            <a:xfrm>
+              <a:off x="3009385" y="4770496"/>
+              <a:ext cx="1464715" cy="374591"/>
+            </a:xfrm>
+            <a:prstGeom prst="foldedCorner">
+              <a:avLst/>
+            </a:prstGeom>
+          </p:spPr>
+          <p:style>
+            <a:lnRef idx="2">
+              <a:schemeClr val="accent5">
+                <a:shade val="50000"/>
+              </a:schemeClr>
+            </a:lnRef>
+            <a:fillRef idx="1">
+              <a:schemeClr val="accent5"/>
+            </a:fillRef>
+            <a:effectRef idx="0">
+              <a:schemeClr val="accent5"/>
+            </a:effectRef>
+            <a:fontRef idx="minor">
+              <a:schemeClr val="lt1"/>
+            </a:fontRef>
+          </p:style>
+          <p:txBody>
+            <a:bodyPr rtlCol="0" anchor="ctr"/>
+            <a:lstStyle/>
+            <a:p>
+              <a:pPr algn="ctr"/>
+              <a:r>
+                <a:rPr lang="en-US" sz="1600" b="1" dirty="0" smtClean="0"/>
+                <a:t>*.</a:t>
+              </a:r>
+              <a:r>
+                <a:rPr lang="en-US" sz="1600" b="1" dirty="0" err="1" smtClean="0"/>
+                <a:t>css</a:t>
+              </a:r>
+              <a:endParaRPr lang="en-SG" sz="1600" b="1" dirty="0"/>
+            </a:p>
+          </p:txBody>
+        </p:sp>
+      </p:grpSp>
+      <p:cxnSp>
+        <p:nvCxnSpPr>
+          <p:cNvPr id="220" name="Elbow Connector 219"/>
+          <p:cNvCxnSpPr>
+            <a:stCxn id="211" idx="2"/>
+            <a:endCxn id="215" idx="1"/>
+          </p:cNvCxnSpPr>
+          <p:nvPr/>
+        </p:nvCxnSpPr>
         <p:spPr>
-          <a:xfrm>
-            <a:off x="261200" y="2597729"/>
-            <a:ext cx="1143000" cy="1405783"/>
+          <a:xfrm rot="16200000" flipH="1">
+            <a:off x="1749433" y="3086779"/>
+            <a:ext cx="361416" cy="2194882"/>
           </a:xfrm>
-          <a:prstGeom prst="foldedCorner">
+          <a:prstGeom prst="bentConnector2">
             <a:avLst/>
           </a:prstGeom>
-          <a:solidFill>
-            <a:schemeClr val="bg1"/>
-          </a:solidFill>
           <a:ln>
             <a:solidFill>
               <a:schemeClr val="tx1"/>
             </a:solidFill>
-          </a:ln>
-        </p:spPr>
-        <p:style>
-          <a:lnRef idx="2">
-            <a:schemeClr val="accent4">
-              <a:shade val="50000"/>
-            </a:schemeClr>
-          </a:lnRef>
-          <a:fillRef idx="1">
-            <a:schemeClr val="accent4"/>
-          </a:fillRef>
-          <a:effectRef idx="0">
-            <a:schemeClr val="accent4"/>
-          </a:effectRef>
-          <a:fontRef idx="minor">
-            <a:schemeClr val="lt1"/>
-          </a:fontRef>
-        </p:style>
-        <p:txBody>
-          <a:bodyPr rtlCol="0" anchor="ctr"/>
-          <a:lstStyle/>
-          <a:p>
-            <a:pPr algn="ctr"/>
-            <a:r>
-              <a:rPr lang="en-US" sz="1600" b="1" dirty="0" smtClean="0">
-                <a:solidFill>
-                  <a:schemeClr val="tx1"/>
-                </a:solidFill>
-              </a:rPr>
-              <a:t>Web page</a:t>
-            </a:r>
-            <a:endParaRPr lang="en-SG" sz="1600" b="1" dirty="0">
-              <a:solidFill>
-                <a:schemeClr val="tx1"/>
-              </a:solidFill>
-            </a:endParaRPr>
-          </a:p>
-        </p:txBody>
-      </p:sp>
-      <p:sp>
-        <p:nvSpPr>
-          <p:cNvPr id="212" name="Folded Corner 211"/>
-          <p:cNvSpPr/>
-          <p:nvPr/>
-        </p:nvSpPr>
-        <p:spPr>
-          <a:xfrm>
-            <a:off x="2928200" y="4617384"/>
-            <a:ext cx="1464715" cy="374591"/>
-          </a:xfrm>
-          <a:prstGeom prst="foldedCorner">
-            <a:avLst/>
-          </a:prstGeom>
-        </p:spPr>
-        <p:style>
-          <a:lnRef idx="2">
-            <a:schemeClr val="accent5">
-              <a:shade val="50000"/>
-            </a:schemeClr>
-          </a:lnRef>
-          <a:fillRef idx="1">
-            <a:schemeClr val="accent5"/>
-          </a:fillRef>
-          <a:effectRef idx="0">
-            <a:schemeClr val="accent5"/>
-          </a:effectRef>
-          <a:fontRef idx="minor">
-            <a:schemeClr val="lt1"/>
-          </a:fontRef>
-        </p:style>
-        <p:txBody>
-          <a:bodyPr rtlCol="0" anchor="ctr"/>
-          <a:lstStyle/>
-          <a:p>
-            <a:pPr algn="ctr"/>
-            <a:r>
-              <a:rPr lang="en-US" sz="1600" b="1" dirty="0" smtClean="0"/>
-              <a:t>*.</a:t>
-            </a:r>
-            <a:r>
-              <a:rPr lang="en-US" sz="1600" b="1" dirty="0" err="1" smtClean="0"/>
-              <a:t>css</a:t>
-            </a:r>
-            <a:endParaRPr lang="en-SG" sz="1600" b="1" dirty="0"/>
-          </a:p>
-        </p:txBody>
-      </p:sp>
-      <p:sp>
-        <p:nvSpPr>
-          <p:cNvPr id="213" name="Folded Corner 212"/>
-          <p:cNvSpPr/>
-          <p:nvPr/>
-        </p:nvSpPr>
-        <p:spPr>
-          <a:xfrm>
-            <a:off x="2904698" y="3849687"/>
-            <a:ext cx="1464715" cy="420881"/>
-          </a:xfrm>
-          <a:prstGeom prst="foldedCorner">
-            <a:avLst/>
-          </a:prstGeom>
-        </p:spPr>
-        <p:style>
-          <a:lnRef idx="2">
-            <a:schemeClr val="accent3">
-              <a:shade val="50000"/>
-            </a:schemeClr>
-          </a:lnRef>
-          <a:fillRef idx="1">
-            <a:schemeClr val="accent3"/>
-          </a:fillRef>
-          <a:effectRef idx="0">
-            <a:schemeClr val="accent3"/>
-          </a:effectRef>
-          <a:fontRef idx="minor">
-            <a:schemeClr val="lt1"/>
-          </a:fontRef>
-        </p:style>
-        <p:txBody>
-          <a:bodyPr rtlCol="0" anchor="ctr"/>
-          <a:lstStyle/>
-          <a:p>
-            <a:pPr algn="ctr"/>
-            <a:r>
-              <a:rPr lang="en-US" sz="1600" b="1" dirty="0" smtClean="0"/>
-              <a:t>*.</a:t>
-            </a:r>
-            <a:r>
-              <a:rPr lang="en-US" sz="1600" b="1" dirty="0" err="1" smtClean="0"/>
-              <a:t>js</a:t>
-            </a:r>
-            <a:endParaRPr lang="en-SG" sz="1600" b="1" dirty="0"/>
-          </a:p>
-        </p:txBody>
-      </p:sp>
-      <p:sp>
-        <p:nvSpPr>
-          <p:cNvPr id="214" name="Folded Corner 213"/>
-          <p:cNvSpPr/>
-          <p:nvPr/>
-        </p:nvSpPr>
-        <p:spPr>
-          <a:xfrm>
-            <a:off x="3004400" y="3935145"/>
-            <a:ext cx="1464715" cy="420881"/>
-          </a:xfrm>
-          <a:prstGeom prst="foldedCorner">
-            <a:avLst/>
-          </a:prstGeom>
-        </p:spPr>
-        <p:style>
-          <a:lnRef idx="2">
-            <a:schemeClr val="accent3">
-              <a:shade val="50000"/>
-            </a:schemeClr>
-          </a:lnRef>
-          <a:fillRef idx="1">
-            <a:schemeClr val="accent3"/>
-          </a:fillRef>
-          <a:effectRef idx="0">
-            <a:schemeClr val="accent3"/>
-          </a:effectRef>
-          <a:fontRef idx="minor">
-            <a:schemeClr val="lt1"/>
-          </a:fontRef>
-        </p:style>
-        <p:txBody>
-          <a:bodyPr rtlCol="0" anchor="ctr"/>
-          <a:lstStyle/>
-          <a:p>
-            <a:pPr algn="ctr"/>
-            <a:r>
-              <a:rPr lang="en-US" sz="1600" b="1" dirty="0" smtClean="0"/>
-              <a:t>*.</a:t>
-            </a:r>
-            <a:r>
-              <a:rPr lang="en-US" sz="1600" b="1" dirty="0" err="1" smtClean="0"/>
-              <a:t>js</a:t>
-            </a:r>
-            <a:endParaRPr lang="en-SG" sz="1600" b="1" dirty="0"/>
-          </a:p>
-        </p:txBody>
-      </p:sp>
-      <p:sp>
-        <p:nvSpPr>
-          <p:cNvPr id="215" name="Folded Corner 214"/>
-          <p:cNvSpPr/>
-          <p:nvPr/>
-        </p:nvSpPr>
-        <p:spPr>
-          <a:xfrm>
-            <a:off x="3080600" y="4038406"/>
-            <a:ext cx="1464715" cy="420881"/>
-          </a:xfrm>
-          <a:prstGeom prst="foldedCorner">
-            <a:avLst/>
-          </a:prstGeom>
-        </p:spPr>
-        <p:style>
-          <a:lnRef idx="2">
-            <a:schemeClr val="accent3">
-              <a:shade val="50000"/>
-            </a:schemeClr>
-          </a:lnRef>
-          <a:fillRef idx="1">
-            <a:schemeClr val="accent3"/>
-          </a:fillRef>
-          <a:effectRef idx="0">
-            <a:schemeClr val="accent3"/>
-          </a:effectRef>
-          <a:fontRef idx="minor">
-            <a:schemeClr val="lt1"/>
-          </a:fontRef>
-        </p:style>
-        <p:txBody>
-          <a:bodyPr rtlCol="0" anchor="ctr"/>
-          <a:lstStyle/>
-          <a:p>
-            <a:pPr algn="ctr"/>
-            <a:r>
-              <a:rPr lang="en-US" sz="1600" b="1" dirty="0" smtClean="0"/>
-              <a:t>*.</a:t>
-            </a:r>
-            <a:r>
-              <a:rPr lang="en-US" sz="1600" b="1" dirty="0" err="1" smtClean="0"/>
-              <a:t>js</a:t>
-            </a:r>
-            <a:endParaRPr lang="en-SG" sz="1600" b="1" dirty="0"/>
-          </a:p>
-        </p:txBody>
-      </p:sp>
-      <p:cxnSp>
-        <p:nvCxnSpPr>
-          <p:cNvPr id="216" name="Elbow Connector 215"/>
-          <p:cNvCxnSpPr/>
-          <p:nvPr/>
-        </p:nvCxnSpPr>
-        <p:spPr>
-          <a:xfrm rot="10800000">
-            <a:off x="1404200" y="3697288"/>
-            <a:ext cx="4064239" cy="12700"/>
-          </a:xfrm>
-          <a:prstGeom prst="bentConnector3">
-            <a:avLst>
-              <a:gd name="adj1" fmla="val 50000"/>
-            </a:avLst>
-          </a:prstGeom>
-          <a:ln>
-            <a:prstDash val="sysDot"/>
+            <a:prstDash val="dash"/>
             <a:tailEnd type="arrow"/>
           </a:ln>
         </p:spPr>
@@ -4943,15 +4596,883 @@
           </a:fontRef>
         </p:style>
       </p:cxnSp>
-      <p:sp>
-        <p:nvSpPr>
-          <p:cNvPr id="217" name="TextBox 216"/>
+      <p:cxnSp>
+        <p:nvCxnSpPr>
+          <p:cNvPr id="221" name="Elbow Connector 220"/>
+          <p:cNvCxnSpPr>
+            <a:stCxn id="211" idx="2"/>
+            <a:endCxn id="219" idx="1"/>
+          </p:cNvCxnSpPr>
+          <p:nvPr/>
+        </p:nvCxnSpPr>
+        <p:spPr>
+          <a:xfrm rot="16200000" flipH="1">
+            <a:off x="1378166" y="3458045"/>
+            <a:ext cx="1096489" cy="2187421"/>
+          </a:xfrm>
+          <a:prstGeom prst="bentConnector2">
+            <a:avLst/>
+          </a:prstGeom>
+          <a:ln>
+            <a:solidFill>
+              <a:schemeClr val="tx1"/>
+            </a:solidFill>
+            <a:prstDash val="dash"/>
+            <a:tailEnd type="arrow"/>
+          </a:ln>
+        </p:spPr>
+        <p:style>
+          <a:lnRef idx="2">
+            <a:schemeClr val="accent4">
+              <a:shade val="50000"/>
+            </a:schemeClr>
+          </a:lnRef>
+          <a:fillRef idx="1">
+            <a:schemeClr val="accent4"/>
+          </a:fillRef>
+          <a:effectRef idx="0">
+            <a:schemeClr val="accent4"/>
+          </a:effectRef>
+          <a:fontRef idx="minor">
+            <a:schemeClr val="lt1"/>
+          </a:fontRef>
+        </p:style>
+      </p:cxnSp>
+      <p:grpSp>
+        <p:nvGrpSpPr>
+          <p:cNvPr id="9" name="Group 8"/>
+          <p:cNvGrpSpPr/>
+          <p:nvPr/>
+        </p:nvGrpSpPr>
+        <p:grpSpPr>
+          <a:xfrm>
+            <a:off x="5342765" y="3653134"/>
+            <a:ext cx="1605272" cy="733515"/>
+            <a:chOff x="5468438" y="3614677"/>
+            <a:chExt cx="1605272" cy="733515"/>
+          </a:xfrm>
+        </p:grpSpPr>
+        <p:sp>
+          <p:nvSpPr>
+            <p:cNvPr id="205" name="Folded Corner 204"/>
+            <p:cNvSpPr/>
+            <p:nvPr/>
+          </p:nvSpPr>
+          <p:spPr>
+            <a:xfrm>
+              <a:off x="5468438" y="3614677"/>
+              <a:ext cx="1466850" cy="609600"/>
+            </a:xfrm>
+            <a:prstGeom prst="foldedCorner">
+              <a:avLst/>
+            </a:prstGeom>
+          </p:spPr>
+          <p:style>
+            <a:lnRef idx="2">
+              <a:schemeClr val="accent4">
+                <a:shade val="50000"/>
+              </a:schemeClr>
+            </a:lnRef>
+            <a:fillRef idx="1">
+              <a:schemeClr val="accent4"/>
+            </a:fillRef>
+            <a:effectRef idx="0">
+              <a:schemeClr val="accent4"/>
+            </a:effectRef>
+            <a:fontRef idx="minor">
+              <a:schemeClr val="lt1"/>
+            </a:fontRef>
+          </p:style>
+          <p:txBody>
+            <a:bodyPr rtlCol="0" anchor="ctr"/>
+            <a:lstStyle/>
+            <a:p>
+              <a:pPr algn="ctr"/>
+              <a:r>
+                <a:rPr lang="en-US" sz="1600" b="1" dirty="0" smtClean="0"/>
+                <a:t>_xyz_.</a:t>
+              </a:r>
+              <a:r>
+                <a:rPr lang="en-US" sz="1600" b="1" dirty="0" err="1" smtClean="0"/>
+                <a:t>jsp</a:t>
+              </a:r>
+              <a:endParaRPr lang="en-SG" sz="1600" b="1" dirty="0"/>
+            </a:p>
+          </p:txBody>
+        </p:sp>
+        <p:sp>
+          <p:nvSpPr>
+            <p:cNvPr id="222" name="Folded Corner 221"/>
+            <p:cNvSpPr/>
+            <p:nvPr/>
+          </p:nvSpPr>
+          <p:spPr>
+            <a:xfrm>
+              <a:off x="5528526" y="3684109"/>
+              <a:ext cx="1466850" cy="609600"/>
+            </a:xfrm>
+            <a:prstGeom prst="foldedCorner">
+              <a:avLst/>
+            </a:prstGeom>
+          </p:spPr>
+          <p:style>
+            <a:lnRef idx="2">
+              <a:schemeClr val="accent4">
+                <a:shade val="50000"/>
+              </a:schemeClr>
+            </a:lnRef>
+            <a:fillRef idx="1">
+              <a:schemeClr val="accent4"/>
+            </a:fillRef>
+            <a:effectRef idx="0">
+              <a:schemeClr val="accent4"/>
+            </a:effectRef>
+            <a:fontRef idx="minor">
+              <a:schemeClr val="lt1"/>
+            </a:fontRef>
+          </p:style>
+          <p:txBody>
+            <a:bodyPr rtlCol="0" anchor="ctr"/>
+            <a:lstStyle/>
+            <a:p>
+              <a:pPr algn="ctr"/>
+              <a:r>
+                <a:rPr lang="en-US" sz="1600" b="1" dirty="0" smtClean="0"/>
+                <a:t>_xyz_.</a:t>
+              </a:r>
+              <a:r>
+                <a:rPr lang="en-US" sz="1600" b="1" dirty="0" err="1" smtClean="0"/>
+                <a:t>jsp</a:t>
+              </a:r>
+              <a:endParaRPr lang="en-SG" sz="1600" b="1" dirty="0"/>
+            </a:p>
+          </p:txBody>
+        </p:sp>
+        <p:sp>
+          <p:nvSpPr>
+            <p:cNvPr id="223" name="Folded Corner 222"/>
+            <p:cNvSpPr/>
+            <p:nvPr/>
+          </p:nvSpPr>
+          <p:spPr>
+            <a:xfrm>
+              <a:off x="5606860" y="3738592"/>
+              <a:ext cx="1466850" cy="609600"/>
+            </a:xfrm>
+            <a:prstGeom prst="foldedCorner">
+              <a:avLst/>
+            </a:prstGeom>
+          </p:spPr>
+          <p:style>
+            <a:lnRef idx="2">
+              <a:schemeClr val="accent4">
+                <a:shade val="50000"/>
+              </a:schemeClr>
+            </a:lnRef>
+            <a:fillRef idx="1">
+              <a:schemeClr val="accent4"/>
+            </a:fillRef>
+            <a:effectRef idx="0">
+              <a:schemeClr val="accent4"/>
+            </a:effectRef>
+            <a:fontRef idx="minor">
+              <a:schemeClr val="lt1"/>
+            </a:fontRef>
+          </p:style>
+          <p:txBody>
+            <a:bodyPr rtlCol="0" anchor="ctr"/>
+            <a:lstStyle/>
+            <a:p>
+              <a:pPr algn="ctr"/>
+              <a:r>
+                <a:rPr lang="en-US" sz="1600" b="1" dirty="0" smtClean="0"/>
+                <a:t>_xyz_.</a:t>
+              </a:r>
+              <a:r>
+                <a:rPr lang="en-US" sz="1600" b="1" dirty="0" err="1" smtClean="0"/>
+                <a:t>jsp</a:t>
+              </a:r>
+              <a:endParaRPr lang="en-SG" sz="1600" b="1" dirty="0"/>
+            </a:p>
+          </p:txBody>
+        </p:sp>
+      </p:grpSp>
+      <p:sp>
+        <p:nvSpPr>
+          <p:cNvPr id="226" name="Rounded Rectangle 225"/>
+          <p:cNvSpPr/>
+          <p:nvPr/>
+        </p:nvSpPr>
+        <p:spPr>
+          <a:xfrm>
+            <a:off x="7881200" y="114387"/>
+            <a:ext cx="914400" cy="5525997"/>
+          </a:xfrm>
+          <a:prstGeom prst="roundRect">
+            <a:avLst>
+              <a:gd name="adj" fmla="val 23209"/>
+            </a:avLst>
+          </a:prstGeom>
+          <a:solidFill>
+            <a:schemeClr val="bg1">
+              <a:lumMod val="85000"/>
+            </a:schemeClr>
+          </a:solidFill>
+          <a:ln>
+            <a:solidFill>
+              <a:schemeClr val="bg1">
+                <a:lumMod val="75000"/>
+              </a:schemeClr>
+            </a:solidFill>
+          </a:ln>
+        </p:spPr>
+        <p:style>
+          <a:lnRef idx="2">
+            <a:schemeClr val="accent1">
+              <a:shade val="50000"/>
+            </a:schemeClr>
+          </a:lnRef>
+          <a:fillRef idx="1">
+            <a:schemeClr val="accent1"/>
+          </a:fillRef>
+          <a:effectRef idx="0">
+            <a:schemeClr val="accent1"/>
+          </a:effectRef>
+          <a:fontRef idx="minor">
+            <a:schemeClr val="lt1"/>
+          </a:fontRef>
+        </p:style>
+        <p:txBody>
+          <a:bodyPr vert="vert270" rtlCol="0" anchor="t" anchorCtr="1"/>
+          <a:lstStyle/>
+          <a:p>
+            <a:pPr algn="r"/>
+            <a:r>
+              <a:rPr lang="en-US" sz="1600" b="1" dirty="0" smtClean="0"/>
+              <a:t>Logic</a:t>
+            </a:r>
+            <a:endParaRPr lang="en-SG" sz="1600" b="1" dirty="0"/>
+          </a:p>
+        </p:txBody>
+      </p:sp>
+      <p:sp>
+        <p:nvSpPr>
+          <p:cNvPr id="227" name="Rectangle 226"/>
+          <p:cNvSpPr/>
+          <p:nvPr/>
+        </p:nvSpPr>
+        <p:spPr>
+          <a:xfrm>
+            <a:off x="8338400" y="-36513"/>
+            <a:ext cx="609600" cy="5867400"/>
+          </a:xfrm>
+          <a:prstGeom prst="rect">
+            <a:avLst/>
+          </a:prstGeom>
+          <a:solidFill>
+            <a:schemeClr val="bg1"/>
+          </a:solidFill>
+          <a:ln>
+            <a:noFill/>
+          </a:ln>
+          <a:effectLst>
+            <a:softEdge rad="63500"/>
+          </a:effectLst>
+        </p:spPr>
+        <p:style>
+          <a:lnRef idx="2">
+            <a:schemeClr val="accent1">
+              <a:shade val="50000"/>
+            </a:schemeClr>
+          </a:lnRef>
+          <a:fillRef idx="1">
+            <a:schemeClr val="accent1"/>
+          </a:fillRef>
+          <a:effectRef idx="0">
+            <a:schemeClr val="accent1"/>
+          </a:effectRef>
+          <a:fontRef idx="minor">
+            <a:schemeClr val="lt1"/>
+          </a:fontRef>
+        </p:style>
+        <p:txBody>
+          <a:bodyPr rtlCol="0" anchor="ctr"/>
+          <a:lstStyle/>
+          <a:p>
+            <a:pPr algn="ctr"/>
+            <a:endParaRPr lang="en-SG"/>
+          </a:p>
+        </p:txBody>
+      </p:sp>
+      <p:sp>
+        <p:nvSpPr>
+          <p:cNvPr id="230" name="Rectangle 229"/>
+          <p:cNvSpPr/>
+          <p:nvPr/>
+        </p:nvSpPr>
+        <p:spPr>
+          <a:xfrm>
+            <a:off x="2712604" y="645975"/>
+            <a:ext cx="1466850" cy="199692"/>
+          </a:xfrm>
+          <a:prstGeom prst="rect">
+            <a:avLst/>
+          </a:prstGeom>
+        </p:spPr>
+        <p:style>
+          <a:lnRef idx="2">
+            <a:schemeClr val="accent1">
+              <a:shade val="50000"/>
+            </a:schemeClr>
+          </a:lnRef>
+          <a:fillRef idx="1">
+            <a:schemeClr val="accent1"/>
+          </a:fillRef>
+          <a:effectRef idx="0">
+            <a:schemeClr val="accent1"/>
+          </a:effectRef>
+          <a:fontRef idx="minor">
+            <a:schemeClr val="lt1"/>
+          </a:fontRef>
+        </p:style>
+        <p:txBody>
+          <a:bodyPr rtlCol="0" anchor="ctr"/>
+          <a:lstStyle/>
+          <a:p>
+            <a:pPr algn="ctr"/>
+            <a:r>
+              <a:rPr lang="en-US" sz="1600" b="1" dirty="0" err="1" smtClean="0"/>
+              <a:t>LoginFilter</a:t>
+            </a:r>
+            <a:endParaRPr lang="en-SG" sz="1600" b="1" dirty="0"/>
+          </a:p>
+        </p:txBody>
+      </p:sp>
+      <p:cxnSp>
+        <p:nvCxnSpPr>
+          <p:cNvPr id="96" name="Straight Arrow Connector 207"/>
+          <p:cNvCxnSpPr>
+            <a:stCxn id="205" idx="1"/>
+          </p:cNvCxnSpPr>
+          <p:nvPr/>
+        </p:nvCxnSpPr>
+        <p:spPr>
+          <a:xfrm rot="10800000">
+            <a:off x="1404203" y="3742156"/>
+            <a:ext cx="3938562" cy="215778"/>
+          </a:xfrm>
+          <a:prstGeom prst="bentConnector3">
+            <a:avLst>
+              <a:gd name="adj1" fmla="val 15028"/>
+            </a:avLst>
+          </a:prstGeom>
+          <a:ln w="25400">
+            <a:solidFill>
+              <a:schemeClr val="accent4">
+                <a:lumMod val="75000"/>
+              </a:schemeClr>
+            </a:solidFill>
+            <a:prstDash val="sysDash"/>
+            <a:tailEnd type="arrow"/>
+          </a:ln>
+        </p:spPr>
+        <p:style>
+          <a:lnRef idx="1">
+            <a:schemeClr val="accent1"/>
+          </a:lnRef>
+          <a:fillRef idx="0">
+            <a:schemeClr val="accent1"/>
+          </a:fillRef>
+          <a:effectRef idx="0">
+            <a:schemeClr val="accent1"/>
+          </a:effectRef>
+          <a:fontRef idx="minor">
+            <a:schemeClr val="tx1"/>
+          </a:fontRef>
+        </p:style>
+      </p:cxnSp>
+      <p:cxnSp>
+        <p:nvCxnSpPr>
+          <p:cNvPr id="112" name="Straight Arrow Connector 207"/>
+          <p:cNvCxnSpPr/>
+          <p:nvPr/>
+        </p:nvCxnSpPr>
+        <p:spPr>
+          <a:xfrm rot="16200000" flipV="1">
+            <a:off x="4066478" y="2060481"/>
+            <a:ext cx="881473" cy="2267463"/>
+          </a:xfrm>
+          <a:prstGeom prst="bentConnector3">
+            <a:avLst>
+              <a:gd name="adj1" fmla="val 50000"/>
+            </a:avLst>
+          </a:prstGeom>
+          <a:ln w="25400">
+            <a:solidFill>
+              <a:schemeClr val="accent4">
+                <a:lumMod val="75000"/>
+              </a:schemeClr>
+            </a:solidFill>
+            <a:prstDash val="sysDash"/>
+            <a:tailEnd type="arrow"/>
+          </a:ln>
+        </p:spPr>
+        <p:style>
+          <a:lnRef idx="1">
+            <a:schemeClr val="accent1"/>
+          </a:lnRef>
+          <a:fillRef idx="0">
+            <a:schemeClr val="accent1"/>
+          </a:fillRef>
+          <a:effectRef idx="0">
+            <a:schemeClr val="accent1"/>
+          </a:effectRef>
+          <a:fontRef idx="minor">
+            <a:schemeClr val="tx1"/>
+          </a:fontRef>
+        </p:style>
+      </p:cxnSp>
+      <p:grpSp>
+        <p:nvGrpSpPr>
+          <p:cNvPr id="114" name="Group 113"/>
+          <p:cNvGrpSpPr/>
+          <p:nvPr/>
+        </p:nvGrpSpPr>
+        <p:grpSpPr>
+          <a:xfrm>
+            <a:off x="2671664" y="877597"/>
+            <a:ext cx="1820633" cy="1894064"/>
+            <a:chOff x="2644706" y="841228"/>
+            <a:chExt cx="1820633" cy="1894064"/>
+          </a:xfrm>
+        </p:grpSpPr>
+        <p:grpSp>
+          <p:nvGrpSpPr>
+            <p:cNvPr id="128" name="Group 127"/>
+            <p:cNvGrpSpPr/>
+            <p:nvPr/>
+          </p:nvGrpSpPr>
+          <p:grpSpPr>
+            <a:xfrm>
+              <a:off x="2644706" y="841228"/>
+              <a:ext cx="1820633" cy="1894064"/>
+              <a:chOff x="-3638550" y="1371600"/>
+              <a:chExt cx="4781550" cy="2481840"/>
+            </a:xfrm>
+            <a:solidFill>
+              <a:schemeClr val="bg1"/>
+            </a:solidFill>
+          </p:grpSpPr>
+          <p:sp>
+            <p:nvSpPr>
+              <p:cNvPr id="129" name="Rectangle 128"/>
+              <p:cNvSpPr/>
+              <p:nvPr/>
+            </p:nvSpPr>
+            <p:spPr>
+              <a:xfrm>
+                <a:off x="-3638550" y="1523999"/>
+                <a:ext cx="4781550" cy="2329441"/>
+              </a:xfrm>
+              <a:prstGeom prst="rect">
+                <a:avLst/>
+              </a:prstGeom>
+              <a:grpFill/>
+              <a:ln>
+                <a:solidFill>
+                  <a:schemeClr val="tx2">
+                    <a:lumMod val="40000"/>
+                    <a:lumOff val="60000"/>
+                  </a:schemeClr>
+                </a:solidFill>
+              </a:ln>
+            </p:spPr>
+            <p:style>
+              <a:lnRef idx="2">
+                <a:schemeClr val="accent1">
+                  <a:shade val="50000"/>
+                </a:schemeClr>
+              </a:lnRef>
+              <a:fillRef idx="1">
+                <a:schemeClr val="accent1"/>
+              </a:fillRef>
+              <a:effectRef idx="0">
+                <a:schemeClr val="accent1"/>
+              </a:effectRef>
+              <a:fontRef idx="minor">
+                <a:schemeClr val="lt1"/>
+              </a:fontRef>
+            </p:style>
+            <p:txBody>
+              <a:bodyPr rtlCol="0" anchor="t" anchorCtr="0"/>
+              <a:lstStyle/>
+              <a:p>
+                <a:pPr algn="r"/>
+                <a:r>
+                  <a:rPr lang="en-US" sz="1400" b="1" dirty="0" err="1" smtClean="0">
+                    <a:solidFill>
+                      <a:schemeClr val="tx2"/>
+                    </a:solidFill>
+                  </a:rPr>
+                  <a:t>ui</a:t>
+                </a:r>
+                <a:r>
+                  <a:rPr lang="en-US" sz="1400" b="1" dirty="0" smtClean="0">
+                    <a:solidFill>
+                      <a:schemeClr val="tx2"/>
+                    </a:solidFill>
+                  </a:rPr>
+                  <a:t>::helper</a:t>
+                </a:r>
+                <a:endParaRPr lang="en-SG" sz="1400" b="1" dirty="0">
+                  <a:solidFill>
+                    <a:schemeClr val="tx2"/>
+                  </a:solidFill>
+                </a:endParaRPr>
+              </a:p>
+            </p:txBody>
+          </p:sp>
+          <p:sp>
+            <p:nvSpPr>
+              <p:cNvPr id="130" name="Rectangle 129"/>
+              <p:cNvSpPr/>
+              <p:nvPr/>
+            </p:nvSpPr>
+            <p:spPr>
+              <a:xfrm>
+                <a:off x="647700" y="1371600"/>
+                <a:ext cx="495300" cy="152400"/>
+              </a:xfrm>
+              <a:prstGeom prst="rect">
+                <a:avLst/>
+              </a:prstGeom>
+              <a:grpFill/>
+              <a:ln>
+                <a:solidFill>
+                  <a:schemeClr val="tx2">
+                    <a:lumMod val="40000"/>
+                    <a:lumOff val="60000"/>
+                  </a:schemeClr>
+                </a:solidFill>
+              </a:ln>
+            </p:spPr>
+            <p:style>
+              <a:lnRef idx="2">
+                <a:schemeClr val="accent1">
+                  <a:shade val="50000"/>
+                </a:schemeClr>
+              </a:lnRef>
+              <a:fillRef idx="1">
+                <a:schemeClr val="accent1"/>
+              </a:fillRef>
+              <a:effectRef idx="0">
+                <a:schemeClr val="accent1"/>
+              </a:effectRef>
+              <a:fontRef idx="minor">
+                <a:schemeClr val="lt1"/>
+              </a:fontRef>
+            </p:style>
+            <p:txBody>
+              <a:bodyPr rtlCol="0" anchor="t" anchorCtr="0"/>
+              <a:lstStyle/>
+              <a:p>
+                <a:endParaRPr lang="en-SG" sz="1400" b="1">
+                  <a:solidFill>
+                    <a:schemeClr val="tx2"/>
+                  </a:solidFill>
+                </a:endParaRPr>
+              </a:p>
+            </p:txBody>
+          </p:sp>
+        </p:grpSp>
+        <p:sp>
+          <p:nvSpPr>
+            <p:cNvPr id="202" name="Rectangle 201"/>
+            <p:cNvSpPr/>
+            <p:nvPr/>
+          </p:nvSpPr>
+          <p:spPr>
+            <a:xfrm>
+              <a:off x="2760094" y="1242699"/>
+              <a:ext cx="1226777" cy="297095"/>
+            </a:xfrm>
+            <a:prstGeom prst="rect">
+              <a:avLst/>
+            </a:prstGeom>
+          </p:spPr>
+          <p:style>
+            <a:lnRef idx="2">
+              <a:schemeClr val="accent6">
+                <a:shade val="50000"/>
+              </a:schemeClr>
+            </a:lnRef>
+            <a:fillRef idx="1">
+              <a:schemeClr val="accent6"/>
+            </a:fillRef>
+            <a:effectRef idx="0">
+              <a:schemeClr val="accent6"/>
+            </a:effectRef>
+            <a:fontRef idx="minor">
+              <a:schemeClr val="lt1"/>
+            </a:fontRef>
+          </p:style>
+          <p:txBody>
+            <a:bodyPr rtlCol="0" anchor="ctr"/>
+            <a:lstStyle/>
+            <a:p>
+              <a:pPr algn="ctr"/>
+              <a:r>
+                <a:rPr lang="en-US" sz="1600" b="1" dirty="0" smtClean="0"/>
+                <a:t>Helper</a:t>
+              </a:r>
+              <a:endParaRPr lang="en-SG" sz="1600" b="1" dirty="0"/>
+            </a:p>
+          </p:txBody>
+        </p:sp>
+        <p:sp>
+          <p:nvSpPr>
+            <p:cNvPr id="203" name="Isosceles Triangle 202"/>
+            <p:cNvSpPr/>
+            <p:nvPr/>
+          </p:nvSpPr>
+          <p:spPr>
+            <a:xfrm>
+              <a:off x="3281917" y="1534646"/>
+              <a:ext cx="276225" cy="228600"/>
+            </a:xfrm>
+            <a:prstGeom prst="triangle">
+              <a:avLst/>
+            </a:prstGeom>
+          </p:spPr>
+          <p:style>
+            <a:lnRef idx="2">
+              <a:schemeClr val="accent6">
+                <a:shade val="50000"/>
+              </a:schemeClr>
+            </a:lnRef>
+            <a:fillRef idx="1">
+              <a:schemeClr val="accent6"/>
+            </a:fillRef>
+            <a:effectRef idx="0">
+              <a:schemeClr val="accent6"/>
+            </a:effectRef>
+            <a:fontRef idx="minor">
+              <a:schemeClr val="lt1"/>
+            </a:fontRef>
+          </p:style>
+          <p:txBody>
+            <a:bodyPr rtlCol="0" anchor="ctr"/>
+            <a:lstStyle/>
+            <a:p>
+              <a:pPr algn="ctr"/>
+              <a:endParaRPr lang="en-SG"/>
+            </a:p>
+          </p:txBody>
+        </p:sp>
+        <p:cxnSp>
+          <p:nvCxnSpPr>
+            <p:cNvPr id="204" name="Elbow Connector 203"/>
+            <p:cNvCxnSpPr>
+              <a:stCxn id="203" idx="3"/>
+              <a:endCxn id="200" idx="0"/>
+            </p:cNvCxnSpPr>
+            <p:nvPr/>
+          </p:nvCxnSpPr>
+          <p:spPr>
+            <a:xfrm>
+              <a:off x="3420030" y="1763246"/>
+              <a:ext cx="0" cy="325476"/>
+            </a:xfrm>
+            <a:prstGeom prst="straightConnector1">
+              <a:avLst/>
+            </a:prstGeom>
+          </p:spPr>
+          <p:style>
+            <a:lnRef idx="2">
+              <a:schemeClr val="accent6">
+                <a:shade val="50000"/>
+              </a:schemeClr>
+            </a:lnRef>
+            <a:fillRef idx="1">
+              <a:schemeClr val="accent6"/>
+            </a:fillRef>
+            <a:effectRef idx="0">
+              <a:schemeClr val="accent6"/>
+            </a:effectRef>
+            <a:fontRef idx="minor">
+              <a:schemeClr val="lt1"/>
+            </a:fontRef>
+          </p:style>
+        </p:cxnSp>
+        <p:grpSp>
+          <p:nvGrpSpPr>
+            <p:cNvPr id="7" name="Group 6"/>
+            <p:cNvGrpSpPr/>
+            <p:nvPr/>
+          </p:nvGrpSpPr>
+          <p:grpSpPr>
+            <a:xfrm>
+              <a:off x="2731647" y="2088722"/>
+              <a:ext cx="1504057" cy="461935"/>
+              <a:chOff x="5468615" y="1988128"/>
+              <a:chExt cx="1602470" cy="686901"/>
+            </a:xfrm>
+          </p:grpSpPr>
+          <p:sp>
+            <p:nvSpPr>
+              <p:cNvPr id="200" name="Rectangle 199"/>
+              <p:cNvSpPr/>
+              <p:nvPr/>
+            </p:nvSpPr>
+            <p:spPr>
+              <a:xfrm>
+                <a:off x="5468615" y="1988128"/>
+                <a:ext cx="1466850" cy="609600"/>
+              </a:xfrm>
+              <a:prstGeom prst="rect">
+                <a:avLst/>
+              </a:prstGeom>
+            </p:spPr>
+            <p:style>
+              <a:lnRef idx="2">
+                <a:schemeClr val="accent6">
+                  <a:shade val="50000"/>
+                </a:schemeClr>
+              </a:lnRef>
+              <a:fillRef idx="1">
+                <a:schemeClr val="accent6"/>
+              </a:fillRef>
+              <a:effectRef idx="0">
+                <a:schemeClr val="accent6"/>
+              </a:effectRef>
+              <a:fontRef idx="minor">
+                <a:schemeClr val="lt1"/>
+              </a:fontRef>
+            </p:style>
+            <p:txBody>
+              <a:bodyPr rtlCol="0" anchor="ctr"/>
+              <a:lstStyle/>
+              <a:p>
+                <a:pPr algn="ctr"/>
+                <a:r>
+                  <a:rPr lang="en-US" sz="1600" b="1" dirty="0" smtClean="0"/>
+                  <a:t>_</a:t>
+                </a:r>
+                <a:r>
+                  <a:rPr lang="en-US" sz="1600" b="1" dirty="0" err="1" smtClean="0"/>
+                  <a:t>xyz_Helper</a:t>
+                </a:r>
+                <a:endParaRPr lang="en-SG" sz="1600" b="1" dirty="0"/>
+              </a:p>
+            </p:txBody>
+          </p:sp>
+          <p:sp>
+            <p:nvSpPr>
+              <p:cNvPr id="237" name="Rectangle 236"/>
+              <p:cNvSpPr/>
+              <p:nvPr/>
+            </p:nvSpPr>
+            <p:spPr>
+              <a:xfrm>
+                <a:off x="5526281" y="2022345"/>
+                <a:ext cx="1466850" cy="609600"/>
+              </a:xfrm>
+              <a:prstGeom prst="rect">
+                <a:avLst/>
+              </a:prstGeom>
+            </p:spPr>
+            <p:style>
+              <a:lnRef idx="2">
+                <a:schemeClr val="accent6">
+                  <a:shade val="50000"/>
+                </a:schemeClr>
+              </a:lnRef>
+              <a:fillRef idx="1">
+                <a:schemeClr val="accent6"/>
+              </a:fillRef>
+              <a:effectRef idx="0">
+                <a:schemeClr val="accent6"/>
+              </a:effectRef>
+              <a:fontRef idx="minor">
+                <a:schemeClr val="lt1"/>
+              </a:fontRef>
+            </p:style>
+            <p:txBody>
+              <a:bodyPr rtlCol="0" anchor="ctr"/>
+              <a:lstStyle/>
+              <a:p>
+                <a:pPr algn="ctr"/>
+                <a:r>
+                  <a:rPr lang="en-US" sz="1600" b="1" dirty="0" smtClean="0"/>
+                  <a:t>_</a:t>
+                </a:r>
+                <a:r>
+                  <a:rPr lang="en-US" sz="1600" b="1" dirty="0" err="1" smtClean="0"/>
+                  <a:t>xyz_Helper</a:t>
+                </a:r>
+                <a:endParaRPr lang="en-SG" sz="1600" b="1" dirty="0"/>
+              </a:p>
+            </p:txBody>
+          </p:sp>
+          <p:sp>
+            <p:nvSpPr>
+              <p:cNvPr id="238" name="Rectangle 237"/>
+              <p:cNvSpPr/>
+              <p:nvPr/>
+            </p:nvSpPr>
+            <p:spPr>
+              <a:xfrm>
+                <a:off x="5604235" y="2065429"/>
+                <a:ext cx="1466850" cy="609600"/>
+              </a:xfrm>
+              <a:prstGeom prst="rect">
+                <a:avLst/>
+              </a:prstGeom>
+            </p:spPr>
+            <p:style>
+              <a:lnRef idx="2">
+                <a:schemeClr val="accent6">
+                  <a:shade val="50000"/>
+                </a:schemeClr>
+              </a:lnRef>
+              <a:fillRef idx="1">
+                <a:schemeClr val="accent6"/>
+              </a:fillRef>
+              <a:effectRef idx="0">
+                <a:schemeClr val="accent6"/>
+              </a:effectRef>
+              <a:fontRef idx="minor">
+                <a:schemeClr val="lt1"/>
+              </a:fontRef>
+            </p:style>
+            <p:txBody>
+              <a:bodyPr rtlCol="0" anchor="ctr"/>
+              <a:lstStyle/>
+              <a:p>
+                <a:pPr algn="ctr"/>
+                <a:r>
+                  <a:rPr lang="en-US" sz="1600" b="1" dirty="0" smtClean="0"/>
+                  <a:t>_</a:t>
+                </a:r>
+                <a:r>
+                  <a:rPr lang="en-US" sz="1600" b="1" dirty="0" err="1" smtClean="0"/>
+                  <a:t>xyz_Helper</a:t>
+                </a:r>
+                <a:endParaRPr lang="en-SG" sz="1600" b="1" dirty="0"/>
+              </a:p>
+            </p:txBody>
+          </p:sp>
+        </p:grpSp>
+      </p:grpSp>
+      <p:sp>
+        <p:nvSpPr>
+          <p:cNvPr id="210" name="TextBox 209"/>
           <p:cNvSpPr txBox="1"/>
           <p:nvPr/>
         </p:nvSpPr>
         <p:spPr>
           <a:xfrm>
-            <a:off x="2471000" y="3399481"/>
+            <a:off x="4336053" y="1530740"/>
             <a:ext cx="1066800" cy="307777"/>
           </a:xfrm>
           <a:prstGeom prst="rect">
@@ -5051,302 +5572,466 @@
           <a:p>
             <a:pPr algn="r"/>
             <a:r>
-              <a:rPr lang="en-US" dirty="0" smtClean="0"/>
+              <a:rPr lang="en-US" dirty="0" smtClean="0">
+                <a:solidFill>
+                  <a:schemeClr val="accent2">
+                    <a:lumMod val="75000"/>
+                  </a:schemeClr>
+                </a:solidFill>
+              </a:rPr>
               <a:t>&lt;&lt;create&gt;&gt;</a:t>
             </a:r>
-            <a:endParaRPr lang="en-SG" dirty="0"/>
-          </a:p>
-        </p:txBody>
-      </p:sp>
-      <p:sp>
-        <p:nvSpPr>
-          <p:cNvPr id="218" name="Folded Corner 217"/>
-          <p:cNvSpPr/>
+            <a:endParaRPr lang="en-SG" dirty="0">
+              <a:solidFill>
+                <a:schemeClr val="accent2">
+                  <a:lumMod val="75000"/>
+                </a:schemeClr>
+              </a:solidFill>
+            </a:endParaRPr>
+          </a:p>
+        </p:txBody>
+      </p:sp>
+      <p:grpSp>
+        <p:nvGrpSpPr>
+          <p:cNvPr id="135" name="Group 134"/>
+          <p:cNvGrpSpPr/>
           <p:nvPr/>
-        </p:nvSpPr>
-        <p:spPr>
+        </p:nvGrpSpPr>
+        <p:grpSpPr>
           <a:xfrm>
-            <a:off x="2967369" y="4699993"/>
-            <a:ext cx="1464715" cy="374591"/>
+            <a:off x="5342765" y="834694"/>
+            <a:ext cx="1789186" cy="1894064"/>
+            <a:chOff x="5342765" y="834694"/>
+            <a:chExt cx="1789186" cy="1894064"/>
           </a:xfrm>
-          <a:prstGeom prst="foldedCorner">
-            <a:avLst/>
-          </a:prstGeom>
-        </p:spPr>
-        <p:style>
-          <a:lnRef idx="2">
-            <a:schemeClr val="accent5">
-              <a:shade val="50000"/>
-            </a:schemeClr>
-          </a:lnRef>
-          <a:fillRef idx="1">
-            <a:schemeClr val="accent5"/>
-          </a:fillRef>
-          <a:effectRef idx="0">
-            <a:schemeClr val="accent5"/>
-          </a:effectRef>
-          <a:fontRef idx="minor">
-            <a:schemeClr val="lt1"/>
-          </a:fontRef>
-        </p:style>
-        <p:txBody>
-          <a:bodyPr rtlCol="0" anchor="ctr"/>
-          <a:lstStyle/>
-          <a:p>
-            <a:pPr algn="ctr"/>
-            <a:r>
-              <a:rPr lang="en-US" sz="1600" b="1" dirty="0" smtClean="0"/>
-              <a:t>*.</a:t>
-            </a:r>
-            <a:r>
-              <a:rPr lang="en-US" sz="1600" b="1" dirty="0" err="1" smtClean="0"/>
-              <a:t>css</a:t>
-            </a:r>
-            <a:endParaRPr lang="en-SG" sz="1600" b="1" dirty="0"/>
-          </a:p>
-        </p:txBody>
-      </p:sp>
-      <p:sp>
-        <p:nvSpPr>
-          <p:cNvPr id="219" name="Folded Corner 218"/>
-          <p:cNvSpPr/>
-          <p:nvPr/>
-        </p:nvSpPr>
-        <p:spPr>
-          <a:xfrm>
-            <a:off x="3009385" y="4770496"/>
-            <a:ext cx="1464715" cy="374591"/>
-          </a:xfrm>
-          <a:prstGeom prst="foldedCorner">
-            <a:avLst/>
-          </a:prstGeom>
-        </p:spPr>
-        <p:style>
-          <a:lnRef idx="2">
-            <a:schemeClr val="accent5">
-              <a:shade val="50000"/>
-            </a:schemeClr>
-          </a:lnRef>
-          <a:fillRef idx="1">
-            <a:schemeClr val="accent5"/>
-          </a:fillRef>
-          <a:effectRef idx="0">
-            <a:schemeClr val="accent5"/>
-          </a:effectRef>
-          <a:fontRef idx="minor">
-            <a:schemeClr val="lt1"/>
-          </a:fontRef>
-        </p:style>
-        <p:txBody>
-          <a:bodyPr rtlCol="0" anchor="ctr"/>
-          <a:lstStyle/>
-          <a:p>
-            <a:pPr algn="ctr"/>
-            <a:r>
-              <a:rPr lang="en-US" sz="1600" b="1" dirty="0" smtClean="0"/>
-              <a:t>*.</a:t>
-            </a:r>
-            <a:r>
-              <a:rPr lang="en-US" sz="1600" b="1" dirty="0" err="1" smtClean="0"/>
-              <a:t>css</a:t>
-            </a:r>
-            <a:endParaRPr lang="en-SG" sz="1600" b="1" dirty="0"/>
-          </a:p>
-        </p:txBody>
-      </p:sp>
+        </p:grpSpPr>
+        <p:grpSp>
+          <p:nvGrpSpPr>
+            <p:cNvPr id="140" name="Group 139"/>
+            <p:cNvGrpSpPr/>
+            <p:nvPr/>
+          </p:nvGrpSpPr>
+          <p:grpSpPr>
+            <a:xfrm>
+              <a:off x="5342765" y="834694"/>
+              <a:ext cx="1789186" cy="1894064"/>
+              <a:chOff x="-3638550" y="1371600"/>
+              <a:chExt cx="4781550" cy="2481840"/>
+            </a:xfrm>
+            <a:solidFill>
+              <a:schemeClr val="bg1"/>
+            </a:solidFill>
+          </p:grpSpPr>
+          <p:sp>
+            <p:nvSpPr>
+              <p:cNvPr id="141" name="Rectangle 140"/>
+              <p:cNvSpPr/>
+              <p:nvPr/>
+            </p:nvSpPr>
+            <p:spPr>
+              <a:xfrm>
+                <a:off x="-3638550" y="1523999"/>
+                <a:ext cx="4781550" cy="2329441"/>
+              </a:xfrm>
+              <a:prstGeom prst="rect">
+                <a:avLst/>
+              </a:prstGeom>
+              <a:grpFill/>
+              <a:ln>
+                <a:solidFill>
+                  <a:schemeClr val="tx2">
+                    <a:lumMod val="40000"/>
+                    <a:lumOff val="60000"/>
+                  </a:schemeClr>
+                </a:solidFill>
+              </a:ln>
+            </p:spPr>
+            <p:style>
+              <a:lnRef idx="2">
+                <a:schemeClr val="accent1">
+                  <a:shade val="50000"/>
+                </a:schemeClr>
+              </a:lnRef>
+              <a:fillRef idx="1">
+                <a:schemeClr val="accent1"/>
+              </a:fillRef>
+              <a:effectRef idx="0">
+                <a:schemeClr val="accent1"/>
+              </a:effectRef>
+              <a:fontRef idx="minor">
+                <a:schemeClr val="lt1"/>
+              </a:fontRef>
+            </p:style>
+            <p:txBody>
+              <a:bodyPr rtlCol="0" anchor="t" anchorCtr="0"/>
+              <a:lstStyle/>
+              <a:p>
+                <a:pPr algn="r"/>
+                <a:r>
+                  <a:rPr lang="en-US" sz="1400" b="1" dirty="0" err="1" smtClean="0">
+                    <a:solidFill>
+                      <a:schemeClr val="tx2"/>
+                    </a:solidFill>
+                  </a:rPr>
+                  <a:t>ui</a:t>
+                </a:r>
+                <a:r>
+                  <a:rPr lang="en-US" sz="1400" b="1" dirty="0" smtClean="0">
+                    <a:solidFill>
+                      <a:schemeClr val="tx2"/>
+                    </a:solidFill>
+                  </a:rPr>
+                  <a:t>::servlet</a:t>
+                </a:r>
+                <a:endParaRPr lang="en-SG" sz="1400" b="1" dirty="0">
+                  <a:solidFill>
+                    <a:schemeClr val="tx2"/>
+                  </a:solidFill>
+                </a:endParaRPr>
+              </a:p>
+            </p:txBody>
+          </p:sp>
+          <p:sp>
+            <p:nvSpPr>
+              <p:cNvPr id="142" name="Rectangle 141"/>
+              <p:cNvSpPr/>
+              <p:nvPr/>
+            </p:nvSpPr>
+            <p:spPr>
+              <a:xfrm>
+                <a:off x="647700" y="1371600"/>
+                <a:ext cx="495300" cy="152400"/>
+              </a:xfrm>
+              <a:prstGeom prst="rect">
+                <a:avLst/>
+              </a:prstGeom>
+              <a:grpFill/>
+              <a:ln>
+                <a:solidFill>
+                  <a:schemeClr val="tx2">
+                    <a:lumMod val="40000"/>
+                    <a:lumOff val="60000"/>
+                  </a:schemeClr>
+                </a:solidFill>
+              </a:ln>
+            </p:spPr>
+            <p:style>
+              <a:lnRef idx="2">
+                <a:schemeClr val="accent1">
+                  <a:shade val="50000"/>
+                </a:schemeClr>
+              </a:lnRef>
+              <a:fillRef idx="1">
+                <a:schemeClr val="accent1"/>
+              </a:fillRef>
+              <a:effectRef idx="0">
+                <a:schemeClr val="accent1"/>
+              </a:effectRef>
+              <a:fontRef idx="minor">
+                <a:schemeClr val="lt1"/>
+              </a:fontRef>
+            </p:style>
+            <p:txBody>
+              <a:bodyPr rtlCol="0" anchor="t" anchorCtr="0"/>
+              <a:lstStyle/>
+              <a:p>
+                <a:endParaRPr lang="en-SG" sz="1400" b="1">
+                  <a:solidFill>
+                    <a:schemeClr val="tx2"/>
+                  </a:solidFill>
+                </a:endParaRPr>
+              </a:p>
+            </p:txBody>
+          </p:sp>
+        </p:grpSp>
+        <p:sp>
+          <p:nvSpPr>
+            <p:cNvPr id="197" name="Rectangle 196"/>
+            <p:cNvSpPr/>
+            <p:nvPr/>
+          </p:nvSpPr>
+          <p:spPr>
+            <a:xfrm>
+              <a:off x="5538050" y="1244181"/>
+              <a:ext cx="1466850" cy="292891"/>
+            </a:xfrm>
+            <a:prstGeom prst="rect">
+              <a:avLst/>
+            </a:prstGeom>
+          </p:spPr>
+          <p:style>
+            <a:lnRef idx="2">
+              <a:schemeClr val="accent2">
+                <a:shade val="50000"/>
+              </a:schemeClr>
+            </a:lnRef>
+            <a:fillRef idx="1">
+              <a:schemeClr val="accent2"/>
+            </a:fillRef>
+            <a:effectRef idx="0">
+              <a:schemeClr val="accent2"/>
+            </a:effectRef>
+            <a:fontRef idx="minor">
+              <a:schemeClr val="lt1"/>
+            </a:fontRef>
+          </p:style>
+          <p:txBody>
+            <a:bodyPr rtlCol="0" anchor="ctr"/>
+            <a:lstStyle/>
+            <a:p>
+              <a:pPr algn="ctr"/>
+              <a:r>
+                <a:rPr lang="en-US" sz="1600" b="1" dirty="0" err="1" smtClean="0"/>
+                <a:t>ActionServlet</a:t>
+              </a:r>
+              <a:endParaRPr lang="en-SG" sz="1600" b="1" dirty="0"/>
+            </a:p>
+          </p:txBody>
+        </p:sp>
+        <p:sp>
+          <p:nvSpPr>
+            <p:cNvPr id="199" name="Isosceles Triangle 198"/>
+            <p:cNvSpPr/>
+            <p:nvPr/>
+          </p:nvSpPr>
+          <p:spPr>
+            <a:xfrm>
+              <a:off x="6013091" y="1556298"/>
+              <a:ext cx="276225" cy="228600"/>
+            </a:xfrm>
+            <a:prstGeom prst="triangle">
+              <a:avLst/>
+            </a:prstGeom>
+          </p:spPr>
+          <p:style>
+            <a:lnRef idx="2">
+              <a:schemeClr val="accent2">
+                <a:shade val="50000"/>
+              </a:schemeClr>
+            </a:lnRef>
+            <a:fillRef idx="1">
+              <a:schemeClr val="accent2"/>
+            </a:fillRef>
+            <a:effectRef idx="0">
+              <a:schemeClr val="accent2"/>
+            </a:effectRef>
+            <a:fontRef idx="minor">
+              <a:schemeClr val="lt1"/>
+            </a:fontRef>
+          </p:style>
+          <p:txBody>
+            <a:bodyPr rtlCol="0" anchor="ctr"/>
+            <a:lstStyle/>
+            <a:p>
+              <a:pPr algn="ctr"/>
+              <a:endParaRPr lang="en-SG"/>
+            </a:p>
+          </p:txBody>
+        </p:sp>
+        <p:cxnSp>
+          <p:nvCxnSpPr>
+            <p:cNvPr id="201" name="Elbow Connector 200"/>
+            <p:cNvCxnSpPr>
+              <a:stCxn id="199" idx="3"/>
+            </p:cNvCxnSpPr>
+            <p:nvPr/>
+          </p:nvCxnSpPr>
+          <p:spPr>
+            <a:xfrm rot="5400000">
+              <a:off x="5967310" y="1968792"/>
+              <a:ext cx="367789" cy="1"/>
+            </a:xfrm>
+            <a:prstGeom prst="bentConnector3">
+              <a:avLst/>
+            </a:prstGeom>
+          </p:spPr>
+          <p:style>
+            <a:lnRef idx="2">
+              <a:schemeClr val="accent2">
+                <a:shade val="50000"/>
+              </a:schemeClr>
+            </a:lnRef>
+            <a:fillRef idx="1">
+              <a:schemeClr val="accent2"/>
+            </a:fillRef>
+            <a:effectRef idx="0">
+              <a:schemeClr val="accent2"/>
+            </a:effectRef>
+            <a:fontRef idx="minor">
+              <a:schemeClr val="lt1"/>
+            </a:fontRef>
+          </p:style>
+        </p:cxnSp>
+        <p:grpSp>
+          <p:nvGrpSpPr>
+            <p:cNvPr id="8" name="Group 7"/>
+            <p:cNvGrpSpPr/>
+            <p:nvPr/>
+          </p:nvGrpSpPr>
+          <p:grpSpPr>
+            <a:xfrm>
+              <a:off x="5492923" y="2113652"/>
+              <a:ext cx="1376780" cy="481800"/>
+              <a:chOff x="2716692" y="1988128"/>
+              <a:chExt cx="1583333" cy="692591"/>
+            </a:xfrm>
+          </p:grpSpPr>
+          <p:sp>
+            <p:nvSpPr>
+              <p:cNvPr id="198" name="Rectangle 197"/>
+              <p:cNvSpPr/>
+              <p:nvPr/>
+            </p:nvSpPr>
+            <p:spPr>
+              <a:xfrm>
+                <a:off x="2716692" y="1988128"/>
+                <a:ext cx="1466850" cy="609600"/>
+              </a:xfrm>
+              <a:prstGeom prst="rect">
+                <a:avLst/>
+              </a:prstGeom>
+            </p:spPr>
+            <p:style>
+              <a:lnRef idx="2">
+                <a:schemeClr val="accent2">
+                  <a:shade val="50000"/>
+                </a:schemeClr>
+              </a:lnRef>
+              <a:fillRef idx="1">
+                <a:schemeClr val="accent2"/>
+              </a:fillRef>
+              <a:effectRef idx="0">
+                <a:schemeClr val="accent2"/>
+              </a:effectRef>
+              <a:fontRef idx="minor">
+                <a:schemeClr val="lt1"/>
+              </a:fontRef>
+            </p:style>
+            <p:txBody>
+              <a:bodyPr rtlCol="0" anchor="ctr"/>
+              <a:lstStyle/>
+              <a:p>
+                <a:pPr algn="ctr"/>
+                <a:r>
+                  <a:rPr lang="en-US" sz="1600" b="1" dirty="0" smtClean="0"/>
+                  <a:t>_</a:t>
+                </a:r>
+                <a:r>
+                  <a:rPr lang="en-US" sz="1600" b="1" dirty="0" err="1" smtClean="0"/>
+                  <a:t>xyz_Servlet</a:t>
+                </a:r>
+                <a:endParaRPr lang="en-SG" sz="1600" b="1" dirty="0"/>
+              </a:p>
+            </p:txBody>
+          </p:sp>
+          <p:sp>
+            <p:nvSpPr>
+              <p:cNvPr id="232" name="Rectangle 231"/>
+              <p:cNvSpPr/>
+              <p:nvPr/>
+            </p:nvSpPr>
+            <p:spPr>
+              <a:xfrm>
+                <a:off x="2770973" y="2030054"/>
+                <a:ext cx="1466850" cy="609600"/>
+              </a:xfrm>
+              <a:prstGeom prst="rect">
+                <a:avLst/>
+              </a:prstGeom>
+            </p:spPr>
+            <p:style>
+              <a:lnRef idx="2">
+                <a:schemeClr val="accent2">
+                  <a:shade val="50000"/>
+                </a:schemeClr>
+              </a:lnRef>
+              <a:fillRef idx="1">
+                <a:schemeClr val="accent2"/>
+              </a:fillRef>
+              <a:effectRef idx="0">
+                <a:schemeClr val="accent2"/>
+              </a:effectRef>
+              <a:fontRef idx="minor">
+                <a:schemeClr val="lt1"/>
+              </a:fontRef>
+            </p:style>
+            <p:txBody>
+              <a:bodyPr rtlCol="0" anchor="ctr"/>
+              <a:lstStyle/>
+              <a:p>
+                <a:pPr algn="ctr"/>
+                <a:r>
+                  <a:rPr lang="en-US" sz="1600" b="1" dirty="0" smtClean="0"/>
+                  <a:t>_</a:t>
+                </a:r>
+                <a:r>
+                  <a:rPr lang="en-US" sz="1600" b="1" dirty="0" err="1" smtClean="0"/>
+                  <a:t>xyz_Servlet</a:t>
+                </a:r>
+                <a:endParaRPr lang="en-SG" sz="1600" b="1" dirty="0"/>
+              </a:p>
+            </p:txBody>
+          </p:sp>
+          <p:sp>
+            <p:nvSpPr>
+              <p:cNvPr id="233" name="Rectangle 232"/>
+              <p:cNvSpPr/>
+              <p:nvPr/>
+            </p:nvSpPr>
+            <p:spPr>
+              <a:xfrm>
+                <a:off x="2833175" y="2071119"/>
+                <a:ext cx="1466850" cy="609600"/>
+              </a:xfrm>
+              <a:prstGeom prst="rect">
+                <a:avLst/>
+              </a:prstGeom>
+            </p:spPr>
+            <p:style>
+              <a:lnRef idx="2">
+                <a:schemeClr val="accent2">
+                  <a:shade val="50000"/>
+                </a:schemeClr>
+              </a:lnRef>
+              <a:fillRef idx="1">
+                <a:schemeClr val="accent2"/>
+              </a:fillRef>
+              <a:effectRef idx="0">
+                <a:schemeClr val="accent2"/>
+              </a:effectRef>
+              <a:fontRef idx="minor">
+                <a:schemeClr val="lt1"/>
+              </a:fontRef>
+            </p:style>
+            <p:txBody>
+              <a:bodyPr rtlCol="0" anchor="ctr"/>
+              <a:lstStyle/>
+              <a:p>
+                <a:pPr algn="ctr"/>
+                <a:r>
+                  <a:rPr lang="en-US" sz="1600" b="1" dirty="0" smtClean="0"/>
+                  <a:t>_</a:t>
+                </a:r>
+                <a:r>
+                  <a:rPr lang="en-US" sz="1600" b="1" dirty="0" err="1" smtClean="0"/>
+                  <a:t>xyz_Servlet</a:t>
+                </a:r>
+                <a:endParaRPr lang="en-SG" sz="1600" b="1" dirty="0"/>
+              </a:p>
+            </p:txBody>
+          </p:sp>
+        </p:grpSp>
+      </p:grpSp>
       <p:cxnSp>
         <p:nvCxnSpPr>
-          <p:cNvPr id="220" name="Elbow Connector 219"/>
-          <p:cNvCxnSpPr>
-            <a:stCxn id="211" idx="2"/>
-            <a:endCxn id="215" idx="1"/>
-          </p:cNvCxnSpPr>
+          <p:cNvPr id="66" name="Elbow Connector 65"/>
+          <p:cNvCxnSpPr/>
           <p:nvPr/>
         </p:nvCxnSpPr>
         <p:spPr>
-          <a:xfrm rot="16200000" flipH="1">
-            <a:off x="1833983" y="3002229"/>
-            <a:ext cx="245335" cy="2247900"/>
-          </a:xfrm>
-          <a:prstGeom prst="bentConnector2">
-            <a:avLst/>
-          </a:prstGeom>
-          <a:ln>
-            <a:solidFill>
-              <a:schemeClr val="tx1"/>
-            </a:solidFill>
-            <a:prstDash val="dash"/>
-            <a:tailEnd type="arrow"/>
-          </a:ln>
-        </p:spPr>
-        <p:style>
-          <a:lnRef idx="2">
-            <a:schemeClr val="accent4">
-              <a:shade val="50000"/>
-            </a:schemeClr>
-          </a:lnRef>
-          <a:fillRef idx="1">
-            <a:schemeClr val="accent4"/>
-          </a:fillRef>
-          <a:effectRef idx="0">
-            <a:schemeClr val="accent4"/>
-          </a:effectRef>
-          <a:fontRef idx="minor">
-            <a:schemeClr val="lt1"/>
-          </a:fontRef>
-        </p:style>
-      </p:cxnSp>
-      <p:cxnSp>
-        <p:nvCxnSpPr>
-          <p:cNvPr id="221" name="Elbow Connector 220"/>
-          <p:cNvCxnSpPr>
-            <a:stCxn id="211" idx="2"/>
-            <a:endCxn id="219" idx="1"/>
-          </p:cNvCxnSpPr>
-          <p:nvPr/>
-        </p:nvCxnSpPr>
-        <p:spPr>
-          <a:xfrm rot="16200000" flipH="1">
-            <a:off x="1443902" y="3392309"/>
-            <a:ext cx="954280" cy="2176685"/>
-          </a:xfrm>
-          <a:prstGeom prst="bentConnector2">
-            <a:avLst/>
-          </a:prstGeom>
-          <a:ln>
-            <a:solidFill>
-              <a:schemeClr val="tx1"/>
-            </a:solidFill>
-            <a:prstDash val="dash"/>
-            <a:tailEnd type="arrow"/>
-          </a:ln>
-        </p:spPr>
-        <p:style>
-          <a:lnRef idx="2">
-            <a:schemeClr val="accent4">
-              <a:shade val="50000"/>
-            </a:schemeClr>
-          </a:lnRef>
-          <a:fillRef idx="1">
-            <a:schemeClr val="accent4"/>
-          </a:fillRef>
-          <a:effectRef idx="0">
-            <a:schemeClr val="accent4"/>
-          </a:effectRef>
-          <a:fontRef idx="minor">
-            <a:schemeClr val="lt1"/>
-          </a:fontRef>
-        </p:style>
-      </p:cxnSp>
-      <p:sp>
-        <p:nvSpPr>
-          <p:cNvPr id="222" name="Folded Corner 221"/>
-          <p:cNvSpPr/>
-          <p:nvPr/>
-        </p:nvSpPr>
-        <p:spPr>
-          <a:xfrm>
-            <a:off x="5528526" y="3684109"/>
-            <a:ext cx="1466850" cy="609600"/>
-          </a:xfrm>
-          <a:prstGeom prst="foldedCorner">
-            <a:avLst/>
-          </a:prstGeom>
-        </p:spPr>
-        <p:style>
-          <a:lnRef idx="2">
-            <a:schemeClr val="accent4">
-              <a:shade val="50000"/>
-            </a:schemeClr>
-          </a:lnRef>
-          <a:fillRef idx="1">
-            <a:schemeClr val="accent4"/>
-          </a:fillRef>
-          <a:effectRef idx="0">
-            <a:schemeClr val="accent4"/>
-          </a:effectRef>
-          <a:fontRef idx="minor">
-            <a:schemeClr val="lt1"/>
-          </a:fontRef>
-        </p:style>
-        <p:txBody>
-          <a:bodyPr rtlCol="0" anchor="ctr"/>
-          <a:lstStyle/>
-          <a:p>
-            <a:pPr algn="ctr"/>
-            <a:r>
-              <a:rPr lang="en-US" sz="1600" b="1" dirty="0" smtClean="0"/>
-              <a:t>_xyz_.</a:t>
-            </a:r>
-            <a:r>
-              <a:rPr lang="en-US" sz="1600" b="1" dirty="0" err="1" smtClean="0"/>
-              <a:t>jsp</a:t>
-            </a:r>
-            <a:endParaRPr lang="en-SG" sz="1600" b="1" dirty="0"/>
-          </a:p>
-        </p:txBody>
-      </p:sp>
-      <p:sp>
-        <p:nvSpPr>
-          <p:cNvPr id="223" name="Folded Corner 222"/>
-          <p:cNvSpPr/>
-          <p:nvPr/>
-        </p:nvSpPr>
-        <p:spPr>
-          <a:xfrm>
-            <a:off x="5606860" y="3738592"/>
-            <a:ext cx="1466850" cy="609600"/>
-          </a:xfrm>
-          <a:prstGeom prst="foldedCorner">
-            <a:avLst/>
-          </a:prstGeom>
-        </p:spPr>
-        <p:style>
-          <a:lnRef idx="2">
-            <a:schemeClr val="accent4">
-              <a:shade val="50000"/>
-            </a:schemeClr>
-          </a:lnRef>
-          <a:fillRef idx="1">
-            <a:schemeClr val="accent4"/>
-          </a:fillRef>
-          <a:effectRef idx="0">
-            <a:schemeClr val="accent4"/>
-          </a:effectRef>
-          <a:fontRef idx="minor">
-            <a:schemeClr val="lt1"/>
-          </a:fontRef>
-        </p:style>
-        <p:txBody>
-          <a:bodyPr rtlCol="0" anchor="ctr"/>
-          <a:lstStyle/>
-          <a:p>
-            <a:pPr algn="ctr"/>
-            <a:r>
-              <a:rPr lang="en-US" sz="1600" b="1" dirty="0" smtClean="0"/>
-              <a:t>_xyz_.</a:t>
-            </a:r>
-            <a:r>
-              <a:rPr lang="en-US" sz="1600" b="1" dirty="0" err="1" smtClean="0"/>
-              <a:t>jsp</a:t>
-            </a:r>
-            <a:endParaRPr lang="en-SG" sz="1600" b="1" dirty="0"/>
-          </a:p>
-        </p:txBody>
-      </p:sp>
-      <p:cxnSp>
-        <p:nvCxnSpPr>
-          <p:cNvPr id="224" name="Elbow Connector 223"/>
-          <p:cNvCxnSpPr>
-            <a:stCxn id="197" idx="3"/>
-            <a:endCxn id="202" idx="1"/>
-          </p:cNvCxnSpPr>
-          <p:nvPr/>
-        </p:nvCxnSpPr>
-        <p:spPr>
-          <a:xfrm flipV="1">
-            <a:off x="4774092" y="1445535"/>
-            <a:ext cx="706809" cy="2071"/>
+          <a:xfrm rot="10800000">
+            <a:off x="4492298" y="1925985"/>
+            <a:ext cx="846337" cy="1"/>
           </a:xfrm>
           <a:prstGeom prst="bentConnector3">
             <a:avLst>
@@ -5380,25 +6065,29 @@
       </p:cxnSp>
       <p:cxnSp>
         <p:nvCxnSpPr>
-          <p:cNvPr id="225" name="Elbow Connector 224"/>
-          <p:cNvCxnSpPr/>
+          <p:cNvPr id="106" name="Elbow Connector 105"/>
+          <p:cNvCxnSpPr>
+            <a:stCxn id="141" idx="3"/>
+          </p:cNvCxnSpPr>
           <p:nvPr/>
         </p:nvCxnSpPr>
         <p:spPr>
           <a:xfrm flipV="1">
-            <a:off x="3080600" y="1127919"/>
-            <a:ext cx="4800600" cy="860210"/>
+            <a:off x="7131951" y="1838517"/>
+            <a:ext cx="749249" cy="1362"/>
           </a:xfrm>
           <a:prstGeom prst="bentConnector3">
             <a:avLst>
-              <a:gd name="adj1" fmla="val -244"/>
+              <a:gd name="adj1" fmla="val 50000"/>
             </a:avLst>
           </a:prstGeom>
           <a:ln w="38100">
             <a:solidFill>
-              <a:schemeClr val="tx1"/>
+              <a:schemeClr val="accent2">
+                <a:lumMod val="75000"/>
+              </a:schemeClr>
             </a:solidFill>
-            <a:prstDash val="sysDash"/>
+            <a:prstDash val="sysDot"/>
             <a:tailEnd type="arrow"/>
           </a:ln>
         </p:spPr>
@@ -5417,349 +6106,6 @@
           </a:fontRef>
         </p:style>
       </p:cxnSp>
-      <p:sp>
-        <p:nvSpPr>
-          <p:cNvPr id="226" name="Rounded Rectangle 225"/>
-          <p:cNvSpPr/>
-          <p:nvPr/>
-        </p:nvSpPr>
-        <p:spPr>
-          <a:xfrm>
-            <a:off x="7881200" y="114387"/>
-            <a:ext cx="914400" cy="5525997"/>
-          </a:xfrm>
-          <a:prstGeom prst="roundRect">
-            <a:avLst>
-              <a:gd name="adj" fmla="val 23209"/>
-            </a:avLst>
-          </a:prstGeom>
-          <a:solidFill>
-            <a:schemeClr val="bg1">
-              <a:lumMod val="85000"/>
-            </a:schemeClr>
-          </a:solidFill>
-          <a:ln>
-            <a:solidFill>
-              <a:schemeClr val="bg1">
-                <a:lumMod val="75000"/>
-              </a:schemeClr>
-            </a:solidFill>
-          </a:ln>
-        </p:spPr>
-        <p:style>
-          <a:lnRef idx="2">
-            <a:schemeClr val="accent1">
-              <a:shade val="50000"/>
-            </a:schemeClr>
-          </a:lnRef>
-          <a:fillRef idx="1">
-            <a:schemeClr val="accent1"/>
-          </a:fillRef>
-          <a:effectRef idx="0">
-            <a:schemeClr val="accent1"/>
-          </a:effectRef>
-          <a:fontRef idx="minor">
-            <a:schemeClr val="lt1"/>
-          </a:fontRef>
-        </p:style>
-        <p:txBody>
-          <a:bodyPr vert="vert270" rtlCol="0" anchor="t" anchorCtr="1"/>
-          <a:lstStyle/>
-          <a:p>
-            <a:pPr algn="r"/>
-            <a:r>
-              <a:rPr lang="en-US" sz="1600" b="1" dirty="0" smtClean="0"/>
-              <a:t>Logic</a:t>
-            </a:r>
-            <a:endParaRPr lang="en-SG" sz="1600" b="1" dirty="0"/>
-          </a:p>
-        </p:txBody>
-      </p:sp>
-      <p:sp>
-        <p:nvSpPr>
-          <p:cNvPr id="227" name="Rectangle 226"/>
-          <p:cNvSpPr/>
-          <p:nvPr/>
-        </p:nvSpPr>
-        <p:spPr>
-          <a:xfrm>
-            <a:off x="8338400" y="-36513"/>
-            <a:ext cx="609600" cy="5867400"/>
-          </a:xfrm>
-          <a:prstGeom prst="rect">
-            <a:avLst/>
-          </a:prstGeom>
-          <a:solidFill>
-            <a:schemeClr val="bg1"/>
-          </a:solidFill>
-          <a:ln>
-            <a:noFill/>
-          </a:ln>
-          <a:effectLst>
-            <a:softEdge rad="63500"/>
-          </a:effectLst>
-        </p:spPr>
-        <p:style>
-          <a:lnRef idx="2">
-            <a:schemeClr val="accent1">
-              <a:shade val="50000"/>
-            </a:schemeClr>
-          </a:lnRef>
-          <a:fillRef idx="1">
-            <a:schemeClr val="accent1"/>
-          </a:fillRef>
-          <a:effectRef idx="0">
-            <a:schemeClr val="accent1"/>
-          </a:effectRef>
-          <a:fontRef idx="minor">
-            <a:schemeClr val="lt1"/>
-          </a:fontRef>
-        </p:style>
-        <p:txBody>
-          <a:bodyPr rtlCol="0" anchor="ctr"/>
-          <a:lstStyle/>
-          <a:p>
-            <a:pPr algn="ctr"/>
-            <a:endParaRPr lang="en-SG"/>
-          </a:p>
-        </p:txBody>
-      </p:sp>
-      <p:sp>
-        <p:nvSpPr>
-          <p:cNvPr id="230" name="Rectangle 229"/>
-          <p:cNvSpPr/>
-          <p:nvPr/>
-        </p:nvSpPr>
-        <p:spPr>
-          <a:xfrm>
-            <a:off x="2702894" y="594519"/>
-            <a:ext cx="1466850" cy="377438"/>
-          </a:xfrm>
-          <a:prstGeom prst="rect">
-            <a:avLst/>
-          </a:prstGeom>
-        </p:spPr>
-        <p:style>
-          <a:lnRef idx="2">
-            <a:schemeClr val="accent1">
-              <a:shade val="50000"/>
-            </a:schemeClr>
-          </a:lnRef>
-          <a:fillRef idx="1">
-            <a:schemeClr val="accent1"/>
-          </a:fillRef>
-          <a:effectRef idx="0">
-            <a:schemeClr val="accent1"/>
-          </a:effectRef>
-          <a:fontRef idx="minor">
-            <a:schemeClr val="lt1"/>
-          </a:fontRef>
-        </p:style>
-        <p:txBody>
-          <a:bodyPr rtlCol="0" anchor="ctr"/>
-          <a:lstStyle/>
-          <a:p>
-            <a:pPr algn="ctr"/>
-            <a:r>
-              <a:rPr lang="en-US" sz="1600" b="1" dirty="0" err="1" smtClean="0"/>
-              <a:t>LoginFilter</a:t>
-            </a:r>
-            <a:endParaRPr lang="en-SG" sz="1600" b="1" dirty="0"/>
-          </a:p>
-        </p:txBody>
-      </p:sp>
-      <p:sp>
-        <p:nvSpPr>
-          <p:cNvPr id="232" name="Rectangle 231"/>
-          <p:cNvSpPr/>
-          <p:nvPr/>
-        </p:nvSpPr>
-        <p:spPr>
-          <a:xfrm>
-            <a:off x="2770973" y="2030054"/>
-            <a:ext cx="1466850" cy="609600"/>
-          </a:xfrm>
-          <a:prstGeom prst="rect">
-            <a:avLst/>
-          </a:prstGeom>
-        </p:spPr>
-        <p:style>
-          <a:lnRef idx="2">
-            <a:schemeClr val="accent2">
-              <a:shade val="50000"/>
-            </a:schemeClr>
-          </a:lnRef>
-          <a:fillRef idx="1">
-            <a:schemeClr val="accent2"/>
-          </a:fillRef>
-          <a:effectRef idx="0">
-            <a:schemeClr val="accent2"/>
-          </a:effectRef>
-          <a:fontRef idx="minor">
-            <a:schemeClr val="lt1"/>
-          </a:fontRef>
-        </p:style>
-        <p:txBody>
-          <a:bodyPr rtlCol="0" anchor="ctr"/>
-          <a:lstStyle/>
-          <a:p>
-            <a:pPr algn="ctr"/>
-            <a:r>
-              <a:rPr lang="en-US" sz="1600" b="1" dirty="0" smtClean="0"/>
-              <a:t>_</a:t>
-            </a:r>
-            <a:r>
-              <a:rPr lang="en-US" sz="1600" b="1" dirty="0" err="1" smtClean="0"/>
-              <a:t>xyz_Servlet</a:t>
-            </a:r>
-            <a:endParaRPr lang="en-SG" sz="1600" b="1" dirty="0"/>
-          </a:p>
-        </p:txBody>
-      </p:sp>
-      <p:sp>
-        <p:nvSpPr>
-          <p:cNvPr id="233" name="Rectangle 232"/>
-          <p:cNvSpPr/>
-          <p:nvPr/>
-        </p:nvSpPr>
-        <p:spPr>
-          <a:xfrm>
-            <a:off x="2833175" y="2071119"/>
-            <a:ext cx="1466850" cy="609600"/>
-          </a:xfrm>
-          <a:prstGeom prst="rect">
-            <a:avLst/>
-          </a:prstGeom>
-        </p:spPr>
-        <p:style>
-          <a:lnRef idx="2">
-            <a:schemeClr val="accent2">
-              <a:shade val="50000"/>
-            </a:schemeClr>
-          </a:lnRef>
-          <a:fillRef idx="1">
-            <a:schemeClr val="accent2"/>
-          </a:fillRef>
-          <a:effectRef idx="0">
-            <a:schemeClr val="accent2"/>
-          </a:effectRef>
-          <a:fontRef idx="minor">
-            <a:schemeClr val="lt1"/>
-          </a:fontRef>
-        </p:style>
-        <p:txBody>
-          <a:bodyPr rtlCol="0" anchor="ctr"/>
-          <a:lstStyle/>
-          <a:p>
-            <a:pPr algn="ctr"/>
-            <a:r>
-              <a:rPr lang="en-US" sz="1600" b="1" dirty="0" smtClean="0"/>
-              <a:t>_</a:t>
-            </a:r>
-            <a:r>
-              <a:rPr lang="en-US" sz="1600" b="1" dirty="0" err="1" smtClean="0"/>
-              <a:t>xyz_Servlet</a:t>
-            </a:r>
-            <a:endParaRPr lang="en-SG" sz="1600" b="1" dirty="0"/>
-          </a:p>
-        </p:txBody>
-      </p:sp>
-      <p:sp>
-        <p:nvSpPr>
-          <p:cNvPr id="237" name="Rectangle 236"/>
-          <p:cNvSpPr/>
-          <p:nvPr/>
-        </p:nvSpPr>
-        <p:spPr>
-          <a:xfrm>
-            <a:off x="5526281" y="2022345"/>
-            <a:ext cx="1466850" cy="609600"/>
-          </a:xfrm>
-          <a:prstGeom prst="rect">
-            <a:avLst/>
-          </a:prstGeom>
-        </p:spPr>
-        <p:style>
-          <a:lnRef idx="2">
-            <a:schemeClr val="accent6">
-              <a:shade val="50000"/>
-            </a:schemeClr>
-          </a:lnRef>
-          <a:fillRef idx="1">
-            <a:schemeClr val="accent6"/>
-          </a:fillRef>
-          <a:effectRef idx="0">
-            <a:schemeClr val="accent6"/>
-          </a:effectRef>
-          <a:fontRef idx="minor">
-            <a:schemeClr val="lt1"/>
-          </a:fontRef>
-        </p:style>
-        <p:txBody>
-          <a:bodyPr rtlCol="0" anchor="ctr"/>
-          <a:lstStyle/>
-          <a:p>
-            <a:pPr algn="ctr"/>
-            <a:r>
-              <a:rPr lang="en-US" sz="1600" b="1" dirty="0" smtClean="0"/>
-              <a:t>_</a:t>
-            </a:r>
-            <a:r>
-              <a:rPr lang="en-US" sz="1600" b="1" dirty="0" err="1" smtClean="0"/>
-              <a:t>xyz_Helper</a:t>
-            </a:r>
-            <a:endParaRPr lang="en-SG" sz="1600" b="1" dirty="0"/>
-          </a:p>
-        </p:txBody>
-      </p:sp>
-      <p:sp>
-        <p:nvSpPr>
-          <p:cNvPr id="238" name="Rectangle 237"/>
-          <p:cNvSpPr/>
-          <p:nvPr/>
-        </p:nvSpPr>
-        <p:spPr>
-          <a:xfrm>
-            <a:off x="5604235" y="2065429"/>
-            <a:ext cx="1466850" cy="609600"/>
-          </a:xfrm>
-          <a:prstGeom prst="rect">
-            <a:avLst/>
-          </a:prstGeom>
-        </p:spPr>
-        <p:style>
-          <a:lnRef idx="2">
-            <a:schemeClr val="accent6">
-              <a:shade val="50000"/>
-            </a:schemeClr>
-          </a:lnRef>
-          <a:fillRef idx="1">
-            <a:schemeClr val="accent6"/>
-          </a:fillRef>
-          <a:effectRef idx="0">
-            <a:schemeClr val="accent6"/>
-          </a:effectRef>
-          <a:fontRef idx="minor">
-            <a:schemeClr val="lt1"/>
-          </a:fontRef>
-        </p:style>
-        <p:txBody>
-          <a:bodyPr rtlCol="0" anchor="ctr"/>
-          <a:lstStyle/>
-          <a:p>
-            <a:pPr algn="ctr"/>
-            <a:r>
-              <a:rPr lang="en-US" sz="1600" b="1" dirty="0" smtClean="0"/>
-              <a:t>_</a:t>
-            </a:r>
-            <a:r>
-              <a:rPr lang="en-US" sz="1600" b="1" dirty="0" err="1" smtClean="0"/>
-              <a:t>xyz_Helper</a:t>
-            </a:r>
-            <a:endParaRPr lang="en-SG" sz="1600" b="1" dirty="0"/>
-          </a:p>
-        </p:txBody>
-      </p:sp>
     </p:spTree>
     <p:extLst>
       <p:ext uri="{BB962C8B-B14F-4D97-AF65-F5344CB8AC3E}">

--- a/doc/diagrams/UiComponent.pptx
+++ b/doc/diagrams/UiComponent.pptx
@@ -192,7 +192,7 @@
           <a:p>
             <a:fld id="{DC50A2AC-D691-437C-A69B-81ECFE08AD4B}" type="datetimeFigureOut">
               <a:rPr lang="en-SG" smtClean="0"/>
-              <a:t>13/7/2012</a:t>
+              <a:t>1/10/2012</a:t>
             </a:fld>
             <a:endParaRPr lang="en-SG"/>
           </a:p>
@@ -731,7 +731,7 @@
             <a:fld id="{1D8BD707-D9CF-40AE-B4C6-C98DA3205C09}" type="datetimeFigureOut">
               <a:rPr lang="en-US" smtClean="0"/>
               <a:pPr/>
-              <a:t>7/13/2012</a:t>
+              <a:t>10/1/2012</a:t>
             </a:fld>
             <a:endParaRPr lang="en-US"/>
           </a:p>
@@ -898,7 +898,7 @@
             <a:fld id="{1D8BD707-D9CF-40AE-B4C6-C98DA3205C09}" type="datetimeFigureOut">
               <a:rPr lang="en-US" smtClean="0"/>
               <a:pPr/>
-              <a:t>7/13/2012</a:t>
+              <a:t>10/1/2012</a:t>
             </a:fld>
             <a:endParaRPr lang="en-US"/>
           </a:p>
@@ -1075,7 +1075,7 @@
             <a:fld id="{1D8BD707-D9CF-40AE-B4C6-C98DA3205C09}" type="datetimeFigureOut">
               <a:rPr lang="en-US" smtClean="0"/>
               <a:pPr/>
-              <a:t>7/13/2012</a:t>
+              <a:t>10/1/2012</a:t>
             </a:fld>
             <a:endParaRPr lang="en-US"/>
           </a:p>
@@ -1242,7 +1242,7 @@
             <a:fld id="{1D8BD707-D9CF-40AE-B4C6-C98DA3205C09}" type="datetimeFigureOut">
               <a:rPr lang="en-US" smtClean="0"/>
               <a:pPr/>
-              <a:t>7/13/2012</a:t>
+              <a:t>10/1/2012</a:t>
             </a:fld>
             <a:endParaRPr lang="en-US"/>
           </a:p>
@@ -1485,7 +1485,7 @@
             <a:fld id="{1D8BD707-D9CF-40AE-B4C6-C98DA3205C09}" type="datetimeFigureOut">
               <a:rPr lang="en-US" smtClean="0"/>
               <a:pPr/>
-              <a:t>7/13/2012</a:t>
+              <a:t>10/1/2012</a:t>
             </a:fld>
             <a:endParaRPr lang="en-US"/>
           </a:p>
@@ -1770,7 +1770,7 @@
             <a:fld id="{1D8BD707-D9CF-40AE-B4C6-C98DA3205C09}" type="datetimeFigureOut">
               <a:rPr lang="en-US" smtClean="0"/>
               <a:pPr/>
-              <a:t>7/13/2012</a:t>
+              <a:t>10/1/2012</a:t>
             </a:fld>
             <a:endParaRPr lang="en-US"/>
           </a:p>
@@ -2189,7 +2189,7 @@
             <a:fld id="{1D8BD707-D9CF-40AE-B4C6-C98DA3205C09}" type="datetimeFigureOut">
               <a:rPr lang="en-US" smtClean="0"/>
               <a:pPr/>
-              <a:t>7/13/2012</a:t>
+              <a:t>10/1/2012</a:t>
             </a:fld>
             <a:endParaRPr lang="en-US"/>
           </a:p>
@@ -2304,7 +2304,7 @@
             <a:fld id="{1D8BD707-D9CF-40AE-B4C6-C98DA3205C09}" type="datetimeFigureOut">
               <a:rPr lang="en-US" smtClean="0"/>
               <a:pPr/>
-              <a:t>7/13/2012</a:t>
+              <a:t>10/1/2012</a:t>
             </a:fld>
             <a:endParaRPr lang="en-US"/>
           </a:p>
@@ -2396,7 +2396,7 @@
             <a:fld id="{1D8BD707-D9CF-40AE-B4C6-C98DA3205C09}" type="datetimeFigureOut">
               <a:rPr lang="en-US" smtClean="0"/>
               <a:pPr/>
-              <a:t>7/13/2012</a:t>
+              <a:t>10/1/2012</a:t>
             </a:fld>
             <a:endParaRPr lang="en-US"/>
           </a:p>
@@ -2670,7 +2670,7 @@
             <a:fld id="{1D8BD707-D9CF-40AE-B4C6-C98DA3205C09}" type="datetimeFigureOut">
               <a:rPr lang="en-US" smtClean="0"/>
               <a:pPr/>
-              <a:t>7/13/2012</a:t>
+              <a:t>10/1/2012</a:t>
             </a:fld>
             <a:endParaRPr lang="en-US"/>
           </a:p>
@@ -2920,7 +2920,7 @@
             <a:fld id="{1D8BD707-D9CF-40AE-B4C6-C98DA3205C09}" type="datetimeFigureOut">
               <a:rPr lang="en-US" smtClean="0"/>
               <a:pPr/>
-              <a:t>7/13/2012</a:t>
+              <a:t>10/1/2012</a:t>
             </a:fld>
             <a:endParaRPr lang="en-US"/>
           </a:p>
@@ -3130,7 +3130,7 @@
             <a:fld id="{1D8BD707-D9CF-40AE-B4C6-C98DA3205C09}" type="datetimeFigureOut">
               <a:rPr lang="en-US" smtClean="0"/>
               <a:pPr/>
-              <a:t>7/13/2012</a:t>
+              <a:t>10/1/2012</a:t>
             </a:fld>
             <a:endParaRPr lang="en-US"/>
           </a:p>
@@ -3674,7 +3674,7 @@
             <a:bodyPr rtlCol="0" anchor="t" anchorCtr="0"/>
             <a:lstStyle/>
             <a:p>
-              <a:pPr algn="r"/>
+              <a:pPr algn="ctr"/>
               <a:r>
                 <a:rPr lang="en-US" sz="1400" b="1" dirty="0" err="1" smtClean="0">
                   <a:solidFill>
@@ -3813,7 +3813,7 @@
             <a:bodyPr rtlCol="0" anchor="t" anchorCtr="0"/>
             <a:lstStyle/>
             <a:p>
-              <a:pPr algn="r"/>
+              <a:pPr algn="ctr"/>
               <a:r>
                 <a:rPr lang="en-US" sz="1400" b="1" dirty="0" smtClean="0">
                   <a:solidFill>
@@ -3899,21 +3899,515 @@
           </p:txBody>
         </p:sp>
       </p:grpSp>
+      <p:sp>
+        <p:nvSpPr>
+          <p:cNvPr id="197" name="Rectangle 196"/>
+          <p:cNvSpPr/>
+          <p:nvPr/>
+        </p:nvSpPr>
+        <p:spPr>
+          <a:xfrm>
+            <a:off x="2796381" y="1258887"/>
+            <a:ext cx="1466850" cy="377438"/>
+          </a:xfrm>
+          <a:prstGeom prst="rect">
+            <a:avLst/>
+          </a:prstGeom>
+        </p:spPr>
+        <p:style>
+          <a:lnRef idx="2">
+            <a:schemeClr val="accent2">
+              <a:shade val="50000"/>
+            </a:schemeClr>
+          </a:lnRef>
+          <a:fillRef idx="1">
+            <a:schemeClr val="accent2"/>
+          </a:fillRef>
+          <a:effectRef idx="0">
+            <a:schemeClr val="accent2"/>
+          </a:effectRef>
+          <a:fontRef idx="minor">
+            <a:schemeClr val="lt1"/>
+          </a:fontRef>
+        </p:style>
+        <p:txBody>
+          <a:bodyPr rtlCol="0" anchor="ctr"/>
+          <a:lstStyle/>
+          <a:p>
+            <a:pPr algn="ctr"/>
+            <a:r>
+              <a:rPr lang="en-US" sz="1600" b="1" dirty="0" err="1" smtClean="0"/>
+              <a:t>ActionServlet</a:t>
+            </a:r>
+            <a:endParaRPr lang="en-SG" sz="1600" b="1" dirty="0"/>
+          </a:p>
+        </p:txBody>
+      </p:sp>
+      <p:sp>
+        <p:nvSpPr>
+          <p:cNvPr id="198" name="Rectangle 197"/>
+          <p:cNvSpPr/>
+          <p:nvPr/>
+        </p:nvSpPr>
+        <p:spPr>
+          <a:xfrm>
+            <a:off x="2716692" y="1988128"/>
+            <a:ext cx="1466850" cy="609600"/>
+          </a:xfrm>
+          <a:prstGeom prst="rect">
+            <a:avLst/>
+          </a:prstGeom>
+        </p:spPr>
+        <p:style>
+          <a:lnRef idx="2">
+            <a:schemeClr val="accent2">
+              <a:shade val="50000"/>
+            </a:schemeClr>
+          </a:lnRef>
+          <a:fillRef idx="1">
+            <a:schemeClr val="accent2"/>
+          </a:fillRef>
+          <a:effectRef idx="0">
+            <a:schemeClr val="accent2"/>
+          </a:effectRef>
+          <a:fontRef idx="minor">
+            <a:schemeClr val="lt1"/>
+          </a:fontRef>
+        </p:style>
+        <p:txBody>
+          <a:bodyPr rtlCol="0" anchor="ctr"/>
+          <a:lstStyle/>
+          <a:p>
+            <a:pPr algn="ctr"/>
+            <a:r>
+              <a:rPr lang="en-US" sz="1600" b="1" dirty="0" smtClean="0"/>
+              <a:t>_</a:t>
+            </a:r>
+            <a:r>
+              <a:rPr lang="en-US" sz="1600" b="1" dirty="0" err="1" smtClean="0"/>
+              <a:t>xyz_Servlet</a:t>
+            </a:r>
+            <a:endParaRPr lang="en-SG" sz="1600" b="1" dirty="0"/>
+          </a:p>
+        </p:txBody>
+      </p:sp>
+      <p:sp>
+        <p:nvSpPr>
+          <p:cNvPr id="199" name="Isosceles Triangle 198"/>
+          <p:cNvSpPr/>
+          <p:nvPr/>
+        </p:nvSpPr>
+        <p:spPr>
+          <a:xfrm>
+            <a:off x="3329781" y="1639887"/>
+            <a:ext cx="276225" cy="228600"/>
+          </a:xfrm>
+          <a:prstGeom prst="triangle">
+            <a:avLst/>
+          </a:prstGeom>
+        </p:spPr>
+        <p:style>
+          <a:lnRef idx="2">
+            <a:schemeClr val="accent2">
+              <a:shade val="50000"/>
+            </a:schemeClr>
+          </a:lnRef>
+          <a:fillRef idx="1">
+            <a:schemeClr val="accent2"/>
+          </a:fillRef>
+          <a:effectRef idx="0">
+            <a:schemeClr val="accent2"/>
+          </a:effectRef>
+          <a:fontRef idx="minor">
+            <a:schemeClr val="lt1"/>
+          </a:fontRef>
+        </p:style>
+        <p:txBody>
+          <a:bodyPr rtlCol="0" anchor="ctr"/>
+          <a:lstStyle/>
+          <a:p>
+            <a:pPr algn="ctr"/>
+            <a:endParaRPr lang="en-SG"/>
+          </a:p>
+        </p:txBody>
+      </p:sp>
+      <p:sp>
+        <p:nvSpPr>
+          <p:cNvPr id="200" name="Rectangle 199"/>
+          <p:cNvSpPr/>
+          <p:nvPr/>
+        </p:nvSpPr>
+        <p:spPr>
+          <a:xfrm>
+            <a:off x="5468615" y="1988128"/>
+            <a:ext cx="1466850" cy="609600"/>
+          </a:xfrm>
+          <a:prstGeom prst="rect">
+            <a:avLst/>
+          </a:prstGeom>
+          <a:solidFill>
+            <a:srgbClr val="92D050"/>
+          </a:solidFill>
+          <a:ln>
+            <a:solidFill>
+              <a:srgbClr val="00B050"/>
+            </a:solidFill>
+          </a:ln>
+        </p:spPr>
+        <p:style>
+          <a:lnRef idx="2">
+            <a:schemeClr val="accent6">
+              <a:shade val="50000"/>
+            </a:schemeClr>
+          </a:lnRef>
+          <a:fillRef idx="1">
+            <a:schemeClr val="accent6"/>
+          </a:fillRef>
+          <a:effectRef idx="0">
+            <a:schemeClr val="accent6"/>
+          </a:effectRef>
+          <a:fontRef idx="minor">
+            <a:schemeClr val="lt1"/>
+          </a:fontRef>
+        </p:style>
+        <p:txBody>
+          <a:bodyPr rtlCol="0" anchor="ctr"/>
+          <a:lstStyle/>
+          <a:p>
+            <a:pPr algn="ctr"/>
+            <a:r>
+              <a:rPr lang="en-US" sz="1600" b="1" dirty="0" smtClean="0"/>
+              <a:t>_</a:t>
+            </a:r>
+            <a:r>
+              <a:rPr lang="en-US" sz="1600" b="1" dirty="0" err="1" smtClean="0"/>
+              <a:t>xyz_Helper</a:t>
+            </a:r>
+            <a:endParaRPr lang="en-SG" sz="1600" b="1" dirty="0"/>
+          </a:p>
+        </p:txBody>
+      </p:sp>
+      <p:cxnSp>
+        <p:nvCxnSpPr>
+          <p:cNvPr id="201" name="Elbow Connector 200"/>
+          <p:cNvCxnSpPr>
+            <a:stCxn id="199" idx="3"/>
+          </p:cNvCxnSpPr>
+          <p:nvPr/>
+        </p:nvCxnSpPr>
+        <p:spPr>
+          <a:xfrm rot="16200000" flipH="1">
+            <a:off x="3401231" y="1935150"/>
+            <a:ext cx="134239" cy="912"/>
+          </a:xfrm>
+          <a:prstGeom prst="bentConnector3">
+            <a:avLst/>
+          </a:prstGeom>
+        </p:spPr>
+        <p:style>
+          <a:lnRef idx="2">
+            <a:schemeClr val="accent2">
+              <a:shade val="50000"/>
+            </a:schemeClr>
+          </a:lnRef>
+          <a:fillRef idx="1">
+            <a:schemeClr val="accent2"/>
+          </a:fillRef>
+          <a:effectRef idx="0">
+            <a:schemeClr val="accent2"/>
+          </a:effectRef>
+          <a:fontRef idx="minor">
+            <a:schemeClr val="lt1"/>
+          </a:fontRef>
+        </p:style>
+      </p:cxnSp>
+      <p:sp>
+        <p:nvSpPr>
+          <p:cNvPr id="202" name="Rectangle 201"/>
+          <p:cNvSpPr/>
+          <p:nvPr/>
+        </p:nvSpPr>
+        <p:spPr>
+          <a:xfrm>
+            <a:off x="5480901" y="1258887"/>
+            <a:ext cx="1454388" cy="373296"/>
+          </a:xfrm>
+          <a:prstGeom prst="rect">
+            <a:avLst/>
+          </a:prstGeom>
+          <a:solidFill>
+            <a:srgbClr val="92D050"/>
+          </a:solidFill>
+          <a:ln>
+            <a:solidFill>
+              <a:srgbClr val="00B050"/>
+            </a:solidFill>
+          </a:ln>
+        </p:spPr>
+        <p:style>
+          <a:lnRef idx="2">
+            <a:schemeClr val="accent6">
+              <a:shade val="50000"/>
+            </a:schemeClr>
+          </a:lnRef>
+          <a:fillRef idx="1">
+            <a:schemeClr val="accent6"/>
+          </a:fillRef>
+          <a:effectRef idx="0">
+            <a:schemeClr val="accent6"/>
+          </a:effectRef>
+          <a:fontRef idx="minor">
+            <a:schemeClr val="lt1"/>
+          </a:fontRef>
+        </p:style>
+        <p:txBody>
+          <a:bodyPr rtlCol="0" anchor="ctr"/>
+          <a:lstStyle/>
+          <a:p>
+            <a:pPr algn="ctr"/>
+            <a:r>
+              <a:rPr lang="en-US" sz="1600" b="1" dirty="0" smtClean="0"/>
+              <a:t>Helper</a:t>
+            </a:r>
+            <a:endParaRPr lang="en-SG" sz="1600" b="1" dirty="0"/>
+          </a:p>
+        </p:txBody>
+      </p:sp>
+      <p:sp>
+        <p:nvSpPr>
+          <p:cNvPr id="203" name="Isosceles Triangle 202"/>
+          <p:cNvSpPr/>
+          <p:nvPr/>
+        </p:nvSpPr>
+        <p:spPr>
+          <a:xfrm>
+            <a:off x="6061435" y="1620902"/>
+            <a:ext cx="276225" cy="228600"/>
+          </a:xfrm>
+          <a:prstGeom prst="triangle">
+            <a:avLst/>
+          </a:prstGeom>
+          <a:solidFill>
+            <a:srgbClr val="92D050"/>
+          </a:solidFill>
+          <a:ln>
+            <a:solidFill>
+              <a:srgbClr val="00B050"/>
+            </a:solidFill>
+          </a:ln>
+        </p:spPr>
+        <p:style>
+          <a:lnRef idx="2">
+            <a:schemeClr val="accent6">
+              <a:shade val="50000"/>
+            </a:schemeClr>
+          </a:lnRef>
+          <a:fillRef idx="1">
+            <a:schemeClr val="accent6"/>
+          </a:fillRef>
+          <a:effectRef idx="0">
+            <a:schemeClr val="accent6"/>
+          </a:effectRef>
+          <a:fontRef idx="minor">
+            <a:schemeClr val="lt1"/>
+          </a:fontRef>
+        </p:style>
+        <p:txBody>
+          <a:bodyPr rtlCol="0" anchor="ctr"/>
+          <a:lstStyle/>
+          <a:p>
+            <a:pPr algn="ctr"/>
+            <a:endParaRPr lang="en-SG"/>
+          </a:p>
+        </p:txBody>
+      </p:sp>
+      <p:cxnSp>
+        <p:nvCxnSpPr>
+          <p:cNvPr id="204" name="Elbow Connector 203"/>
+          <p:cNvCxnSpPr>
+            <a:stCxn id="203" idx="3"/>
+            <a:endCxn id="200" idx="0"/>
+          </p:cNvCxnSpPr>
+          <p:nvPr/>
+        </p:nvCxnSpPr>
+        <p:spPr>
+          <a:xfrm rot="16200000" flipH="1">
+            <a:off x="6131481" y="1917569"/>
+            <a:ext cx="138626" cy="2492"/>
+          </a:xfrm>
+          <a:prstGeom prst="bentConnector3">
+            <a:avLst>
+              <a:gd name="adj1" fmla="val 50000"/>
+            </a:avLst>
+          </a:prstGeom>
+          <a:ln>
+            <a:solidFill>
+              <a:srgbClr val="00B050"/>
+            </a:solidFill>
+          </a:ln>
+        </p:spPr>
+        <p:style>
+          <a:lnRef idx="2">
+            <a:schemeClr val="accent6">
+              <a:shade val="50000"/>
+            </a:schemeClr>
+          </a:lnRef>
+          <a:fillRef idx="1">
+            <a:schemeClr val="accent6"/>
+          </a:fillRef>
+          <a:effectRef idx="0">
+            <a:schemeClr val="accent6"/>
+          </a:effectRef>
+          <a:fontRef idx="minor">
+            <a:schemeClr val="lt1"/>
+          </a:fontRef>
+        </p:style>
+      </p:cxnSp>
+      <p:sp>
+        <p:nvSpPr>
+          <p:cNvPr id="205" name="Folded Corner 204"/>
+          <p:cNvSpPr/>
+          <p:nvPr/>
+        </p:nvSpPr>
+        <p:spPr>
+          <a:xfrm>
+            <a:off x="5468438" y="3614677"/>
+            <a:ext cx="1466850" cy="609600"/>
+          </a:xfrm>
+          <a:prstGeom prst="foldedCorner">
+            <a:avLst/>
+          </a:prstGeom>
+        </p:spPr>
+        <p:style>
+          <a:lnRef idx="2">
+            <a:schemeClr val="accent4">
+              <a:shade val="50000"/>
+            </a:schemeClr>
+          </a:lnRef>
+          <a:fillRef idx="1">
+            <a:schemeClr val="accent4"/>
+          </a:fillRef>
+          <a:effectRef idx="0">
+            <a:schemeClr val="accent4"/>
+          </a:effectRef>
+          <a:fontRef idx="minor">
+            <a:schemeClr val="lt1"/>
+          </a:fontRef>
+        </p:style>
+        <p:txBody>
+          <a:bodyPr rtlCol="0" anchor="ctr"/>
+          <a:lstStyle/>
+          <a:p>
+            <a:pPr algn="ctr"/>
+            <a:r>
+              <a:rPr lang="en-US" sz="1600" b="1" dirty="0" smtClean="0"/>
+              <a:t>_xyz_.</a:t>
+            </a:r>
+            <a:r>
+              <a:rPr lang="en-US" sz="1600" b="1" dirty="0" err="1" smtClean="0"/>
+              <a:t>jsp</a:t>
+            </a:r>
+            <a:endParaRPr lang="en-SG" sz="1600" b="1" dirty="0"/>
+          </a:p>
+        </p:txBody>
+      </p:sp>
+      <p:cxnSp>
+        <p:nvCxnSpPr>
+          <p:cNvPr id="206" name="Straight Arrow Connector 205"/>
+          <p:cNvCxnSpPr>
+            <a:stCxn id="198" idx="3"/>
+            <a:endCxn id="200" idx="1"/>
+          </p:cNvCxnSpPr>
+          <p:nvPr/>
+        </p:nvCxnSpPr>
+        <p:spPr>
+          <a:xfrm>
+            <a:off x="4183542" y="2292928"/>
+            <a:ext cx="1285073" cy="0"/>
+          </a:xfrm>
+          <a:prstGeom prst="straightConnector1">
+            <a:avLst/>
+          </a:prstGeom>
+          <a:ln w="38100">
+            <a:solidFill>
+              <a:schemeClr val="accent2">
+                <a:lumMod val="75000"/>
+              </a:schemeClr>
+            </a:solidFill>
+            <a:prstDash val="sysDot"/>
+            <a:tailEnd type="arrow"/>
+          </a:ln>
+        </p:spPr>
+        <p:style>
+          <a:lnRef idx="1">
+            <a:schemeClr val="accent1"/>
+          </a:lnRef>
+          <a:fillRef idx="0">
+            <a:schemeClr val="accent1"/>
+          </a:fillRef>
+          <a:effectRef idx="0">
+            <a:schemeClr val="accent1"/>
+          </a:effectRef>
+          <a:fontRef idx="minor">
+            <a:schemeClr val="tx1"/>
+          </a:fontRef>
+        </p:style>
+      </p:cxnSp>
+      <p:cxnSp>
+        <p:nvCxnSpPr>
+          <p:cNvPr id="207" name="Elbow Connector 206"/>
+          <p:cNvCxnSpPr>
+            <a:stCxn id="205" idx="0"/>
+          </p:cNvCxnSpPr>
+          <p:nvPr/>
+        </p:nvCxnSpPr>
+        <p:spPr>
+          <a:xfrm rot="16200000" flipV="1">
+            <a:off x="5733726" y="3146540"/>
+            <a:ext cx="933958" cy="2316"/>
+          </a:xfrm>
+          <a:prstGeom prst="bentConnector3">
+            <a:avLst>
+              <a:gd name="adj1" fmla="val 50000"/>
+            </a:avLst>
+          </a:prstGeom>
+          <a:ln w="38100">
+            <a:prstDash val="sysDot"/>
+            <a:tailEnd type="arrow"/>
+          </a:ln>
+        </p:spPr>
+        <p:style>
+          <a:lnRef idx="2">
+            <a:schemeClr val="accent4">
+              <a:shade val="50000"/>
+            </a:schemeClr>
+          </a:lnRef>
+          <a:fillRef idx="1">
+            <a:schemeClr val="accent4"/>
+          </a:fillRef>
+          <a:effectRef idx="0">
+            <a:schemeClr val="accent4"/>
+          </a:effectRef>
+          <a:fontRef idx="minor">
+            <a:schemeClr val="lt1"/>
+          </a:fontRef>
+        </p:style>
+      </p:cxnSp>
       <p:cxnSp>
         <p:nvCxnSpPr>
           <p:cNvPr id="208" name="Straight Arrow Connector 207"/>
-          <p:cNvCxnSpPr/>
+          <p:cNvCxnSpPr>
+            <a:stCxn id="209" idx="3"/>
+          </p:cNvCxnSpPr>
           <p:nvPr/>
         </p:nvCxnSpPr>
         <p:spPr>
-          <a:xfrm rot="5400000" flipH="1" flipV="1">
-            <a:off x="2763103" y="-863835"/>
-            <a:ext cx="1266442" cy="4896113"/>
-          </a:xfrm>
-          <a:prstGeom prst="bentConnector3">
-            <a:avLst>
-              <a:gd name="adj1" fmla="val 129932"/>
-            </a:avLst>
+          <a:xfrm flipV="1">
+            <a:off x="1351501" y="2369128"/>
+            <a:ext cx="1405115" cy="2203"/>
+          </a:xfrm>
+          <a:prstGeom prst="straightConnector1">
+            <a:avLst/>
           </a:prstGeom>
           <a:ln w="38100">
             <a:solidFill>
@@ -4063,232 +4557,13 @@
       </p:sp>
       <p:sp>
         <p:nvSpPr>
-          <p:cNvPr id="211" name="Folded Corner 210"/>
-          <p:cNvSpPr/>
-          <p:nvPr/>
-        </p:nvSpPr>
-        <p:spPr>
-          <a:xfrm>
-            <a:off x="261200" y="2597729"/>
-            <a:ext cx="1143000" cy="1405783"/>
-          </a:xfrm>
-          <a:prstGeom prst="foldedCorner">
-            <a:avLst/>
-          </a:prstGeom>
-          <a:solidFill>
-            <a:schemeClr val="bg1"/>
-          </a:solidFill>
-          <a:ln>
-            <a:solidFill>
-              <a:schemeClr val="tx1"/>
-            </a:solidFill>
-          </a:ln>
-        </p:spPr>
-        <p:style>
-          <a:lnRef idx="2">
-            <a:schemeClr val="accent4">
-              <a:shade val="50000"/>
-            </a:schemeClr>
-          </a:lnRef>
-          <a:fillRef idx="1">
-            <a:schemeClr val="accent4"/>
-          </a:fillRef>
-          <a:effectRef idx="0">
-            <a:schemeClr val="accent4"/>
-          </a:effectRef>
-          <a:fontRef idx="minor">
-            <a:schemeClr val="lt1"/>
-          </a:fontRef>
-        </p:style>
-        <p:txBody>
-          <a:bodyPr rtlCol="0" anchor="ctr"/>
-          <a:lstStyle/>
-          <a:p>
-            <a:pPr algn="ctr"/>
-            <a:r>
-              <a:rPr lang="en-US" sz="1600" b="1" dirty="0" smtClean="0">
-                <a:solidFill>
-                  <a:schemeClr val="tx1"/>
-                </a:solidFill>
-              </a:rPr>
-              <a:t>Web page</a:t>
-            </a:r>
-            <a:endParaRPr lang="en-SG" sz="1600" b="1" dirty="0">
-              <a:solidFill>
-                <a:schemeClr val="tx1"/>
-              </a:solidFill>
-            </a:endParaRPr>
-          </a:p>
-        </p:txBody>
-      </p:sp>
-      <p:grpSp>
-        <p:nvGrpSpPr>
-          <p:cNvPr id="30" name="Group 29"/>
-          <p:cNvGrpSpPr/>
-          <p:nvPr/>
-        </p:nvGrpSpPr>
-        <p:grpSpPr>
-          <a:xfrm>
-            <a:off x="2851680" y="3965768"/>
-            <a:ext cx="1640617" cy="609600"/>
-            <a:chOff x="2904698" y="3849687"/>
-            <a:chExt cx="1640617" cy="609600"/>
-          </a:xfrm>
-        </p:grpSpPr>
-        <p:sp>
-          <p:nvSpPr>
-            <p:cNvPr id="213" name="Folded Corner 212"/>
-            <p:cNvSpPr/>
-            <p:nvPr/>
-          </p:nvSpPr>
-          <p:spPr>
-            <a:xfrm>
-              <a:off x="2904698" y="3849687"/>
-              <a:ext cx="1464715" cy="420881"/>
-            </a:xfrm>
-            <a:prstGeom prst="foldedCorner">
-              <a:avLst/>
-            </a:prstGeom>
-          </p:spPr>
-          <p:style>
-            <a:lnRef idx="2">
-              <a:schemeClr val="accent3">
-                <a:shade val="50000"/>
-              </a:schemeClr>
-            </a:lnRef>
-            <a:fillRef idx="1">
-              <a:schemeClr val="accent3"/>
-            </a:fillRef>
-            <a:effectRef idx="0">
-              <a:schemeClr val="accent3"/>
-            </a:effectRef>
-            <a:fontRef idx="minor">
-              <a:schemeClr val="lt1"/>
-            </a:fontRef>
-          </p:style>
-          <p:txBody>
-            <a:bodyPr rtlCol="0" anchor="ctr"/>
-            <a:lstStyle/>
-            <a:p>
-              <a:pPr algn="ctr"/>
-              <a:r>
-                <a:rPr lang="en-US" sz="1600" b="1" dirty="0" smtClean="0"/>
-                <a:t>*.</a:t>
-              </a:r>
-              <a:r>
-                <a:rPr lang="en-US" sz="1600" b="1" dirty="0" err="1" smtClean="0"/>
-                <a:t>js</a:t>
-              </a:r>
-              <a:endParaRPr lang="en-SG" sz="1600" b="1" dirty="0"/>
-            </a:p>
-          </p:txBody>
-        </p:sp>
-        <p:sp>
-          <p:nvSpPr>
-            <p:cNvPr id="214" name="Folded Corner 213"/>
-            <p:cNvSpPr/>
-            <p:nvPr/>
-          </p:nvSpPr>
-          <p:spPr>
-            <a:xfrm>
-              <a:off x="3004400" y="3935145"/>
-              <a:ext cx="1464715" cy="420881"/>
-            </a:xfrm>
-            <a:prstGeom prst="foldedCorner">
-              <a:avLst/>
-            </a:prstGeom>
-          </p:spPr>
-          <p:style>
-            <a:lnRef idx="2">
-              <a:schemeClr val="accent3">
-                <a:shade val="50000"/>
-              </a:schemeClr>
-            </a:lnRef>
-            <a:fillRef idx="1">
-              <a:schemeClr val="accent3"/>
-            </a:fillRef>
-            <a:effectRef idx="0">
-              <a:schemeClr val="accent3"/>
-            </a:effectRef>
-            <a:fontRef idx="minor">
-              <a:schemeClr val="lt1"/>
-            </a:fontRef>
-          </p:style>
-          <p:txBody>
-            <a:bodyPr rtlCol="0" anchor="ctr"/>
-            <a:lstStyle/>
-            <a:p>
-              <a:pPr algn="ctr"/>
-              <a:r>
-                <a:rPr lang="en-US" sz="1600" b="1" dirty="0" smtClean="0"/>
-                <a:t>*.</a:t>
-              </a:r>
-              <a:r>
-                <a:rPr lang="en-US" sz="1600" b="1" dirty="0" err="1" smtClean="0"/>
-                <a:t>js</a:t>
-              </a:r>
-              <a:endParaRPr lang="en-SG" sz="1600" b="1" dirty="0"/>
-            </a:p>
-          </p:txBody>
-        </p:sp>
-        <p:sp>
-          <p:nvSpPr>
-            <p:cNvPr id="215" name="Folded Corner 214"/>
-            <p:cNvSpPr/>
-            <p:nvPr/>
-          </p:nvSpPr>
-          <p:spPr>
-            <a:xfrm>
-              <a:off x="3080600" y="4038406"/>
-              <a:ext cx="1464715" cy="420881"/>
-            </a:xfrm>
-            <a:prstGeom prst="foldedCorner">
-              <a:avLst/>
-            </a:prstGeom>
-          </p:spPr>
-          <p:style>
-            <a:lnRef idx="2">
-              <a:schemeClr val="accent3">
-                <a:shade val="50000"/>
-              </a:schemeClr>
-            </a:lnRef>
-            <a:fillRef idx="1">
-              <a:schemeClr val="accent3"/>
-            </a:fillRef>
-            <a:effectRef idx="0">
-              <a:schemeClr val="accent3"/>
-            </a:effectRef>
-            <a:fontRef idx="minor">
-              <a:schemeClr val="lt1"/>
-            </a:fontRef>
-          </p:style>
-          <p:txBody>
-            <a:bodyPr rtlCol="0" anchor="ctr"/>
-            <a:lstStyle/>
-            <a:p>
-              <a:pPr algn="ctr"/>
-              <a:r>
-                <a:rPr lang="en-US" sz="1600" b="1" dirty="0" smtClean="0"/>
-                <a:t>*.</a:t>
-              </a:r>
-              <a:r>
-                <a:rPr lang="en-US" sz="1600" b="1" dirty="0" err="1" smtClean="0"/>
-                <a:t>js</a:t>
-              </a:r>
-              <a:endParaRPr lang="en-SG" sz="1600" b="1" dirty="0"/>
-            </a:p>
-          </p:txBody>
-        </p:sp>
-      </p:grpSp>
-      <p:sp>
-        <p:nvSpPr>
-          <p:cNvPr id="217" name="TextBox 216"/>
+          <p:cNvPr id="210" name="TextBox 209"/>
           <p:cNvSpPr txBox="1"/>
           <p:nvPr/>
         </p:nvSpPr>
         <p:spPr>
           <a:xfrm>
-            <a:off x="2471000" y="3399481"/>
+            <a:off x="4411073" y="1985151"/>
             <a:ext cx="1066800" cy="307777"/>
           </a:xfrm>
           <a:prstGeom prst="rect">
@@ -4388,194 +4663,295 @@
           <a:p>
             <a:pPr algn="r"/>
             <a:r>
-              <a:rPr lang="en-US" dirty="0" smtClean="0"/>
+              <a:rPr lang="en-US" dirty="0" smtClean="0">
+                <a:solidFill>
+                  <a:schemeClr val="accent2">
+                    <a:lumMod val="75000"/>
+                  </a:schemeClr>
+                </a:solidFill>
+              </a:rPr>
               <a:t>&lt;&lt;create&gt;&gt;</a:t>
             </a:r>
-            <a:endParaRPr lang="en-SG" dirty="0"/>
-          </a:p>
-        </p:txBody>
-      </p:sp>
-      <p:grpSp>
-        <p:nvGrpSpPr>
-          <p:cNvPr id="31" name="Group 30"/>
-          <p:cNvGrpSpPr/>
+            <a:endParaRPr lang="en-SG" dirty="0">
+              <a:solidFill>
+                <a:schemeClr val="accent2">
+                  <a:lumMod val="75000"/>
+                </a:schemeClr>
+              </a:solidFill>
+            </a:endParaRPr>
+          </a:p>
+        </p:txBody>
+      </p:sp>
+      <p:sp>
+        <p:nvSpPr>
+          <p:cNvPr id="211" name="Folded Corner 210"/>
+          <p:cNvSpPr/>
           <p:nvPr/>
-        </p:nvGrpSpPr>
-        <p:grpSpPr>
+        </p:nvSpPr>
+        <p:spPr>
           <a:xfrm>
-            <a:off x="2938936" y="4759593"/>
-            <a:ext cx="1545900" cy="527703"/>
-            <a:chOff x="2928200" y="4617384"/>
-            <a:chExt cx="1545900" cy="527703"/>
-          </a:xfrm>
-        </p:grpSpPr>
-        <p:sp>
-          <p:nvSpPr>
-            <p:cNvPr id="212" name="Folded Corner 211"/>
-            <p:cNvSpPr/>
-            <p:nvPr/>
-          </p:nvSpPr>
-          <p:spPr>
-            <a:xfrm>
-              <a:off x="2928200" y="4617384"/>
-              <a:ext cx="1464715" cy="374591"/>
-            </a:xfrm>
-            <a:prstGeom prst="foldedCorner">
-              <a:avLst/>
-            </a:prstGeom>
-          </p:spPr>
-          <p:style>
-            <a:lnRef idx="2">
-              <a:schemeClr val="accent5">
-                <a:shade val="50000"/>
-              </a:schemeClr>
-            </a:lnRef>
-            <a:fillRef idx="1">
-              <a:schemeClr val="accent5"/>
-            </a:fillRef>
-            <a:effectRef idx="0">
-              <a:schemeClr val="accent5"/>
-            </a:effectRef>
-            <a:fontRef idx="minor">
-              <a:schemeClr val="lt1"/>
-            </a:fontRef>
-          </p:style>
-          <p:txBody>
-            <a:bodyPr rtlCol="0" anchor="ctr"/>
-            <a:lstStyle/>
-            <a:p>
-              <a:pPr algn="ctr"/>
-              <a:r>
-                <a:rPr lang="en-US" sz="1600" b="1" dirty="0" smtClean="0"/>
-                <a:t>*.</a:t>
-              </a:r>
-              <a:r>
-                <a:rPr lang="en-US" sz="1600" b="1" dirty="0" err="1" smtClean="0"/>
-                <a:t>css</a:t>
-              </a:r>
-              <a:endParaRPr lang="en-SG" sz="1600" b="1" dirty="0"/>
-            </a:p>
-          </p:txBody>
-        </p:sp>
-        <p:sp>
-          <p:nvSpPr>
-            <p:cNvPr id="218" name="Folded Corner 217"/>
-            <p:cNvSpPr/>
-            <p:nvPr/>
-          </p:nvSpPr>
-          <p:spPr>
-            <a:xfrm>
-              <a:off x="2967369" y="4699993"/>
-              <a:ext cx="1464715" cy="374591"/>
-            </a:xfrm>
-            <a:prstGeom prst="foldedCorner">
-              <a:avLst/>
-            </a:prstGeom>
-          </p:spPr>
-          <p:style>
-            <a:lnRef idx="2">
-              <a:schemeClr val="accent5">
-                <a:shade val="50000"/>
-              </a:schemeClr>
-            </a:lnRef>
-            <a:fillRef idx="1">
-              <a:schemeClr val="accent5"/>
-            </a:fillRef>
-            <a:effectRef idx="0">
-              <a:schemeClr val="accent5"/>
-            </a:effectRef>
-            <a:fontRef idx="minor">
-              <a:schemeClr val="lt1"/>
-            </a:fontRef>
-          </p:style>
-          <p:txBody>
-            <a:bodyPr rtlCol="0" anchor="ctr"/>
-            <a:lstStyle/>
-            <a:p>
-              <a:pPr algn="ctr"/>
-              <a:r>
-                <a:rPr lang="en-US" sz="1600" b="1" dirty="0" smtClean="0"/>
-                <a:t>*.</a:t>
-              </a:r>
-              <a:r>
-                <a:rPr lang="en-US" sz="1600" b="1" dirty="0" err="1" smtClean="0"/>
-                <a:t>css</a:t>
-              </a:r>
-              <a:endParaRPr lang="en-SG" sz="1600" b="1" dirty="0"/>
-            </a:p>
-          </p:txBody>
-        </p:sp>
-        <p:sp>
-          <p:nvSpPr>
-            <p:cNvPr id="219" name="Folded Corner 218"/>
-            <p:cNvSpPr/>
-            <p:nvPr/>
-          </p:nvSpPr>
-          <p:spPr>
-            <a:xfrm>
-              <a:off x="3009385" y="4770496"/>
-              <a:ext cx="1464715" cy="374591"/>
-            </a:xfrm>
-            <a:prstGeom prst="foldedCorner">
-              <a:avLst/>
-            </a:prstGeom>
-          </p:spPr>
-          <p:style>
-            <a:lnRef idx="2">
-              <a:schemeClr val="accent5">
-                <a:shade val="50000"/>
-              </a:schemeClr>
-            </a:lnRef>
-            <a:fillRef idx="1">
-              <a:schemeClr val="accent5"/>
-            </a:fillRef>
-            <a:effectRef idx="0">
-              <a:schemeClr val="accent5"/>
-            </a:effectRef>
-            <a:fontRef idx="minor">
-              <a:schemeClr val="lt1"/>
-            </a:fontRef>
-          </p:style>
-          <p:txBody>
-            <a:bodyPr rtlCol="0" anchor="ctr"/>
-            <a:lstStyle/>
-            <a:p>
-              <a:pPr algn="ctr"/>
-              <a:r>
-                <a:rPr lang="en-US" sz="1600" b="1" dirty="0" smtClean="0"/>
-                <a:t>*.</a:t>
-              </a:r>
-              <a:r>
-                <a:rPr lang="en-US" sz="1600" b="1" dirty="0" err="1" smtClean="0"/>
-                <a:t>css</a:t>
-              </a:r>
-              <a:endParaRPr lang="en-SG" sz="1600" b="1" dirty="0"/>
-            </a:p>
-          </p:txBody>
-        </p:sp>
-      </p:grpSp>
-      <p:cxnSp>
-        <p:nvCxnSpPr>
-          <p:cNvPr id="220" name="Elbow Connector 219"/>
-          <p:cNvCxnSpPr>
-            <a:stCxn id="211" idx="2"/>
-            <a:endCxn id="215" idx="1"/>
-          </p:cNvCxnSpPr>
-          <p:nvPr/>
-        </p:nvCxnSpPr>
-        <p:spPr>
-          <a:xfrm rot="16200000" flipH="1">
-            <a:off x="1749433" y="3086779"/>
-            <a:ext cx="361416" cy="2194882"/>
-          </a:xfrm>
-          <a:prstGeom prst="bentConnector2">
+            <a:off x="261200" y="2597729"/>
+            <a:ext cx="1143000" cy="1405783"/>
+          </a:xfrm>
+          <a:prstGeom prst="foldedCorner">
             <a:avLst/>
           </a:prstGeom>
+          <a:solidFill>
+            <a:schemeClr val="bg1"/>
+          </a:solidFill>
           <a:ln>
             <a:solidFill>
               <a:schemeClr val="tx1"/>
             </a:solidFill>
-            <a:prstDash val="dash"/>
+          </a:ln>
+        </p:spPr>
+        <p:style>
+          <a:lnRef idx="2">
+            <a:schemeClr val="accent4">
+              <a:shade val="50000"/>
+            </a:schemeClr>
+          </a:lnRef>
+          <a:fillRef idx="1">
+            <a:schemeClr val="accent4"/>
+          </a:fillRef>
+          <a:effectRef idx="0">
+            <a:schemeClr val="accent4"/>
+          </a:effectRef>
+          <a:fontRef idx="minor">
+            <a:schemeClr val="lt1"/>
+          </a:fontRef>
+        </p:style>
+        <p:txBody>
+          <a:bodyPr rtlCol="0" anchor="ctr"/>
+          <a:lstStyle/>
+          <a:p>
+            <a:pPr algn="ctr"/>
+            <a:r>
+              <a:rPr lang="en-US" sz="1600" b="1" dirty="0" smtClean="0">
+                <a:solidFill>
+                  <a:schemeClr val="tx1"/>
+                </a:solidFill>
+              </a:rPr>
+              <a:t>Web page</a:t>
+            </a:r>
+            <a:endParaRPr lang="en-SG" sz="1600" b="1" dirty="0">
+              <a:solidFill>
+                <a:schemeClr val="tx1"/>
+              </a:solidFill>
+            </a:endParaRPr>
+          </a:p>
+        </p:txBody>
+      </p:sp>
+      <p:sp>
+        <p:nvSpPr>
+          <p:cNvPr id="212" name="Folded Corner 211"/>
+          <p:cNvSpPr/>
+          <p:nvPr/>
+        </p:nvSpPr>
+        <p:spPr>
+          <a:xfrm>
+            <a:off x="2928200" y="4617384"/>
+            <a:ext cx="1464715" cy="374591"/>
+          </a:xfrm>
+          <a:prstGeom prst="foldedCorner">
+            <a:avLst/>
+          </a:prstGeom>
+        </p:spPr>
+        <p:style>
+          <a:lnRef idx="2">
+            <a:schemeClr val="accent5">
+              <a:shade val="50000"/>
+            </a:schemeClr>
+          </a:lnRef>
+          <a:fillRef idx="1">
+            <a:schemeClr val="accent5"/>
+          </a:fillRef>
+          <a:effectRef idx="0">
+            <a:schemeClr val="accent5"/>
+          </a:effectRef>
+          <a:fontRef idx="minor">
+            <a:schemeClr val="lt1"/>
+          </a:fontRef>
+        </p:style>
+        <p:txBody>
+          <a:bodyPr rtlCol="0" anchor="ctr"/>
+          <a:lstStyle/>
+          <a:p>
+            <a:pPr algn="ctr"/>
+            <a:r>
+              <a:rPr lang="en-US" sz="1600" b="1" dirty="0" smtClean="0"/>
+              <a:t>*.</a:t>
+            </a:r>
+            <a:r>
+              <a:rPr lang="en-US" sz="1600" b="1" dirty="0" err="1" smtClean="0"/>
+              <a:t>css</a:t>
+            </a:r>
+            <a:endParaRPr lang="en-SG" sz="1600" b="1" dirty="0"/>
+          </a:p>
+        </p:txBody>
+      </p:sp>
+      <p:sp>
+        <p:nvSpPr>
+          <p:cNvPr id="213" name="Folded Corner 212"/>
+          <p:cNvSpPr/>
+          <p:nvPr/>
+        </p:nvSpPr>
+        <p:spPr>
+          <a:xfrm>
+            <a:off x="2904698" y="3849687"/>
+            <a:ext cx="1464715" cy="420881"/>
+          </a:xfrm>
+          <a:prstGeom prst="foldedCorner">
+            <a:avLst/>
+          </a:prstGeom>
+        </p:spPr>
+        <p:style>
+          <a:lnRef idx="2">
+            <a:schemeClr val="accent5">
+              <a:shade val="50000"/>
+            </a:schemeClr>
+          </a:lnRef>
+          <a:fillRef idx="1">
+            <a:schemeClr val="accent5"/>
+          </a:fillRef>
+          <a:effectRef idx="0">
+            <a:schemeClr val="accent5"/>
+          </a:effectRef>
+          <a:fontRef idx="minor">
+            <a:schemeClr val="lt1"/>
+          </a:fontRef>
+        </p:style>
+        <p:txBody>
+          <a:bodyPr rtlCol="0" anchor="ctr"/>
+          <a:lstStyle/>
+          <a:p>
+            <a:pPr algn="ctr"/>
+            <a:r>
+              <a:rPr lang="en-US" sz="1600" b="1" dirty="0" smtClean="0"/>
+              <a:t>*.</a:t>
+            </a:r>
+            <a:r>
+              <a:rPr lang="en-US" sz="1600" b="1" dirty="0" err="1" smtClean="0"/>
+              <a:t>js</a:t>
+            </a:r>
+            <a:endParaRPr lang="en-SG" sz="1600" b="1" dirty="0"/>
+          </a:p>
+        </p:txBody>
+      </p:sp>
+      <p:sp>
+        <p:nvSpPr>
+          <p:cNvPr id="214" name="Folded Corner 213"/>
+          <p:cNvSpPr/>
+          <p:nvPr/>
+        </p:nvSpPr>
+        <p:spPr>
+          <a:xfrm>
+            <a:off x="3004400" y="3935145"/>
+            <a:ext cx="1464715" cy="420881"/>
+          </a:xfrm>
+          <a:prstGeom prst="foldedCorner">
+            <a:avLst/>
+          </a:prstGeom>
+        </p:spPr>
+        <p:style>
+          <a:lnRef idx="2">
+            <a:schemeClr val="accent5">
+              <a:shade val="50000"/>
+            </a:schemeClr>
+          </a:lnRef>
+          <a:fillRef idx="1">
+            <a:schemeClr val="accent5"/>
+          </a:fillRef>
+          <a:effectRef idx="0">
+            <a:schemeClr val="accent5"/>
+          </a:effectRef>
+          <a:fontRef idx="minor">
+            <a:schemeClr val="lt1"/>
+          </a:fontRef>
+        </p:style>
+        <p:txBody>
+          <a:bodyPr rtlCol="0" anchor="ctr"/>
+          <a:lstStyle/>
+          <a:p>
+            <a:pPr algn="ctr"/>
+            <a:r>
+              <a:rPr lang="en-US" sz="1600" b="1" dirty="0" smtClean="0"/>
+              <a:t>*.</a:t>
+            </a:r>
+            <a:r>
+              <a:rPr lang="en-US" sz="1600" b="1" dirty="0" err="1" smtClean="0"/>
+              <a:t>js</a:t>
+            </a:r>
+            <a:endParaRPr lang="en-SG" sz="1600" b="1" dirty="0"/>
+          </a:p>
+        </p:txBody>
+      </p:sp>
+      <p:sp>
+        <p:nvSpPr>
+          <p:cNvPr id="215" name="Folded Corner 214"/>
+          <p:cNvSpPr/>
+          <p:nvPr/>
+        </p:nvSpPr>
+        <p:spPr>
+          <a:xfrm>
+            <a:off x="3080600" y="4038406"/>
+            <a:ext cx="1464715" cy="420881"/>
+          </a:xfrm>
+          <a:prstGeom prst="foldedCorner">
+            <a:avLst/>
+          </a:prstGeom>
+        </p:spPr>
+        <p:style>
+          <a:lnRef idx="2">
+            <a:schemeClr val="accent5">
+              <a:shade val="50000"/>
+            </a:schemeClr>
+          </a:lnRef>
+          <a:fillRef idx="1">
+            <a:schemeClr val="accent5"/>
+          </a:fillRef>
+          <a:effectRef idx="0">
+            <a:schemeClr val="accent5"/>
+          </a:effectRef>
+          <a:fontRef idx="minor">
+            <a:schemeClr val="lt1"/>
+          </a:fontRef>
+        </p:style>
+        <p:txBody>
+          <a:bodyPr rtlCol="0" anchor="ctr"/>
+          <a:lstStyle/>
+          <a:p>
+            <a:pPr algn="ctr"/>
+            <a:r>
+              <a:rPr lang="en-US" sz="1600" b="1" dirty="0" smtClean="0"/>
+              <a:t>*.</a:t>
+            </a:r>
+            <a:r>
+              <a:rPr lang="en-US" sz="1600" b="1" dirty="0" err="1" smtClean="0"/>
+              <a:t>js</a:t>
+            </a:r>
+            <a:endParaRPr lang="en-SG" sz="1600" b="1" dirty="0"/>
+          </a:p>
+        </p:txBody>
+      </p:sp>
+      <p:cxnSp>
+        <p:nvCxnSpPr>
+          <p:cNvPr id="216" name="Elbow Connector 215"/>
+          <p:cNvCxnSpPr/>
+          <p:nvPr/>
+        </p:nvCxnSpPr>
+        <p:spPr>
+          <a:xfrm rot="10800000">
+            <a:off x="1404200" y="3697288"/>
+            <a:ext cx="4064239" cy="12700"/>
+          </a:xfrm>
+          <a:prstGeom prst="bentConnector3">
+            <a:avLst>
+              <a:gd name="adj1" fmla="val 50000"/>
+            </a:avLst>
+          </a:prstGeom>
+          <a:ln w="38100">
+            <a:prstDash val="sysDot"/>
             <a:tailEnd type="arrow"/>
           </a:ln>
         </p:spPr>
@@ -4596,883 +4972,15 @@
           </a:fontRef>
         </p:style>
       </p:cxnSp>
-      <p:cxnSp>
-        <p:nvCxnSpPr>
-          <p:cNvPr id="221" name="Elbow Connector 220"/>
-          <p:cNvCxnSpPr>
-            <a:stCxn id="211" idx="2"/>
-            <a:endCxn id="219" idx="1"/>
-          </p:cNvCxnSpPr>
-          <p:nvPr/>
-        </p:nvCxnSpPr>
-        <p:spPr>
-          <a:xfrm rot="16200000" flipH="1">
-            <a:off x="1378166" y="3458045"/>
-            <a:ext cx="1096489" cy="2187421"/>
-          </a:xfrm>
-          <a:prstGeom prst="bentConnector2">
-            <a:avLst/>
-          </a:prstGeom>
-          <a:ln>
-            <a:solidFill>
-              <a:schemeClr val="tx1"/>
-            </a:solidFill>
-            <a:prstDash val="dash"/>
-            <a:tailEnd type="arrow"/>
-          </a:ln>
-        </p:spPr>
-        <p:style>
-          <a:lnRef idx="2">
-            <a:schemeClr val="accent4">
-              <a:shade val="50000"/>
-            </a:schemeClr>
-          </a:lnRef>
-          <a:fillRef idx="1">
-            <a:schemeClr val="accent4"/>
-          </a:fillRef>
-          <a:effectRef idx="0">
-            <a:schemeClr val="accent4"/>
-          </a:effectRef>
-          <a:fontRef idx="minor">
-            <a:schemeClr val="lt1"/>
-          </a:fontRef>
-        </p:style>
-      </p:cxnSp>
-      <p:grpSp>
-        <p:nvGrpSpPr>
-          <p:cNvPr id="9" name="Group 8"/>
-          <p:cNvGrpSpPr/>
-          <p:nvPr/>
-        </p:nvGrpSpPr>
-        <p:grpSpPr>
-          <a:xfrm>
-            <a:off x="5342765" y="3653134"/>
-            <a:ext cx="1605272" cy="733515"/>
-            <a:chOff x="5468438" y="3614677"/>
-            <a:chExt cx="1605272" cy="733515"/>
-          </a:xfrm>
-        </p:grpSpPr>
-        <p:sp>
-          <p:nvSpPr>
-            <p:cNvPr id="205" name="Folded Corner 204"/>
-            <p:cNvSpPr/>
-            <p:nvPr/>
-          </p:nvSpPr>
-          <p:spPr>
-            <a:xfrm>
-              <a:off x="5468438" y="3614677"/>
-              <a:ext cx="1466850" cy="609600"/>
-            </a:xfrm>
-            <a:prstGeom prst="foldedCorner">
-              <a:avLst/>
-            </a:prstGeom>
-          </p:spPr>
-          <p:style>
-            <a:lnRef idx="2">
-              <a:schemeClr val="accent4">
-                <a:shade val="50000"/>
-              </a:schemeClr>
-            </a:lnRef>
-            <a:fillRef idx="1">
-              <a:schemeClr val="accent4"/>
-            </a:fillRef>
-            <a:effectRef idx="0">
-              <a:schemeClr val="accent4"/>
-            </a:effectRef>
-            <a:fontRef idx="minor">
-              <a:schemeClr val="lt1"/>
-            </a:fontRef>
-          </p:style>
-          <p:txBody>
-            <a:bodyPr rtlCol="0" anchor="ctr"/>
-            <a:lstStyle/>
-            <a:p>
-              <a:pPr algn="ctr"/>
-              <a:r>
-                <a:rPr lang="en-US" sz="1600" b="1" dirty="0" smtClean="0"/>
-                <a:t>_xyz_.</a:t>
-              </a:r>
-              <a:r>
-                <a:rPr lang="en-US" sz="1600" b="1" dirty="0" err="1" smtClean="0"/>
-                <a:t>jsp</a:t>
-              </a:r>
-              <a:endParaRPr lang="en-SG" sz="1600" b="1" dirty="0"/>
-            </a:p>
-          </p:txBody>
-        </p:sp>
-        <p:sp>
-          <p:nvSpPr>
-            <p:cNvPr id="222" name="Folded Corner 221"/>
-            <p:cNvSpPr/>
-            <p:nvPr/>
-          </p:nvSpPr>
-          <p:spPr>
-            <a:xfrm>
-              <a:off x="5528526" y="3684109"/>
-              <a:ext cx="1466850" cy="609600"/>
-            </a:xfrm>
-            <a:prstGeom prst="foldedCorner">
-              <a:avLst/>
-            </a:prstGeom>
-          </p:spPr>
-          <p:style>
-            <a:lnRef idx="2">
-              <a:schemeClr val="accent4">
-                <a:shade val="50000"/>
-              </a:schemeClr>
-            </a:lnRef>
-            <a:fillRef idx="1">
-              <a:schemeClr val="accent4"/>
-            </a:fillRef>
-            <a:effectRef idx="0">
-              <a:schemeClr val="accent4"/>
-            </a:effectRef>
-            <a:fontRef idx="minor">
-              <a:schemeClr val="lt1"/>
-            </a:fontRef>
-          </p:style>
-          <p:txBody>
-            <a:bodyPr rtlCol="0" anchor="ctr"/>
-            <a:lstStyle/>
-            <a:p>
-              <a:pPr algn="ctr"/>
-              <a:r>
-                <a:rPr lang="en-US" sz="1600" b="1" dirty="0" smtClean="0"/>
-                <a:t>_xyz_.</a:t>
-              </a:r>
-              <a:r>
-                <a:rPr lang="en-US" sz="1600" b="1" dirty="0" err="1" smtClean="0"/>
-                <a:t>jsp</a:t>
-              </a:r>
-              <a:endParaRPr lang="en-SG" sz="1600" b="1" dirty="0"/>
-            </a:p>
-          </p:txBody>
-        </p:sp>
-        <p:sp>
-          <p:nvSpPr>
-            <p:cNvPr id="223" name="Folded Corner 222"/>
-            <p:cNvSpPr/>
-            <p:nvPr/>
-          </p:nvSpPr>
-          <p:spPr>
-            <a:xfrm>
-              <a:off x="5606860" y="3738592"/>
-              <a:ext cx="1466850" cy="609600"/>
-            </a:xfrm>
-            <a:prstGeom prst="foldedCorner">
-              <a:avLst/>
-            </a:prstGeom>
-          </p:spPr>
-          <p:style>
-            <a:lnRef idx="2">
-              <a:schemeClr val="accent4">
-                <a:shade val="50000"/>
-              </a:schemeClr>
-            </a:lnRef>
-            <a:fillRef idx="1">
-              <a:schemeClr val="accent4"/>
-            </a:fillRef>
-            <a:effectRef idx="0">
-              <a:schemeClr val="accent4"/>
-            </a:effectRef>
-            <a:fontRef idx="minor">
-              <a:schemeClr val="lt1"/>
-            </a:fontRef>
-          </p:style>
-          <p:txBody>
-            <a:bodyPr rtlCol="0" anchor="ctr"/>
-            <a:lstStyle/>
-            <a:p>
-              <a:pPr algn="ctr"/>
-              <a:r>
-                <a:rPr lang="en-US" sz="1600" b="1" dirty="0" smtClean="0"/>
-                <a:t>_xyz_.</a:t>
-              </a:r>
-              <a:r>
-                <a:rPr lang="en-US" sz="1600" b="1" dirty="0" err="1" smtClean="0"/>
-                <a:t>jsp</a:t>
-              </a:r>
-              <a:endParaRPr lang="en-SG" sz="1600" b="1" dirty="0"/>
-            </a:p>
-          </p:txBody>
-        </p:sp>
-      </p:grpSp>
-      <p:sp>
-        <p:nvSpPr>
-          <p:cNvPr id="226" name="Rounded Rectangle 225"/>
-          <p:cNvSpPr/>
-          <p:nvPr/>
-        </p:nvSpPr>
-        <p:spPr>
-          <a:xfrm>
-            <a:off x="7881200" y="114387"/>
-            <a:ext cx="914400" cy="5525997"/>
-          </a:xfrm>
-          <a:prstGeom prst="roundRect">
-            <a:avLst>
-              <a:gd name="adj" fmla="val 23209"/>
-            </a:avLst>
-          </a:prstGeom>
-          <a:solidFill>
-            <a:schemeClr val="bg1">
-              <a:lumMod val="85000"/>
-            </a:schemeClr>
-          </a:solidFill>
-          <a:ln>
-            <a:solidFill>
-              <a:schemeClr val="bg1">
-                <a:lumMod val="75000"/>
-              </a:schemeClr>
-            </a:solidFill>
-          </a:ln>
-        </p:spPr>
-        <p:style>
-          <a:lnRef idx="2">
-            <a:schemeClr val="accent1">
-              <a:shade val="50000"/>
-            </a:schemeClr>
-          </a:lnRef>
-          <a:fillRef idx="1">
-            <a:schemeClr val="accent1"/>
-          </a:fillRef>
-          <a:effectRef idx="0">
-            <a:schemeClr val="accent1"/>
-          </a:effectRef>
-          <a:fontRef idx="minor">
-            <a:schemeClr val="lt1"/>
-          </a:fontRef>
-        </p:style>
-        <p:txBody>
-          <a:bodyPr vert="vert270" rtlCol="0" anchor="t" anchorCtr="1"/>
-          <a:lstStyle/>
-          <a:p>
-            <a:pPr algn="r"/>
-            <a:r>
-              <a:rPr lang="en-US" sz="1600" b="1" dirty="0" smtClean="0"/>
-              <a:t>Logic</a:t>
-            </a:r>
-            <a:endParaRPr lang="en-SG" sz="1600" b="1" dirty="0"/>
-          </a:p>
-        </p:txBody>
-      </p:sp>
-      <p:sp>
-        <p:nvSpPr>
-          <p:cNvPr id="227" name="Rectangle 226"/>
-          <p:cNvSpPr/>
-          <p:nvPr/>
-        </p:nvSpPr>
-        <p:spPr>
-          <a:xfrm>
-            <a:off x="8338400" y="-36513"/>
-            <a:ext cx="609600" cy="5867400"/>
-          </a:xfrm>
-          <a:prstGeom prst="rect">
-            <a:avLst/>
-          </a:prstGeom>
-          <a:solidFill>
-            <a:schemeClr val="bg1"/>
-          </a:solidFill>
-          <a:ln>
-            <a:noFill/>
-          </a:ln>
-          <a:effectLst>
-            <a:softEdge rad="63500"/>
-          </a:effectLst>
-        </p:spPr>
-        <p:style>
-          <a:lnRef idx="2">
-            <a:schemeClr val="accent1">
-              <a:shade val="50000"/>
-            </a:schemeClr>
-          </a:lnRef>
-          <a:fillRef idx="1">
-            <a:schemeClr val="accent1"/>
-          </a:fillRef>
-          <a:effectRef idx="0">
-            <a:schemeClr val="accent1"/>
-          </a:effectRef>
-          <a:fontRef idx="minor">
-            <a:schemeClr val="lt1"/>
-          </a:fontRef>
-        </p:style>
-        <p:txBody>
-          <a:bodyPr rtlCol="0" anchor="ctr"/>
-          <a:lstStyle/>
-          <a:p>
-            <a:pPr algn="ctr"/>
-            <a:endParaRPr lang="en-SG"/>
-          </a:p>
-        </p:txBody>
-      </p:sp>
-      <p:sp>
-        <p:nvSpPr>
-          <p:cNvPr id="230" name="Rectangle 229"/>
-          <p:cNvSpPr/>
-          <p:nvPr/>
-        </p:nvSpPr>
-        <p:spPr>
-          <a:xfrm>
-            <a:off x="2712604" y="645975"/>
-            <a:ext cx="1466850" cy="199692"/>
-          </a:xfrm>
-          <a:prstGeom prst="rect">
-            <a:avLst/>
-          </a:prstGeom>
-        </p:spPr>
-        <p:style>
-          <a:lnRef idx="2">
-            <a:schemeClr val="accent1">
-              <a:shade val="50000"/>
-            </a:schemeClr>
-          </a:lnRef>
-          <a:fillRef idx="1">
-            <a:schemeClr val="accent1"/>
-          </a:fillRef>
-          <a:effectRef idx="0">
-            <a:schemeClr val="accent1"/>
-          </a:effectRef>
-          <a:fontRef idx="minor">
-            <a:schemeClr val="lt1"/>
-          </a:fontRef>
-        </p:style>
-        <p:txBody>
-          <a:bodyPr rtlCol="0" anchor="ctr"/>
-          <a:lstStyle/>
-          <a:p>
-            <a:pPr algn="ctr"/>
-            <a:r>
-              <a:rPr lang="en-US" sz="1600" b="1" dirty="0" err="1" smtClean="0"/>
-              <a:t>LoginFilter</a:t>
-            </a:r>
-            <a:endParaRPr lang="en-SG" sz="1600" b="1" dirty="0"/>
-          </a:p>
-        </p:txBody>
-      </p:sp>
-      <p:cxnSp>
-        <p:nvCxnSpPr>
-          <p:cNvPr id="96" name="Straight Arrow Connector 207"/>
-          <p:cNvCxnSpPr>
-            <a:stCxn id="205" idx="1"/>
-          </p:cNvCxnSpPr>
-          <p:nvPr/>
-        </p:nvCxnSpPr>
-        <p:spPr>
-          <a:xfrm rot="10800000">
-            <a:off x="1404203" y="3742156"/>
-            <a:ext cx="3938562" cy="215778"/>
-          </a:xfrm>
-          <a:prstGeom prst="bentConnector3">
-            <a:avLst>
-              <a:gd name="adj1" fmla="val 15028"/>
-            </a:avLst>
-          </a:prstGeom>
-          <a:ln w="25400">
-            <a:solidFill>
-              <a:schemeClr val="accent4">
-                <a:lumMod val="75000"/>
-              </a:schemeClr>
-            </a:solidFill>
-            <a:prstDash val="sysDash"/>
-            <a:tailEnd type="arrow"/>
-          </a:ln>
-        </p:spPr>
-        <p:style>
-          <a:lnRef idx="1">
-            <a:schemeClr val="accent1"/>
-          </a:lnRef>
-          <a:fillRef idx="0">
-            <a:schemeClr val="accent1"/>
-          </a:fillRef>
-          <a:effectRef idx="0">
-            <a:schemeClr val="accent1"/>
-          </a:effectRef>
-          <a:fontRef idx="minor">
-            <a:schemeClr val="tx1"/>
-          </a:fontRef>
-        </p:style>
-      </p:cxnSp>
-      <p:cxnSp>
-        <p:nvCxnSpPr>
-          <p:cNvPr id="112" name="Straight Arrow Connector 207"/>
-          <p:cNvCxnSpPr/>
-          <p:nvPr/>
-        </p:nvCxnSpPr>
-        <p:spPr>
-          <a:xfrm rot="16200000" flipV="1">
-            <a:off x="4066478" y="2060481"/>
-            <a:ext cx="881473" cy="2267463"/>
-          </a:xfrm>
-          <a:prstGeom prst="bentConnector3">
-            <a:avLst>
-              <a:gd name="adj1" fmla="val 50000"/>
-            </a:avLst>
-          </a:prstGeom>
-          <a:ln w="25400">
-            <a:solidFill>
-              <a:schemeClr val="accent4">
-                <a:lumMod val="75000"/>
-              </a:schemeClr>
-            </a:solidFill>
-            <a:prstDash val="sysDash"/>
-            <a:tailEnd type="arrow"/>
-          </a:ln>
-        </p:spPr>
-        <p:style>
-          <a:lnRef idx="1">
-            <a:schemeClr val="accent1"/>
-          </a:lnRef>
-          <a:fillRef idx="0">
-            <a:schemeClr val="accent1"/>
-          </a:fillRef>
-          <a:effectRef idx="0">
-            <a:schemeClr val="accent1"/>
-          </a:effectRef>
-          <a:fontRef idx="minor">
-            <a:schemeClr val="tx1"/>
-          </a:fontRef>
-        </p:style>
-      </p:cxnSp>
-      <p:grpSp>
-        <p:nvGrpSpPr>
-          <p:cNvPr id="114" name="Group 113"/>
-          <p:cNvGrpSpPr/>
-          <p:nvPr/>
-        </p:nvGrpSpPr>
-        <p:grpSpPr>
-          <a:xfrm>
-            <a:off x="2671664" y="877597"/>
-            <a:ext cx="1820633" cy="1894064"/>
-            <a:chOff x="2644706" y="841228"/>
-            <a:chExt cx="1820633" cy="1894064"/>
-          </a:xfrm>
-        </p:grpSpPr>
-        <p:grpSp>
-          <p:nvGrpSpPr>
-            <p:cNvPr id="128" name="Group 127"/>
-            <p:cNvGrpSpPr/>
-            <p:nvPr/>
-          </p:nvGrpSpPr>
-          <p:grpSpPr>
-            <a:xfrm>
-              <a:off x="2644706" y="841228"/>
-              <a:ext cx="1820633" cy="1894064"/>
-              <a:chOff x="-3638550" y="1371600"/>
-              <a:chExt cx="4781550" cy="2481840"/>
-            </a:xfrm>
-            <a:solidFill>
-              <a:schemeClr val="bg1"/>
-            </a:solidFill>
-          </p:grpSpPr>
-          <p:sp>
-            <p:nvSpPr>
-              <p:cNvPr id="129" name="Rectangle 128"/>
-              <p:cNvSpPr/>
-              <p:nvPr/>
-            </p:nvSpPr>
-            <p:spPr>
-              <a:xfrm>
-                <a:off x="-3638550" y="1523999"/>
-                <a:ext cx="4781550" cy="2329441"/>
-              </a:xfrm>
-              <a:prstGeom prst="rect">
-                <a:avLst/>
-              </a:prstGeom>
-              <a:grpFill/>
-              <a:ln>
-                <a:solidFill>
-                  <a:schemeClr val="tx2">
-                    <a:lumMod val="40000"/>
-                    <a:lumOff val="60000"/>
-                  </a:schemeClr>
-                </a:solidFill>
-              </a:ln>
-            </p:spPr>
-            <p:style>
-              <a:lnRef idx="2">
-                <a:schemeClr val="accent1">
-                  <a:shade val="50000"/>
-                </a:schemeClr>
-              </a:lnRef>
-              <a:fillRef idx="1">
-                <a:schemeClr val="accent1"/>
-              </a:fillRef>
-              <a:effectRef idx="0">
-                <a:schemeClr val="accent1"/>
-              </a:effectRef>
-              <a:fontRef idx="minor">
-                <a:schemeClr val="lt1"/>
-              </a:fontRef>
-            </p:style>
-            <p:txBody>
-              <a:bodyPr rtlCol="0" anchor="t" anchorCtr="0"/>
-              <a:lstStyle/>
-              <a:p>
-                <a:pPr algn="r"/>
-                <a:r>
-                  <a:rPr lang="en-US" sz="1400" b="1" dirty="0" err="1" smtClean="0">
-                    <a:solidFill>
-                      <a:schemeClr val="tx2"/>
-                    </a:solidFill>
-                  </a:rPr>
-                  <a:t>ui</a:t>
-                </a:r>
-                <a:r>
-                  <a:rPr lang="en-US" sz="1400" b="1" dirty="0" smtClean="0">
-                    <a:solidFill>
-                      <a:schemeClr val="tx2"/>
-                    </a:solidFill>
-                  </a:rPr>
-                  <a:t>::helper</a:t>
-                </a:r>
-                <a:endParaRPr lang="en-SG" sz="1400" b="1" dirty="0">
-                  <a:solidFill>
-                    <a:schemeClr val="tx2"/>
-                  </a:solidFill>
-                </a:endParaRPr>
-              </a:p>
-            </p:txBody>
-          </p:sp>
-          <p:sp>
-            <p:nvSpPr>
-              <p:cNvPr id="130" name="Rectangle 129"/>
-              <p:cNvSpPr/>
-              <p:nvPr/>
-            </p:nvSpPr>
-            <p:spPr>
-              <a:xfrm>
-                <a:off x="647700" y="1371600"/>
-                <a:ext cx="495300" cy="152400"/>
-              </a:xfrm>
-              <a:prstGeom prst="rect">
-                <a:avLst/>
-              </a:prstGeom>
-              <a:grpFill/>
-              <a:ln>
-                <a:solidFill>
-                  <a:schemeClr val="tx2">
-                    <a:lumMod val="40000"/>
-                    <a:lumOff val="60000"/>
-                  </a:schemeClr>
-                </a:solidFill>
-              </a:ln>
-            </p:spPr>
-            <p:style>
-              <a:lnRef idx="2">
-                <a:schemeClr val="accent1">
-                  <a:shade val="50000"/>
-                </a:schemeClr>
-              </a:lnRef>
-              <a:fillRef idx="1">
-                <a:schemeClr val="accent1"/>
-              </a:fillRef>
-              <a:effectRef idx="0">
-                <a:schemeClr val="accent1"/>
-              </a:effectRef>
-              <a:fontRef idx="minor">
-                <a:schemeClr val="lt1"/>
-              </a:fontRef>
-            </p:style>
-            <p:txBody>
-              <a:bodyPr rtlCol="0" anchor="t" anchorCtr="0"/>
-              <a:lstStyle/>
-              <a:p>
-                <a:endParaRPr lang="en-SG" sz="1400" b="1">
-                  <a:solidFill>
-                    <a:schemeClr val="tx2"/>
-                  </a:solidFill>
-                </a:endParaRPr>
-              </a:p>
-            </p:txBody>
-          </p:sp>
-        </p:grpSp>
-        <p:sp>
-          <p:nvSpPr>
-            <p:cNvPr id="202" name="Rectangle 201"/>
-            <p:cNvSpPr/>
-            <p:nvPr/>
-          </p:nvSpPr>
-          <p:spPr>
-            <a:xfrm>
-              <a:off x="2760094" y="1242699"/>
-              <a:ext cx="1226777" cy="297095"/>
-            </a:xfrm>
-            <a:prstGeom prst="rect">
-              <a:avLst/>
-            </a:prstGeom>
-          </p:spPr>
-          <p:style>
-            <a:lnRef idx="2">
-              <a:schemeClr val="accent6">
-                <a:shade val="50000"/>
-              </a:schemeClr>
-            </a:lnRef>
-            <a:fillRef idx="1">
-              <a:schemeClr val="accent6"/>
-            </a:fillRef>
-            <a:effectRef idx="0">
-              <a:schemeClr val="accent6"/>
-            </a:effectRef>
-            <a:fontRef idx="minor">
-              <a:schemeClr val="lt1"/>
-            </a:fontRef>
-          </p:style>
-          <p:txBody>
-            <a:bodyPr rtlCol="0" anchor="ctr"/>
-            <a:lstStyle/>
-            <a:p>
-              <a:pPr algn="ctr"/>
-              <a:r>
-                <a:rPr lang="en-US" sz="1600" b="1" dirty="0" smtClean="0"/>
-                <a:t>Helper</a:t>
-              </a:r>
-              <a:endParaRPr lang="en-SG" sz="1600" b="1" dirty="0"/>
-            </a:p>
-          </p:txBody>
-        </p:sp>
-        <p:sp>
-          <p:nvSpPr>
-            <p:cNvPr id="203" name="Isosceles Triangle 202"/>
-            <p:cNvSpPr/>
-            <p:nvPr/>
-          </p:nvSpPr>
-          <p:spPr>
-            <a:xfrm>
-              <a:off x="3281917" y="1534646"/>
-              <a:ext cx="276225" cy="228600"/>
-            </a:xfrm>
-            <a:prstGeom prst="triangle">
-              <a:avLst/>
-            </a:prstGeom>
-          </p:spPr>
-          <p:style>
-            <a:lnRef idx="2">
-              <a:schemeClr val="accent6">
-                <a:shade val="50000"/>
-              </a:schemeClr>
-            </a:lnRef>
-            <a:fillRef idx="1">
-              <a:schemeClr val="accent6"/>
-            </a:fillRef>
-            <a:effectRef idx="0">
-              <a:schemeClr val="accent6"/>
-            </a:effectRef>
-            <a:fontRef idx="minor">
-              <a:schemeClr val="lt1"/>
-            </a:fontRef>
-          </p:style>
-          <p:txBody>
-            <a:bodyPr rtlCol="0" anchor="ctr"/>
-            <a:lstStyle/>
-            <a:p>
-              <a:pPr algn="ctr"/>
-              <a:endParaRPr lang="en-SG"/>
-            </a:p>
-          </p:txBody>
-        </p:sp>
-        <p:cxnSp>
-          <p:nvCxnSpPr>
-            <p:cNvPr id="204" name="Elbow Connector 203"/>
-            <p:cNvCxnSpPr>
-              <a:stCxn id="203" idx="3"/>
-              <a:endCxn id="200" idx="0"/>
-            </p:cNvCxnSpPr>
-            <p:nvPr/>
-          </p:nvCxnSpPr>
-          <p:spPr>
-            <a:xfrm>
-              <a:off x="3420030" y="1763246"/>
-              <a:ext cx="0" cy="325476"/>
-            </a:xfrm>
-            <a:prstGeom prst="straightConnector1">
-              <a:avLst/>
-            </a:prstGeom>
-          </p:spPr>
-          <p:style>
-            <a:lnRef idx="2">
-              <a:schemeClr val="accent6">
-                <a:shade val="50000"/>
-              </a:schemeClr>
-            </a:lnRef>
-            <a:fillRef idx="1">
-              <a:schemeClr val="accent6"/>
-            </a:fillRef>
-            <a:effectRef idx="0">
-              <a:schemeClr val="accent6"/>
-            </a:effectRef>
-            <a:fontRef idx="minor">
-              <a:schemeClr val="lt1"/>
-            </a:fontRef>
-          </p:style>
-        </p:cxnSp>
-        <p:grpSp>
-          <p:nvGrpSpPr>
-            <p:cNvPr id="7" name="Group 6"/>
-            <p:cNvGrpSpPr/>
-            <p:nvPr/>
-          </p:nvGrpSpPr>
-          <p:grpSpPr>
-            <a:xfrm>
-              <a:off x="2731647" y="2088722"/>
-              <a:ext cx="1504057" cy="461935"/>
-              <a:chOff x="5468615" y="1988128"/>
-              <a:chExt cx="1602470" cy="686901"/>
-            </a:xfrm>
-          </p:grpSpPr>
-          <p:sp>
-            <p:nvSpPr>
-              <p:cNvPr id="200" name="Rectangle 199"/>
-              <p:cNvSpPr/>
-              <p:nvPr/>
-            </p:nvSpPr>
-            <p:spPr>
-              <a:xfrm>
-                <a:off x="5468615" y="1988128"/>
-                <a:ext cx="1466850" cy="609600"/>
-              </a:xfrm>
-              <a:prstGeom prst="rect">
-                <a:avLst/>
-              </a:prstGeom>
-            </p:spPr>
-            <p:style>
-              <a:lnRef idx="2">
-                <a:schemeClr val="accent6">
-                  <a:shade val="50000"/>
-                </a:schemeClr>
-              </a:lnRef>
-              <a:fillRef idx="1">
-                <a:schemeClr val="accent6"/>
-              </a:fillRef>
-              <a:effectRef idx="0">
-                <a:schemeClr val="accent6"/>
-              </a:effectRef>
-              <a:fontRef idx="minor">
-                <a:schemeClr val="lt1"/>
-              </a:fontRef>
-            </p:style>
-            <p:txBody>
-              <a:bodyPr rtlCol="0" anchor="ctr"/>
-              <a:lstStyle/>
-              <a:p>
-                <a:pPr algn="ctr"/>
-                <a:r>
-                  <a:rPr lang="en-US" sz="1600" b="1" dirty="0" smtClean="0"/>
-                  <a:t>_</a:t>
-                </a:r>
-                <a:r>
-                  <a:rPr lang="en-US" sz="1600" b="1" dirty="0" err="1" smtClean="0"/>
-                  <a:t>xyz_Helper</a:t>
-                </a:r>
-                <a:endParaRPr lang="en-SG" sz="1600" b="1" dirty="0"/>
-              </a:p>
-            </p:txBody>
-          </p:sp>
-          <p:sp>
-            <p:nvSpPr>
-              <p:cNvPr id="237" name="Rectangle 236"/>
-              <p:cNvSpPr/>
-              <p:nvPr/>
-            </p:nvSpPr>
-            <p:spPr>
-              <a:xfrm>
-                <a:off x="5526281" y="2022345"/>
-                <a:ext cx="1466850" cy="609600"/>
-              </a:xfrm>
-              <a:prstGeom prst="rect">
-                <a:avLst/>
-              </a:prstGeom>
-            </p:spPr>
-            <p:style>
-              <a:lnRef idx="2">
-                <a:schemeClr val="accent6">
-                  <a:shade val="50000"/>
-                </a:schemeClr>
-              </a:lnRef>
-              <a:fillRef idx="1">
-                <a:schemeClr val="accent6"/>
-              </a:fillRef>
-              <a:effectRef idx="0">
-                <a:schemeClr val="accent6"/>
-              </a:effectRef>
-              <a:fontRef idx="minor">
-                <a:schemeClr val="lt1"/>
-              </a:fontRef>
-            </p:style>
-            <p:txBody>
-              <a:bodyPr rtlCol="0" anchor="ctr"/>
-              <a:lstStyle/>
-              <a:p>
-                <a:pPr algn="ctr"/>
-                <a:r>
-                  <a:rPr lang="en-US" sz="1600" b="1" dirty="0" smtClean="0"/>
-                  <a:t>_</a:t>
-                </a:r>
-                <a:r>
-                  <a:rPr lang="en-US" sz="1600" b="1" dirty="0" err="1" smtClean="0"/>
-                  <a:t>xyz_Helper</a:t>
-                </a:r>
-                <a:endParaRPr lang="en-SG" sz="1600" b="1" dirty="0"/>
-              </a:p>
-            </p:txBody>
-          </p:sp>
-          <p:sp>
-            <p:nvSpPr>
-              <p:cNvPr id="238" name="Rectangle 237"/>
-              <p:cNvSpPr/>
-              <p:nvPr/>
-            </p:nvSpPr>
-            <p:spPr>
-              <a:xfrm>
-                <a:off x="5604235" y="2065429"/>
-                <a:ext cx="1466850" cy="609600"/>
-              </a:xfrm>
-              <a:prstGeom prst="rect">
-                <a:avLst/>
-              </a:prstGeom>
-            </p:spPr>
-            <p:style>
-              <a:lnRef idx="2">
-                <a:schemeClr val="accent6">
-                  <a:shade val="50000"/>
-                </a:schemeClr>
-              </a:lnRef>
-              <a:fillRef idx="1">
-                <a:schemeClr val="accent6"/>
-              </a:fillRef>
-              <a:effectRef idx="0">
-                <a:schemeClr val="accent6"/>
-              </a:effectRef>
-              <a:fontRef idx="minor">
-                <a:schemeClr val="lt1"/>
-              </a:fontRef>
-            </p:style>
-            <p:txBody>
-              <a:bodyPr rtlCol="0" anchor="ctr"/>
-              <a:lstStyle/>
-              <a:p>
-                <a:pPr algn="ctr"/>
-                <a:r>
-                  <a:rPr lang="en-US" sz="1600" b="1" dirty="0" smtClean="0"/>
-                  <a:t>_</a:t>
-                </a:r>
-                <a:r>
-                  <a:rPr lang="en-US" sz="1600" b="1" dirty="0" err="1" smtClean="0"/>
-                  <a:t>xyz_Helper</a:t>
-                </a:r>
-                <a:endParaRPr lang="en-SG" sz="1600" b="1" dirty="0"/>
-              </a:p>
-            </p:txBody>
-          </p:sp>
-        </p:grpSp>
-      </p:grpSp>
-      <p:sp>
-        <p:nvSpPr>
-          <p:cNvPr id="210" name="TextBox 209"/>
+      <p:sp>
+        <p:nvSpPr>
+          <p:cNvPr id="217" name="TextBox 216"/>
           <p:cNvSpPr txBox="1"/>
           <p:nvPr/>
         </p:nvSpPr>
         <p:spPr>
           <a:xfrm>
-            <a:off x="4336053" y="1530740"/>
+            <a:off x="2471000" y="3399481"/>
             <a:ext cx="1066800" cy="307777"/>
           </a:xfrm>
           <a:prstGeom prst="rect">
@@ -5572,479 +5080,131 @@
           <a:p>
             <a:pPr algn="r"/>
             <a:r>
-              <a:rPr lang="en-US" dirty="0" smtClean="0">
-                <a:solidFill>
-                  <a:schemeClr val="accent2">
-                    <a:lumMod val="75000"/>
-                  </a:schemeClr>
-                </a:solidFill>
-              </a:rPr>
+              <a:rPr lang="en-US" dirty="0" smtClean="0"/>
               <a:t>&lt;&lt;create&gt;&gt;</a:t>
             </a:r>
-            <a:endParaRPr lang="en-SG" dirty="0">
-              <a:solidFill>
-                <a:schemeClr val="accent2">
-                  <a:lumMod val="75000"/>
-                </a:schemeClr>
-              </a:solidFill>
-            </a:endParaRPr>
-          </a:p>
-        </p:txBody>
-      </p:sp>
-      <p:grpSp>
-        <p:nvGrpSpPr>
-          <p:cNvPr id="135" name="Group 134"/>
-          <p:cNvGrpSpPr/>
+            <a:endParaRPr lang="en-SG" dirty="0"/>
+          </a:p>
+        </p:txBody>
+      </p:sp>
+      <p:sp>
+        <p:nvSpPr>
+          <p:cNvPr id="218" name="Folded Corner 217"/>
+          <p:cNvSpPr/>
           <p:nvPr/>
-        </p:nvGrpSpPr>
-        <p:grpSpPr>
+        </p:nvSpPr>
+        <p:spPr>
           <a:xfrm>
-            <a:off x="5342765" y="834694"/>
-            <a:ext cx="1789186" cy="1894064"/>
-            <a:chOff x="5342765" y="834694"/>
-            <a:chExt cx="1789186" cy="1894064"/>
-          </a:xfrm>
-        </p:grpSpPr>
-        <p:grpSp>
-          <p:nvGrpSpPr>
-            <p:cNvPr id="140" name="Group 139"/>
-            <p:cNvGrpSpPr/>
-            <p:nvPr/>
-          </p:nvGrpSpPr>
-          <p:grpSpPr>
-            <a:xfrm>
-              <a:off x="5342765" y="834694"/>
-              <a:ext cx="1789186" cy="1894064"/>
-              <a:chOff x="-3638550" y="1371600"/>
-              <a:chExt cx="4781550" cy="2481840"/>
-            </a:xfrm>
-            <a:solidFill>
-              <a:schemeClr val="bg1"/>
-            </a:solidFill>
-          </p:grpSpPr>
-          <p:sp>
-            <p:nvSpPr>
-              <p:cNvPr id="141" name="Rectangle 140"/>
-              <p:cNvSpPr/>
-              <p:nvPr/>
-            </p:nvSpPr>
-            <p:spPr>
-              <a:xfrm>
-                <a:off x="-3638550" y="1523999"/>
-                <a:ext cx="4781550" cy="2329441"/>
-              </a:xfrm>
-              <a:prstGeom prst="rect">
-                <a:avLst/>
-              </a:prstGeom>
-              <a:grpFill/>
-              <a:ln>
-                <a:solidFill>
-                  <a:schemeClr val="tx2">
-                    <a:lumMod val="40000"/>
-                    <a:lumOff val="60000"/>
-                  </a:schemeClr>
-                </a:solidFill>
-              </a:ln>
-            </p:spPr>
-            <p:style>
-              <a:lnRef idx="2">
-                <a:schemeClr val="accent1">
-                  <a:shade val="50000"/>
-                </a:schemeClr>
-              </a:lnRef>
-              <a:fillRef idx="1">
-                <a:schemeClr val="accent1"/>
-              </a:fillRef>
-              <a:effectRef idx="0">
-                <a:schemeClr val="accent1"/>
-              </a:effectRef>
-              <a:fontRef idx="minor">
-                <a:schemeClr val="lt1"/>
-              </a:fontRef>
-            </p:style>
-            <p:txBody>
-              <a:bodyPr rtlCol="0" anchor="t" anchorCtr="0"/>
-              <a:lstStyle/>
-              <a:p>
-                <a:pPr algn="r"/>
-                <a:r>
-                  <a:rPr lang="en-US" sz="1400" b="1" dirty="0" err="1" smtClean="0">
-                    <a:solidFill>
-                      <a:schemeClr val="tx2"/>
-                    </a:solidFill>
-                  </a:rPr>
-                  <a:t>ui</a:t>
-                </a:r>
-                <a:r>
-                  <a:rPr lang="en-US" sz="1400" b="1" dirty="0" smtClean="0">
-                    <a:solidFill>
-                      <a:schemeClr val="tx2"/>
-                    </a:solidFill>
-                  </a:rPr>
-                  <a:t>::servlet</a:t>
-                </a:r>
-                <a:endParaRPr lang="en-SG" sz="1400" b="1" dirty="0">
-                  <a:solidFill>
-                    <a:schemeClr val="tx2"/>
-                  </a:solidFill>
-                </a:endParaRPr>
-              </a:p>
-            </p:txBody>
-          </p:sp>
-          <p:sp>
-            <p:nvSpPr>
-              <p:cNvPr id="142" name="Rectangle 141"/>
-              <p:cNvSpPr/>
-              <p:nvPr/>
-            </p:nvSpPr>
-            <p:spPr>
-              <a:xfrm>
-                <a:off x="647700" y="1371600"/>
-                <a:ext cx="495300" cy="152400"/>
-              </a:xfrm>
-              <a:prstGeom prst="rect">
-                <a:avLst/>
-              </a:prstGeom>
-              <a:grpFill/>
-              <a:ln>
-                <a:solidFill>
-                  <a:schemeClr val="tx2">
-                    <a:lumMod val="40000"/>
-                    <a:lumOff val="60000"/>
-                  </a:schemeClr>
-                </a:solidFill>
-              </a:ln>
-            </p:spPr>
-            <p:style>
-              <a:lnRef idx="2">
-                <a:schemeClr val="accent1">
-                  <a:shade val="50000"/>
-                </a:schemeClr>
-              </a:lnRef>
-              <a:fillRef idx="1">
-                <a:schemeClr val="accent1"/>
-              </a:fillRef>
-              <a:effectRef idx="0">
-                <a:schemeClr val="accent1"/>
-              </a:effectRef>
-              <a:fontRef idx="minor">
-                <a:schemeClr val="lt1"/>
-              </a:fontRef>
-            </p:style>
-            <p:txBody>
-              <a:bodyPr rtlCol="0" anchor="t" anchorCtr="0"/>
-              <a:lstStyle/>
-              <a:p>
-                <a:endParaRPr lang="en-SG" sz="1400" b="1">
-                  <a:solidFill>
-                    <a:schemeClr val="tx2"/>
-                  </a:solidFill>
-                </a:endParaRPr>
-              </a:p>
-            </p:txBody>
-          </p:sp>
-        </p:grpSp>
-        <p:sp>
-          <p:nvSpPr>
-            <p:cNvPr id="197" name="Rectangle 196"/>
-            <p:cNvSpPr/>
-            <p:nvPr/>
-          </p:nvSpPr>
-          <p:spPr>
-            <a:xfrm>
-              <a:off x="5538050" y="1244181"/>
-              <a:ext cx="1466850" cy="292891"/>
-            </a:xfrm>
-            <a:prstGeom prst="rect">
-              <a:avLst/>
-            </a:prstGeom>
-          </p:spPr>
-          <p:style>
-            <a:lnRef idx="2">
-              <a:schemeClr val="accent2">
-                <a:shade val="50000"/>
-              </a:schemeClr>
-            </a:lnRef>
-            <a:fillRef idx="1">
-              <a:schemeClr val="accent2"/>
-            </a:fillRef>
-            <a:effectRef idx="0">
-              <a:schemeClr val="accent2"/>
-            </a:effectRef>
-            <a:fontRef idx="minor">
-              <a:schemeClr val="lt1"/>
-            </a:fontRef>
-          </p:style>
-          <p:txBody>
-            <a:bodyPr rtlCol="0" anchor="ctr"/>
-            <a:lstStyle/>
-            <a:p>
-              <a:pPr algn="ctr"/>
-              <a:r>
-                <a:rPr lang="en-US" sz="1600" b="1" dirty="0" err="1" smtClean="0"/>
-                <a:t>ActionServlet</a:t>
-              </a:r>
-              <a:endParaRPr lang="en-SG" sz="1600" b="1" dirty="0"/>
-            </a:p>
-          </p:txBody>
-        </p:sp>
-        <p:sp>
-          <p:nvSpPr>
-            <p:cNvPr id="199" name="Isosceles Triangle 198"/>
-            <p:cNvSpPr/>
-            <p:nvPr/>
-          </p:nvSpPr>
-          <p:spPr>
-            <a:xfrm>
-              <a:off x="6013091" y="1556298"/>
-              <a:ext cx="276225" cy="228600"/>
-            </a:xfrm>
-            <a:prstGeom prst="triangle">
-              <a:avLst/>
-            </a:prstGeom>
-          </p:spPr>
-          <p:style>
-            <a:lnRef idx="2">
-              <a:schemeClr val="accent2">
-                <a:shade val="50000"/>
-              </a:schemeClr>
-            </a:lnRef>
-            <a:fillRef idx="1">
-              <a:schemeClr val="accent2"/>
-            </a:fillRef>
-            <a:effectRef idx="0">
-              <a:schemeClr val="accent2"/>
-            </a:effectRef>
-            <a:fontRef idx="minor">
-              <a:schemeClr val="lt1"/>
-            </a:fontRef>
-          </p:style>
-          <p:txBody>
-            <a:bodyPr rtlCol="0" anchor="ctr"/>
-            <a:lstStyle/>
-            <a:p>
-              <a:pPr algn="ctr"/>
-              <a:endParaRPr lang="en-SG"/>
-            </a:p>
-          </p:txBody>
-        </p:sp>
-        <p:cxnSp>
-          <p:nvCxnSpPr>
-            <p:cNvPr id="201" name="Elbow Connector 200"/>
-            <p:cNvCxnSpPr>
-              <a:stCxn id="199" idx="3"/>
-            </p:cNvCxnSpPr>
-            <p:nvPr/>
-          </p:nvCxnSpPr>
-          <p:spPr>
-            <a:xfrm rot="5400000">
-              <a:off x="5967310" y="1968792"/>
-              <a:ext cx="367789" cy="1"/>
-            </a:xfrm>
-            <a:prstGeom prst="bentConnector3">
-              <a:avLst/>
-            </a:prstGeom>
-          </p:spPr>
-          <p:style>
-            <a:lnRef idx="2">
-              <a:schemeClr val="accent2">
-                <a:shade val="50000"/>
-              </a:schemeClr>
-            </a:lnRef>
-            <a:fillRef idx="1">
-              <a:schemeClr val="accent2"/>
-            </a:fillRef>
-            <a:effectRef idx="0">
-              <a:schemeClr val="accent2"/>
-            </a:effectRef>
-            <a:fontRef idx="minor">
-              <a:schemeClr val="lt1"/>
-            </a:fontRef>
-          </p:style>
-        </p:cxnSp>
-        <p:grpSp>
-          <p:nvGrpSpPr>
-            <p:cNvPr id="8" name="Group 7"/>
-            <p:cNvGrpSpPr/>
-            <p:nvPr/>
-          </p:nvGrpSpPr>
-          <p:grpSpPr>
-            <a:xfrm>
-              <a:off x="5492923" y="2113652"/>
-              <a:ext cx="1376780" cy="481800"/>
-              <a:chOff x="2716692" y="1988128"/>
-              <a:chExt cx="1583333" cy="692591"/>
-            </a:xfrm>
-          </p:grpSpPr>
-          <p:sp>
-            <p:nvSpPr>
-              <p:cNvPr id="198" name="Rectangle 197"/>
-              <p:cNvSpPr/>
-              <p:nvPr/>
-            </p:nvSpPr>
-            <p:spPr>
-              <a:xfrm>
-                <a:off x="2716692" y="1988128"/>
-                <a:ext cx="1466850" cy="609600"/>
-              </a:xfrm>
-              <a:prstGeom prst="rect">
-                <a:avLst/>
-              </a:prstGeom>
-            </p:spPr>
-            <p:style>
-              <a:lnRef idx="2">
-                <a:schemeClr val="accent2">
-                  <a:shade val="50000"/>
-                </a:schemeClr>
-              </a:lnRef>
-              <a:fillRef idx="1">
-                <a:schemeClr val="accent2"/>
-              </a:fillRef>
-              <a:effectRef idx="0">
-                <a:schemeClr val="accent2"/>
-              </a:effectRef>
-              <a:fontRef idx="minor">
-                <a:schemeClr val="lt1"/>
-              </a:fontRef>
-            </p:style>
-            <p:txBody>
-              <a:bodyPr rtlCol="0" anchor="ctr"/>
-              <a:lstStyle/>
-              <a:p>
-                <a:pPr algn="ctr"/>
-                <a:r>
-                  <a:rPr lang="en-US" sz="1600" b="1" dirty="0" smtClean="0"/>
-                  <a:t>_</a:t>
-                </a:r>
-                <a:r>
-                  <a:rPr lang="en-US" sz="1600" b="1" dirty="0" err="1" smtClean="0"/>
-                  <a:t>xyz_Servlet</a:t>
-                </a:r>
-                <a:endParaRPr lang="en-SG" sz="1600" b="1" dirty="0"/>
-              </a:p>
-            </p:txBody>
-          </p:sp>
-          <p:sp>
-            <p:nvSpPr>
-              <p:cNvPr id="232" name="Rectangle 231"/>
-              <p:cNvSpPr/>
-              <p:nvPr/>
-            </p:nvSpPr>
-            <p:spPr>
-              <a:xfrm>
-                <a:off x="2770973" y="2030054"/>
-                <a:ext cx="1466850" cy="609600"/>
-              </a:xfrm>
-              <a:prstGeom prst="rect">
-                <a:avLst/>
-              </a:prstGeom>
-            </p:spPr>
-            <p:style>
-              <a:lnRef idx="2">
-                <a:schemeClr val="accent2">
-                  <a:shade val="50000"/>
-                </a:schemeClr>
-              </a:lnRef>
-              <a:fillRef idx="1">
-                <a:schemeClr val="accent2"/>
-              </a:fillRef>
-              <a:effectRef idx="0">
-                <a:schemeClr val="accent2"/>
-              </a:effectRef>
-              <a:fontRef idx="minor">
-                <a:schemeClr val="lt1"/>
-              </a:fontRef>
-            </p:style>
-            <p:txBody>
-              <a:bodyPr rtlCol="0" anchor="ctr"/>
-              <a:lstStyle/>
-              <a:p>
-                <a:pPr algn="ctr"/>
-                <a:r>
-                  <a:rPr lang="en-US" sz="1600" b="1" dirty="0" smtClean="0"/>
-                  <a:t>_</a:t>
-                </a:r>
-                <a:r>
-                  <a:rPr lang="en-US" sz="1600" b="1" dirty="0" err="1" smtClean="0"/>
-                  <a:t>xyz_Servlet</a:t>
-                </a:r>
-                <a:endParaRPr lang="en-SG" sz="1600" b="1" dirty="0"/>
-              </a:p>
-            </p:txBody>
-          </p:sp>
-          <p:sp>
-            <p:nvSpPr>
-              <p:cNvPr id="233" name="Rectangle 232"/>
-              <p:cNvSpPr/>
-              <p:nvPr/>
-            </p:nvSpPr>
-            <p:spPr>
-              <a:xfrm>
-                <a:off x="2833175" y="2071119"/>
-                <a:ext cx="1466850" cy="609600"/>
-              </a:xfrm>
-              <a:prstGeom prst="rect">
-                <a:avLst/>
-              </a:prstGeom>
-            </p:spPr>
-            <p:style>
-              <a:lnRef idx="2">
-                <a:schemeClr val="accent2">
-                  <a:shade val="50000"/>
-                </a:schemeClr>
-              </a:lnRef>
-              <a:fillRef idx="1">
-                <a:schemeClr val="accent2"/>
-              </a:fillRef>
-              <a:effectRef idx="0">
-                <a:schemeClr val="accent2"/>
-              </a:effectRef>
-              <a:fontRef idx="minor">
-                <a:schemeClr val="lt1"/>
-              </a:fontRef>
-            </p:style>
-            <p:txBody>
-              <a:bodyPr rtlCol="0" anchor="ctr"/>
-              <a:lstStyle/>
-              <a:p>
-                <a:pPr algn="ctr"/>
-                <a:r>
-                  <a:rPr lang="en-US" sz="1600" b="1" dirty="0" smtClean="0"/>
-                  <a:t>_</a:t>
-                </a:r>
-                <a:r>
-                  <a:rPr lang="en-US" sz="1600" b="1" dirty="0" err="1" smtClean="0"/>
-                  <a:t>xyz_Servlet</a:t>
-                </a:r>
-                <a:endParaRPr lang="en-SG" sz="1600" b="1" dirty="0"/>
-              </a:p>
-            </p:txBody>
-          </p:sp>
-        </p:grpSp>
-      </p:grpSp>
+            <a:off x="2967369" y="4699993"/>
+            <a:ext cx="1464715" cy="374591"/>
+          </a:xfrm>
+          <a:prstGeom prst="foldedCorner">
+            <a:avLst/>
+          </a:prstGeom>
+        </p:spPr>
+        <p:style>
+          <a:lnRef idx="2">
+            <a:schemeClr val="accent5">
+              <a:shade val="50000"/>
+            </a:schemeClr>
+          </a:lnRef>
+          <a:fillRef idx="1">
+            <a:schemeClr val="accent5"/>
+          </a:fillRef>
+          <a:effectRef idx="0">
+            <a:schemeClr val="accent5"/>
+          </a:effectRef>
+          <a:fontRef idx="minor">
+            <a:schemeClr val="lt1"/>
+          </a:fontRef>
+        </p:style>
+        <p:txBody>
+          <a:bodyPr rtlCol="0" anchor="ctr"/>
+          <a:lstStyle/>
+          <a:p>
+            <a:pPr algn="ctr"/>
+            <a:r>
+              <a:rPr lang="en-US" sz="1600" b="1" dirty="0" smtClean="0"/>
+              <a:t>*.</a:t>
+            </a:r>
+            <a:r>
+              <a:rPr lang="en-US" sz="1600" b="1" dirty="0" err="1" smtClean="0"/>
+              <a:t>css</a:t>
+            </a:r>
+            <a:endParaRPr lang="en-SG" sz="1600" b="1" dirty="0"/>
+          </a:p>
+        </p:txBody>
+      </p:sp>
+      <p:sp>
+        <p:nvSpPr>
+          <p:cNvPr id="219" name="Folded Corner 218"/>
+          <p:cNvSpPr/>
+          <p:nvPr/>
+        </p:nvSpPr>
+        <p:spPr>
+          <a:xfrm>
+            <a:off x="3009385" y="4770496"/>
+            <a:ext cx="1464715" cy="374591"/>
+          </a:xfrm>
+          <a:prstGeom prst="foldedCorner">
+            <a:avLst/>
+          </a:prstGeom>
+        </p:spPr>
+        <p:style>
+          <a:lnRef idx="2">
+            <a:schemeClr val="accent5">
+              <a:shade val="50000"/>
+            </a:schemeClr>
+          </a:lnRef>
+          <a:fillRef idx="1">
+            <a:schemeClr val="accent5"/>
+          </a:fillRef>
+          <a:effectRef idx="0">
+            <a:schemeClr val="accent5"/>
+          </a:effectRef>
+          <a:fontRef idx="minor">
+            <a:schemeClr val="lt1"/>
+          </a:fontRef>
+        </p:style>
+        <p:txBody>
+          <a:bodyPr rtlCol="0" anchor="ctr"/>
+          <a:lstStyle/>
+          <a:p>
+            <a:pPr algn="ctr"/>
+            <a:r>
+              <a:rPr lang="en-US" sz="1600" b="1" dirty="0" smtClean="0"/>
+              <a:t>*.</a:t>
+            </a:r>
+            <a:r>
+              <a:rPr lang="en-US" sz="1600" b="1" dirty="0" err="1" smtClean="0"/>
+              <a:t>css</a:t>
+            </a:r>
+            <a:endParaRPr lang="en-SG" sz="1600" b="1" dirty="0"/>
+          </a:p>
+        </p:txBody>
+      </p:sp>
       <p:cxnSp>
         <p:nvCxnSpPr>
-          <p:cNvPr id="66" name="Elbow Connector 65"/>
-          <p:cNvCxnSpPr/>
+          <p:cNvPr id="220" name="Elbow Connector 219"/>
+          <p:cNvCxnSpPr>
+            <a:stCxn id="211" idx="2"/>
+            <a:endCxn id="215" idx="1"/>
+          </p:cNvCxnSpPr>
           <p:nvPr/>
         </p:nvCxnSpPr>
         <p:spPr>
-          <a:xfrm rot="10800000">
-            <a:off x="4492298" y="1925985"/>
-            <a:ext cx="846337" cy="1"/>
-          </a:xfrm>
-          <a:prstGeom prst="bentConnector3">
-            <a:avLst>
-              <a:gd name="adj1" fmla="val 50000"/>
-            </a:avLst>
+          <a:xfrm rot="16200000" flipH="1">
+            <a:off x="1833983" y="3002229"/>
+            <a:ext cx="245335" cy="2247900"/>
+          </a:xfrm>
+          <a:prstGeom prst="bentConnector2">
+            <a:avLst/>
           </a:prstGeom>
           <a:ln w="38100">
             <a:solidFill>
-              <a:schemeClr val="accent2">
-                <a:lumMod val="75000"/>
-              </a:schemeClr>
+              <a:schemeClr val="tx1"/>
             </a:solidFill>
-            <a:prstDash val="sysDot"/>
+            <a:prstDash val="sysDash"/>
             <a:tailEnd type="arrow"/>
           </a:ln>
         </p:spPr>
@@ -6065,29 +5225,26 @@
       </p:cxnSp>
       <p:cxnSp>
         <p:nvCxnSpPr>
-          <p:cNvPr id="106" name="Elbow Connector 105"/>
+          <p:cNvPr id="221" name="Elbow Connector 220"/>
           <p:cNvCxnSpPr>
-            <a:stCxn id="141" idx="3"/>
+            <a:stCxn id="211" idx="2"/>
+            <a:endCxn id="219" idx="1"/>
           </p:cNvCxnSpPr>
           <p:nvPr/>
         </p:nvCxnSpPr>
         <p:spPr>
-          <a:xfrm flipV="1">
-            <a:off x="7131951" y="1838517"/>
-            <a:ext cx="749249" cy="1362"/>
-          </a:xfrm>
-          <a:prstGeom prst="bentConnector3">
-            <a:avLst>
-              <a:gd name="adj1" fmla="val 50000"/>
-            </a:avLst>
+          <a:xfrm rot="16200000" flipH="1">
+            <a:off x="1443902" y="3392309"/>
+            <a:ext cx="954280" cy="2176685"/>
+          </a:xfrm>
+          <a:prstGeom prst="bentConnector2">
+            <a:avLst/>
           </a:prstGeom>
           <a:ln w="38100">
             <a:solidFill>
-              <a:schemeClr val="accent2">
-                <a:lumMod val="75000"/>
-              </a:schemeClr>
+              <a:schemeClr val="tx1"/>
             </a:solidFill>
-            <a:prstDash val="sysDot"/>
+            <a:prstDash val="sysDash"/>
             <a:tailEnd type="arrow"/>
           </a:ln>
         </p:spPr>
@@ -6106,6 +5263,544 @@
           </a:fontRef>
         </p:style>
       </p:cxnSp>
+      <p:sp>
+        <p:nvSpPr>
+          <p:cNvPr id="222" name="Folded Corner 221"/>
+          <p:cNvSpPr/>
+          <p:nvPr/>
+        </p:nvSpPr>
+        <p:spPr>
+          <a:xfrm>
+            <a:off x="5528526" y="3684109"/>
+            <a:ext cx="1466850" cy="609600"/>
+          </a:xfrm>
+          <a:prstGeom prst="foldedCorner">
+            <a:avLst/>
+          </a:prstGeom>
+        </p:spPr>
+        <p:style>
+          <a:lnRef idx="2">
+            <a:schemeClr val="accent4">
+              <a:shade val="50000"/>
+            </a:schemeClr>
+          </a:lnRef>
+          <a:fillRef idx="1">
+            <a:schemeClr val="accent4"/>
+          </a:fillRef>
+          <a:effectRef idx="0">
+            <a:schemeClr val="accent4"/>
+          </a:effectRef>
+          <a:fontRef idx="minor">
+            <a:schemeClr val="lt1"/>
+          </a:fontRef>
+        </p:style>
+        <p:txBody>
+          <a:bodyPr rtlCol="0" anchor="ctr"/>
+          <a:lstStyle/>
+          <a:p>
+            <a:pPr algn="ctr"/>
+            <a:r>
+              <a:rPr lang="en-US" sz="1600" b="1" dirty="0" smtClean="0"/>
+              <a:t>_xyz_.</a:t>
+            </a:r>
+            <a:r>
+              <a:rPr lang="en-US" sz="1600" b="1" dirty="0" err="1" smtClean="0"/>
+              <a:t>jsp</a:t>
+            </a:r>
+            <a:endParaRPr lang="en-SG" sz="1600" b="1" dirty="0"/>
+          </a:p>
+        </p:txBody>
+      </p:sp>
+      <p:sp>
+        <p:nvSpPr>
+          <p:cNvPr id="223" name="Folded Corner 222"/>
+          <p:cNvSpPr/>
+          <p:nvPr/>
+        </p:nvSpPr>
+        <p:spPr>
+          <a:xfrm>
+            <a:off x="5606860" y="3738592"/>
+            <a:ext cx="1466850" cy="609600"/>
+          </a:xfrm>
+          <a:prstGeom prst="foldedCorner">
+            <a:avLst/>
+          </a:prstGeom>
+        </p:spPr>
+        <p:style>
+          <a:lnRef idx="2">
+            <a:schemeClr val="accent4">
+              <a:shade val="50000"/>
+            </a:schemeClr>
+          </a:lnRef>
+          <a:fillRef idx="1">
+            <a:schemeClr val="accent4"/>
+          </a:fillRef>
+          <a:effectRef idx="0">
+            <a:schemeClr val="accent4"/>
+          </a:effectRef>
+          <a:fontRef idx="minor">
+            <a:schemeClr val="lt1"/>
+          </a:fontRef>
+        </p:style>
+        <p:txBody>
+          <a:bodyPr rtlCol="0" anchor="ctr"/>
+          <a:lstStyle/>
+          <a:p>
+            <a:pPr algn="ctr"/>
+            <a:r>
+              <a:rPr lang="en-US" sz="1600" b="1" dirty="0" smtClean="0"/>
+              <a:t>_xyz_.</a:t>
+            </a:r>
+            <a:r>
+              <a:rPr lang="en-US" sz="1600" b="1" dirty="0" err="1" smtClean="0"/>
+              <a:t>jsp</a:t>
+            </a:r>
+            <a:endParaRPr lang="en-SG" sz="1600" b="1" dirty="0"/>
+          </a:p>
+        </p:txBody>
+      </p:sp>
+      <p:cxnSp>
+        <p:nvCxnSpPr>
+          <p:cNvPr id="224" name="Elbow Connector 223"/>
+          <p:cNvCxnSpPr>
+            <a:stCxn id="197" idx="3"/>
+            <a:endCxn id="202" idx="1"/>
+          </p:cNvCxnSpPr>
+          <p:nvPr/>
+        </p:nvCxnSpPr>
+        <p:spPr>
+          <a:xfrm flipV="1">
+            <a:off x="4263231" y="1445535"/>
+            <a:ext cx="1217670" cy="2071"/>
+          </a:xfrm>
+          <a:prstGeom prst="bentConnector3">
+            <a:avLst>
+              <a:gd name="adj1" fmla="val 50000"/>
+            </a:avLst>
+          </a:prstGeom>
+          <a:ln w="38100">
+            <a:solidFill>
+              <a:schemeClr val="accent2">
+                <a:lumMod val="75000"/>
+              </a:schemeClr>
+            </a:solidFill>
+            <a:prstDash val="sysDot"/>
+            <a:tailEnd type="arrow"/>
+          </a:ln>
+        </p:spPr>
+        <p:style>
+          <a:lnRef idx="1">
+            <a:schemeClr val="accent1"/>
+          </a:lnRef>
+          <a:fillRef idx="0">
+            <a:schemeClr val="accent1"/>
+          </a:fillRef>
+          <a:effectRef idx="0">
+            <a:schemeClr val="accent1"/>
+          </a:effectRef>
+          <a:fontRef idx="minor">
+            <a:schemeClr val="tx1"/>
+          </a:fontRef>
+        </p:style>
+      </p:cxnSp>
+      <p:cxnSp>
+        <p:nvCxnSpPr>
+          <p:cNvPr id="225" name="Elbow Connector 224"/>
+          <p:cNvCxnSpPr>
+            <a:stCxn id="197" idx="0"/>
+          </p:cNvCxnSpPr>
+          <p:nvPr/>
+        </p:nvCxnSpPr>
+        <p:spPr>
+          <a:xfrm rot="5400000" flipH="1" flipV="1">
+            <a:off x="5640019" y="-982296"/>
+            <a:ext cx="130970" cy="4351396"/>
+          </a:xfrm>
+          <a:prstGeom prst="bentConnector2">
+            <a:avLst/>
+          </a:prstGeom>
+          <a:ln w="38100">
+            <a:solidFill>
+              <a:schemeClr val="tx1"/>
+            </a:solidFill>
+            <a:prstDash val="sysDash"/>
+            <a:tailEnd type="arrow"/>
+          </a:ln>
+        </p:spPr>
+        <p:style>
+          <a:lnRef idx="1">
+            <a:schemeClr val="accent1"/>
+          </a:lnRef>
+          <a:fillRef idx="0">
+            <a:schemeClr val="accent1"/>
+          </a:fillRef>
+          <a:effectRef idx="0">
+            <a:schemeClr val="accent1"/>
+          </a:effectRef>
+          <a:fontRef idx="minor">
+            <a:schemeClr val="tx1"/>
+          </a:fontRef>
+        </p:style>
+      </p:cxnSp>
+      <p:sp>
+        <p:nvSpPr>
+          <p:cNvPr id="226" name="Rounded Rectangle 225"/>
+          <p:cNvSpPr/>
+          <p:nvPr/>
+        </p:nvSpPr>
+        <p:spPr>
+          <a:xfrm>
+            <a:off x="7881200" y="114387"/>
+            <a:ext cx="914400" cy="5525997"/>
+          </a:xfrm>
+          <a:prstGeom prst="roundRect">
+            <a:avLst>
+              <a:gd name="adj" fmla="val 23209"/>
+            </a:avLst>
+          </a:prstGeom>
+          <a:solidFill>
+            <a:schemeClr val="bg1">
+              <a:lumMod val="85000"/>
+            </a:schemeClr>
+          </a:solidFill>
+          <a:ln>
+            <a:solidFill>
+              <a:schemeClr val="bg1">
+                <a:lumMod val="75000"/>
+              </a:schemeClr>
+            </a:solidFill>
+          </a:ln>
+        </p:spPr>
+        <p:style>
+          <a:lnRef idx="2">
+            <a:schemeClr val="accent1">
+              <a:shade val="50000"/>
+            </a:schemeClr>
+          </a:lnRef>
+          <a:fillRef idx="1">
+            <a:schemeClr val="accent1"/>
+          </a:fillRef>
+          <a:effectRef idx="0">
+            <a:schemeClr val="accent1"/>
+          </a:effectRef>
+          <a:fontRef idx="minor">
+            <a:schemeClr val="lt1"/>
+          </a:fontRef>
+        </p:style>
+        <p:txBody>
+          <a:bodyPr vert="vert270" rtlCol="0" anchor="t" anchorCtr="1"/>
+          <a:lstStyle/>
+          <a:p>
+            <a:pPr algn="r"/>
+            <a:r>
+              <a:rPr lang="en-US" sz="1600" b="1" dirty="0" smtClean="0"/>
+              <a:t>Logic</a:t>
+            </a:r>
+            <a:endParaRPr lang="en-SG" sz="1600" b="1" dirty="0"/>
+          </a:p>
+        </p:txBody>
+      </p:sp>
+      <p:sp>
+        <p:nvSpPr>
+          <p:cNvPr id="227" name="Rectangle 226"/>
+          <p:cNvSpPr/>
+          <p:nvPr/>
+        </p:nvSpPr>
+        <p:spPr>
+          <a:xfrm>
+            <a:off x="8338400" y="-36513"/>
+            <a:ext cx="609600" cy="5867400"/>
+          </a:xfrm>
+          <a:prstGeom prst="rect">
+            <a:avLst/>
+          </a:prstGeom>
+          <a:solidFill>
+            <a:schemeClr val="bg1"/>
+          </a:solidFill>
+          <a:ln>
+            <a:noFill/>
+          </a:ln>
+          <a:effectLst>
+            <a:softEdge rad="63500"/>
+          </a:effectLst>
+        </p:spPr>
+        <p:style>
+          <a:lnRef idx="2">
+            <a:schemeClr val="accent1">
+              <a:shade val="50000"/>
+            </a:schemeClr>
+          </a:lnRef>
+          <a:fillRef idx="1">
+            <a:schemeClr val="accent1"/>
+          </a:fillRef>
+          <a:effectRef idx="0">
+            <a:schemeClr val="accent1"/>
+          </a:effectRef>
+          <a:fontRef idx="minor">
+            <a:schemeClr val="lt1"/>
+          </a:fontRef>
+        </p:style>
+        <p:txBody>
+          <a:bodyPr rtlCol="0" anchor="ctr"/>
+          <a:lstStyle/>
+          <a:p>
+            <a:pPr algn="ctr"/>
+            <a:endParaRPr lang="en-SG"/>
+          </a:p>
+        </p:txBody>
+      </p:sp>
+      <p:sp>
+        <p:nvSpPr>
+          <p:cNvPr id="230" name="Rectangle 229"/>
+          <p:cNvSpPr/>
+          <p:nvPr/>
+        </p:nvSpPr>
+        <p:spPr>
+          <a:xfrm>
+            <a:off x="2702894" y="594519"/>
+            <a:ext cx="1466850" cy="377438"/>
+          </a:xfrm>
+          <a:prstGeom prst="rect">
+            <a:avLst/>
+          </a:prstGeom>
+        </p:spPr>
+        <p:style>
+          <a:lnRef idx="2">
+            <a:schemeClr val="accent6">
+              <a:shade val="50000"/>
+            </a:schemeClr>
+          </a:lnRef>
+          <a:fillRef idx="1">
+            <a:schemeClr val="accent6"/>
+          </a:fillRef>
+          <a:effectRef idx="0">
+            <a:schemeClr val="accent6"/>
+          </a:effectRef>
+          <a:fontRef idx="minor">
+            <a:schemeClr val="lt1"/>
+          </a:fontRef>
+        </p:style>
+        <p:txBody>
+          <a:bodyPr rtlCol="0" anchor="ctr"/>
+          <a:lstStyle/>
+          <a:p>
+            <a:pPr algn="ctr"/>
+            <a:r>
+              <a:rPr lang="en-US" sz="1600" b="1" dirty="0" err="1"/>
+              <a:t>LoginFilter</a:t>
+            </a:r>
+            <a:endParaRPr lang="en-SG" sz="1600" b="1" dirty="0"/>
+          </a:p>
+        </p:txBody>
+      </p:sp>
+      <p:sp>
+        <p:nvSpPr>
+          <p:cNvPr id="232" name="Rectangle 231"/>
+          <p:cNvSpPr/>
+          <p:nvPr/>
+        </p:nvSpPr>
+        <p:spPr>
+          <a:xfrm>
+            <a:off x="2770973" y="2030054"/>
+            <a:ext cx="1466850" cy="609600"/>
+          </a:xfrm>
+          <a:prstGeom prst="rect">
+            <a:avLst/>
+          </a:prstGeom>
+        </p:spPr>
+        <p:style>
+          <a:lnRef idx="2">
+            <a:schemeClr val="accent2">
+              <a:shade val="50000"/>
+            </a:schemeClr>
+          </a:lnRef>
+          <a:fillRef idx="1">
+            <a:schemeClr val="accent2"/>
+          </a:fillRef>
+          <a:effectRef idx="0">
+            <a:schemeClr val="accent2"/>
+          </a:effectRef>
+          <a:fontRef idx="minor">
+            <a:schemeClr val="lt1"/>
+          </a:fontRef>
+        </p:style>
+        <p:txBody>
+          <a:bodyPr rtlCol="0" anchor="ctr"/>
+          <a:lstStyle/>
+          <a:p>
+            <a:pPr algn="ctr"/>
+            <a:r>
+              <a:rPr lang="en-US" sz="1600" b="1" dirty="0" smtClean="0"/>
+              <a:t>_</a:t>
+            </a:r>
+            <a:r>
+              <a:rPr lang="en-US" sz="1600" b="1" dirty="0" err="1" smtClean="0"/>
+              <a:t>xyz_Servlet</a:t>
+            </a:r>
+            <a:endParaRPr lang="en-SG" sz="1600" b="1" dirty="0"/>
+          </a:p>
+        </p:txBody>
+      </p:sp>
+      <p:sp>
+        <p:nvSpPr>
+          <p:cNvPr id="233" name="Rectangle 232"/>
+          <p:cNvSpPr/>
+          <p:nvPr/>
+        </p:nvSpPr>
+        <p:spPr>
+          <a:xfrm>
+            <a:off x="2833175" y="2071119"/>
+            <a:ext cx="1466850" cy="609600"/>
+          </a:xfrm>
+          <a:prstGeom prst="rect">
+            <a:avLst/>
+          </a:prstGeom>
+        </p:spPr>
+        <p:style>
+          <a:lnRef idx="2">
+            <a:schemeClr val="accent2">
+              <a:shade val="50000"/>
+            </a:schemeClr>
+          </a:lnRef>
+          <a:fillRef idx="1">
+            <a:schemeClr val="accent2"/>
+          </a:fillRef>
+          <a:effectRef idx="0">
+            <a:schemeClr val="accent2"/>
+          </a:effectRef>
+          <a:fontRef idx="minor">
+            <a:schemeClr val="lt1"/>
+          </a:fontRef>
+        </p:style>
+        <p:txBody>
+          <a:bodyPr rtlCol="0" anchor="ctr"/>
+          <a:lstStyle/>
+          <a:p>
+            <a:pPr algn="ctr"/>
+            <a:r>
+              <a:rPr lang="en-US" sz="1600" b="1" dirty="0" smtClean="0"/>
+              <a:t>_</a:t>
+            </a:r>
+            <a:r>
+              <a:rPr lang="en-US" sz="1600" b="1" dirty="0" err="1" smtClean="0"/>
+              <a:t>xyz_Servlet</a:t>
+            </a:r>
+            <a:endParaRPr lang="en-SG" sz="1600" b="1" dirty="0"/>
+          </a:p>
+        </p:txBody>
+      </p:sp>
+      <p:sp>
+        <p:nvSpPr>
+          <p:cNvPr id="237" name="Rectangle 236"/>
+          <p:cNvSpPr/>
+          <p:nvPr/>
+        </p:nvSpPr>
+        <p:spPr>
+          <a:xfrm>
+            <a:off x="5526281" y="2022345"/>
+            <a:ext cx="1466850" cy="609600"/>
+          </a:xfrm>
+          <a:prstGeom prst="rect">
+            <a:avLst/>
+          </a:prstGeom>
+          <a:solidFill>
+            <a:srgbClr val="92D050"/>
+          </a:solidFill>
+          <a:ln>
+            <a:solidFill>
+              <a:srgbClr val="00B050"/>
+            </a:solidFill>
+          </a:ln>
+        </p:spPr>
+        <p:style>
+          <a:lnRef idx="2">
+            <a:schemeClr val="accent6">
+              <a:shade val="50000"/>
+            </a:schemeClr>
+          </a:lnRef>
+          <a:fillRef idx="1">
+            <a:schemeClr val="accent6"/>
+          </a:fillRef>
+          <a:effectRef idx="0">
+            <a:schemeClr val="accent6"/>
+          </a:effectRef>
+          <a:fontRef idx="minor">
+            <a:schemeClr val="lt1"/>
+          </a:fontRef>
+        </p:style>
+        <p:txBody>
+          <a:bodyPr rtlCol="0" anchor="ctr"/>
+          <a:lstStyle/>
+          <a:p>
+            <a:pPr algn="ctr"/>
+            <a:r>
+              <a:rPr lang="en-US" sz="1600" b="1" dirty="0" smtClean="0"/>
+              <a:t>_</a:t>
+            </a:r>
+            <a:r>
+              <a:rPr lang="en-US" sz="1600" b="1" dirty="0" err="1" smtClean="0"/>
+              <a:t>xyz_Helper</a:t>
+            </a:r>
+            <a:endParaRPr lang="en-SG" sz="1600" b="1" dirty="0"/>
+          </a:p>
+        </p:txBody>
+      </p:sp>
+      <p:sp>
+        <p:nvSpPr>
+          <p:cNvPr id="238" name="Rectangle 237"/>
+          <p:cNvSpPr/>
+          <p:nvPr/>
+        </p:nvSpPr>
+        <p:spPr>
+          <a:xfrm>
+            <a:off x="5604235" y="2065429"/>
+            <a:ext cx="1466850" cy="609600"/>
+          </a:xfrm>
+          <a:prstGeom prst="rect">
+            <a:avLst/>
+          </a:prstGeom>
+          <a:solidFill>
+            <a:srgbClr val="92D050"/>
+          </a:solidFill>
+          <a:ln>
+            <a:solidFill>
+              <a:srgbClr val="00B050"/>
+            </a:solidFill>
+          </a:ln>
+        </p:spPr>
+        <p:style>
+          <a:lnRef idx="2">
+            <a:schemeClr val="accent6">
+              <a:shade val="50000"/>
+            </a:schemeClr>
+          </a:lnRef>
+          <a:fillRef idx="1">
+            <a:schemeClr val="accent6"/>
+          </a:fillRef>
+          <a:effectRef idx="0">
+            <a:schemeClr val="accent6"/>
+          </a:effectRef>
+          <a:fontRef idx="minor">
+            <a:schemeClr val="lt1"/>
+          </a:fontRef>
+        </p:style>
+        <p:txBody>
+          <a:bodyPr rtlCol="0" anchor="ctr"/>
+          <a:lstStyle/>
+          <a:p>
+            <a:pPr algn="ctr"/>
+            <a:r>
+              <a:rPr lang="en-US" sz="1600" b="1" dirty="0" smtClean="0"/>
+              <a:t>_</a:t>
+            </a:r>
+            <a:r>
+              <a:rPr lang="en-US" sz="1600" b="1" dirty="0" err="1" smtClean="0"/>
+              <a:t>xyz_Helper</a:t>
+            </a:r>
+            <a:endParaRPr lang="en-SG" sz="1600" b="1" dirty="0"/>
+          </a:p>
+        </p:txBody>
+      </p:sp>
     </p:spTree>
     <p:extLst>
       <p:ext uri="{BB962C8B-B14F-4D97-AF65-F5344CB8AC3E}">

--- a/doc/diagrams/UiComponent.pptx
+++ b/doc/diagrams/UiComponent.pptx
@@ -10,7 +10,7 @@
   <p:sldIdLst>
     <p:sldId id="256" r:id="rId2"/>
   </p:sldIdLst>
-  <p:sldSz cx="8640763" cy="5761038"/>
+  <p:sldSz cx="10080625" cy="6840538"/>
   <p:notesSz cx="6858000" cy="9144000"/>
   <p:defaultTextStyle>
     <a:defPPr>
@@ -192,7 +192,7 @@
           <a:p>
             <a:fld id="{DC50A2AC-D691-437C-A69B-81ECFE08AD4B}" type="datetimeFigureOut">
               <a:rPr lang="en-SG" smtClean="0"/>
-              <a:t>1/10/2012</a:t>
+              <a:t>5/7/2013</a:t>
             </a:fld>
             <a:endParaRPr lang="en-SG"/>
           </a:p>
@@ -210,8 +210,8 @@
         </p:nvSpPr>
         <p:spPr>
           <a:xfrm>
-            <a:off x="858838" y="685800"/>
-            <a:ext cx="5140325" cy="3429000"/>
+            <a:off x="903288" y="685800"/>
+            <a:ext cx="5051425" cy="3429000"/>
           </a:xfrm>
           <a:prstGeom prst="rect">
             <a:avLst/>
@@ -489,8 +489,8 @@
         </p:nvSpPr>
         <p:spPr>
           <a:xfrm>
-            <a:off x="858838" y="685800"/>
-            <a:ext cx="5140325" cy="3429000"/>
+            <a:off x="903288" y="685800"/>
+            <a:ext cx="5051425" cy="3429000"/>
           </a:xfrm>
         </p:spPr>
       </p:sp>
@@ -578,8 +578,8 @@
         </p:nvSpPr>
         <p:spPr>
           <a:xfrm>
-            <a:off x="648057" y="1789656"/>
-            <a:ext cx="7344649" cy="1234890"/>
+            <a:off x="756047" y="2125003"/>
+            <a:ext cx="8568532" cy="1466283"/>
           </a:xfrm>
         </p:spPr>
         <p:txBody>
@@ -606,8 +606,8 @@
         </p:nvSpPr>
         <p:spPr>
           <a:xfrm>
-            <a:off x="1296115" y="3264588"/>
-            <a:ext cx="6048534" cy="1472266"/>
+            <a:off x="1512100" y="3876307"/>
+            <a:ext cx="7056437" cy="1748138"/>
           </a:xfrm>
         </p:spPr>
         <p:txBody>
@@ -731,7 +731,7 @@
             <a:fld id="{1D8BD707-D9CF-40AE-B4C6-C98DA3205C09}" type="datetimeFigureOut">
               <a:rPr lang="en-US" smtClean="0"/>
               <a:pPr/>
-              <a:t>10/1/2012</a:t>
+              <a:t>7/5/2013</a:t>
             </a:fld>
             <a:endParaRPr lang="en-US"/>
           </a:p>
@@ -898,7 +898,7 @@
             <a:fld id="{1D8BD707-D9CF-40AE-B4C6-C98DA3205C09}" type="datetimeFigureOut">
               <a:rPr lang="en-US" smtClean="0"/>
               <a:pPr/>
-              <a:t>10/1/2012</a:t>
+              <a:t>7/5/2013</a:t>
             </a:fld>
             <a:endParaRPr lang="en-US"/>
           </a:p>
@@ -984,8 +984,8 @@
         </p:nvSpPr>
         <p:spPr>
           <a:xfrm>
-            <a:off x="6264553" y="230710"/>
-            <a:ext cx="1944172" cy="4915552"/>
+            <a:off x="7308453" y="273940"/>
+            <a:ext cx="2268141" cy="5836626"/>
           </a:xfrm>
         </p:spPr>
         <p:txBody>
@@ -1012,8 +1012,8 @@
         </p:nvSpPr>
         <p:spPr>
           <a:xfrm>
-            <a:off x="432039" y="230710"/>
-            <a:ext cx="5688502" cy="4915552"/>
+            <a:off x="504033" y="273940"/>
+            <a:ext cx="6636411" cy="5836626"/>
           </a:xfrm>
         </p:spPr>
         <p:txBody>
@@ -1075,7 +1075,7 @@
             <a:fld id="{1D8BD707-D9CF-40AE-B4C6-C98DA3205C09}" type="datetimeFigureOut">
               <a:rPr lang="en-US" smtClean="0"/>
               <a:pPr/>
-              <a:t>10/1/2012</a:t>
+              <a:t>7/5/2013</a:t>
             </a:fld>
             <a:endParaRPr lang="en-US"/>
           </a:p>
@@ -1242,7 +1242,7 @@
             <a:fld id="{1D8BD707-D9CF-40AE-B4C6-C98DA3205C09}" type="datetimeFigureOut">
               <a:rPr lang="en-US" smtClean="0"/>
               <a:pPr/>
-              <a:t>10/1/2012</a:t>
+              <a:t>7/5/2013</a:t>
             </a:fld>
             <a:endParaRPr lang="en-US"/>
           </a:p>
@@ -1328,8 +1328,8 @@
         </p:nvSpPr>
         <p:spPr>
           <a:xfrm>
-            <a:off x="682561" y="3702001"/>
-            <a:ext cx="7344649" cy="1144206"/>
+            <a:off x="796301" y="4395682"/>
+            <a:ext cx="8568532" cy="1358607"/>
           </a:xfrm>
         </p:spPr>
         <p:txBody>
@@ -1360,8 +1360,8 @@
         </p:nvSpPr>
         <p:spPr>
           <a:xfrm>
-            <a:off x="682561" y="2441774"/>
-            <a:ext cx="7344649" cy="1260227"/>
+            <a:off x="796301" y="2899315"/>
+            <a:ext cx="8568532" cy="1496368"/>
           </a:xfrm>
         </p:spPr>
         <p:txBody>
@@ -1485,7 +1485,7 @@
             <a:fld id="{1D8BD707-D9CF-40AE-B4C6-C98DA3205C09}" type="datetimeFigureOut">
               <a:rPr lang="en-US" smtClean="0"/>
               <a:pPr/>
-              <a:t>10/1/2012</a:t>
+              <a:t>7/5/2013</a:t>
             </a:fld>
             <a:endParaRPr lang="en-US"/>
           </a:p>
@@ -1594,8 +1594,8 @@
         </p:nvSpPr>
         <p:spPr>
           <a:xfrm>
-            <a:off x="432039" y="1344242"/>
-            <a:ext cx="3816337" cy="3802019"/>
+            <a:off x="504033" y="1596128"/>
+            <a:ext cx="4452276" cy="4514439"/>
           </a:xfrm>
         </p:spPr>
         <p:txBody>
@@ -1679,8 +1679,8 @@
         </p:nvSpPr>
         <p:spPr>
           <a:xfrm>
-            <a:off x="4392388" y="1344242"/>
-            <a:ext cx="3816337" cy="3802019"/>
+            <a:off x="5124318" y="1596128"/>
+            <a:ext cx="4452276" cy="4514439"/>
           </a:xfrm>
         </p:spPr>
         <p:txBody>
@@ -1770,7 +1770,7 @@
             <a:fld id="{1D8BD707-D9CF-40AE-B4C6-C98DA3205C09}" type="datetimeFigureOut">
               <a:rPr lang="en-US" smtClean="0"/>
               <a:pPr/>
-              <a:t>10/1/2012</a:t>
+              <a:t>7/5/2013</a:t>
             </a:fld>
             <a:endParaRPr lang="en-US"/>
           </a:p>
@@ -1883,8 +1883,8 @@
         </p:nvSpPr>
         <p:spPr>
           <a:xfrm>
-            <a:off x="432039" y="1289566"/>
-            <a:ext cx="3817838" cy="537430"/>
+            <a:off x="504034" y="1531204"/>
+            <a:ext cx="4454027" cy="638133"/>
           </a:xfrm>
         </p:spPr>
         <p:txBody>
@@ -1948,8 +1948,8 @@
         </p:nvSpPr>
         <p:spPr>
           <a:xfrm>
-            <a:off x="432039" y="1826997"/>
-            <a:ext cx="3817838" cy="3319265"/>
+            <a:off x="504034" y="2169341"/>
+            <a:ext cx="4454027" cy="3941227"/>
           </a:xfrm>
         </p:spPr>
         <p:txBody>
@@ -2033,8 +2033,8 @@
         </p:nvSpPr>
         <p:spPr>
           <a:xfrm>
-            <a:off x="4389389" y="1289566"/>
-            <a:ext cx="3819337" cy="537430"/>
+            <a:off x="5120820" y="1531204"/>
+            <a:ext cx="4455776" cy="638133"/>
           </a:xfrm>
         </p:spPr>
         <p:txBody>
@@ -2098,8 +2098,8 @@
         </p:nvSpPr>
         <p:spPr>
           <a:xfrm>
-            <a:off x="4389389" y="1826997"/>
-            <a:ext cx="3819337" cy="3319265"/>
+            <a:off x="5120820" y="2169341"/>
+            <a:ext cx="4455776" cy="3941227"/>
           </a:xfrm>
         </p:spPr>
         <p:txBody>
@@ -2189,7 +2189,7 @@
             <a:fld id="{1D8BD707-D9CF-40AE-B4C6-C98DA3205C09}" type="datetimeFigureOut">
               <a:rPr lang="en-US" smtClean="0"/>
               <a:pPr/>
-              <a:t>10/1/2012</a:t>
+              <a:t>7/5/2013</a:t>
             </a:fld>
             <a:endParaRPr lang="en-US"/>
           </a:p>
@@ -2304,7 +2304,7 @@
             <a:fld id="{1D8BD707-D9CF-40AE-B4C6-C98DA3205C09}" type="datetimeFigureOut">
               <a:rPr lang="en-US" smtClean="0"/>
               <a:pPr/>
-              <a:t>10/1/2012</a:t>
+              <a:t>7/5/2013</a:t>
             </a:fld>
             <a:endParaRPr lang="en-US"/>
           </a:p>
@@ -2396,7 +2396,7 @@
             <a:fld id="{1D8BD707-D9CF-40AE-B4C6-C98DA3205C09}" type="datetimeFigureOut">
               <a:rPr lang="en-US" smtClean="0"/>
               <a:pPr/>
-              <a:t>10/1/2012</a:t>
+              <a:t>7/5/2013</a:t>
             </a:fld>
             <a:endParaRPr lang="en-US"/>
           </a:p>
@@ -2482,8 +2482,8 @@
         </p:nvSpPr>
         <p:spPr>
           <a:xfrm>
-            <a:off x="432039" y="229375"/>
-            <a:ext cx="2842752" cy="976176"/>
+            <a:off x="504032" y="272356"/>
+            <a:ext cx="3316457" cy="1159092"/>
           </a:xfrm>
         </p:spPr>
         <p:txBody>
@@ -2514,8 +2514,8 @@
         </p:nvSpPr>
         <p:spPr>
           <a:xfrm>
-            <a:off x="3378298" y="229375"/>
-            <a:ext cx="4830427" cy="4916886"/>
+            <a:off x="3941245" y="272355"/>
+            <a:ext cx="5635350" cy="5838209"/>
           </a:xfrm>
         </p:spPr>
         <p:txBody>
@@ -2599,8 +2599,8 @@
         </p:nvSpPr>
         <p:spPr>
           <a:xfrm>
-            <a:off x="432039" y="1205551"/>
-            <a:ext cx="2842752" cy="3940710"/>
+            <a:off x="504032" y="1431446"/>
+            <a:ext cx="3316457" cy="4679118"/>
           </a:xfrm>
         </p:spPr>
         <p:txBody>
@@ -2670,7 +2670,7 @@
             <a:fld id="{1D8BD707-D9CF-40AE-B4C6-C98DA3205C09}" type="datetimeFigureOut">
               <a:rPr lang="en-US" smtClean="0"/>
               <a:pPr/>
-              <a:t>10/1/2012</a:t>
+              <a:t>7/5/2013</a:t>
             </a:fld>
             <a:endParaRPr lang="en-US"/>
           </a:p>
@@ -2756,8 +2756,8 @@
         </p:nvSpPr>
         <p:spPr>
           <a:xfrm>
-            <a:off x="1693650" y="4032727"/>
-            <a:ext cx="5184458" cy="476086"/>
+            <a:off x="1975877" y="4788378"/>
+            <a:ext cx="6048375" cy="565295"/>
           </a:xfrm>
         </p:spPr>
         <p:txBody>
@@ -2788,8 +2788,8 @@
         </p:nvSpPr>
         <p:spPr>
           <a:xfrm>
-            <a:off x="1693650" y="514760"/>
-            <a:ext cx="5184458" cy="3456623"/>
+            <a:off x="1975877" y="611217"/>
+            <a:ext cx="6048375" cy="4104323"/>
           </a:xfrm>
         </p:spPr>
         <p:txBody>
@@ -2849,8 +2849,8 @@
         </p:nvSpPr>
         <p:spPr>
           <a:xfrm>
-            <a:off x="1693650" y="4508813"/>
-            <a:ext cx="5184458" cy="676121"/>
+            <a:off x="1975877" y="5353674"/>
+            <a:ext cx="6048375" cy="802813"/>
           </a:xfrm>
         </p:spPr>
         <p:txBody>
@@ -2920,7 +2920,7 @@
             <a:fld id="{1D8BD707-D9CF-40AE-B4C6-C98DA3205C09}" type="datetimeFigureOut">
               <a:rPr lang="en-US" smtClean="0"/>
               <a:pPr/>
-              <a:t>10/1/2012</a:t>
+              <a:t>7/5/2013</a:t>
             </a:fld>
             <a:endParaRPr lang="en-US"/>
           </a:p>
@@ -3011,8 +3011,8 @@
         </p:nvSpPr>
         <p:spPr>
           <a:xfrm>
-            <a:off x="432038" y="230709"/>
-            <a:ext cx="7776687" cy="960173"/>
+            <a:off x="504036" y="273941"/>
+            <a:ext cx="9072563" cy="1140090"/>
           </a:xfrm>
           <a:prstGeom prst="rect">
             <a:avLst/>
@@ -3044,8 +3044,8 @@
         </p:nvSpPr>
         <p:spPr>
           <a:xfrm>
-            <a:off x="432038" y="1344242"/>
-            <a:ext cx="7776687" cy="3802019"/>
+            <a:off x="504036" y="1596128"/>
+            <a:ext cx="9072563" cy="4514439"/>
           </a:xfrm>
           <a:prstGeom prst="rect">
             <a:avLst/>
@@ -3106,8 +3106,8 @@
         </p:nvSpPr>
         <p:spPr>
           <a:xfrm>
-            <a:off x="432039" y="5339630"/>
-            <a:ext cx="2016178" cy="306722"/>
+            <a:off x="504032" y="6340168"/>
+            <a:ext cx="2352146" cy="364195"/>
           </a:xfrm>
           <a:prstGeom prst="rect">
             <a:avLst/>
@@ -3130,7 +3130,7 @@
             <a:fld id="{1D8BD707-D9CF-40AE-B4C6-C98DA3205C09}" type="datetimeFigureOut">
               <a:rPr lang="en-US" smtClean="0"/>
               <a:pPr/>
-              <a:t>10/1/2012</a:t>
+              <a:t>7/5/2013</a:t>
             </a:fld>
             <a:endParaRPr lang="en-US"/>
           </a:p>
@@ -3148,8 +3148,8 @@
         </p:nvSpPr>
         <p:spPr>
           <a:xfrm>
-            <a:off x="2952262" y="5339630"/>
-            <a:ext cx="2736242" cy="306722"/>
+            <a:off x="3444215" y="6340168"/>
+            <a:ext cx="3192198" cy="364195"/>
           </a:xfrm>
           <a:prstGeom prst="rect">
             <a:avLst/>
@@ -3185,8 +3185,8 @@
         </p:nvSpPr>
         <p:spPr>
           <a:xfrm>
-            <a:off x="6192548" y="5339630"/>
-            <a:ext cx="2016178" cy="306722"/>
+            <a:off x="7224449" y="6340168"/>
+            <a:ext cx="2352146" cy="364195"/>
           </a:xfrm>
           <a:prstGeom prst="rect">
             <a:avLst/>
@@ -3503,14 +3503,14 @@
       </p:grpSpPr>
       <p:sp>
         <p:nvSpPr>
-          <p:cNvPr id="189" name="Rectangle 188"/>
+          <p:cNvPr id="382" name="Rectangle 381"/>
           <p:cNvSpPr/>
           <p:nvPr/>
         </p:nvSpPr>
         <p:spPr>
           <a:xfrm>
-            <a:off x="108800" y="2139039"/>
-            <a:ext cx="1524000" cy="2006546"/>
+            <a:off x="87312" y="4660901"/>
+            <a:ext cx="875710" cy="2035968"/>
           </a:xfrm>
           <a:prstGeom prst="rect">
             <a:avLst/>
@@ -3555,14 +3555,14 @@
       </p:sp>
       <p:sp>
         <p:nvSpPr>
-          <p:cNvPr id="190" name="Rounded Rectangle 189"/>
+          <p:cNvPr id="383" name="Rounded Rectangle 382"/>
           <p:cNvSpPr/>
           <p:nvPr/>
         </p:nvSpPr>
         <p:spPr>
           <a:xfrm>
-            <a:off x="2262980" y="115887"/>
-            <a:ext cx="5181601" cy="5486400"/>
+            <a:off x="1151740" y="143669"/>
+            <a:ext cx="8155772" cy="6553200"/>
           </a:xfrm>
           <a:prstGeom prst="roundRect">
             <a:avLst>
@@ -3615,16 +3615,16 @@
       </p:sp>
       <p:grpSp>
         <p:nvGrpSpPr>
-          <p:cNvPr id="191" name="Group 190"/>
+          <p:cNvPr id="384" name="Group 383"/>
           <p:cNvGrpSpPr/>
           <p:nvPr/>
         </p:nvGrpSpPr>
         <p:grpSpPr>
           <a:xfrm>
-            <a:off x="2471000" y="344487"/>
-            <a:ext cx="4781550" cy="2481840"/>
-            <a:chOff x="-3638550" y="1371600"/>
-            <a:chExt cx="4781550" cy="2481840"/>
+            <a:off x="1309431" y="372269"/>
+            <a:ext cx="7806050" cy="4191000"/>
+            <a:chOff x="-4503450" y="1371600"/>
+            <a:chExt cx="5646450" cy="4191000"/>
           </a:xfrm>
           <a:solidFill>
             <a:schemeClr val="bg1"/>
@@ -3632,14 +3632,14 @@
         </p:grpSpPr>
         <p:sp>
           <p:nvSpPr>
-            <p:cNvPr id="192" name="Rectangle 191"/>
+            <p:cNvPr id="385" name="Rectangle 384"/>
             <p:cNvSpPr/>
             <p:nvPr/>
           </p:nvSpPr>
           <p:spPr>
             <a:xfrm>
-              <a:off x="-3638550" y="1523999"/>
-              <a:ext cx="4781550" cy="2329441"/>
+              <a:off x="-4503450" y="1523999"/>
+              <a:ext cx="5646449" cy="4038601"/>
             </a:xfrm>
             <a:prstGeom prst="rect">
               <a:avLst/>
@@ -3676,6 +3676,14 @@
             <a:p>
               <a:pPr algn="ctr"/>
               <a:r>
+                <a:rPr lang="en-US" sz="1400" b="1" dirty="0" smtClean="0">
+                  <a:solidFill>
+                    <a:schemeClr val="tx2"/>
+                  </a:solidFill>
+                </a:rPr>
+                <a:t>                                                                                           </a:t>
+              </a:r>
+              <a:r>
                 <a:rPr lang="en-US" sz="1400" b="1" dirty="0" err="1" smtClean="0">
                   <a:solidFill>
                     <a:schemeClr val="tx2"/>
@@ -3701,7 +3709,7 @@
         </p:sp>
         <p:sp>
           <p:nvSpPr>
-            <p:cNvPr id="193" name="Rectangle 192"/>
+            <p:cNvPr id="386" name="Rectangle 385"/>
             <p:cNvSpPr/>
             <p:nvPr/>
           </p:nvSpPr>
@@ -3754,16 +3762,16 @@
       </p:grpSp>
       <p:grpSp>
         <p:nvGrpSpPr>
-          <p:cNvPr id="194" name="Group 193"/>
+          <p:cNvPr id="387" name="Group 386"/>
           <p:cNvGrpSpPr/>
           <p:nvPr/>
         </p:nvGrpSpPr>
         <p:grpSpPr>
           <a:xfrm>
-            <a:off x="2471000" y="3163888"/>
-            <a:ext cx="4800600" cy="2209799"/>
-            <a:chOff x="-3657600" y="1371600"/>
-            <a:chExt cx="4800600" cy="2209799"/>
+            <a:off x="1309431" y="4660901"/>
+            <a:ext cx="7825099" cy="1939130"/>
+            <a:chOff x="-6244711" y="1774031"/>
+            <a:chExt cx="7387711" cy="1939130"/>
           </a:xfrm>
           <a:solidFill>
             <a:schemeClr val="bg1"/>
@@ -3771,14 +3779,14 @@
         </p:grpSpPr>
         <p:sp>
           <p:nvSpPr>
-            <p:cNvPr id="195" name="Rectangle 194"/>
+            <p:cNvPr id="388" name="Rectangle 387"/>
             <p:cNvSpPr/>
             <p:nvPr/>
           </p:nvSpPr>
           <p:spPr>
             <a:xfrm>
-              <a:off x="-3657600" y="1523999"/>
-              <a:ext cx="4800600" cy="2057400"/>
+              <a:off x="-6244711" y="1926431"/>
+              <a:ext cx="7387711" cy="1786730"/>
             </a:xfrm>
             <a:prstGeom prst="rect">
               <a:avLst/>
@@ -3848,13 +3856,13 @@
         </p:sp>
         <p:sp>
           <p:nvSpPr>
-            <p:cNvPr id="196" name="Rectangle 195"/>
+            <p:cNvPr id="389" name="Rectangle 388"/>
             <p:cNvSpPr/>
             <p:nvPr/>
           </p:nvSpPr>
           <p:spPr>
             <a:xfrm>
-              <a:off x="647700" y="1371600"/>
+              <a:off x="647700" y="1774031"/>
               <a:ext cx="495300" cy="152400"/>
             </a:xfrm>
             <a:prstGeom prst="rect">
@@ -3901,13 +3909,13 @@
       </p:grpSp>
       <p:sp>
         <p:nvSpPr>
-          <p:cNvPr id="197" name="Rectangle 196"/>
+          <p:cNvPr id="390" name="Rectangle 389"/>
           <p:cNvSpPr/>
           <p:nvPr/>
         </p:nvSpPr>
         <p:spPr>
           <a:xfrm>
-            <a:off x="2796381" y="1258887"/>
+            <a:off x="1528026" y="2288598"/>
             <a:ext cx="1466850" cy="377438"/>
           </a:xfrm>
           <a:prstGeom prst="rect">
@@ -3936,8 +3944,8 @@
           <a:p>
             <a:pPr algn="ctr"/>
             <a:r>
-              <a:rPr lang="en-US" sz="1600" b="1" dirty="0" err="1" smtClean="0"/>
-              <a:t>ActionServlet</a:t>
+              <a:rPr lang="en-US" sz="1600" b="1" dirty="0" smtClean="0"/>
+              <a:t>Action</a:t>
             </a:r>
             <a:endParaRPr lang="en-SG" sz="1600" b="1" dirty="0"/>
           </a:p>
@@ -3945,14 +3953,14 @@
       </p:sp>
       <p:sp>
         <p:nvSpPr>
-          <p:cNvPr id="198" name="Rectangle 197"/>
+          <p:cNvPr id="391" name="Rectangle 390"/>
           <p:cNvSpPr/>
           <p:nvPr/>
         </p:nvSpPr>
         <p:spPr>
           <a:xfrm>
-            <a:off x="2716692" y="1988128"/>
-            <a:ext cx="1466850" cy="609600"/>
+            <a:off x="1448337" y="3224428"/>
+            <a:ext cx="1466850" cy="403054"/>
           </a:xfrm>
           <a:prstGeom prst="rect">
             <a:avLst/>
@@ -3993,13 +4001,13 @@
       </p:sp>
       <p:sp>
         <p:nvSpPr>
-          <p:cNvPr id="199" name="Isosceles Triangle 198"/>
+          <p:cNvPr id="392" name="Isosceles Triangle 391"/>
           <p:cNvSpPr/>
           <p:nvPr/>
         </p:nvSpPr>
         <p:spPr>
           <a:xfrm>
-            <a:off x="3329781" y="1639887"/>
+            <a:off x="2101182" y="2691028"/>
             <a:ext cx="276225" cy="228600"/>
           </a:xfrm>
           <a:prstGeom prst="triangle">
@@ -4033,38 +4041,30 @@
       </p:sp>
       <p:sp>
         <p:nvSpPr>
-          <p:cNvPr id="200" name="Rectangle 199"/>
+          <p:cNvPr id="393" name="Rectangle 392"/>
           <p:cNvSpPr/>
           <p:nvPr/>
         </p:nvSpPr>
         <p:spPr>
           <a:xfrm>
-            <a:off x="5468615" y="1988128"/>
-            <a:ext cx="1466850" cy="609600"/>
+            <a:off x="7331545" y="3974000"/>
+            <a:ext cx="1466850" cy="304800"/>
           </a:xfrm>
           <a:prstGeom prst="rect">
             <a:avLst/>
           </a:prstGeom>
-          <a:solidFill>
-            <a:srgbClr val="92D050"/>
-          </a:solidFill>
-          <a:ln>
-            <a:solidFill>
-              <a:srgbClr val="00B050"/>
-            </a:solidFill>
-          </a:ln>
         </p:spPr>
         <p:style>
           <a:lnRef idx="2">
-            <a:schemeClr val="accent6">
+            <a:schemeClr val="accent4">
               <a:shade val="50000"/>
             </a:schemeClr>
           </a:lnRef>
           <a:fillRef idx="1">
-            <a:schemeClr val="accent6"/>
+            <a:schemeClr val="accent4"/>
           </a:fillRef>
           <a:effectRef idx="0">
-            <a:schemeClr val="accent6"/>
+            <a:schemeClr val="accent4"/>
           </a:effectRef>
           <a:fontRef idx="minor">
             <a:schemeClr val="lt1"/>
@@ -4076,11 +4076,11 @@
           <a:p>
             <a:pPr algn="ctr"/>
             <a:r>
-              <a:rPr lang="en-US" sz="1600" b="1" dirty="0" smtClean="0"/>
+              <a:rPr lang="en-US" sz="1600" b="1" dirty="0"/>
               <a:t>_</a:t>
             </a:r>
             <a:r>
-              <a:rPr lang="en-US" sz="1600" b="1" dirty="0" err="1" smtClean="0"/>
+              <a:rPr lang="en-US" sz="1600" b="1" dirty="0" err="1"/>
               <a:t>xyz_Helper</a:t>
             </a:r>
             <a:endParaRPr lang="en-SG" sz="1600" b="1" dirty="0"/>
@@ -4089,16 +4089,17 @@
       </p:sp>
       <p:cxnSp>
         <p:nvCxnSpPr>
-          <p:cNvPr id="201" name="Elbow Connector 200"/>
+          <p:cNvPr id="394" name="Elbow Connector 393"/>
           <p:cNvCxnSpPr>
-            <a:stCxn id="199" idx="3"/>
+            <a:stCxn id="392" idx="3"/>
+            <a:endCxn id="416" idx="0"/>
           </p:cNvCxnSpPr>
           <p:nvPr/>
         </p:nvCxnSpPr>
         <p:spPr>
-          <a:xfrm rot="16200000" flipH="1">
-            <a:off x="3401231" y="1935150"/>
-            <a:ext cx="134239" cy="912"/>
+          <a:xfrm rot="5400000">
+            <a:off x="2064306" y="3091365"/>
+            <a:ext cx="346726" cy="3252"/>
           </a:xfrm>
           <a:prstGeom prst="bentConnector3">
             <a:avLst/>
@@ -4123,24 +4124,72 @@
       </p:cxnSp>
       <p:sp>
         <p:nvSpPr>
-          <p:cNvPr id="202" name="Rectangle 201"/>
+          <p:cNvPr id="395" name="Rectangle 394"/>
           <p:cNvSpPr/>
           <p:nvPr/>
         </p:nvSpPr>
         <p:spPr>
           <a:xfrm>
-            <a:off x="5480901" y="1258887"/>
+            <a:off x="7343831" y="2963069"/>
             <a:ext cx="1454388" cy="373296"/>
           </a:xfrm>
           <a:prstGeom prst="rect">
             <a:avLst/>
           </a:prstGeom>
+        </p:spPr>
+        <p:style>
+          <a:lnRef idx="2">
+            <a:schemeClr val="accent4">
+              <a:shade val="50000"/>
+            </a:schemeClr>
+          </a:lnRef>
+          <a:fillRef idx="1">
+            <a:schemeClr val="accent4"/>
+          </a:fillRef>
+          <a:effectRef idx="0">
+            <a:schemeClr val="accent4"/>
+          </a:effectRef>
+          <a:fontRef idx="minor">
+            <a:schemeClr val="lt1"/>
+          </a:fontRef>
+        </p:style>
+        <p:txBody>
+          <a:bodyPr rtlCol="0" anchor="ctr"/>
+          <a:lstStyle/>
+          <a:p>
+            <a:pPr algn="ctr"/>
+            <a:r>
+              <a:rPr lang="en-US" sz="1600" b="1" dirty="0" err="1"/>
+              <a:t>PageData</a:t>
+            </a:r>
+            <a:endParaRPr lang="en-SG" sz="1600" b="1" dirty="0"/>
+          </a:p>
+        </p:txBody>
+      </p:sp>
+      <p:sp>
+        <p:nvSpPr>
+          <p:cNvPr id="396" name="Isosceles Triangle 395"/>
+          <p:cNvSpPr/>
+          <p:nvPr/>
+        </p:nvSpPr>
+        <p:spPr>
+          <a:xfrm>
+            <a:off x="7924365" y="3344069"/>
+            <a:ext cx="276225" cy="228600"/>
+          </a:xfrm>
+          <a:prstGeom prst="triangle">
+            <a:avLst/>
+          </a:prstGeom>
           <a:solidFill>
-            <a:srgbClr val="92D050"/>
+            <a:schemeClr val="accent4">
+              <a:lumMod val="75000"/>
+            </a:schemeClr>
           </a:solidFill>
           <a:ln>
             <a:solidFill>
-              <a:srgbClr val="00B050"/>
+              <a:schemeClr val="accent4">
+                <a:lumMod val="50000"/>
+              </a:schemeClr>
             </a:solidFill>
           </a:ln>
         </p:spPr>
@@ -4165,75 +4214,23 @@
           <a:lstStyle/>
           <a:p>
             <a:pPr algn="ctr"/>
-            <a:r>
-              <a:rPr lang="en-US" sz="1600" b="1" dirty="0" smtClean="0"/>
-              <a:t>Helper</a:t>
-            </a:r>
-            <a:endParaRPr lang="en-SG" sz="1600" b="1" dirty="0"/>
-          </a:p>
-        </p:txBody>
-      </p:sp>
-      <p:sp>
-        <p:nvSpPr>
-          <p:cNvPr id="203" name="Isosceles Triangle 202"/>
-          <p:cNvSpPr/>
-          <p:nvPr/>
-        </p:nvSpPr>
-        <p:spPr>
-          <a:xfrm>
-            <a:off x="6061435" y="1620902"/>
-            <a:ext cx="276225" cy="228600"/>
-          </a:xfrm>
-          <a:prstGeom prst="triangle">
-            <a:avLst/>
-          </a:prstGeom>
-          <a:solidFill>
-            <a:srgbClr val="92D050"/>
-          </a:solidFill>
-          <a:ln>
-            <a:solidFill>
-              <a:srgbClr val="00B050"/>
-            </a:solidFill>
-          </a:ln>
-        </p:spPr>
-        <p:style>
-          <a:lnRef idx="2">
-            <a:schemeClr val="accent6">
-              <a:shade val="50000"/>
-            </a:schemeClr>
-          </a:lnRef>
-          <a:fillRef idx="1">
-            <a:schemeClr val="accent6"/>
-          </a:fillRef>
-          <a:effectRef idx="0">
-            <a:schemeClr val="accent6"/>
-          </a:effectRef>
-          <a:fontRef idx="minor">
-            <a:schemeClr val="lt1"/>
-          </a:fontRef>
-        </p:style>
-        <p:txBody>
-          <a:bodyPr rtlCol="0" anchor="ctr"/>
-          <a:lstStyle/>
-          <a:p>
-            <a:pPr algn="ctr"/>
             <a:endParaRPr lang="en-SG"/>
           </a:p>
         </p:txBody>
       </p:sp>
       <p:cxnSp>
         <p:nvCxnSpPr>
-          <p:cNvPr id="204" name="Elbow Connector 203"/>
+          <p:cNvPr id="397" name="Elbow Connector 396"/>
           <p:cNvCxnSpPr>
-            <a:stCxn id="203" idx="3"/>
-            <a:endCxn id="200" idx="0"/>
+            <a:stCxn id="396" idx="3"/>
+            <a:endCxn id="393" idx="0"/>
           </p:cNvCxnSpPr>
           <p:nvPr/>
         </p:nvCxnSpPr>
         <p:spPr>
           <a:xfrm rot="16200000" flipH="1">
-            <a:off x="6131481" y="1917569"/>
-            <a:ext cx="138626" cy="2492"/>
+            <a:off x="7863059" y="3772088"/>
+            <a:ext cx="401331" cy="2492"/>
           </a:xfrm>
           <a:prstGeom prst="bentConnector3">
             <a:avLst>
@@ -4242,7 +4239,9 @@
           </a:prstGeom>
           <a:ln>
             <a:solidFill>
-              <a:srgbClr val="00B050"/>
+              <a:schemeClr val="accent4">
+                <a:lumMod val="50000"/>
+              </a:schemeClr>
             </a:solidFill>
           </a:ln>
         </p:spPr>
@@ -4265,14 +4264,14 @@
       </p:cxnSp>
       <p:sp>
         <p:nvSpPr>
-          <p:cNvPr id="205" name="Folded Corner 204"/>
+          <p:cNvPr id="398" name="Folded Corner 397"/>
           <p:cNvSpPr/>
           <p:nvPr/>
         </p:nvSpPr>
         <p:spPr>
           <a:xfrm>
-            <a:off x="5468438" y="3614677"/>
-            <a:ext cx="1466850" cy="609600"/>
+            <a:off x="7331368" y="5120593"/>
+            <a:ext cx="1466850" cy="406993"/>
           </a:xfrm>
           <a:prstGeom prst="foldedCorner">
             <a:avLst/>
@@ -4313,58 +4312,16 @@
       </p:sp>
       <p:cxnSp>
         <p:nvCxnSpPr>
-          <p:cNvPr id="206" name="Straight Arrow Connector 205"/>
+          <p:cNvPr id="399" name="Elbow Connector 398"/>
           <p:cNvCxnSpPr>
-            <a:stCxn id="198" idx="3"/>
-            <a:endCxn id="200" idx="1"/>
+            <a:stCxn id="398" idx="0"/>
           </p:cNvCxnSpPr>
           <p:nvPr/>
         </p:nvCxnSpPr>
         <p:spPr>
-          <a:xfrm>
-            <a:off x="4183542" y="2292928"/>
-            <a:ext cx="1285073" cy="0"/>
-          </a:xfrm>
-          <a:prstGeom prst="straightConnector1">
-            <a:avLst/>
-          </a:prstGeom>
-          <a:ln w="38100">
-            <a:solidFill>
-              <a:schemeClr val="accent2">
-                <a:lumMod val="75000"/>
-              </a:schemeClr>
-            </a:solidFill>
-            <a:prstDash val="sysDot"/>
-            <a:tailEnd type="arrow"/>
-          </a:ln>
-        </p:spPr>
-        <p:style>
-          <a:lnRef idx="1">
-            <a:schemeClr val="accent1"/>
-          </a:lnRef>
-          <a:fillRef idx="0">
-            <a:schemeClr val="accent1"/>
-          </a:fillRef>
-          <a:effectRef idx="0">
-            <a:schemeClr val="accent1"/>
-          </a:effectRef>
-          <a:fontRef idx="minor">
-            <a:schemeClr val="tx1"/>
-          </a:fontRef>
-        </p:style>
-      </p:cxnSp>
-      <p:cxnSp>
-        <p:nvCxnSpPr>
-          <p:cNvPr id="207" name="Elbow Connector 206"/>
-          <p:cNvCxnSpPr>
-            <a:stCxn id="205" idx="0"/>
-          </p:cNvCxnSpPr>
-          <p:nvPr/>
-        </p:nvCxnSpPr>
-        <p:spPr>
-          <a:xfrm rot="16200000" flipV="1">
-            <a:off x="5733726" y="3146540"/>
-            <a:ext cx="933958" cy="2316"/>
+          <a:xfrm rot="5400000" flipH="1" flipV="1">
+            <a:off x="7685663" y="4735231"/>
+            <a:ext cx="764492" cy="6232"/>
           </a:xfrm>
           <a:prstGeom prst="bentConnector3">
             <a:avLst>
@@ -4393,54 +4350,15 @@
           </a:fontRef>
         </p:style>
       </p:cxnSp>
-      <p:cxnSp>
-        <p:nvCxnSpPr>
-          <p:cNvPr id="208" name="Straight Arrow Connector 207"/>
-          <p:cNvCxnSpPr>
-            <a:stCxn id="209" idx="3"/>
-          </p:cNvCxnSpPr>
-          <p:nvPr/>
-        </p:nvCxnSpPr>
-        <p:spPr>
-          <a:xfrm flipV="1">
-            <a:off x="1351501" y="2369128"/>
-            <a:ext cx="1405115" cy="2203"/>
-          </a:xfrm>
-          <a:prstGeom prst="straightConnector1">
-            <a:avLst/>
-          </a:prstGeom>
-          <a:ln w="38100">
-            <a:solidFill>
-              <a:schemeClr val="tx1"/>
-            </a:solidFill>
-            <a:prstDash val="sysDash"/>
-            <a:tailEnd type="arrow"/>
-          </a:ln>
-        </p:spPr>
-        <p:style>
-          <a:lnRef idx="1">
-            <a:schemeClr val="accent1"/>
-          </a:lnRef>
-          <a:fillRef idx="0">
-            <a:schemeClr val="accent1"/>
-          </a:fillRef>
-          <a:effectRef idx="0">
-            <a:schemeClr val="accent1"/>
-          </a:effectRef>
-          <a:fontRef idx="minor">
-            <a:schemeClr val="tx1"/>
-          </a:fontRef>
-        </p:style>
-      </p:cxnSp>
-      <p:sp>
-        <p:nvSpPr>
-          <p:cNvPr id="209" name="TextBox 208"/>
+      <p:sp>
+        <p:nvSpPr>
+          <p:cNvPr id="400" name="TextBox 399"/>
           <p:cNvSpPr txBox="1"/>
           <p:nvPr/>
         </p:nvSpPr>
         <p:spPr>
           <a:xfrm>
-            <a:off x="413600" y="2217442"/>
+            <a:off x="11112" y="4695031"/>
             <a:ext cx="937901" cy="307777"/>
           </a:xfrm>
           <a:prstGeom prst="rect">
@@ -4557,13 +4475,303 @@
       </p:sp>
       <p:sp>
         <p:nvSpPr>
-          <p:cNvPr id="210" name="TextBox 209"/>
+          <p:cNvPr id="401" name="Folded Corner 400"/>
+          <p:cNvSpPr/>
+          <p:nvPr/>
+        </p:nvSpPr>
+        <p:spPr>
+          <a:xfrm>
+            <a:off x="199429" y="5059285"/>
+            <a:ext cx="649883" cy="1408984"/>
+          </a:xfrm>
+          <a:prstGeom prst="foldedCorner">
+            <a:avLst/>
+          </a:prstGeom>
+          <a:solidFill>
+            <a:schemeClr val="bg1"/>
+          </a:solidFill>
+          <a:ln>
+            <a:solidFill>
+              <a:schemeClr val="tx1"/>
+            </a:solidFill>
+          </a:ln>
+        </p:spPr>
+        <p:style>
+          <a:lnRef idx="2">
+            <a:schemeClr val="accent4">
+              <a:shade val="50000"/>
+            </a:schemeClr>
+          </a:lnRef>
+          <a:fillRef idx="1">
+            <a:schemeClr val="accent4"/>
+          </a:fillRef>
+          <a:effectRef idx="0">
+            <a:schemeClr val="accent4"/>
+          </a:effectRef>
+          <a:fontRef idx="minor">
+            <a:schemeClr val="lt1"/>
+          </a:fontRef>
+        </p:style>
+        <p:txBody>
+          <a:bodyPr rtlCol="0" anchor="ctr"/>
+          <a:lstStyle/>
+          <a:p>
+            <a:pPr algn="ctr"/>
+            <a:r>
+              <a:rPr lang="en-US" sz="1600" b="1" dirty="0" smtClean="0">
+                <a:solidFill>
+                  <a:schemeClr val="tx1"/>
+                </a:solidFill>
+              </a:rPr>
+              <a:t>Web page</a:t>
+            </a:r>
+            <a:endParaRPr lang="en-SG" sz="1600" b="1" dirty="0">
+              <a:solidFill>
+                <a:schemeClr val="tx1"/>
+              </a:solidFill>
+            </a:endParaRPr>
+          </a:p>
+        </p:txBody>
+      </p:sp>
+      <p:sp>
+        <p:nvSpPr>
+          <p:cNvPr id="402" name="Folded Corner 401"/>
+          <p:cNvSpPr/>
+          <p:nvPr/>
+        </p:nvSpPr>
+        <p:spPr>
+          <a:xfrm>
+            <a:off x="4354512" y="5919928"/>
+            <a:ext cx="1464715" cy="374591"/>
+          </a:xfrm>
+          <a:prstGeom prst="foldedCorner">
+            <a:avLst/>
+          </a:prstGeom>
+        </p:spPr>
+        <p:style>
+          <a:lnRef idx="2">
+            <a:schemeClr val="accent5">
+              <a:shade val="50000"/>
+            </a:schemeClr>
+          </a:lnRef>
+          <a:fillRef idx="1">
+            <a:schemeClr val="accent5"/>
+          </a:fillRef>
+          <a:effectRef idx="0">
+            <a:schemeClr val="accent5"/>
+          </a:effectRef>
+          <a:fontRef idx="minor">
+            <a:schemeClr val="lt1"/>
+          </a:fontRef>
+        </p:style>
+        <p:txBody>
+          <a:bodyPr rtlCol="0" anchor="ctr"/>
+          <a:lstStyle/>
+          <a:p>
+            <a:pPr algn="ctr"/>
+            <a:r>
+              <a:rPr lang="en-US" sz="1600" b="1" dirty="0" smtClean="0"/>
+              <a:t>*.</a:t>
+            </a:r>
+            <a:r>
+              <a:rPr lang="en-US" sz="1600" b="1" dirty="0" err="1" smtClean="0"/>
+              <a:t>css</a:t>
+            </a:r>
+            <a:endParaRPr lang="en-SG" sz="1600" b="1" dirty="0"/>
+          </a:p>
+        </p:txBody>
+      </p:sp>
+      <p:sp>
+        <p:nvSpPr>
+          <p:cNvPr id="403" name="Folded Corner 402"/>
+          <p:cNvSpPr/>
+          <p:nvPr/>
+        </p:nvSpPr>
+        <p:spPr>
+          <a:xfrm>
+            <a:off x="2438937" y="5441060"/>
+            <a:ext cx="1464715" cy="420881"/>
+          </a:xfrm>
+          <a:prstGeom prst="foldedCorner">
+            <a:avLst/>
+          </a:prstGeom>
+        </p:spPr>
+        <p:style>
+          <a:lnRef idx="2">
+            <a:schemeClr val="accent5">
+              <a:shade val="50000"/>
+            </a:schemeClr>
+          </a:lnRef>
+          <a:fillRef idx="1">
+            <a:schemeClr val="accent5"/>
+          </a:fillRef>
+          <a:effectRef idx="0">
+            <a:schemeClr val="accent5"/>
+          </a:effectRef>
+          <a:fontRef idx="minor">
+            <a:schemeClr val="lt1"/>
+          </a:fontRef>
+        </p:style>
+        <p:txBody>
+          <a:bodyPr rtlCol="0" anchor="ctr"/>
+          <a:lstStyle/>
+          <a:p>
+            <a:pPr algn="ctr"/>
+            <a:r>
+              <a:rPr lang="en-US" sz="1600" b="1" dirty="0" smtClean="0"/>
+              <a:t>*.</a:t>
+            </a:r>
+            <a:r>
+              <a:rPr lang="en-US" sz="1600" b="1" dirty="0" err="1" smtClean="0"/>
+              <a:t>js</a:t>
+            </a:r>
+            <a:endParaRPr lang="en-SG" sz="1600" b="1" dirty="0"/>
+          </a:p>
+        </p:txBody>
+      </p:sp>
+      <p:sp>
+        <p:nvSpPr>
+          <p:cNvPr id="404" name="Folded Corner 403"/>
+          <p:cNvSpPr/>
+          <p:nvPr/>
+        </p:nvSpPr>
+        <p:spPr>
+          <a:xfrm>
+            <a:off x="2538639" y="5526518"/>
+            <a:ext cx="1464715" cy="420881"/>
+          </a:xfrm>
+          <a:prstGeom prst="foldedCorner">
+            <a:avLst/>
+          </a:prstGeom>
+        </p:spPr>
+        <p:style>
+          <a:lnRef idx="2">
+            <a:schemeClr val="accent5">
+              <a:shade val="50000"/>
+            </a:schemeClr>
+          </a:lnRef>
+          <a:fillRef idx="1">
+            <a:schemeClr val="accent5"/>
+          </a:fillRef>
+          <a:effectRef idx="0">
+            <a:schemeClr val="accent5"/>
+          </a:effectRef>
+          <a:fontRef idx="minor">
+            <a:schemeClr val="lt1"/>
+          </a:fontRef>
+        </p:style>
+        <p:txBody>
+          <a:bodyPr rtlCol="0" anchor="ctr"/>
+          <a:lstStyle/>
+          <a:p>
+            <a:pPr algn="ctr"/>
+            <a:r>
+              <a:rPr lang="en-US" sz="1600" b="1" dirty="0" smtClean="0"/>
+              <a:t>*.</a:t>
+            </a:r>
+            <a:r>
+              <a:rPr lang="en-US" sz="1600" b="1" dirty="0" err="1" smtClean="0"/>
+              <a:t>js</a:t>
+            </a:r>
+            <a:endParaRPr lang="en-SG" sz="1600" b="1" dirty="0"/>
+          </a:p>
+        </p:txBody>
+      </p:sp>
+      <p:sp>
+        <p:nvSpPr>
+          <p:cNvPr id="405" name="Folded Corner 404"/>
+          <p:cNvSpPr/>
+          <p:nvPr/>
+        </p:nvSpPr>
+        <p:spPr>
+          <a:xfrm>
+            <a:off x="2614839" y="5629779"/>
+            <a:ext cx="1464715" cy="420881"/>
+          </a:xfrm>
+          <a:prstGeom prst="foldedCorner">
+            <a:avLst/>
+          </a:prstGeom>
+        </p:spPr>
+        <p:style>
+          <a:lnRef idx="2">
+            <a:schemeClr val="accent5">
+              <a:shade val="50000"/>
+            </a:schemeClr>
+          </a:lnRef>
+          <a:fillRef idx="1">
+            <a:schemeClr val="accent5"/>
+          </a:fillRef>
+          <a:effectRef idx="0">
+            <a:schemeClr val="accent5"/>
+          </a:effectRef>
+          <a:fontRef idx="minor">
+            <a:schemeClr val="lt1"/>
+          </a:fontRef>
+        </p:style>
+        <p:txBody>
+          <a:bodyPr rtlCol="0" anchor="ctr"/>
+          <a:lstStyle/>
+          <a:p>
+            <a:pPr algn="ctr"/>
+            <a:r>
+              <a:rPr lang="en-US" sz="1600" b="1" dirty="0" smtClean="0"/>
+              <a:t>*.</a:t>
+            </a:r>
+            <a:r>
+              <a:rPr lang="en-US" sz="1600" b="1" dirty="0" err="1" smtClean="0"/>
+              <a:t>js</a:t>
+            </a:r>
+            <a:endParaRPr lang="en-SG" sz="1600" b="1" dirty="0"/>
+          </a:p>
+        </p:txBody>
+      </p:sp>
+      <p:cxnSp>
+        <p:nvCxnSpPr>
+          <p:cNvPr id="406" name="Elbow Connector 405"/>
+          <p:cNvCxnSpPr/>
+          <p:nvPr/>
+        </p:nvCxnSpPr>
+        <p:spPr>
+          <a:xfrm rot="10800000" flipV="1">
+            <a:off x="849312" y="5194299"/>
+            <a:ext cx="6482059" cy="9438"/>
+          </a:xfrm>
+          <a:prstGeom prst="bentConnector3">
+            <a:avLst>
+              <a:gd name="adj1" fmla="val 50000"/>
+            </a:avLst>
+          </a:prstGeom>
+          <a:ln w="38100">
+            <a:prstDash val="sysDot"/>
+            <a:tailEnd type="arrow"/>
+          </a:ln>
+        </p:spPr>
+        <p:style>
+          <a:lnRef idx="2">
+            <a:schemeClr val="accent4">
+              <a:shade val="50000"/>
+            </a:schemeClr>
+          </a:lnRef>
+          <a:fillRef idx="1">
+            <a:schemeClr val="accent4"/>
+          </a:fillRef>
+          <a:effectRef idx="0">
+            <a:schemeClr val="accent4"/>
+          </a:effectRef>
+          <a:fontRef idx="minor">
+            <a:schemeClr val="lt1"/>
+          </a:fontRef>
+        </p:style>
+      </p:cxnSp>
+      <p:sp>
+        <p:nvSpPr>
+          <p:cNvPr id="407" name="TextBox 406"/>
           <p:cNvSpPr txBox="1"/>
           <p:nvPr/>
         </p:nvSpPr>
         <p:spPr>
           <a:xfrm>
-            <a:off x="4411073" y="1985151"/>
+            <a:off x="3252655" y="4905397"/>
             <a:ext cx="1066800" cy="307777"/>
           </a:xfrm>
           <a:prstGeom prst="rect">
@@ -4663,47 +4871,205 @@
           <a:p>
             <a:pPr algn="r"/>
             <a:r>
-              <a:rPr lang="en-US" dirty="0" smtClean="0">
-                <a:solidFill>
-                  <a:schemeClr val="accent2">
-                    <a:lumMod val="75000"/>
-                  </a:schemeClr>
-                </a:solidFill>
-              </a:rPr>
+              <a:rPr lang="en-US" dirty="0" smtClean="0"/>
               <a:t>&lt;&lt;create&gt;&gt;</a:t>
             </a:r>
-            <a:endParaRPr lang="en-SG" dirty="0">
-              <a:solidFill>
-                <a:schemeClr val="accent2">
-                  <a:lumMod val="75000"/>
-                </a:schemeClr>
-              </a:solidFill>
-            </a:endParaRPr>
-          </a:p>
-        </p:txBody>
-      </p:sp>
-      <p:sp>
-        <p:nvSpPr>
-          <p:cNvPr id="211" name="Folded Corner 210"/>
+            <a:endParaRPr lang="en-SG" dirty="0"/>
+          </a:p>
+        </p:txBody>
+      </p:sp>
+      <p:sp>
+        <p:nvSpPr>
+          <p:cNvPr id="408" name="Folded Corner 407"/>
           <p:cNvSpPr/>
           <p:nvPr/>
         </p:nvSpPr>
         <p:spPr>
           <a:xfrm>
-            <a:off x="261200" y="2597729"/>
-            <a:ext cx="1143000" cy="1405783"/>
+            <a:off x="4393681" y="6002537"/>
+            <a:ext cx="1464715" cy="374591"/>
           </a:xfrm>
           <a:prstGeom prst="foldedCorner">
             <a:avLst/>
           </a:prstGeom>
-          <a:solidFill>
-            <a:schemeClr val="bg1"/>
-          </a:solidFill>
-          <a:ln>
+        </p:spPr>
+        <p:style>
+          <a:lnRef idx="2">
+            <a:schemeClr val="accent5">
+              <a:shade val="50000"/>
+            </a:schemeClr>
+          </a:lnRef>
+          <a:fillRef idx="1">
+            <a:schemeClr val="accent5"/>
+          </a:fillRef>
+          <a:effectRef idx="0">
+            <a:schemeClr val="accent5"/>
+          </a:effectRef>
+          <a:fontRef idx="minor">
+            <a:schemeClr val="lt1"/>
+          </a:fontRef>
+        </p:style>
+        <p:txBody>
+          <a:bodyPr rtlCol="0" anchor="ctr"/>
+          <a:lstStyle/>
+          <a:p>
+            <a:pPr algn="ctr"/>
+            <a:r>
+              <a:rPr lang="en-US" sz="1600" b="1" dirty="0" smtClean="0"/>
+              <a:t>*.</a:t>
+            </a:r>
+            <a:r>
+              <a:rPr lang="en-US" sz="1600" b="1" dirty="0" err="1" smtClean="0"/>
+              <a:t>css</a:t>
+            </a:r>
+            <a:endParaRPr lang="en-SG" sz="1600" b="1" dirty="0"/>
+          </a:p>
+        </p:txBody>
+      </p:sp>
+      <p:sp>
+        <p:nvSpPr>
+          <p:cNvPr id="409" name="Folded Corner 408"/>
+          <p:cNvSpPr/>
+          <p:nvPr/>
+        </p:nvSpPr>
+        <p:spPr>
+          <a:xfrm>
+            <a:off x="4435697" y="6073040"/>
+            <a:ext cx="1464715" cy="374591"/>
+          </a:xfrm>
+          <a:prstGeom prst="foldedCorner">
+            <a:avLst/>
+          </a:prstGeom>
+        </p:spPr>
+        <p:style>
+          <a:lnRef idx="2">
+            <a:schemeClr val="accent5">
+              <a:shade val="50000"/>
+            </a:schemeClr>
+          </a:lnRef>
+          <a:fillRef idx="1">
+            <a:schemeClr val="accent5"/>
+          </a:fillRef>
+          <a:effectRef idx="0">
+            <a:schemeClr val="accent5"/>
+          </a:effectRef>
+          <a:fontRef idx="minor">
+            <a:schemeClr val="lt1"/>
+          </a:fontRef>
+        </p:style>
+        <p:txBody>
+          <a:bodyPr rtlCol="0" anchor="ctr"/>
+          <a:lstStyle/>
+          <a:p>
+            <a:pPr algn="ctr"/>
+            <a:r>
+              <a:rPr lang="en-US" sz="1600" b="1" dirty="0" smtClean="0"/>
+              <a:t>*.</a:t>
+            </a:r>
+            <a:r>
+              <a:rPr lang="en-US" sz="1600" b="1" dirty="0" err="1" smtClean="0"/>
+              <a:t>css</a:t>
+            </a:r>
+            <a:endParaRPr lang="en-SG" sz="1600" b="1" dirty="0"/>
+          </a:p>
+        </p:txBody>
+      </p:sp>
+      <p:cxnSp>
+        <p:nvCxnSpPr>
+          <p:cNvPr id="410" name="Elbow Connector 409"/>
+          <p:cNvCxnSpPr>
+            <a:endCxn id="405" idx="1"/>
+          </p:cNvCxnSpPr>
+          <p:nvPr/>
+        </p:nvCxnSpPr>
+        <p:spPr>
+          <a:xfrm flipV="1">
+            <a:off x="889599" y="5840220"/>
+            <a:ext cx="1725240" cy="297945"/>
+          </a:xfrm>
+          <a:prstGeom prst="bentConnector3">
+            <a:avLst>
+              <a:gd name="adj1" fmla="val 50000"/>
+            </a:avLst>
+          </a:prstGeom>
+          <a:ln w="38100">
             <a:solidFill>
               <a:schemeClr val="tx1"/>
             </a:solidFill>
+            <a:prstDash val="sysDash"/>
+            <a:tailEnd type="arrow"/>
           </a:ln>
+        </p:spPr>
+        <p:style>
+          <a:lnRef idx="1">
+            <a:schemeClr val="accent1"/>
+          </a:lnRef>
+          <a:fillRef idx="0">
+            <a:schemeClr val="accent1"/>
+          </a:fillRef>
+          <a:effectRef idx="0">
+            <a:schemeClr val="accent1"/>
+          </a:effectRef>
+          <a:fontRef idx="minor">
+            <a:schemeClr val="tx1"/>
+          </a:fontRef>
+        </p:style>
+      </p:cxnSp>
+      <p:cxnSp>
+        <p:nvCxnSpPr>
+          <p:cNvPr id="411" name="Elbow Connector 410"/>
+          <p:cNvCxnSpPr>
+            <a:endCxn id="409" idx="1"/>
+          </p:cNvCxnSpPr>
+          <p:nvPr/>
+        </p:nvCxnSpPr>
+        <p:spPr>
+          <a:xfrm>
+            <a:off x="889599" y="6138165"/>
+            <a:ext cx="3546098" cy="122171"/>
+          </a:xfrm>
+          <a:prstGeom prst="bentConnector3">
+            <a:avLst>
+              <a:gd name="adj1" fmla="val 24521"/>
+            </a:avLst>
+          </a:prstGeom>
+          <a:ln w="38100">
+            <a:solidFill>
+              <a:schemeClr val="tx1"/>
+            </a:solidFill>
+            <a:prstDash val="sysDash"/>
+            <a:tailEnd type="arrow"/>
+          </a:ln>
+        </p:spPr>
+        <p:style>
+          <a:lnRef idx="1">
+            <a:schemeClr val="accent1"/>
+          </a:lnRef>
+          <a:fillRef idx="0">
+            <a:schemeClr val="accent1"/>
+          </a:fillRef>
+          <a:effectRef idx="0">
+            <a:schemeClr val="accent1"/>
+          </a:effectRef>
+          <a:fontRef idx="minor">
+            <a:schemeClr val="tx1"/>
+          </a:fontRef>
+        </p:style>
+      </p:cxnSp>
+      <p:sp>
+        <p:nvSpPr>
+          <p:cNvPr id="412" name="Folded Corner 411"/>
+          <p:cNvSpPr/>
+          <p:nvPr/>
+        </p:nvSpPr>
+        <p:spPr>
+          <a:xfrm>
+            <a:off x="7391456" y="5190025"/>
+            <a:ext cx="1466850" cy="406993"/>
+          </a:xfrm>
+          <a:prstGeom prst="foldedCorner">
+            <a:avLst/>
+          </a:prstGeom>
         </p:spPr>
         <p:style>
           <a:lnRef idx="2">
@@ -4727,233 +5093,31 @@
           <a:p>
             <a:pPr algn="ctr"/>
             <a:r>
-              <a:rPr lang="en-US" sz="1600" b="1" dirty="0" smtClean="0">
-                <a:solidFill>
-                  <a:schemeClr val="tx1"/>
-                </a:solidFill>
-              </a:rPr>
-              <a:t>Web page</a:t>
-            </a:r>
-            <a:endParaRPr lang="en-SG" sz="1600" b="1" dirty="0">
-              <a:solidFill>
-                <a:schemeClr val="tx1"/>
-              </a:solidFill>
-            </a:endParaRPr>
-          </a:p>
-        </p:txBody>
-      </p:sp>
-      <p:sp>
-        <p:nvSpPr>
-          <p:cNvPr id="212" name="Folded Corner 211"/>
+              <a:rPr lang="en-US" sz="1600" b="1" dirty="0" smtClean="0"/>
+              <a:t>_xyz_.</a:t>
+            </a:r>
+            <a:r>
+              <a:rPr lang="en-US" sz="1600" b="1" dirty="0" err="1" smtClean="0"/>
+              <a:t>jsp</a:t>
+            </a:r>
+            <a:endParaRPr lang="en-SG" sz="1600" b="1" dirty="0"/>
+          </a:p>
+        </p:txBody>
+      </p:sp>
+      <p:sp>
+        <p:nvSpPr>
+          <p:cNvPr id="413" name="Folded Corner 412"/>
           <p:cNvSpPr/>
           <p:nvPr/>
         </p:nvSpPr>
         <p:spPr>
           <a:xfrm>
-            <a:off x="2928200" y="4617384"/>
-            <a:ext cx="1464715" cy="374591"/>
+            <a:off x="7469790" y="5244508"/>
+            <a:ext cx="1466850" cy="406993"/>
           </a:xfrm>
           <a:prstGeom prst="foldedCorner">
             <a:avLst/>
           </a:prstGeom>
-        </p:spPr>
-        <p:style>
-          <a:lnRef idx="2">
-            <a:schemeClr val="accent5">
-              <a:shade val="50000"/>
-            </a:schemeClr>
-          </a:lnRef>
-          <a:fillRef idx="1">
-            <a:schemeClr val="accent5"/>
-          </a:fillRef>
-          <a:effectRef idx="0">
-            <a:schemeClr val="accent5"/>
-          </a:effectRef>
-          <a:fontRef idx="minor">
-            <a:schemeClr val="lt1"/>
-          </a:fontRef>
-        </p:style>
-        <p:txBody>
-          <a:bodyPr rtlCol="0" anchor="ctr"/>
-          <a:lstStyle/>
-          <a:p>
-            <a:pPr algn="ctr"/>
-            <a:r>
-              <a:rPr lang="en-US" sz="1600" b="1" dirty="0" smtClean="0"/>
-              <a:t>*.</a:t>
-            </a:r>
-            <a:r>
-              <a:rPr lang="en-US" sz="1600" b="1" dirty="0" err="1" smtClean="0"/>
-              <a:t>css</a:t>
-            </a:r>
-            <a:endParaRPr lang="en-SG" sz="1600" b="1" dirty="0"/>
-          </a:p>
-        </p:txBody>
-      </p:sp>
-      <p:sp>
-        <p:nvSpPr>
-          <p:cNvPr id="213" name="Folded Corner 212"/>
-          <p:cNvSpPr/>
-          <p:nvPr/>
-        </p:nvSpPr>
-        <p:spPr>
-          <a:xfrm>
-            <a:off x="2904698" y="3849687"/>
-            <a:ext cx="1464715" cy="420881"/>
-          </a:xfrm>
-          <a:prstGeom prst="foldedCorner">
-            <a:avLst/>
-          </a:prstGeom>
-        </p:spPr>
-        <p:style>
-          <a:lnRef idx="2">
-            <a:schemeClr val="accent5">
-              <a:shade val="50000"/>
-            </a:schemeClr>
-          </a:lnRef>
-          <a:fillRef idx="1">
-            <a:schemeClr val="accent5"/>
-          </a:fillRef>
-          <a:effectRef idx="0">
-            <a:schemeClr val="accent5"/>
-          </a:effectRef>
-          <a:fontRef idx="minor">
-            <a:schemeClr val="lt1"/>
-          </a:fontRef>
-        </p:style>
-        <p:txBody>
-          <a:bodyPr rtlCol="0" anchor="ctr"/>
-          <a:lstStyle/>
-          <a:p>
-            <a:pPr algn="ctr"/>
-            <a:r>
-              <a:rPr lang="en-US" sz="1600" b="1" dirty="0" smtClean="0"/>
-              <a:t>*.</a:t>
-            </a:r>
-            <a:r>
-              <a:rPr lang="en-US" sz="1600" b="1" dirty="0" err="1" smtClean="0"/>
-              <a:t>js</a:t>
-            </a:r>
-            <a:endParaRPr lang="en-SG" sz="1600" b="1" dirty="0"/>
-          </a:p>
-        </p:txBody>
-      </p:sp>
-      <p:sp>
-        <p:nvSpPr>
-          <p:cNvPr id="214" name="Folded Corner 213"/>
-          <p:cNvSpPr/>
-          <p:nvPr/>
-        </p:nvSpPr>
-        <p:spPr>
-          <a:xfrm>
-            <a:off x="3004400" y="3935145"/>
-            <a:ext cx="1464715" cy="420881"/>
-          </a:xfrm>
-          <a:prstGeom prst="foldedCorner">
-            <a:avLst/>
-          </a:prstGeom>
-        </p:spPr>
-        <p:style>
-          <a:lnRef idx="2">
-            <a:schemeClr val="accent5">
-              <a:shade val="50000"/>
-            </a:schemeClr>
-          </a:lnRef>
-          <a:fillRef idx="1">
-            <a:schemeClr val="accent5"/>
-          </a:fillRef>
-          <a:effectRef idx="0">
-            <a:schemeClr val="accent5"/>
-          </a:effectRef>
-          <a:fontRef idx="minor">
-            <a:schemeClr val="lt1"/>
-          </a:fontRef>
-        </p:style>
-        <p:txBody>
-          <a:bodyPr rtlCol="0" anchor="ctr"/>
-          <a:lstStyle/>
-          <a:p>
-            <a:pPr algn="ctr"/>
-            <a:r>
-              <a:rPr lang="en-US" sz="1600" b="1" dirty="0" smtClean="0"/>
-              <a:t>*.</a:t>
-            </a:r>
-            <a:r>
-              <a:rPr lang="en-US" sz="1600" b="1" dirty="0" err="1" smtClean="0"/>
-              <a:t>js</a:t>
-            </a:r>
-            <a:endParaRPr lang="en-SG" sz="1600" b="1" dirty="0"/>
-          </a:p>
-        </p:txBody>
-      </p:sp>
-      <p:sp>
-        <p:nvSpPr>
-          <p:cNvPr id="215" name="Folded Corner 214"/>
-          <p:cNvSpPr/>
-          <p:nvPr/>
-        </p:nvSpPr>
-        <p:spPr>
-          <a:xfrm>
-            <a:off x="3080600" y="4038406"/>
-            <a:ext cx="1464715" cy="420881"/>
-          </a:xfrm>
-          <a:prstGeom prst="foldedCorner">
-            <a:avLst/>
-          </a:prstGeom>
-        </p:spPr>
-        <p:style>
-          <a:lnRef idx="2">
-            <a:schemeClr val="accent5">
-              <a:shade val="50000"/>
-            </a:schemeClr>
-          </a:lnRef>
-          <a:fillRef idx="1">
-            <a:schemeClr val="accent5"/>
-          </a:fillRef>
-          <a:effectRef idx="0">
-            <a:schemeClr val="accent5"/>
-          </a:effectRef>
-          <a:fontRef idx="minor">
-            <a:schemeClr val="lt1"/>
-          </a:fontRef>
-        </p:style>
-        <p:txBody>
-          <a:bodyPr rtlCol="0" anchor="ctr"/>
-          <a:lstStyle/>
-          <a:p>
-            <a:pPr algn="ctr"/>
-            <a:r>
-              <a:rPr lang="en-US" sz="1600" b="1" dirty="0" smtClean="0"/>
-              <a:t>*.</a:t>
-            </a:r>
-            <a:r>
-              <a:rPr lang="en-US" sz="1600" b="1" dirty="0" err="1" smtClean="0"/>
-              <a:t>js</a:t>
-            </a:r>
-            <a:endParaRPr lang="en-SG" sz="1600" b="1" dirty="0"/>
-          </a:p>
-        </p:txBody>
-      </p:sp>
-      <p:cxnSp>
-        <p:nvCxnSpPr>
-          <p:cNvPr id="216" name="Elbow Connector 215"/>
-          <p:cNvCxnSpPr/>
-          <p:nvPr/>
-        </p:nvCxnSpPr>
-        <p:spPr>
-          <a:xfrm rot="10800000">
-            <a:off x="1404200" y="3697288"/>
-            <a:ext cx="4064239" cy="12700"/>
-          </a:xfrm>
-          <a:prstGeom prst="bentConnector3">
-            <a:avLst>
-              <a:gd name="adj1" fmla="val 50000"/>
-            </a:avLst>
-          </a:prstGeom>
-          <a:ln w="38100">
-            <a:prstDash val="sysDot"/>
-            <a:tailEnd type="arrow"/>
-          </a:ln>
         </p:spPr>
         <p:style>
           <a:lnRef idx="2">
@@ -4971,16 +5135,728 @@
             <a:schemeClr val="lt1"/>
           </a:fontRef>
         </p:style>
+        <p:txBody>
+          <a:bodyPr rtlCol="0" anchor="ctr"/>
+          <a:lstStyle/>
+          <a:p>
+            <a:pPr algn="ctr"/>
+            <a:r>
+              <a:rPr lang="en-US" sz="1600" b="1" dirty="0" smtClean="0"/>
+              <a:t>_xyz_.</a:t>
+            </a:r>
+            <a:r>
+              <a:rPr lang="en-US" sz="1600" b="1" dirty="0" err="1" smtClean="0"/>
+              <a:t>jsp</a:t>
+            </a:r>
+            <a:endParaRPr lang="en-SG" sz="1600" b="1" dirty="0"/>
+          </a:p>
+        </p:txBody>
+      </p:sp>
+      <p:sp>
+        <p:nvSpPr>
+          <p:cNvPr id="414" name="Rounded Rectangle 413"/>
+          <p:cNvSpPr/>
+          <p:nvPr/>
+        </p:nvSpPr>
+        <p:spPr>
+          <a:xfrm>
+            <a:off x="9514342" y="143669"/>
+            <a:ext cx="914400" cy="6591297"/>
+          </a:xfrm>
+          <a:prstGeom prst="roundRect">
+            <a:avLst>
+              <a:gd name="adj" fmla="val 23209"/>
+            </a:avLst>
+          </a:prstGeom>
+          <a:solidFill>
+            <a:schemeClr val="bg1">
+              <a:lumMod val="85000"/>
+            </a:schemeClr>
+          </a:solidFill>
+          <a:ln>
+            <a:solidFill>
+              <a:schemeClr val="bg1">
+                <a:lumMod val="75000"/>
+              </a:schemeClr>
+            </a:solidFill>
+          </a:ln>
+        </p:spPr>
+        <p:style>
+          <a:lnRef idx="2">
+            <a:schemeClr val="accent1">
+              <a:shade val="50000"/>
+            </a:schemeClr>
+          </a:lnRef>
+          <a:fillRef idx="1">
+            <a:schemeClr val="accent1"/>
+          </a:fillRef>
+          <a:effectRef idx="0">
+            <a:schemeClr val="accent1"/>
+          </a:effectRef>
+          <a:fontRef idx="minor">
+            <a:schemeClr val="lt1"/>
+          </a:fontRef>
+        </p:style>
+        <p:txBody>
+          <a:bodyPr vert="vert270" rtlCol="0" anchor="t" anchorCtr="1"/>
+          <a:lstStyle/>
+          <a:p>
+            <a:pPr algn="r"/>
+            <a:r>
+              <a:rPr lang="en-US" sz="1600" b="1" dirty="0" smtClean="0"/>
+              <a:t>Logic</a:t>
+            </a:r>
+            <a:endParaRPr lang="en-SG" sz="1600" b="1" dirty="0"/>
+          </a:p>
+        </p:txBody>
+      </p:sp>
+      <p:sp>
+        <p:nvSpPr>
+          <p:cNvPr id="415" name="Rectangle 414"/>
+          <p:cNvSpPr/>
+          <p:nvPr/>
+        </p:nvSpPr>
+        <p:spPr>
+          <a:xfrm>
+            <a:off x="9971542" y="-84931"/>
+            <a:ext cx="609600" cy="7010400"/>
+          </a:xfrm>
+          <a:prstGeom prst="rect">
+            <a:avLst/>
+          </a:prstGeom>
+          <a:solidFill>
+            <a:schemeClr val="bg1"/>
+          </a:solidFill>
+          <a:ln>
+            <a:noFill/>
+          </a:ln>
+          <a:effectLst>
+            <a:softEdge rad="63500"/>
+          </a:effectLst>
+        </p:spPr>
+        <p:style>
+          <a:lnRef idx="2">
+            <a:schemeClr val="accent1">
+              <a:shade val="50000"/>
+            </a:schemeClr>
+          </a:lnRef>
+          <a:fillRef idx="1">
+            <a:schemeClr val="accent1"/>
+          </a:fillRef>
+          <a:effectRef idx="0">
+            <a:schemeClr val="accent1"/>
+          </a:effectRef>
+          <a:fontRef idx="minor">
+            <a:schemeClr val="lt1"/>
+          </a:fontRef>
+        </p:style>
+        <p:txBody>
+          <a:bodyPr rtlCol="0" anchor="ctr"/>
+          <a:lstStyle/>
+          <a:p>
+            <a:pPr algn="ctr"/>
+            <a:endParaRPr lang="en-SG"/>
+          </a:p>
+        </p:txBody>
+      </p:sp>
+      <p:sp>
+        <p:nvSpPr>
+          <p:cNvPr id="416" name="Rectangle 415"/>
+          <p:cNvSpPr/>
+          <p:nvPr/>
+        </p:nvSpPr>
+        <p:spPr>
+          <a:xfrm>
+            <a:off x="1502618" y="3266354"/>
+            <a:ext cx="1466850" cy="403054"/>
+          </a:xfrm>
+          <a:prstGeom prst="rect">
+            <a:avLst/>
+          </a:prstGeom>
+        </p:spPr>
+        <p:style>
+          <a:lnRef idx="2">
+            <a:schemeClr val="accent2">
+              <a:shade val="50000"/>
+            </a:schemeClr>
+          </a:lnRef>
+          <a:fillRef idx="1">
+            <a:schemeClr val="accent2"/>
+          </a:fillRef>
+          <a:effectRef idx="0">
+            <a:schemeClr val="accent2"/>
+          </a:effectRef>
+          <a:fontRef idx="minor">
+            <a:schemeClr val="lt1"/>
+          </a:fontRef>
+        </p:style>
+        <p:txBody>
+          <a:bodyPr rtlCol="0" anchor="ctr"/>
+          <a:lstStyle/>
+          <a:p>
+            <a:pPr algn="ctr"/>
+            <a:r>
+              <a:rPr lang="en-US" sz="1600" b="1" dirty="0" smtClean="0"/>
+              <a:t>_</a:t>
+            </a:r>
+            <a:r>
+              <a:rPr lang="en-US" sz="1600" b="1" dirty="0" err="1" smtClean="0"/>
+              <a:t>xyz_Servlet</a:t>
+            </a:r>
+            <a:endParaRPr lang="en-SG" sz="1600" b="1" dirty="0"/>
+          </a:p>
+        </p:txBody>
+      </p:sp>
+      <p:sp>
+        <p:nvSpPr>
+          <p:cNvPr id="417" name="Rectangle 416"/>
+          <p:cNvSpPr/>
+          <p:nvPr/>
+        </p:nvSpPr>
+        <p:spPr>
+          <a:xfrm>
+            <a:off x="1564820" y="3307419"/>
+            <a:ext cx="1466850" cy="403054"/>
+          </a:xfrm>
+          <a:prstGeom prst="rect">
+            <a:avLst/>
+          </a:prstGeom>
+        </p:spPr>
+        <p:style>
+          <a:lnRef idx="2">
+            <a:schemeClr val="accent2">
+              <a:shade val="50000"/>
+            </a:schemeClr>
+          </a:lnRef>
+          <a:fillRef idx="1">
+            <a:schemeClr val="accent2"/>
+          </a:fillRef>
+          <a:effectRef idx="0">
+            <a:schemeClr val="accent2"/>
+          </a:effectRef>
+          <a:fontRef idx="minor">
+            <a:schemeClr val="lt1"/>
+          </a:fontRef>
+        </p:style>
+        <p:txBody>
+          <a:bodyPr rtlCol="0" anchor="ctr"/>
+          <a:lstStyle/>
+          <a:p>
+            <a:pPr algn="ctr"/>
+            <a:r>
+              <a:rPr lang="en-US" sz="1600" b="1" dirty="0" smtClean="0"/>
+              <a:t>_</a:t>
+            </a:r>
+            <a:r>
+              <a:rPr lang="en-US" sz="1600" b="1" dirty="0" err="1" smtClean="0"/>
+              <a:t>abc</a:t>
+            </a:r>
+            <a:r>
+              <a:rPr lang="en-US" sz="1600" b="1" dirty="0" err="1" smtClean="0"/>
+              <a:t>_Action</a:t>
+            </a:r>
+            <a:endParaRPr lang="en-SG" sz="1600" b="1" dirty="0"/>
+          </a:p>
+        </p:txBody>
+      </p:sp>
+      <p:sp>
+        <p:nvSpPr>
+          <p:cNvPr id="418" name="Rectangle 417"/>
+          <p:cNvSpPr/>
+          <p:nvPr/>
+        </p:nvSpPr>
+        <p:spPr>
+          <a:xfrm>
+            <a:off x="7389211" y="4008217"/>
+            <a:ext cx="1466850" cy="304800"/>
+          </a:xfrm>
+          <a:prstGeom prst="rect">
+            <a:avLst/>
+          </a:prstGeom>
+        </p:spPr>
+        <p:style>
+          <a:lnRef idx="2">
+            <a:schemeClr val="accent4">
+              <a:shade val="50000"/>
+            </a:schemeClr>
+          </a:lnRef>
+          <a:fillRef idx="1">
+            <a:schemeClr val="accent4"/>
+          </a:fillRef>
+          <a:effectRef idx="0">
+            <a:schemeClr val="accent4"/>
+          </a:effectRef>
+          <a:fontRef idx="minor">
+            <a:schemeClr val="lt1"/>
+          </a:fontRef>
+        </p:style>
+        <p:txBody>
+          <a:bodyPr rtlCol="0" anchor="ctr"/>
+          <a:lstStyle/>
+          <a:p>
+            <a:pPr algn="ctr"/>
+            <a:r>
+              <a:rPr lang="en-US" sz="1600" b="1" dirty="0"/>
+              <a:t>_</a:t>
+            </a:r>
+            <a:r>
+              <a:rPr lang="en-US" sz="1600" b="1" dirty="0" err="1"/>
+              <a:t>xyz_Helper</a:t>
+            </a:r>
+            <a:endParaRPr lang="en-SG" sz="1600" b="1" dirty="0"/>
+          </a:p>
+        </p:txBody>
+      </p:sp>
+      <p:sp>
+        <p:nvSpPr>
+          <p:cNvPr id="419" name="Rectangle 418"/>
+          <p:cNvSpPr/>
+          <p:nvPr/>
+        </p:nvSpPr>
+        <p:spPr>
+          <a:xfrm>
+            <a:off x="7467165" y="4051301"/>
+            <a:ext cx="1466850" cy="304800"/>
+          </a:xfrm>
+          <a:prstGeom prst="rect">
+            <a:avLst/>
+          </a:prstGeom>
+        </p:spPr>
+        <p:style>
+          <a:lnRef idx="2">
+            <a:schemeClr val="accent4">
+              <a:shade val="50000"/>
+            </a:schemeClr>
+          </a:lnRef>
+          <a:fillRef idx="1">
+            <a:schemeClr val="accent4"/>
+          </a:fillRef>
+          <a:effectRef idx="0">
+            <a:schemeClr val="accent4"/>
+          </a:effectRef>
+          <a:fontRef idx="minor">
+            <a:schemeClr val="lt1"/>
+          </a:fontRef>
+        </p:style>
+        <p:txBody>
+          <a:bodyPr rtlCol="0" anchor="ctr"/>
+          <a:lstStyle/>
+          <a:p>
+            <a:pPr algn="ctr"/>
+            <a:r>
+              <a:rPr lang="en-US" sz="1600" b="1" dirty="0"/>
+              <a:t>_</a:t>
+            </a:r>
+            <a:r>
+              <a:rPr lang="en-US" sz="1600" b="1" dirty="0" err="1"/>
+              <a:t>xyz_PageData</a:t>
+            </a:r>
+            <a:endParaRPr lang="en-SG" sz="1600" b="1" dirty="0"/>
+          </a:p>
+        </p:txBody>
+      </p:sp>
+      <p:sp>
+        <p:nvSpPr>
+          <p:cNvPr id="420" name="Rectangle 419"/>
+          <p:cNvSpPr/>
+          <p:nvPr/>
+        </p:nvSpPr>
+        <p:spPr>
+          <a:xfrm>
+            <a:off x="7524105" y="1450317"/>
+            <a:ext cx="1197062" cy="362066"/>
+          </a:xfrm>
+          <a:prstGeom prst="rect">
+            <a:avLst/>
+          </a:prstGeom>
+        </p:spPr>
+        <p:style>
+          <a:lnRef idx="2">
+            <a:schemeClr val="accent6">
+              <a:shade val="50000"/>
+            </a:schemeClr>
+          </a:lnRef>
+          <a:fillRef idx="1">
+            <a:schemeClr val="accent6"/>
+          </a:fillRef>
+          <a:effectRef idx="0">
+            <a:schemeClr val="accent6"/>
+          </a:effectRef>
+          <a:fontRef idx="minor">
+            <a:schemeClr val="lt1"/>
+          </a:fontRef>
+        </p:style>
+        <p:txBody>
+          <a:bodyPr rtlCol="0" anchor="ctr"/>
+          <a:lstStyle/>
+          <a:p>
+            <a:pPr algn="ctr"/>
+            <a:r>
+              <a:rPr lang="en-US" sz="1600" b="1" dirty="0" err="1"/>
+              <a:t>LoginFilter</a:t>
+            </a:r>
+            <a:endParaRPr lang="en-SG" sz="1600" b="1" dirty="0"/>
+          </a:p>
+        </p:txBody>
+      </p:sp>
+      <p:sp>
+        <p:nvSpPr>
+          <p:cNvPr id="421" name="Rectangle 420"/>
+          <p:cNvSpPr/>
+          <p:nvPr/>
+        </p:nvSpPr>
+        <p:spPr>
+          <a:xfrm>
+            <a:off x="2994876" y="1472235"/>
+            <a:ext cx="1044084" cy="522656"/>
+          </a:xfrm>
+          <a:prstGeom prst="rect">
+            <a:avLst/>
+          </a:prstGeom>
+        </p:spPr>
+        <p:style>
+          <a:lnRef idx="2">
+            <a:schemeClr val="accent2">
+              <a:shade val="50000"/>
+            </a:schemeClr>
+          </a:lnRef>
+          <a:fillRef idx="1">
+            <a:schemeClr val="accent2"/>
+          </a:fillRef>
+          <a:effectRef idx="0">
+            <a:schemeClr val="accent2"/>
+          </a:effectRef>
+          <a:fontRef idx="minor">
+            <a:schemeClr val="lt1"/>
+          </a:fontRef>
+        </p:style>
+        <p:txBody>
+          <a:bodyPr rtlCol="0" anchor="ctr"/>
+          <a:lstStyle/>
+          <a:p>
+            <a:pPr algn="ctr"/>
+            <a:r>
+              <a:rPr lang="en-US" sz="1600" b="1" dirty="0" smtClean="0"/>
+              <a:t>Action</a:t>
+            </a:r>
+            <a:br>
+              <a:rPr lang="en-US" sz="1600" b="1" dirty="0" smtClean="0"/>
+            </a:br>
+            <a:r>
+              <a:rPr lang="en-US" sz="1600" b="1" dirty="0" smtClean="0"/>
+              <a:t>Factory</a:t>
+            </a:r>
+            <a:endParaRPr lang="en-SG" sz="1600" b="1" dirty="0"/>
+          </a:p>
+        </p:txBody>
+      </p:sp>
+      <p:sp>
+        <p:nvSpPr>
+          <p:cNvPr id="422" name="Rectangle 421"/>
+          <p:cNvSpPr/>
+          <p:nvPr/>
+        </p:nvSpPr>
+        <p:spPr>
+          <a:xfrm>
+            <a:off x="1549462" y="716420"/>
+            <a:ext cx="1727498" cy="377438"/>
+          </a:xfrm>
+          <a:prstGeom prst="rect">
+            <a:avLst/>
+          </a:prstGeom>
+        </p:spPr>
+        <p:style>
+          <a:lnRef idx="2">
+            <a:schemeClr val="accent1">
+              <a:shade val="50000"/>
+            </a:schemeClr>
+          </a:lnRef>
+          <a:fillRef idx="1">
+            <a:schemeClr val="accent1"/>
+          </a:fillRef>
+          <a:effectRef idx="0">
+            <a:schemeClr val="accent1"/>
+          </a:effectRef>
+          <a:fontRef idx="minor">
+            <a:schemeClr val="lt1"/>
+          </a:fontRef>
+        </p:style>
+        <p:txBody>
+          <a:bodyPr rtlCol="0" anchor="ctr"/>
+          <a:lstStyle/>
+          <a:p>
+            <a:pPr algn="ctr"/>
+            <a:r>
+              <a:rPr lang="en-US" sz="1600" b="1" dirty="0" err="1" smtClean="0"/>
+              <a:t>ControllerServlet</a:t>
+            </a:r>
+            <a:endParaRPr lang="en-SG" sz="1600" b="1" dirty="0"/>
+          </a:p>
+        </p:txBody>
+      </p:sp>
+      <p:sp>
+        <p:nvSpPr>
+          <p:cNvPr id="423" name="Rectangle 422"/>
+          <p:cNvSpPr/>
+          <p:nvPr/>
+        </p:nvSpPr>
+        <p:spPr>
+          <a:xfrm>
+            <a:off x="5569077" y="1276717"/>
+            <a:ext cx="1398903" cy="377438"/>
+          </a:xfrm>
+          <a:prstGeom prst="rect">
+            <a:avLst/>
+          </a:prstGeom>
+        </p:spPr>
+        <p:style>
+          <a:lnRef idx="2">
+            <a:schemeClr val="accent1">
+              <a:shade val="50000"/>
+            </a:schemeClr>
+          </a:lnRef>
+          <a:fillRef idx="1">
+            <a:schemeClr val="accent1"/>
+          </a:fillRef>
+          <a:effectRef idx="0">
+            <a:schemeClr val="accent1"/>
+          </a:effectRef>
+          <a:fontRef idx="minor">
+            <a:schemeClr val="lt1"/>
+          </a:fontRef>
+        </p:style>
+        <p:txBody>
+          <a:bodyPr rtlCol="0" anchor="ctr"/>
+          <a:lstStyle/>
+          <a:p>
+            <a:pPr algn="ctr"/>
+            <a:r>
+              <a:rPr lang="en-US" sz="1600" b="1" dirty="0" smtClean="0"/>
+              <a:t>*Servlet</a:t>
+            </a:r>
+            <a:endParaRPr lang="en-SG" sz="1600" b="1" dirty="0"/>
+          </a:p>
+        </p:txBody>
+      </p:sp>
+      <p:sp>
+        <p:nvSpPr>
+          <p:cNvPr id="424" name="Rectangle 423"/>
+          <p:cNvSpPr/>
+          <p:nvPr/>
+        </p:nvSpPr>
+        <p:spPr>
+          <a:xfrm>
+            <a:off x="5645277" y="1348409"/>
+            <a:ext cx="1398903" cy="377438"/>
+          </a:xfrm>
+          <a:prstGeom prst="rect">
+            <a:avLst/>
+          </a:prstGeom>
+        </p:spPr>
+        <p:style>
+          <a:lnRef idx="2">
+            <a:schemeClr val="accent1">
+              <a:shade val="50000"/>
+            </a:schemeClr>
+          </a:lnRef>
+          <a:fillRef idx="1">
+            <a:schemeClr val="accent1"/>
+          </a:fillRef>
+          <a:effectRef idx="0">
+            <a:schemeClr val="accent1"/>
+          </a:effectRef>
+          <a:fontRef idx="minor">
+            <a:schemeClr val="lt1"/>
+          </a:fontRef>
+        </p:style>
+        <p:txBody>
+          <a:bodyPr rtlCol="0" anchor="ctr"/>
+          <a:lstStyle/>
+          <a:p>
+            <a:pPr algn="ctr"/>
+            <a:r>
+              <a:rPr lang="en-US" sz="1600" b="1" dirty="0" smtClean="0"/>
+              <a:t>*Servlet</a:t>
+            </a:r>
+            <a:endParaRPr lang="en-SG" sz="1600" b="1" dirty="0"/>
+          </a:p>
+        </p:txBody>
+      </p:sp>
+      <p:sp>
+        <p:nvSpPr>
+          <p:cNvPr id="425" name="Rectangle 424"/>
+          <p:cNvSpPr/>
+          <p:nvPr/>
+        </p:nvSpPr>
+        <p:spPr>
+          <a:xfrm>
+            <a:off x="5768843" y="1442631"/>
+            <a:ext cx="1398903" cy="377438"/>
+          </a:xfrm>
+          <a:prstGeom prst="rect">
+            <a:avLst/>
+          </a:prstGeom>
+        </p:spPr>
+        <p:style>
+          <a:lnRef idx="2">
+            <a:schemeClr val="accent1">
+              <a:shade val="50000"/>
+            </a:schemeClr>
+          </a:lnRef>
+          <a:fillRef idx="1">
+            <a:schemeClr val="accent1"/>
+          </a:fillRef>
+          <a:effectRef idx="0">
+            <a:schemeClr val="accent1"/>
+          </a:effectRef>
+          <a:fontRef idx="minor">
+            <a:schemeClr val="lt1"/>
+          </a:fontRef>
+        </p:style>
+        <p:txBody>
+          <a:bodyPr rtlCol="0" anchor="ctr"/>
+          <a:lstStyle/>
+          <a:p>
+            <a:pPr algn="ctr"/>
+            <a:r>
+              <a:rPr lang="en-US" sz="1600" b="1" dirty="0" smtClean="0"/>
+              <a:t>*Servlet</a:t>
+            </a:r>
+            <a:endParaRPr lang="en-SG" sz="1600" b="1" dirty="0"/>
+          </a:p>
+        </p:txBody>
+      </p:sp>
+      <p:cxnSp>
+        <p:nvCxnSpPr>
+          <p:cNvPr id="426" name="Elbow Connector 425"/>
+          <p:cNvCxnSpPr>
+            <a:endCxn id="440" idx="1"/>
+          </p:cNvCxnSpPr>
+          <p:nvPr/>
+        </p:nvCxnSpPr>
+        <p:spPr>
+          <a:xfrm rot="16200000" flipV="1">
+            <a:off x="35784" y="4115851"/>
+            <a:ext cx="1090099" cy="1"/>
+          </a:xfrm>
+          <a:prstGeom prst="bentConnector3">
+            <a:avLst>
+              <a:gd name="adj1" fmla="val 50000"/>
+            </a:avLst>
+          </a:prstGeom>
+          <a:ln w="38100">
+            <a:solidFill>
+              <a:schemeClr val="tx1"/>
+            </a:solidFill>
+            <a:prstDash val="sysDash"/>
+            <a:tailEnd type="arrow"/>
+          </a:ln>
+        </p:spPr>
+        <p:style>
+          <a:lnRef idx="1">
+            <a:schemeClr val="accent1"/>
+          </a:lnRef>
+          <a:fillRef idx="0">
+            <a:schemeClr val="accent1"/>
+          </a:fillRef>
+          <a:effectRef idx="0">
+            <a:schemeClr val="accent1"/>
+          </a:effectRef>
+          <a:fontRef idx="minor">
+            <a:schemeClr val="tx1"/>
+          </a:fontRef>
+        </p:style>
       </p:cxnSp>
-      <p:sp>
-        <p:nvSpPr>
-          <p:cNvPr id="217" name="TextBox 216"/>
+      <p:cxnSp>
+        <p:nvCxnSpPr>
+          <p:cNvPr id="427" name="Straight Arrow Connector 426"/>
+          <p:cNvCxnSpPr/>
+          <p:nvPr/>
+        </p:nvCxnSpPr>
+        <p:spPr>
+          <a:xfrm>
+            <a:off x="3124737" y="1122227"/>
+            <a:ext cx="0" cy="376623"/>
+          </a:xfrm>
+          <a:prstGeom prst="straightConnector1">
+            <a:avLst/>
+          </a:prstGeom>
+          <a:ln w="38100">
+            <a:solidFill>
+              <a:schemeClr val="tx2">
+                <a:lumMod val="75000"/>
+              </a:schemeClr>
+            </a:solidFill>
+            <a:prstDash val="sysDot"/>
+            <a:tailEnd type="arrow"/>
+          </a:ln>
+        </p:spPr>
+        <p:style>
+          <a:lnRef idx="1">
+            <a:schemeClr val="accent1"/>
+          </a:lnRef>
+          <a:fillRef idx="0">
+            <a:schemeClr val="accent1"/>
+          </a:fillRef>
+          <a:effectRef idx="0">
+            <a:schemeClr val="accent1"/>
+          </a:effectRef>
+          <a:fontRef idx="minor">
+            <a:schemeClr val="tx1"/>
+          </a:fontRef>
+        </p:style>
+      </p:cxnSp>
+      <p:cxnSp>
+        <p:nvCxnSpPr>
+          <p:cNvPr id="428" name="Elbow Connector 427"/>
+          <p:cNvCxnSpPr>
+            <a:stCxn id="421" idx="1"/>
+            <a:endCxn id="390" idx="0"/>
+          </p:cNvCxnSpPr>
+          <p:nvPr/>
+        </p:nvCxnSpPr>
+        <p:spPr>
+          <a:xfrm rot="10800000" flipV="1">
+            <a:off x="2261452" y="1733562"/>
+            <a:ext cx="733425" cy="555035"/>
+          </a:xfrm>
+          <a:prstGeom prst="bentConnector2">
+            <a:avLst/>
+          </a:prstGeom>
+          <a:ln w="38100">
+            <a:solidFill>
+              <a:schemeClr val="accent2">
+                <a:lumMod val="75000"/>
+              </a:schemeClr>
+            </a:solidFill>
+            <a:prstDash val="sysDot"/>
+            <a:tailEnd type="arrow"/>
+          </a:ln>
+        </p:spPr>
+        <p:style>
+          <a:lnRef idx="1">
+            <a:schemeClr val="accent1"/>
+          </a:lnRef>
+          <a:fillRef idx="0">
+            <a:schemeClr val="accent1"/>
+          </a:fillRef>
+          <a:effectRef idx="0">
+            <a:schemeClr val="accent1"/>
+          </a:effectRef>
+          <a:fontRef idx="minor">
+            <a:schemeClr val="tx1"/>
+          </a:fontRef>
+        </p:style>
+      </p:cxnSp>
+      <p:sp>
+        <p:nvSpPr>
+          <p:cNvPr id="429" name="TextBox 428"/>
           <p:cNvSpPr txBox="1"/>
           <p:nvPr/>
         </p:nvSpPr>
         <p:spPr>
           <a:xfrm>
-            <a:off x="2471000" y="3399481"/>
+            <a:off x="1905537" y="1428858"/>
             <a:ext cx="1066800" cy="307777"/>
           </a:xfrm>
           <a:prstGeom prst="rect">
@@ -5080,39 +5956,59 @@
           <a:p>
             <a:pPr algn="r"/>
             <a:r>
-              <a:rPr lang="en-US" dirty="0" smtClean="0"/>
+              <a:rPr lang="en-US" dirty="0" smtClean="0">
+                <a:solidFill>
+                  <a:schemeClr val="accent2">
+                    <a:lumMod val="75000"/>
+                  </a:schemeClr>
+                </a:solidFill>
+              </a:rPr>
               <a:t>&lt;&lt;create&gt;&gt;</a:t>
             </a:r>
-            <a:endParaRPr lang="en-SG" dirty="0"/>
-          </a:p>
-        </p:txBody>
-      </p:sp>
-      <p:sp>
-        <p:nvSpPr>
-          <p:cNvPr id="218" name="Folded Corner 217"/>
+            <a:endParaRPr lang="en-SG" dirty="0">
+              <a:solidFill>
+                <a:schemeClr val="accent2">
+                  <a:lumMod val="75000"/>
+                </a:schemeClr>
+              </a:solidFill>
+            </a:endParaRPr>
+          </a:p>
+        </p:txBody>
+      </p:sp>
+      <p:sp>
+        <p:nvSpPr>
+          <p:cNvPr id="430" name="Rectangle 429"/>
           <p:cNvSpPr/>
           <p:nvPr/>
         </p:nvSpPr>
         <p:spPr>
           <a:xfrm>
-            <a:off x="2967369" y="4699993"/>
-            <a:ext cx="1464715" cy="374591"/>
-          </a:xfrm>
-          <a:prstGeom prst="foldedCorner">
+            <a:off x="4174623" y="2303715"/>
+            <a:ext cx="1388514" cy="377438"/>
+          </a:xfrm>
+          <a:prstGeom prst="rect">
             <a:avLst/>
           </a:prstGeom>
+          <a:solidFill>
+            <a:srgbClr val="92D050"/>
+          </a:solidFill>
+          <a:ln>
+            <a:solidFill>
+              <a:srgbClr val="00B050"/>
+            </a:solidFill>
+          </a:ln>
         </p:spPr>
         <p:style>
           <a:lnRef idx="2">
-            <a:schemeClr val="accent5">
+            <a:schemeClr val="accent6">
               <a:shade val="50000"/>
             </a:schemeClr>
           </a:lnRef>
           <a:fillRef idx="1">
-            <a:schemeClr val="accent5"/>
+            <a:schemeClr val="accent6"/>
           </a:fillRef>
           <a:effectRef idx="0">
-            <a:schemeClr val="accent5"/>
+            <a:schemeClr val="accent6"/>
           </a:effectRef>
           <a:fontRef idx="minor">
             <a:schemeClr val="lt1"/>
@@ -5124,12 +6020,8 @@
           <a:p>
             <a:pPr algn="ctr"/>
             <a:r>
-              <a:rPr lang="en-US" sz="1600" b="1" dirty="0" smtClean="0"/>
-              <a:t>*.</a:t>
-            </a:r>
-            <a:r>
-              <a:rPr lang="en-US" sz="1600" b="1" dirty="0" err="1" smtClean="0"/>
-              <a:t>css</a:t>
+              <a:rPr lang="en-US" sz="1600" b="1" dirty="0" err="1"/>
+              <a:t>ActionResult</a:t>
             </a:r>
             <a:endParaRPr lang="en-SG" sz="1600" b="1" dirty="0"/>
           </a:p>
@@ -5137,30 +6029,38 @@
       </p:sp>
       <p:sp>
         <p:nvSpPr>
-          <p:cNvPr id="219" name="Folded Corner 218"/>
+          <p:cNvPr id="431" name="Rectangle 430"/>
           <p:cNvSpPr/>
           <p:nvPr/>
         </p:nvSpPr>
         <p:spPr>
           <a:xfrm>
-            <a:off x="3009385" y="4770496"/>
-            <a:ext cx="1464715" cy="374591"/>
-          </a:xfrm>
-          <a:prstGeom prst="foldedCorner">
+            <a:off x="4902785" y="3496469"/>
+            <a:ext cx="1725676" cy="377438"/>
+          </a:xfrm>
+          <a:prstGeom prst="rect">
             <a:avLst/>
           </a:prstGeom>
+          <a:solidFill>
+            <a:srgbClr val="92D050"/>
+          </a:solidFill>
+          <a:ln>
+            <a:solidFill>
+              <a:srgbClr val="00B050"/>
+            </a:solidFill>
+          </a:ln>
         </p:spPr>
         <p:style>
           <a:lnRef idx="2">
-            <a:schemeClr val="accent5">
+            <a:schemeClr val="accent6">
               <a:shade val="50000"/>
             </a:schemeClr>
           </a:lnRef>
           <a:fillRef idx="1">
-            <a:schemeClr val="accent5"/>
+            <a:schemeClr val="accent6"/>
           </a:fillRef>
           <a:effectRef idx="0">
-            <a:schemeClr val="accent5"/>
+            <a:schemeClr val="accent6"/>
           </a:effectRef>
           <a:fontRef idx="minor">
             <a:schemeClr val="lt1"/>
@@ -5172,39 +6072,220 @@
           <a:p>
             <a:pPr algn="ctr"/>
             <a:r>
-              <a:rPr lang="en-US" sz="1600" b="1" dirty="0" smtClean="0"/>
-              <a:t>*.</a:t>
-            </a:r>
-            <a:r>
-              <a:rPr lang="en-US" sz="1600" b="1" dirty="0" err="1" smtClean="0"/>
-              <a:t>css</a:t>
+              <a:rPr lang="en-US" sz="1600" b="1" dirty="0" err="1"/>
+              <a:t>RedirectResult</a:t>
             </a:r>
             <a:endParaRPr lang="en-SG" sz="1600" b="1" dirty="0"/>
+          </a:p>
+        </p:txBody>
+      </p:sp>
+      <p:sp>
+        <p:nvSpPr>
+          <p:cNvPr id="432" name="Rectangle 431"/>
+          <p:cNvSpPr/>
+          <p:nvPr/>
+        </p:nvSpPr>
+        <p:spPr>
+          <a:xfrm>
+            <a:off x="4909226" y="2965545"/>
+            <a:ext cx="1719235" cy="377438"/>
+          </a:xfrm>
+          <a:prstGeom prst="rect">
+            <a:avLst/>
+          </a:prstGeom>
+          <a:solidFill>
+            <a:srgbClr val="92D050"/>
+          </a:solidFill>
+          <a:ln>
+            <a:solidFill>
+              <a:srgbClr val="00B050"/>
+            </a:solidFill>
+          </a:ln>
+        </p:spPr>
+        <p:style>
+          <a:lnRef idx="2">
+            <a:schemeClr val="accent6">
+              <a:shade val="50000"/>
+            </a:schemeClr>
+          </a:lnRef>
+          <a:fillRef idx="1">
+            <a:schemeClr val="accent6"/>
+          </a:fillRef>
+          <a:effectRef idx="0">
+            <a:schemeClr val="accent6"/>
+          </a:effectRef>
+          <a:fontRef idx="minor">
+            <a:schemeClr val="lt1"/>
+          </a:fontRef>
+        </p:style>
+        <p:txBody>
+          <a:bodyPr rtlCol="0" anchor="ctr"/>
+          <a:lstStyle/>
+          <a:p>
+            <a:pPr algn="ctr"/>
+            <a:r>
+              <a:rPr lang="en-US" sz="1600" b="1" dirty="0" err="1"/>
+              <a:t>ShowPageResult</a:t>
+            </a:r>
+            <a:endParaRPr lang="en-SG" sz="1600" b="1" dirty="0"/>
+          </a:p>
+        </p:txBody>
+      </p:sp>
+      <p:sp>
+        <p:nvSpPr>
+          <p:cNvPr id="433" name="Isosceles Triangle 432"/>
+          <p:cNvSpPr/>
+          <p:nvPr/>
+        </p:nvSpPr>
+        <p:spPr>
+          <a:xfrm>
+            <a:off x="4372512" y="2666036"/>
+            <a:ext cx="276225" cy="228600"/>
+          </a:xfrm>
+          <a:prstGeom prst="triangle">
+            <a:avLst/>
+          </a:prstGeom>
+          <a:solidFill>
+            <a:srgbClr val="92D050"/>
+          </a:solidFill>
+          <a:ln>
+            <a:solidFill>
+              <a:srgbClr val="00B050"/>
+            </a:solidFill>
+          </a:ln>
+        </p:spPr>
+        <p:style>
+          <a:lnRef idx="2">
+            <a:schemeClr val="accent6">
+              <a:shade val="50000"/>
+            </a:schemeClr>
+          </a:lnRef>
+          <a:fillRef idx="1">
+            <a:schemeClr val="accent6"/>
+          </a:fillRef>
+          <a:effectRef idx="0">
+            <a:schemeClr val="accent6"/>
+          </a:effectRef>
+          <a:fontRef idx="minor">
+            <a:schemeClr val="lt1"/>
+          </a:fontRef>
+        </p:style>
+        <p:txBody>
+          <a:bodyPr rtlCol="0" anchor="ctr"/>
+          <a:lstStyle/>
+          <a:p>
+            <a:pPr algn="ctr"/>
+            <a:endParaRPr lang="en-SG" sz="1600" b="1"/>
           </a:p>
         </p:txBody>
       </p:sp>
       <p:cxnSp>
         <p:nvCxnSpPr>
-          <p:cNvPr id="220" name="Elbow Connector 219"/>
+          <p:cNvPr id="434" name="Elbow Connector 433"/>
           <p:cNvCxnSpPr>
-            <a:stCxn id="211" idx="2"/>
-            <a:endCxn id="215" idx="1"/>
+            <a:stCxn id="433" idx="3"/>
+            <a:endCxn id="431" idx="1"/>
           </p:cNvCxnSpPr>
           <p:nvPr/>
         </p:nvCxnSpPr>
         <p:spPr>
           <a:xfrm rot="16200000" flipH="1">
-            <a:off x="1833983" y="3002229"/>
-            <a:ext cx="245335" cy="2247900"/>
+            <a:off x="4311429" y="3093832"/>
+            <a:ext cx="790552" cy="392160"/>
           </a:xfrm>
           <a:prstGeom prst="bentConnector2">
+            <a:avLst/>
+          </a:prstGeom>
+          <a:solidFill>
+            <a:srgbClr val="92D050"/>
+          </a:solidFill>
+          <a:ln>
+            <a:solidFill>
+              <a:srgbClr val="00B050"/>
+            </a:solidFill>
+          </a:ln>
+        </p:spPr>
+        <p:style>
+          <a:lnRef idx="2">
+            <a:schemeClr val="accent6">
+              <a:shade val="50000"/>
+            </a:schemeClr>
+          </a:lnRef>
+          <a:fillRef idx="1">
+            <a:schemeClr val="accent6"/>
+          </a:fillRef>
+          <a:effectRef idx="0">
+            <a:schemeClr val="accent6"/>
+          </a:effectRef>
+          <a:fontRef idx="minor">
+            <a:schemeClr val="lt1"/>
+          </a:fontRef>
+        </p:style>
+      </p:cxnSp>
+      <p:cxnSp>
+        <p:nvCxnSpPr>
+          <p:cNvPr id="435" name="Elbow Connector 434"/>
+          <p:cNvCxnSpPr>
+            <a:stCxn id="433" idx="3"/>
+            <a:endCxn id="432" idx="1"/>
+          </p:cNvCxnSpPr>
+          <p:nvPr/>
+        </p:nvCxnSpPr>
+        <p:spPr>
+          <a:xfrm rot="16200000" flipH="1">
+            <a:off x="4580111" y="2825149"/>
+            <a:ext cx="259628" cy="398601"/>
+          </a:xfrm>
+          <a:prstGeom prst="bentConnector2">
+            <a:avLst/>
+          </a:prstGeom>
+          <a:solidFill>
+            <a:srgbClr val="92D050"/>
+          </a:solidFill>
+          <a:ln>
+            <a:solidFill>
+              <a:srgbClr val="00B050"/>
+            </a:solidFill>
+          </a:ln>
+        </p:spPr>
+        <p:style>
+          <a:lnRef idx="2">
+            <a:schemeClr val="accent6">
+              <a:shade val="50000"/>
+            </a:schemeClr>
+          </a:lnRef>
+          <a:fillRef idx="1">
+            <a:schemeClr val="accent6"/>
+          </a:fillRef>
+          <a:effectRef idx="0">
+            <a:schemeClr val="accent6"/>
+          </a:effectRef>
+          <a:fontRef idx="minor">
+            <a:schemeClr val="lt1"/>
+          </a:fontRef>
+        </p:style>
+      </p:cxnSp>
+      <p:cxnSp>
+        <p:nvCxnSpPr>
+          <p:cNvPr id="436" name="Straight Arrow Connector 435"/>
+          <p:cNvCxnSpPr/>
+          <p:nvPr/>
+        </p:nvCxnSpPr>
+        <p:spPr>
+          <a:xfrm flipH="1">
+            <a:off x="1744371" y="1128845"/>
+            <a:ext cx="8766" cy="1142959"/>
+          </a:xfrm>
+          <a:prstGeom prst="straightConnector1">
             <a:avLst/>
           </a:prstGeom>
           <a:ln w="38100">
             <a:solidFill>
-              <a:schemeClr val="tx1"/>
+              <a:schemeClr val="accent1">
+                <a:lumMod val="50000"/>
+              </a:schemeClr>
             </a:solidFill>
-            <a:prstDash val="sysDash"/>
+            <a:prstDash val="sysDot"/>
             <a:tailEnd type="arrow"/>
           </a:ln>
         </p:spPr>
@@ -5225,26 +6306,28 @@
       </p:cxnSp>
       <p:cxnSp>
         <p:nvCxnSpPr>
-          <p:cNvPr id="221" name="Elbow Connector 220"/>
+          <p:cNvPr id="437" name="Elbow Connector 436"/>
           <p:cNvCxnSpPr>
-            <a:stCxn id="211" idx="2"/>
-            <a:endCxn id="219" idx="1"/>
+            <a:stCxn id="422" idx="3"/>
+            <a:endCxn id="430" idx="0"/>
           </p:cNvCxnSpPr>
           <p:nvPr/>
         </p:nvCxnSpPr>
         <p:spPr>
-          <a:xfrm rot="16200000" flipH="1">
-            <a:off x="1443902" y="3392309"/>
-            <a:ext cx="954280" cy="2176685"/>
+          <a:xfrm>
+            <a:off x="3276960" y="905139"/>
+            <a:ext cx="1591920" cy="1398576"/>
           </a:xfrm>
           <a:prstGeom prst="bentConnector2">
             <a:avLst/>
           </a:prstGeom>
           <a:ln w="38100">
             <a:solidFill>
-              <a:schemeClr val="tx1"/>
+              <a:schemeClr val="accent1">
+                <a:lumMod val="50000"/>
+              </a:schemeClr>
             </a:solidFill>
-            <a:prstDash val="sysDash"/>
+            <a:prstDash val="sysDot"/>
             <a:tailEnd type="arrow"/>
           </a:ln>
         </p:spPr>
@@ -5265,30 +6348,38 @@
       </p:cxnSp>
       <p:sp>
         <p:nvSpPr>
-          <p:cNvPr id="222" name="Folded Corner 221"/>
+          <p:cNvPr id="438" name="Diamond 437"/>
           <p:cNvSpPr/>
           <p:nvPr/>
         </p:nvSpPr>
         <p:spPr>
           <a:xfrm>
-            <a:off x="5528526" y="3684109"/>
-            <a:ext cx="1466850" cy="609600"/>
-          </a:xfrm>
-          <a:prstGeom prst="foldedCorner">
+            <a:off x="6628461" y="3027566"/>
+            <a:ext cx="336757" cy="253395"/>
+          </a:xfrm>
+          <a:prstGeom prst="diamond">
             <a:avLst/>
           </a:prstGeom>
+          <a:solidFill>
+            <a:srgbClr val="92D050"/>
+          </a:solidFill>
+          <a:ln>
+            <a:solidFill>
+              <a:srgbClr val="00B050"/>
+            </a:solidFill>
+          </a:ln>
         </p:spPr>
         <p:style>
           <a:lnRef idx="2">
-            <a:schemeClr val="accent4">
+            <a:schemeClr val="accent6">
               <a:shade val="50000"/>
             </a:schemeClr>
           </a:lnRef>
           <a:fillRef idx="1">
-            <a:schemeClr val="accent4"/>
+            <a:schemeClr val="accent6"/>
           </a:fillRef>
           <a:effectRef idx="0">
-            <a:schemeClr val="accent4"/>
+            <a:schemeClr val="accent6"/>
           </a:effectRef>
           <a:fontRef idx="minor">
             <a:schemeClr val="lt1"/>
@@ -5299,61 +6390,94 @@
           <a:lstStyle/>
           <a:p>
             <a:pPr algn="ctr"/>
-            <a:r>
-              <a:rPr lang="en-US" sz="1600" b="1" dirty="0" smtClean="0"/>
-              <a:t>_xyz_.</a:t>
-            </a:r>
-            <a:r>
-              <a:rPr lang="en-US" sz="1600" b="1" dirty="0" err="1" smtClean="0"/>
-              <a:t>jsp</a:t>
-            </a:r>
-            <a:endParaRPr lang="en-SG" sz="1600" b="1" dirty="0"/>
-          </a:p>
-        </p:txBody>
-      </p:sp>
-      <p:sp>
-        <p:nvSpPr>
-          <p:cNvPr id="223" name="Folded Corner 222"/>
-          <p:cNvSpPr/>
+            <a:endParaRPr lang="en-SG" sz="1600" b="1"/>
+          </a:p>
+        </p:txBody>
+      </p:sp>
+      <p:cxnSp>
+        <p:nvCxnSpPr>
+          <p:cNvPr id="439" name="Straight Arrow Connector 438"/>
+          <p:cNvCxnSpPr>
+            <a:stCxn id="438" idx="3"/>
+            <a:endCxn id="395" idx="1"/>
+          </p:cNvCxnSpPr>
           <p:nvPr/>
-        </p:nvSpPr>
-        <p:spPr>
-          <a:xfrm>
-            <a:off x="5606860" y="3738592"/>
-            <a:ext cx="1466850" cy="609600"/>
-          </a:xfrm>
-          <a:prstGeom prst="foldedCorner">
+        </p:nvCxnSpPr>
+        <p:spPr>
+          <a:xfrm flipV="1">
+            <a:off x="6965218" y="3149717"/>
+            <a:ext cx="378613" cy="4547"/>
+          </a:xfrm>
+          <a:prstGeom prst="straightConnector1">
             <a:avLst/>
           </a:prstGeom>
+          <a:solidFill>
+            <a:srgbClr val="92D050"/>
+          </a:solidFill>
+          <a:ln>
+            <a:solidFill>
+              <a:srgbClr val="00B050"/>
+            </a:solidFill>
+            <a:headEnd type="none" w="med" len="med"/>
+            <a:tailEnd type="arrow" w="med" len="med"/>
+          </a:ln>
         </p:spPr>
         <p:style>
           <a:lnRef idx="2">
-            <a:schemeClr val="accent4">
+            <a:schemeClr val="accent6">
               <a:shade val="50000"/>
             </a:schemeClr>
           </a:lnRef>
           <a:fillRef idx="1">
-            <a:schemeClr val="accent4"/>
+            <a:schemeClr val="accent6"/>
           </a:fillRef>
           <a:effectRef idx="0">
-            <a:schemeClr val="accent4"/>
+            <a:schemeClr val="accent6"/>
           </a:effectRef>
           <a:fontRef idx="minor">
             <a:schemeClr val="lt1"/>
           </a:fontRef>
         </p:style>
+      </p:cxnSp>
+      <p:sp>
+        <p:nvSpPr>
+          <p:cNvPr id="440" name="Rectangle 439"/>
+          <p:cNvSpPr/>
+          <p:nvPr/>
+        </p:nvSpPr>
+        <p:spPr>
+          <a:xfrm rot="16200000">
+            <a:off x="-358134" y="2443117"/>
+            <a:ext cx="1877932" cy="377438"/>
+          </a:xfrm>
+          <a:prstGeom prst="rect">
+            <a:avLst/>
+          </a:prstGeom>
+        </p:spPr>
+        <p:style>
+          <a:lnRef idx="2">
+            <a:schemeClr val="accent2">
+              <a:shade val="50000"/>
+            </a:schemeClr>
+          </a:lnRef>
+          <a:fillRef idx="1">
+            <a:schemeClr val="accent2"/>
+          </a:fillRef>
+          <a:effectRef idx="0">
+            <a:schemeClr val="accent2"/>
+          </a:effectRef>
+          <a:fontRef idx="minor">
+            <a:schemeClr val="lt1"/>
+          </a:fontRef>
+        </p:style>
         <p:txBody>
           <a:bodyPr rtlCol="0" anchor="ctr"/>
           <a:lstStyle/>
           <a:p>
             <a:pPr algn="ctr"/>
             <a:r>
-              <a:rPr lang="en-US" sz="1600" b="1" dirty="0" smtClean="0"/>
-              <a:t>_xyz_.</a:t>
-            </a:r>
-            <a:r>
               <a:rPr lang="en-US" sz="1600" b="1" dirty="0" err="1" smtClean="0"/>
-              <a:t>jsp</a:t>
+              <a:t>HttpServletRequest</a:t>
             </a:r>
             <a:endParaRPr lang="en-SG" sz="1600" b="1" dirty="0"/>
           </a:p>
@@ -5361,27 +6485,25 @@
       </p:sp>
       <p:cxnSp>
         <p:nvCxnSpPr>
-          <p:cNvPr id="224" name="Elbow Connector 223"/>
+          <p:cNvPr id="441" name="Elbow Connector 440"/>
           <p:cNvCxnSpPr>
-            <a:stCxn id="197" idx="3"/>
-            <a:endCxn id="202" idx="1"/>
+            <a:stCxn id="440" idx="3"/>
+            <a:endCxn id="422" idx="1"/>
           </p:cNvCxnSpPr>
           <p:nvPr/>
         </p:nvCxnSpPr>
         <p:spPr>
-          <a:xfrm flipV="1">
-            <a:off x="4263231" y="1445535"/>
-            <a:ext cx="1217670" cy="2071"/>
-          </a:xfrm>
-          <a:prstGeom prst="bentConnector3">
-            <a:avLst>
-              <a:gd name="adj1" fmla="val 50000"/>
-            </a:avLst>
+          <a:xfrm rot="5400000" flipH="1" flipV="1">
+            <a:off x="671282" y="814690"/>
+            <a:ext cx="787731" cy="968630"/>
+          </a:xfrm>
+          <a:prstGeom prst="bentConnector2">
+            <a:avLst/>
           </a:prstGeom>
           <a:ln w="38100">
             <a:solidFill>
-              <a:schemeClr val="accent2">
-                <a:lumMod val="75000"/>
+              <a:schemeClr val="accent1">
+                <a:lumMod val="50000"/>
               </a:schemeClr>
             </a:solidFill>
             <a:prstDash val="sysDot"/>
@@ -5405,25 +6527,25 @@
       </p:cxnSp>
       <p:cxnSp>
         <p:nvCxnSpPr>
-          <p:cNvPr id="225" name="Elbow Connector 224"/>
-          <p:cNvCxnSpPr>
-            <a:stCxn id="197" idx="0"/>
-          </p:cNvCxnSpPr>
+          <p:cNvPr id="442" name="Straight Arrow Connector 441"/>
+          <p:cNvCxnSpPr/>
           <p:nvPr/>
         </p:nvCxnSpPr>
         <p:spPr>
-          <a:xfrm rot="5400000" flipH="1" flipV="1">
-            <a:off x="5640019" y="-982296"/>
-            <a:ext cx="130970" cy="4351396"/>
-          </a:xfrm>
-          <a:prstGeom prst="bentConnector2">
+          <a:xfrm flipV="1">
+            <a:off x="3031670" y="2472559"/>
+            <a:ext cx="1142953" cy="4758"/>
+          </a:xfrm>
+          <a:prstGeom prst="straightConnector1">
             <a:avLst/>
           </a:prstGeom>
           <a:ln w="38100">
             <a:solidFill>
-              <a:schemeClr val="tx1"/>
+              <a:schemeClr val="accent2">
+                <a:lumMod val="75000"/>
+              </a:schemeClr>
             </a:solidFill>
-            <a:prstDash val="sysDash"/>
+            <a:prstDash val="sysDot"/>
             <a:tailEnd type="arrow"/>
           </a:ln>
         </p:spPr>
@@ -5444,31 +6566,21 @@
       </p:cxnSp>
       <p:sp>
         <p:nvSpPr>
-          <p:cNvPr id="226" name="Rounded Rectangle 225"/>
-          <p:cNvSpPr/>
+          <p:cNvPr id="443" name="TextBox 442"/>
+          <p:cNvSpPr txBox="1"/>
           <p:nvPr/>
         </p:nvSpPr>
         <p:spPr>
           <a:xfrm>
-            <a:off x="7881200" y="114387"/>
-            <a:ext cx="914400" cy="5525997"/>
-          </a:xfrm>
-          <a:prstGeom prst="roundRect">
-            <a:avLst>
-              <a:gd name="adj" fmla="val 23209"/>
-            </a:avLst>
+            <a:off x="3031670" y="2472559"/>
+            <a:ext cx="1066800" cy="307777"/>
+          </a:xfrm>
+          <a:prstGeom prst="rect">
+            <a:avLst/>
           </a:prstGeom>
-          <a:solidFill>
-            <a:schemeClr val="bg1">
-              <a:lumMod val="85000"/>
-            </a:schemeClr>
-          </a:solidFill>
+          <a:grpFill/>
           <a:ln>
-            <a:solidFill>
-              <a:schemeClr val="bg1">
-                <a:lumMod val="75000"/>
-              </a:schemeClr>
-            </a:solidFill>
+            <a:noFill/>
           </a:ln>
         </p:spPr>
         <p:style>
@@ -5488,41 +6600,143 @@
           </a:fontRef>
         </p:style>
         <p:txBody>
-          <a:bodyPr vert="vert270" rtlCol="0" anchor="t" anchorCtr="1"/>
-          <a:lstStyle/>
-          <a:p>
-            <a:pPr algn="r"/>
-            <a:r>
-              <a:rPr lang="en-US" sz="1600" b="1" dirty="0" smtClean="0"/>
-              <a:t>Logic</a:t>
-            </a:r>
-            <a:endParaRPr lang="en-SG" sz="1600" b="1" dirty="0"/>
-          </a:p>
-        </p:txBody>
-      </p:sp>
-      <p:sp>
-        <p:nvSpPr>
-          <p:cNvPr id="227" name="Rectangle 226"/>
+          <a:bodyPr rtlCol="0" anchor="t" anchorCtr="0"/>
+          <a:lstStyle>
+            <a:defPPr>
+              <a:defRPr lang="en-US"/>
+            </a:defPPr>
+            <a:lvl1pPr algn="r">
+              <a:defRPr sz="1400" b="1">
+                <a:solidFill>
+                  <a:schemeClr val="accent2">
+                    <a:lumMod val="75000"/>
+                  </a:schemeClr>
+                </a:solidFill>
+              </a:defRPr>
+            </a:lvl1pPr>
+          </a:lstStyle>
+          <a:p>
+            <a:r>
+              <a:rPr lang="en-US" dirty="0"/>
+              <a:t>&lt;&lt;create&gt;&gt;</a:t>
+            </a:r>
+            <a:endParaRPr lang="en-SG" dirty="0"/>
+          </a:p>
+        </p:txBody>
+      </p:sp>
+      <p:sp>
+        <p:nvSpPr>
+          <p:cNvPr id="444" name="Rectangle 443"/>
           <p:cNvSpPr/>
           <p:nvPr/>
         </p:nvSpPr>
         <p:spPr>
           <a:xfrm>
-            <a:off x="8338400" y="-36513"/>
-            <a:ext cx="609600" cy="5867400"/>
+            <a:off x="4902785" y="4020655"/>
+            <a:ext cx="1894054" cy="377438"/>
           </a:xfrm>
           <a:prstGeom prst="rect">
             <a:avLst/>
           </a:prstGeom>
           <a:solidFill>
-            <a:schemeClr val="bg1"/>
+            <a:srgbClr val="92D050"/>
           </a:solidFill>
+          <a:ln>
+            <a:solidFill>
+              <a:srgbClr val="00B050"/>
+            </a:solidFill>
+          </a:ln>
+        </p:spPr>
+        <p:style>
+          <a:lnRef idx="2">
+            <a:schemeClr val="accent6">
+              <a:shade val="50000"/>
+            </a:schemeClr>
+          </a:lnRef>
+          <a:fillRef idx="1">
+            <a:schemeClr val="accent6"/>
+          </a:fillRef>
+          <a:effectRef idx="0">
+            <a:schemeClr val="accent6"/>
+          </a:effectRef>
+          <a:fontRef idx="minor">
+            <a:schemeClr val="lt1"/>
+          </a:fontRef>
+        </p:style>
+        <p:txBody>
+          <a:bodyPr rtlCol="0" anchor="ctr"/>
+          <a:lstStyle/>
+          <a:p>
+            <a:pPr algn="ctr"/>
+            <a:r>
+              <a:rPr lang="en-US" sz="1600" b="1" dirty="0" err="1" smtClean="0"/>
+              <a:t>FileDownloadResult</a:t>
+            </a:r>
+            <a:endParaRPr lang="en-SG" sz="1600" b="1" dirty="0"/>
+          </a:p>
+        </p:txBody>
+      </p:sp>
+      <p:cxnSp>
+        <p:nvCxnSpPr>
+          <p:cNvPr id="445" name="Elbow Connector 444"/>
+          <p:cNvCxnSpPr>
+            <a:stCxn id="433" idx="3"/>
+            <a:endCxn id="444" idx="1"/>
+          </p:cNvCxnSpPr>
+          <p:nvPr/>
+        </p:nvCxnSpPr>
+        <p:spPr>
+          <a:xfrm rot="16200000" flipH="1">
+            <a:off x="4049336" y="3355925"/>
+            <a:ext cx="1314738" cy="392160"/>
+          </a:xfrm>
+          <a:prstGeom prst="bentConnector2">
+            <a:avLst/>
+          </a:prstGeom>
+          <a:solidFill>
+            <a:srgbClr val="92D050"/>
+          </a:solidFill>
+          <a:ln>
+            <a:solidFill>
+              <a:srgbClr val="00B050"/>
+            </a:solidFill>
+          </a:ln>
+        </p:spPr>
+        <p:style>
+          <a:lnRef idx="2">
+            <a:schemeClr val="accent6">
+              <a:shade val="50000"/>
+            </a:schemeClr>
+          </a:lnRef>
+          <a:fillRef idx="1">
+            <a:schemeClr val="accent6"/>
+          </a:fillRef>
+          <a:effectRef idx="0">
+            <a:schemeClr val="accent6"/>
+          </a:effectRef>
+          <a:fontRef idx="minor">
+            <a:schemeClr val="lt1"/>
+          </a:fontRef>
+        </p:style>
+      </p:cxnSp>
+      <p:sp>
+        <p:nvSpPr>
+          <p:cNvPr id="446" name="TextBox 445"/>
+          <p:cNvSpPr txBox="1"/>
+          <p:nvPr/>
+        </p:nvSpPr>
+        <p:spPr>
+          <a:xfrm>
+            <a:off x="3581937" y="587364"/>
+            <a:ext cx="1066800" cy="307777"/>
+          </a:xfrm>
+          <a:prstGeom prst="rect">
+            <a:avLst/>
+          </a:prstGeom>
+          <a:grpFill/>
           <a:ln>
             <a:noFill/>
           </a:ln>
-          <a:effectLst>
-            <a:softEdge rad="63500"/>
-          </a:effectLst>
         </p:spPr>
         <p:style>
           <a:lnRef idx="2">
@@ -5541,188 +6755,298 @@
           </a:fontRef>
         </p:style>
         <p:txBody>
-          <a:bodyPr rtlCol="0" anchor="ctr"/>
-          <a:lstStyle/>
-          <a:p>
-            <a:pPr algn="ctr"/>
-            <a:endParaRPr lang="en-SG"/>
-          </a:p>
-        </p:txBody>
-      </p:sp>
-      <p:sp>
-        <p:nvSpPr>
-          <p:cNvPr id="230" name="Rectangle 229"/>
-          <p:cNvSpPr/>
+          <a:bodyPr rtlCol="0" anchor="t" anchorCtr="0"/>
+          <a:lstStyle>
+            <a:defPPr>
+              <a:defRPr lang="en-US"/>
+            </a:defPPr>
+            <a:lvl1pPr algn="r">
+              <a:defRPr sz="1400" b="1">
+                <a:solidFill>
+                  <a:schemeClr val="accent2">
+                    <a:lumMod val="75000"/>
+                  </a:schemeClr>
+                </a:solidFill>
+              </a:defRPr>
+            </a:lvl1pPr>
+          </a:lstStyle>
+          <a:p>
+            <a:r>
+              <a:rPr lang="en-US" dirty="0">
+                <a:solidFill>
+                  <a:schemeClr val="accent1">
+                    <a:lumMod val="50000"/>
+                  </a:schemeClr>
+                </a:solidFill>
+              </a:rPr>
+              <a:t>s</a:t>
+            </a:r>
+            <a:r>
+              <a:rPr lang="en-US" dirty="0" smtClean="0">
+                <a:solidFill>
+                  <a:schemeClr val="accent1">
+                    <a:lumMod val="50000"/>
+                  </a:schemeClr>
+                </a:solidFill>
+              </a:rPr>
+              <a:t>ends back</a:t>
+            </a:r>
+            <a:endParaRPr lang="en-SG" dirty="0">
+              <a:solidFill>
+                <a:schemeClr val="accent1">
+                  <a:lumMod val="50000"/>
+                </a:schemeClr>
+              </a:solidFill>
+            </a:endParaRPr>
+          </a:p>
+        </p:txBody>
+      </p:sp>
+      <p:sp>
+        <p:nvSpPr>
+          <p:cNvPr id="447" name="TextBox 446"/>
+          <p:cNvSpPr txBox="1"/>
           <p:nvPr/>
         </p:nvSpPr>
         <p:spPr>
           <a:xfrm>
-            <a:off x="2702894" y="594519"/>
-            <a:ext cx="1466850" cy="377438"/>
+            <a:off x="199428" y="597362"/>
+            <a:ext cx="954683" cy="307777"/>
           </a:xfrm>
           <a:prstGeom prst="rect">
             <a:avLst/>
           </a:prstGeom>
+          <a:grpFill/>
+          <a:ln>
+            <a:noFill/>
+          </a:ln>
         </p:spPr>
         <p:style>
           <a:lnRef idx="2">
-            <a:schemeClr val="accent6">
+            <a:schemeClr val="accent1">
               <a:shade val="50000"/>
             </a:schemeClr>
           </a:lnRef>
           <a:fillRef idx="1">
-            <a:schemeClr val="accent6"/>
+            <a:schemeClr val="accent1"/>
           </a:fillRef>
           <a:effectRef idx="0">
-            <a:schemeClr val="accent6"/>
+            <a:schemeClr val="accent1"/>
           </a:effectRef>
           <a:fontRef idx="minor">
             <a:schemeClr val="lt1"/>
           </a:fontRef>
         </p:style>
         <p:txBody>
-          <a:bodyPr rtlCol="0" anchor="ctr"/>
-          <a:lstStyle/>
-          <a:p>
-            <a:pPr algn="ctr"/>
-            <a:r>
-              <a:rPr lang="en-US" sz="1600" b="1" dirty="0" err="1"/>
-              <a:t>LoginFilter</a:t>
-            </a:r>
-            <a:endParaRPr lang="en-SG" sz="1600" b="1" dirty="0"/>
-          </a:p>
-        </p:txBody>
-      </p:sp>
-      <p:sp>
-        <p:nvSpPr>
-          <p:cNvPr id="232" name="Rectangle 231"/>
-          <p:cNvSpPr/>
+          <a:bodyPr rtlCol="0" anchor="t" anchorCtr="0"/>
+          <a:lstStyle>
+            <a:defPPr>
+              <a:defRPr lang="en-US"/>
+            </a:defPPr>
+            <a:lvl1pPr algn="r">
+              <a:defRPr sz="1400" b="1">
+                <a:solidFill>
+                  <a:schemeClr val="accent2">
+                    <a:lumMod val="75000"/>
+                  </a:schemeClr>
+                </a:solidFill>
+              </a:defRPr>
+            </a:lvl1pPr>
+          </a:lstStyle>
+          <a:p>
+            <a:r>
+              <a:rPr lang="en-US" dirty="0" smtClean="0">
+                <a:solidFill>
+                  <a:schemeClr val="accent1">
+                    <a:lumMod val="50000"/>
+                  </a:schemeClr>
+                </a:solidFill>
+              </a:rPr>
+              <a:t>receives</a:t>
+            </a:r>
+            <a:endParaRPr lang="en-SG" dirty="0">
+              <a:solidFill>
+                <a:schemeClr val="accent1">
+                  <a:lumMod val="50000"/>
+                </a:schemeClr>
+              </a:solidFill>
+            </a:endParaRPr>
+          </a:p>
+        </p:txBody>
+      </p:sp>
+      <p:sp>
+        <p:nvSpPr>
+          <p:cNvPr id="448" name="TextBox 447"/>
+          <p:cNvSpPr txBox="1"/>
           <p:nvPr/>
         </p:nvSpPr>
         <p:spPr>
-          <a:xfrm>
-            <a:off x="2770973" y="2030054"/>
-            <a:ext cx="1466850" cy="609600"/>
+          <a:xfrm rot="16200000">
+            <a:off x="1323781" y="1388548"/>
+            <a:ext cx="555264" cy="307777"/>
           </a:xfrm>
           <a:prstGeom prst="rect">
             <a:avLst/>
           </a:prstGeom>
+          <a:grpFill/>
+          <a:ln>
+            <a:noFill/>
+          </a:ln>
         </p:spPr>
         <p:style>
           <a:lnRef idx="2">
-            <a:schemeClr val="accent2">
+            <a:schemeClr val="accent1">
               <a:shade val="50000"/>
             </a:schemeClr>
           </a:lnRef>
           <a:fillRef idx="1">
-            <a:schemeClr val="accent2"/>
+            <a:schemeClr val="accent1"/>
           </a:fillRef>
           <a:effectRef idx="0">
-            <a:schemeClr val="accent2"/>
+            <a:schemeClr val="accent1"/>
           </a:effectRef>
           <a:fontRef idx="minor">
             <a:schemeClr val="lt1"/>
           </a:fontRef>
         </p:style>
         <p:txBody>
-          <a:bodyPr rtlCol="0" anchor="ctr"/>
-          <a:lstStyle/>
-          <a:p>
-            <a:pPr algn="ctr"/>
-            <a:r>
-              <a:rPr lang="en-US" sz="1600" b="1" dirty="0" smtClean="0"/>
-              <a:t>_</a:t>
-            </a:r>
-            <a:r>
-              <a:rPr lang="en-US" sz="1600" b="1" dirty="0" err="1" smtClean="0"/>
-              <a:t>xyz_Servlet</a:t>
-            </a:r>
-            <a:endParaRPr lang="en-SG" sz="1600" b="1" dirty="0"/>
-          </a:p>
-        </p:txBody>
-      </p:sp>
-      <p:sp>
-        <p:nvSpPr>
-          <p:cNvPr id="233" name="Rectangle 232"/>
-          <p:cNvSpPr/>
+          <a:bodyPr rtlCol="0" anchor="t" anchorCtr="0"/>
+          <a:lstStyle>
+            <a:defPPr>
+              <a:defRPr lang="en-US"/>
+            </a:defPPr>
+            <a:lvl1pPr algn="r">
+              <a:defRPr sz="1400" b="1">
+                <a:solidFill>
+                  <a:schemeClr val="accent2">
+                    <a:lumMod val="75000"/>
+                  </a:schemeClr>
+                </a:solidFill>
+              </a:defRPr>
+            </a:lvl1pPr>
+          </a:lstStyle>
+          <a:p>
+            <a:r>
+              <a:rPr lang="en-US" dirty="0" smtClean="0">
+                <a:solidFill>
+                  <a:schemeClr val="accent1">
+                    <a:lumMod val="50000"/>
+                  </a:schemeClr>
+                </a:solidFill>
+              </a:rPr>
+              <a:t>uses</a:t>
+            </a:r>
+            <a:endParaRPr lang="en-SG" dirty="0">
+              <a:solidFill>
+                <a:schemeClr val="accent1">
+                  <a:lumMod val="50000"/>
+                </a:schemeClr>
+              </a:solidFill>
+            </a:endParaRPr>
+          </a:p>
+        </p:txBody>
+      </p:sp>
+      <p:sp>
+        <p:nvSpPr>
+          <p:cNvPr id="449" name="TextBox 448"/>
+          <p:cNvSpPr txBox="1"/>
           <p:nvPr/>
         </p:nvSpPr>
         <p:spPr>
-          <a:xfrm>
-            <a:off x="2833175" y="2071119"/>
-            <a:ext cx="1466850" cy="609600"/>
+          <a:xfrm rot="16200000">
+            <a:off x="99025" y="4233862"/>
+            <a:ext cx="655837" cy="307777"/>
           </a:xfrm>
           <a:prstGeom prst="rect">
             <a:avLst/>
           </a:prstGeom>
+          <a:grpFill/>
+          <a:ln>
+            <a:noFill/>
+          </a:ln>
         </p:spPr>
         <p:style>
           <a:lnRef idx="2">
-            <a:schemeClr val="accent2">
+            <a:schemeClr val="accent1">
               <a:shade val="50000"/>
             </a:schemeClr>
           </a:lnRef>
           <a:fillRef idx="1">
-            <a:schemeClr val="accent2"/>
+            <a:schemeClr val="accent1"/>
           </a:fillRef>
           <a:effectRef idx="0">
-            <a:schemeClr val="accent2"/>
+            <a:schemeClr val="accent1"/>
           </a:effectRef>
           <a:fontRef idx="minor">
             <a:schemeClr val="lt1"/>
           </a:fontRef>
         </p:style>
         <p:txBody>
-          <a:bodyPr rtlCol="0" anchor="ctr"/>
-          <a:lstStyle/>
-          <a:p>
-            <a:pPr algn="ctr"/>
-            <a:r>
-              <a:rPr lang="en-US" sz="1600" b="1" dirty="0" smtClean="0"/>
-              <a:t>_</a:t>
-            </a:r>
-            <a:r>
-              <a:rPr lang="en-US" sz="1600" b="1" dirty="0" err="1" smtClean="0"/>
-              <a:t>xyz_Servlet</a:t>
-            </a:r>
-            <a:endParaRPr lang="en-SG" sz="1600" b="1" dirty="0"/>
-          </a:p>
-        </p:txBody>
-      </p:sp>
-      <p:sp>
-        <p:nvSpPr>
-          <p:cNvPr id="237" name="Rectangle 236"/>
+          <a:bodyPr rtlCol="0" anchor="t" anchorCtr="0"/>
+          <a:lstStyle>
+            <a:defPPr>
+              <a:defRPr lang="en-US"/>
+            </a:defPPr>
+            <a:lvl1pPr algn="r">
+              <a:defRPr sz="1400" b="1">
+                <a:solidFill>
+                  <a:schemeClr val="accent2">
+                    <a:lumMod val="75000"/>
+                  </a:schemeClr>
+                </a:solidFill>
+              </a:defRPr>
+            </a:lvl1pPr>
+          </a:lstStyle>
+          <a:p>
+            <a:r>
+              <a:rPr lang="en-US" dirty="0" smtClean="0">
+                <a:solidFill>
+                  <a:schemeClr val="tx1"/>
+                </a:solidFill>
+              </a:rPr>
+              <a:t>sends</a:t>
+            </a:r>
+            <a:endParaRPr lang="en-SG" dirty="0">
+              <a:solidFill>
+                <a:schemeClr val="tx1"/>
+              </a:solidFill>
+            </a:endParaRPr>
+          </a:p>
+        </p:txBody>
+      </p:sp>
+      <p:sp>
+        <p:nvSpPr>
+          <p:cNvPr id="450" name="Flowchart: Extract 449"/>
           <p:cNvSpPr/>
           <p:nvPr/>
         </p:nvSpPr>
         <p:spPr>
-          <a:xfrm>
-            <a:off x="5526281" y="2022345"/>
-            <a:ext cx="1466850" cy="609600"/>
-          </a:xfrm>
-          <a:prstGeom prst="rect">
+          <a:xfrm rot="16200000">
+            <a:off x="274106" y="703700"/>
+            <a:ext cx="155075" cy="122330"/>
+          </a:xfrm>
+          <a:prstGeom prst="flowChartExtract">
             <a:avLst/>
           </a:prstGeom>
           <a:solidFill>
-            <a:srgbClr val="92D050"/>
+            <a:schemeClr val="accent1">
+              <a:lumMod val="50000"/>
+            </a:schemeClr>
           </a:solidFill>
           <a:ln>
-            <a:solidFill>
-              <a:srgbClr val="00B050"/>
-            </a:solidFill>
+            <a:noFill/>
           </a:ln>
         </p:spPr>
         <p:style>
           <a:lnRef idx="2">
-            <a:schemeClr val="accent6">
+            <a:schemeClr val="accent1">
               <a:shade val="50000"/>
             </a:schemeClr>
           </a:lnRef>
           <a:fillRef idx="1">
-            <a:schemeClr val="accent6"/>
+            <a:schemeClr val="accent1"/>
           </a:fillRef>
           <a:effectRef idx="0">
-            <a:schemeClr val="accent6"/>
+            <a:schemeClr val="accent1"/>
           </a:effectRef>
           <a:fontRef idx="minor">
             <a:schemeClr val="lt1"/>
@@ -5733,52 +7057,44 @@
           <a:lstStyle/>
           <a:p>
             <a:pPr algn="ctr"/>
-            <a:r>
-              <a:rPr lang="en-US" sz="1600" b="1" dirty="0" smtClean="0"/>
-              <a:t>_</a:t>
-            </a:r>
-            <a:r>
-              <a:rPr lang="en-US" sz="1600" b="1" dirty="0" err="1" smtClean="0"/>
-              <a:t>xyz_Helper</a:t>
-            </a:r>
-            <a:endParaRPr lang="en-SG" sz="1600" b="1" dirty="0"/>
-          </a:p>
-        </p:txBody>
-      </p:sp>
-      <p:sp>
-        <p:nvSpPr>
-          <p:cNvPr id="238" name="Rectangle 237"/>
+            <a:endParaRPr lang="en-SG"/>
+          </a:p>
+        </p:txBody>
+      </p:sp>
+      <p:sp>
+        <p:nvSpPr>
+          <p:cNvPr id="451" name="Flowchart: Extract 450"/>
           <p:cNvSpPr/>
           <p:nvPr/>
         </p:nvSpPr>
         <p:spPr>
-          <a:xfrm>
-            <a:off x="5604235" y="2065429"/>
-            <a:ext cx="1466850" cy="609600"/>
-          </a:xfrm>
-          <a:prstGeom prst="rect">
+          <a:xfrm rot="10800000">
+            <a:off x="1533878" y="1716697"/>
+            <a:ext cx="155075" cy="122330"/>
+          </a:xfrm>
+          <a:prstGeom prst="flowChartExtract">
             <a:avLst/>
           </a:prstGeom>
           <a:solidFill>
-            <a:srgbClr val="92D050"/>
+            <a:schemeClr val="accent1">
+              <a:lumMod val="50000"/>
+            </a:schemeClr>
           </a:solidFill>
           <a:ln>
-            <a:solidFill>
-              <a:srgbClr val="00B050"/>
-            </a:solidFill>
+            <a:noFill/>
           </a:ln>
         </p:spPr>
         <p:style>
           <a:lnRef idx="2">
-            <a:schemeClr val="accent6">
+            <a:schemeClr val="accent1">
               <a:shade val="50000"/>
             </a:schemeClr>
           </a:lnRef>
           <a:fillRef idx="1">
-            <a:schemeClr val="accent6"/>
+            <a:schemeClr val="accent1"/>
           </a:fillRef>
           <a:effectRef idx="0">
-            <a:schemeClr val="accent6"/>
+            <a:schemeClr val="accent1"/>
           </a:effectRef>
           <a:fontRef idx="minor">
             <a:schemeClr val="lt1"/>
@@ -5789,15 +7105,101 @@
           <a:lstStyle/>
           <a:p>
             <a:pPr algn="ctr"/>
-            <a:r>
-              <a:rPr lang="en-US" sz="1600" b="1" dirty="0" smtClean="0"/>
-              <a:t>_</a:t>
-            </a:r>
-            <a:r>
-              <a:rPr lang="en-US" sz="1600" b="1" dirty="0" err="1" smtClean="0"/>
-              <a:t>xyz_Helper</a:t>
-            </a:r>
-            <a:endParaRPr lang="en-SG" sz="1600" b="1" dirty="0"/>
+            <a:endParaRPr lang="en-SG"/>
+          </a:p>
+        </p:txBody>
+      </p:sp>
+      <p:sp>
+        <p:nvSpPr>
+          <p:cNvPr id="452" name="Flowchart: Extract 451"/>
+          <p:cNvSpPr/>
+          <p:nvPr/>
+        </p:nvSpPr>
+        <p:spPr>
+          <a:xfrm rot="5400000" flipH="1">
+            <a:off x="4566740" y="703699"/>
+            <a:ext cx="155075" cy="122330"/>
+          </a:xfrm>
+          <a:prstGeom prst="flowChartExtract">
+            <a:avLst/>
+          </a:prstGeom>
+          <a:solidFill>
+            <a:schemeClr val="accent1">
+              <a:lumMod val="50000"/>
+            </a:schemeClr>
+          </a:solidFill>
+          <a:ln>
+            <a:noFill/>
+          </a:ln>
+        </p:spPr>
+        <p:style>
+          <a:lnRef idx="2">
+            <a:schemeClr val="accent1">
+              <a:shade val="50000"/>
+            </a:schemeClr>
+          </a:lnRef>
+          <a:fillRef idx="1">
+            <a:schemeClr val="accent1"/>
+          </a:fillRef>
+          <a:effectRef idx="0">
+            <a:schemeClr val="accent1"/>
+          </a:effectRef>
+          <a:fontRef idx="minor">
+            <a:schemeClr val="lt1"/>
+          </a:fontRef>
+        </p:style>
+        <p:txBody>
+          <a:bodyPr rtlCol="0" anchor="ctr"/>
+          <a:lstStyle/>
+          <a:p>
+            <a:pPr algn="ctr"/>
+            <a:endParaRPr lang="en-SG"/>
+          </a:p>
+        </p:txBody>
+      </p:sp>
+      <p:sp>
+        <p:nvSpPr>
+          <p:cNvPr id="453" name="Flowchart: Extract 452"/>
+          <p:cNvSpPr/>
+          <p:nvPr/>
+        </p:nvSpPr>
+        <p:spPr>
+          <a:xfrm rot="10800000" flipV="1">
+            <a:off x="372689" y="3989717"/>
+            <a:ext cx="155075" cy="122330"/>
+          </a:xfrm>
+          <a:prstGeom prst="flowChartExtract">
+            <a:avLst/>
+          </a:prstGeom>
+          <a:solidFill>
+            <a:schemeClr val="tx1"/>
+          </a:solidFill>
+          <a:ln>
+            <a:noFill/>
+          </a:ln>
+        </p:spPr>
+        <p:style>
+          <a:lnRef idx="2">
+            <a:schemeClr val="accent1">
+              <a:shade val="50000"/>
+            </a:schemeClr>
+          </a:lnRef>
+          <a:fillRef idx="1">
+            <a:schemeClr val="accent1"/>
+          </a:fillRef>
+          <a:effectRef idx="0">
+            <a:schemeClr val="accent1"/>
+          </a:effectRef>
+          <a:fontRef idx="minor">
+            <a:schemeClr val="lt1"/>
+          </a:fontRef>
+        </p:style>
+        <p:txBody>
+          <a:bodyPr rtlCol="0" anchor="ctr"/>
+          <a:lstStyle/>
+          <a:p>
+            <a:pPr algn="ctr"/>
+            <a:endParaRPr lang="en-SG"/>
           </a:p>
         </p:txBody>
       </p:sp>

--- a/doc/diagrams/UiComponent.pptx
+++ b/doc/diagrams/UiComponent.pptx
@@ -192,7 +192,7 @@
           <a:p>
             <a:fld id="{DC50A2AC-D691-437C-A69B-81ECFE08AD4B}" type="datetimeFigureOut">
               <a:rPr lang="en-SG" smtClean="0"/>
-              <a:t>5/7/2013</a:t>
+              <a:t>4/1/2014</a:t>
             </a:fld>
             <a:endParaRPr lang="en-SG"/>
           </a:p>
@@ -581,6 +581,9 @@
             <a:off x="756047" y="2125003"/>
             <a:ext cx="8568532" cy="1466283"/>
           </a:xfrm>
+          <a:prstGeom prst="rect">
+            <a:avLst/>
+          </a:prstGeom>
         </p:spPr>
         <p:txBody>
           <a:bodyPr/>
@@ -609,6 +612,9 @@
             <a:off x="1512100" y="3876307"/>
             <a:ext cx="7056437" cy="1748138"/>
           </a:xfrm>
+          <a:prstGeom prst="rect">
+            <a:avLst/>
+          </a:prstGeom>
         </p:spPr>
         <p:txBody>
           <a:bodyPr/>
@@ -723,7 +729,15 @@
             <p:ph type="dt" sz="half" idx="10"/>
           </p:nvPr>
         </p:nvSpPr>
-        <p:spPr/>
+        <p:spPr>
+          <a:xfrm>
+            <a:off x="504032" y="6340168"/>
+            <a:ext cx="2352146" cy="364195"/>
+          </a:xfrm>
+          <a:prstGeom prst="rect">
+            <a:avLst/>
+          </a:prstGeom>
+        </p:spPr>
         <p:txBody>
           <a:bodyPr/>
           <a:lstStyle/>
@@ -731,7 +745,7 @@
             <a:fld id="{1D8BD707-D9CF-40AE-B4C6-C98DA3205C09}" type="datetimeFigureOut">
               <a:rPr lang="en-US" smtClean="0"/>
               <a:pPr/>
-              <a:t>7/5/2013</a:t>
+              <a:t>1/4/2014</a:t>
             </a:fld>
             <a:endParaRPr lang="en-US"/>
           </a:p>
@@ -747,7 +761,15 @@
             <p:ph type="ftr" sz="quarter" idx="11"/>
           </p:nvPr>
         </p:nvSpPr>
-        <p:spPr/>
+        <p:spPr>
+          <a:xfrm>
+            <a:off x="3444215" y="6340168"/>
+            <a:ext cx="3192198" cy="364195"/>
+          </a:xfrm>
+          <a:prstGeom prst="rect">
+            <a:avLst/>
+          </a:prstGeom>
+        </p:spPr>
         <p:txBody>
           <a:bodyPr/>
           <a:lstStyle/>
@@ -766,7 +788,15 @@
             <p:ph type="sldNum" sz="quarter" idx="12"/>
           </p:nvPr>
         </p:nvSpPr>
-        <p:spPr/>
+        <p:spPr>
+          <a:xfrm>
+            <a:off x="7224449" y="6340168"/>
+            <a:ext cx="2352146" cy="364195"/>
+          </a:xfrm>
+          <a:prstGeom prst="rect">
+            <a:avLst/>
+          </a:prstGeom>
+        </p:spPr>
         <p:txBody>
           <a:bodyPr/>
           <a:lstStyle/>
@@ -815,7 +845,15 @@
             <p:ph type="title"/>
           </p:nvPr>
         </p:nvSpPr>
-        <p:spPr/>
+        <p:spPr>
+          <a:xfrm>
+            <a:off x="504036" y="273941"/>
+            <a:ext cx="9072563" cy="1140090"/>
+          </a:xfrm>
+          <a:prstGeom prst="rect">
+            <a:avLst/>
+          </a:prstGeom>
+        </p:spPr>
         <p:txBody>
           <a:bodyPr/>
           <a:lstStyle/>
@@ -838,7 +876,15 @@
             <p:ph type="body" orient="vert" idx="1"/>
           </p:nvPr>
         </p:nvSpPr>
-        <p:spPr/>
+        <p:spPr>
+          <a:xfrm>
+            <a:off x="504036" y="1596128"/>
+            <a:ext cx="9072563" cy="4514439"/>
+          </a:xfrm>
+          <a:prstGeom prst="rect">
+            <a:avLst/>
+          </a:prstGeom>
+        </p:spPr>
         <p:txBody>
           <a:bodyPr vert="eaVert"/>
           <a:lstStyle/>
@@ -890,7 +936,15 @@
             <p:ph type="dt" sz="half" idx="10"/>
           </p:nvPr>
         </p:nvSpPr>
-        <p:spPr/>
+        <p:spPr>
+          <a:xfrm>
+            <a:off x="504032" y="6340168"/>
+            <a:ext cx="2352146" cy="364195"/>
+          </a:xfrm>
+          <a:prstGeom prst="rect">
+            <a:avLst/>
+          </a:prstGeom>
+        </p:spPr>
         <p:txBody>
           <a:bodyPr/>
           <a:lstStyle/>
@@ -898,7 +952,7 @@
             <a:fld id="{1D8BD707-D9CF-40AE-B4C6-C98DA3205C09}" type="datetimeFigureOut">
               <a:rPr lang="en-US" smtClean="0"/>
               <a:pPr/>
-              <a:t>7/5/2013</a:t>
+              <a:t>1/4/2014</a:t>
             </a:fld>
             <a:endParaRPr lang="en-US"/>
           </a:p>
@@ -914,7 +968,15 @@
             <p:ph type="ftr" sz="quarter" idx="11"/>
           </p:nvPr>
         </p:nvSpPr>
-        <p:spPr/>
+        <p:spPr>
+          <a:xfrm>
+            <a:off x="3444215" y="6340168"/>
+            <a:ext cx="3192198" cy="364195"/>
+          </a:xfrm>
+          <a:prstGeom prst="rect">
+            <a:avLst/>
+          </a:prstGeom>
+        </p:spPr>
         <p:txBody>
           <a:bodyPr/>
           <a:lstStyle/>
@@ -933,7 +995,15 @@
             <p:ph type="sldNum" sz="quarter" idx="12"/>
           </p:nvPr>
         </p:nvSpPr>
-        <p:spPr/>
+        <p:spPr>
+          <a:xfrm>
+            <a:off x="7224449" y="6340168"/>
+            <a:ext cx="2352146" cy="364195"/>
+          </a:xfrm>
+          <a:prstGeom prst="rect">
+            <a:avLst/>
+          </a:prstGeom>
+        </p:spPr>
         <p:txBody>
           <a:bodyPr/>
           <a:lstStyle/>
@@ -987,6 +1057,9 @@
             <a:off x="7308453" y="273940"/>
             <a:ext cx="2268141" cy="5836626"/>
           </a:xfrm>
+          <a:prstGeom prst="rect">
+            <a:avLst/>
+          </a:prstGeom>
         </p:spPr>
         <p:txBody>
           <a:bodyPr vert="eaVert"/>
@@ -1015,6 +1088,9 @@
             <a:off x="504033" y="273940"/>
             <a:ext cx="6636411" cy="5836626"/>
           </a:xfrm>
+          <a:prstGeom prst="rect">
+            <a:avLst/>
+          </a:prstGeom>
         </p:spPr>
         <p:txBody>
           <a:bodyPr vert="eaVert"/>
@@ -1067,7 +1143,15 @@
             <p:ph type="dt" sz="half" idx="10"/>
           </p:nvPr>
         </p:nvSpPr>
-        <p:spPr/>
+        <p:spPr>
+          <a:xfrm>
+            <a:off x="504032" y="6340168"/>
+            <a:ext cx="2352146" cy="364195"/>
+          </a:xfrm>
+          <a:prstGeom prst="rect">
+            <a:avLst/>
+          </a:prstGeom>
+        </p:spPr>
         <p:txBody>
           <a:bodyPr/>
           <a:lstStyle/>
@@ -1075,7 +1159,7 @@
             <a:fld id="{1D8BD707-D9CF-40AE-B4C6-C98DA3205C09}" type="datetimeFigureOut">
               <a:rPr lang="en-US" smtClean="0"/>
               <a:pPr/>
-              <a:t>7/5/2013</a:t>
+              <a:t>1/4/2014</a:t>
             </a:fld>
             <a:endParaRPr lang="en-US"/>
           </a:p>
@@ -1091,7 +1175,15 @@
             <p:ph type="ftr" sz="quarter" idx="11"/>
           </p:nvPr>
         </p:nvSpPr>
-        <p:spPr/>
+        <p:spPr>
+          <a:xfrm>
+            <a:off x="3444215" y="6340168"/>
+            <a:ext cx="3192198" cy="364195"/>
+          </a:xfrm>
+          <a:prstGeom prst="rect">
+            <a:avLst/>
+          </a:prstGeom>
+        </p:spPr>
         <p:txBody>
           <a:bodyPr/>
           <a:lstStyle/>
@@ -1110,7 +1202,15 @@
             <p:ph type="sldNum" sz="quarter" idx="12"/>
           </p:nvPr>
         </p:nvSpPr>
-        <p:spPr/>
+        <p:spPr>
+          <a:xfrm>
+            <a:off x="7224449" y="6340168"/>
+            <a:ext cx="2352146" cy="364195"/>
+          </a:xfrm>
+          <a:prstGeom prst="rect">
+            <a:avLst/>
+          </a:prstGeom>
+        </p:spPr>
         <p:txBody>
           <a:bodyPr/>
           <a:lstStyle/>
@@ -1159,7 +1259,15 @@
             <p:ph type="title"/>
           </p:nvPr>
         </p:nvSpPr>
-        <p:spPr/>
+        <p:spPr>
+          <a:xfrm>
+            <a:off x="504036" y="273941"/>
+            <a:ext cx="9072563" cy="1140090"/>
+          </a:xfrm>
+          <a:prstGeom prst="rect">
+            <a:avLst/>
+          </a:prstGeom>
+        </p:spPr>
         <p:txBody>
           <a:bodyPr/>
           <a:lstStyle/>
@@ -1182,7 +1290,15 @@
             <p:ph idx="1"/>
           </p:nvPr>
         </p:nvSpPr>
-        <p:spPr/>
+        <p:spPr>
+          <a:xfrm>
+            <a:off x="504036" y="1596128"/>
+            <a:ext cx="9072563" cy="4514439"/>
+          </a:xfrm>
+          <a:prstGeom prst="rect">
+            <a:avLst/>
+          </a:prstGeom>
+        </p:spPr>
         <p:txBody>
           <a:bodyPr/>
           <a:lstStyle/>
@@ -1234,7 +1350,15 @@
             <p:ph type="dt" sz="half" idx="10"/>
           </p:nvPr>
         </p:nvSpPr>
-        <p:spPr/>
+        <p:spPr>
+          <a:xfrm>
+            <a:off x="504032" y="6340168"/>
+            <a:ext cx="2352146" cy="364195"/>
+          </a:xfrm>
+          <a:prstGeom prst="rect">
+            <a:avLst/>
+          </a:prstGeom>
+        </p:spPr>
         <p:txBody>
           <a:bodyPr/>
           <a:lstStyle/>
@@ -1242,7 +1366,7 @@
             <a:fld id="{1D8BD707-D9CF-40AE-B4C6-C98DA3205C09}" type="datetimeFigureOut">
               <a:rPr lang="en-US" smtClean="0"/>
               <a:pPr/>
-              <a:t>7/5/2013</a:t>
+              <a:t>1/4/2014</a:t>
             </a:fld>
             <a:endParaRPr lang="en-US"/>
           </a:p>
@@ -1258,7 +1382,15 @@
             <p:ph type="ftr" sz="quarter" idx="11"/>
           </p:nvPr>
         </p:nvSpPr>
-        <p:spPr/>
+        <p:spPr>
+          <a:xfrm>
+            <a:off x="3444215" y="6340168"/>
+            <a:ext cx="3192198" cy="364195"/>
+          </a:xfrm>
+          <a:prstGeom prst="rect">
+            <a:avLst/>
+          </a:prstGeom>
+        </p:spPr>
         <p:txBody>
           <a:bodyPr/>
           <a:lstStyle/>
@@ -1277,7 +1409,15 @@
             <p:ph type="sldNum" sz="quarter" idx="12"/>
           </p:nvPr>
         </p:nvSpPr>
-        <p:spPr/>
+        <p:spPr>
+          <a:xfrm>
+            <a:off x="7224449" y="6340168"/>
+            <a:ext cx="2352146" cy="364195"/>
+          </a:xfrm>
+          <a:prstGeom prst="rect">
+            <a:avLst/>
+          </a:prstGeom>
+        </p:spPr>
         <p:txBody>
           <a:bodyPr/>
           <a:lstStyle/>
@@ -1331,6 +1471,9 @@
             <a:off x="796301" y="4395682"/>
             <a:ext cx="8568532" cy="1358607"/>
           </a:xfrm>
+          <a:prstGeom prst="rect">
+            <a:avLst/>
+          </a:prstGeom>
         </p:spPr>
         <p:txBody>
           <a:bodyPr anchor="t"/>
@@ -1363,6 +1506,9 @@
             <a:off x="796301" y="2899315"/>
             <a:ext cx="8568532" cy="1496368"/>
           </a:xfrm>
+          <a:prstGeom prst="rect">
+            <a:avLst/>
+          </a:prstGeom>
         </p:spPr>
         <p:txBody>
           <a:bodyPr anchor="b"/>
@@ -1477,7 +1623,15 @@
             <p:ph type="dt" sz="half" idx="10"/>
           </p:nvPr>
         </p:nvSpPr>
-        <p:spPr/>
+        <p:spPr>
+          <a:xfrm>
+            <a:off x="504032" y="6340168"/>
+            <a:ext cx="2352146" cy="364195"/>
+          </a:xfrm>
+          <a:prstGeom prst="rect">
+            <a:avLst/>
+          </a:prstGeom>
+        </p:spPr>
         <p:txBody>
           <a:bodyPr/>
           <a:lstStyle/>
@@ -1485,7 +1639,7 @@
             <a:fld id="{1D8BD707-D9CF-40AE-B4C6-C98DA3205C09}" type="datetimeFigureOut">
               <a:rPr lang="en-US" smtClean="0"/>
               <a:pPr/>
-              <a:t>7/5/2013</a:t>
+              <a:t>1/4/2014</a:t>
             </a:fld>
             <a:endParaRPr lang="en-US"/>
           </a:p>
@@ -1501,7 +1655,15 @@
             <p:ph type="ftr" sz="quarter" idx="11"/>
           </p:nvPr>
         </p:nvSpPr>
-        <p:spPr/>
+        <p:spPr>
+          <a:xfrm>
+            <a:off x="3444215" y="6340168"/>
+            <a:ext cx="3192198" cy="364195"/>
+          </a:xfrm>
+          <a:prstGeom prst="rect">
+            <a:avLst/>
+          </a:prstGeom>
+        </p:spPr>
         <p:txBody>
           <a:bodyPr/>
           <a:lstStyle/>
@@ -1520,7 +1682,15 @@
             <p:ph type="sldNum" sz="quarter" idx="12"/>
           </p:nvPr>
         </p:nvSpPr>
-        <p:spPr/>
+        <p:spPr>
+          <a:xfrm>
+            <a:off x="7224449" y="6340168"/>
+            <a:ext cx="2352146" cy="364195"/>
+          </a:xfrm>
+          <a:prstGeom prst="rect">
+            <a:avLst/>
+          </a:prstGeom>
+        </p:spPr>
         <p:txBody>
           <a:bodyPr/>
           <a:lstStyle/>
@@ -1569,7 +1739,15 @@
             <p:ph type="title"/>
           </p:nvPr>
         </p:nvSpPr>
-        <p:spPr/>
+        <p:spPr>
+          <a:xfrm>
+            <a:off x="504036" y="273941"/>
+            <a:ext cx="9072563" cy="1140090"/>
+          </a:xfrm>
+          <a:prstGeom prst="rect">
+            <a:avLst/>
+          </a:prstGeom>
+        </p:spPr>
         <p:txBody>
           <a:bodyPr/>
           <a:lstStyle/>
@@ -1597,6 +1775,9 @@
             <a:off x="504033" y="1596128"/>
             <a:ext cx="4452276" cy="4514439"/>
           </a:xfrm>
+          <a:prstGeom prst="rect">
+            <a:avLst/>
+          </a:prstGeom>
         </p:spPr>
         <p:txBody>
           <a:bodyPr/>
@@ -1682,6 +1863,9 @@
             <a:off x="5124318" y="1596128"/>
             <a:ext cx="4452276" cy="4514439"/>
           </a:xfrm>
+          <a:prstGeom prst="rect">
+            <a:avLst/>
+          </a:prstGeom>
         </p:spPr>
         <p:txBody>
           <a:bodyPr/>
@@ -1762,7 +1946,15 @@
             <p:ph type="dt" sz="half" idx="10"/>
           </p:nvPr>
         </p:nvSpPr>
-        <p:spPr/>
+        <p:spPr>
+          <a:xfrm>
+            <a:off x="504032" y="6340168"/>
+            <a:ext cx="2352146" cy="364195"/>
+          </a:xfrm>
+          <a:prstGeom prst="rect">
+            <a:avLst/>
+          </a:prstGeom>
+        </p:spPr>
         <p:txBody>
           <a:bodyPr/>
           <a:lstStyle/>
@@ -1770,7 +1962,7 @@
             <a:fld id="{1D8BD707-D9CF-40AE-B4C6-C98DA3205C09}" type="datetimeFigureOut">
               <a:rPr lang="en-US" smtClean="0"/>
               <a:pPr/>
-              <a:t>7/5/2013</a:t>
+              <a:t>1/4/2014</a:t>
             </a:fld>
             <a:endParaRPr lang="en-US"/>
           </a:p>
@@ -1786,7 +1978,15 @@
             <p:ph type="ftr" sz="quarter" idx="11"/>
           </p:nvPr>
         </p:nvSpPr>
-        <p:spPr/>
+        <p:spPr>
+          <a:xfrm>
+            <a:off x="3444215" y="6340168"/>
+            <a:ext cx="3192198" cy="364195"/>
+          </a:xfrm>
+          <a:prstGeom prst="rect">
+            <a:avLst/>
+          </a:prstGeom>
+        </p:spPr>
         <p:txBody>
           <a:bodyPr/>
           <a:lstStyle/>
@@ -1805,7 +2005,15 @@
             <p:ph type="sldNum" sz="quarter" idx="12"/>
           </p:nvPr>
         </p:nvSpPr>
-        <p:spPr/>
+        <p:spPr>
+          <a:xfrm>
+            <a:off x="7224449" y="6340168"/>
+            <a:ext cx="2352146" cy="364195"/>
+          </a:xfrm>
+          <a:prstGeom prst="rect">
+            <a:avLst/>
+          </a:prstGeom>
+        </p:spPr>
         <p:txBody>
           <a:bodyPr/>
           <a:lstStyle/>
@@ -1854,7 +2062,15 @@
             <p:ph type="title"/>
           </p:nvPr>
         </p:nvSpPr>
-        <p:spPr/>
+        <p:spPr>
+          <a:xfrm>
+            <a:off x="504036" y="273941"/>
+            <a:ext cx="9072563" cy="1140090"/>
+          </a:xfrm>
+          <a:prstGeom prst="rect">
+            <a:avLst/>
+          </a:prstGeom>
+        </p:spPr>
         <p:txBody>
           <a:bodyPr/>
           <a:lstStyle>
@@ -1886,6 +2102,9 @@
             <a:off x="504034" y="1531204"/>
             <a:ext cx="4454027" cy="638133"/>
           </a:xfrm>
+          <a:prstGeom prst="rect">
+            <a:avLst/>
+          </a:prstGeom>
         </p:spPr>
         <p:txBody>
           <a:bodyPr anchor="b"/>
@@ -1951,6 +2170,9 @@
             <a:off x="504034" y="2169341"/>
             <a:ext cx="4454027" cy="3941227"/>
           </a:xfrm>
+          <a:prstGeom prst="rect">
+            <a:avLst/>
+          </a:prstGeom>
         </p:spPr>
         <p:txBody>
           <a:bodyPr/>
@@ -2036,6 +2258,9 @@
             <a:off x="5120820" y="1531204"/>
             <a:ext cx="4455776" cy="638133"/>
           </a:xfrm>
+          <a:prstGeom prst="rect">
+            <a:avLst/>
+          </a:prstGeom>
         </p:spPr>
         <p:txBody>
           <a:bodyPr anchor="b"/>
@@ -2101,6 +2326,9 @@
             <a:off x="5120820" y="2169341"/>
             <a:ext cx="4455776" cy="3941227"/>
           </a:xfrm>
+          <a:prstGeom prst="rect">
+            <a:avLst/>
+          </a:prstGeom>
         </p:spPr>
         <p:txBody>
           <a:bodyPr/>
@@ -2181,7 +2409,15 @@
             <p:ph type="dt" sz="half" idx="10"/>
           </p:nvPr>
         </p:nvSpPr>
-        <p:spPr/>
+        <p:spPr>
+          <a:xfrm>
+            <a:off x="504032" y="6340168"/>
+            <a:ext cx="2352146" cy="364195"/>
+          </a:xfrm>
+          <a:prstGeom prst="rect">
+            <a:avLst/>
+          </a:prstGeom>
+        </p:spPr>
         <p:txBody>
           <a:bodyPr/>
           <a:lstStyle/>
@@ -2189,7 +2425,7 @@
             <a:fld id="{1D8BD707-D9CF-40AE-B4C6-C98DA3205C09}" type="datetimeFigureOut">
               <a:rPr lang="en-US" smtClean="0"/>
               <a:pPr/>
-              <a:t>7/5/2013</a:t>
+              <a:t>1/4/2014</a:t>
             </a:fld>
             <a:endParaRPr lang="en-US"/>
           </a:p>
@@ -2205,7 +2441,15 @@
             <p:ph type="ftr" sz="quarter" idx="11"/>
           </p:nvPr>
         </p:nvSpPr>
-        <p:spPr/>
+        <p:spPr>
+          <a:xfrm>
+            <a:off x="3444215" y="6340168"/>
+            <a:ext cx="3192198" cy="364195"/>
+          </a:xfrm>
+          <a:prstGeom prst="rect">
+            <a:avLst/>
+          </a:prstGeom>
+        </p:spPr>
         <p:txBody>
           <a:bodyPr/>
           <a:lstStyle/>
@@ -2224,7 +2468,15 @@
             <p:ph type="sldNum" sz="quarter" idx="12"/>
           </p:nvPr>
         </p:nvSpPr>
-        <p:spPr/>
+        <p:spPr>
+          <a:xfrm>
+            <a:off x="7224449" y="6340168"/>
+            <a:ext cx="2352146" cy="364195"/>
+          </a:xfrm>
+          <a:prstGeom prst="rect">
+            <a:avLst/>
+          </a:prstGeom>
+        </p:spPr>
         <p:txBody>
           <a:bodyPr/>
           <a:lstStyle/>
@@ -2273,7 +2525,15 @@
             <p:ph type="title"/>
           </p:nvPr>
         </p:nvSpPr>
-        <p:spPr/>
+        <p:spPr>
+          <a:xfrm>
+            <a:off x="504036" y="273941"/>
+            <a:ext cx="9072563" cy="1140090"/>
+          </a:xfrm>
+          <a:prstGeom prst="rect">
+            <a:avLst/>
+          </a:prstGeom>
+        </p:spPr>
         <p:txBody>
           <a:bodyPr/>
           <a:lstStyle/>
@@ -2296,7 +2556,15 @@
             <p:ph type="dt" sz="half" idx="10"/>
           </p:nvPr>
         </p:nvSpPr>
-        <p:spPr/>
+        <p:spPr>
+          <a:xfrm>
+            <a:off x="504032" y="6340168"/>
+            <a:ext cx="2352146" cy="364195"/>
+          </a:xfrm>
+          <a:prstGeom prst="rect">
+            <a:avLst/>
+          </a:prstGeom>
+        </p:spPr>
         <p:txBody>
           <a:bodyPr/>
           <a:lstStyle/>
@@ -2304,7 +2572,7 @@
             <a:fld id="{1D8BD707-D9CF-40AE-B4C6-C98DA3205C09}" type="datetimeFigureOut">
               <a:rPr lang="en-US" smtClean="0"/>
               <a:pPr/>
-              <a:t>7/5/2013</a:t>
+              <a:t>1/4/2014</a:t>
             </a:fld>
             <a:endParaRPr lang="en-US"/>
           </a:p>
@@ -2320,7 +2588,15 @@
             <p:ph type="ftr" sz="quarter" idx="11"/>
           </p:nvPr>
         </p:nvSpPr>
-        <p:spPr/>
+        <p:spPr>
+          <a:xfrm>
+            <a:off x="3444215" y="6340168"/>
+            <a:ext cx="3192198" cy="364195"/>
+          </a:xfrm>
+          <a:prstGeom prst="rect">
+            <a:avLst/>
+          </a:prstGeom>
+        </p:spPr>
         <p:txBody>
           <a:bodyPr/>
           <a:lstStyle/>
@@ -2339,7 +2615,15 @@
             <p:ph type="sldNum" sz="quarter" idx="12"/>
           </p:nvPr>
         </p:nvSpPr>
-        <p:spPr/>
+        <p:spPr>
+          <a:xfrm>
+            <a:off x="7224449" y="6340168"/>
+            <a:ext cx="2352146" cy="364195"/>
+          </a:xfrm>
+          <a:prstGeom prst="rect">
+            <a:avLst/>
+          </a:prstGeom>
+        </p:spPr>
         <p:txBody>
           <a:bodyPr/>
           <a:lstStyle/>
@@ -2388,7 +2672,15 @@
             <p:ph type="dt" sz="half" idx="10"/>
           </p:nvPr>
         </p:nvSpPr>
-        <p:spPr/>
+        <p:spPr>
+          <a:xfrm>
+            <a:off x="504032" y="6340168"/>
+            <a:ext cx="2352146" cy="364195"/>
+          </a:xfrm>
+          <a:prstGeom prst="rect">
+            <a:avLst/>
+          </a:prstGeom>
+        </p:spPr>
         <p:txBody>
           <a:bodyPr/>
           <a:lstStyle/>
@@ -2396,7 +2688,7 @@
             <a:fld id="{1D8BD707-D9CF-40AE-B4C6-C98DA3205C09}" type="datetimeFigureOut">
               <a:rPr lang="en-US" smtClean="0"/>
               <a:pPr/>
-              <a:t>7/5/2013</a:t>
+              <a:t>1/4/2014</a:t>
             </a:fld>
             <a:endParaRPr lang="en-US"/>
           </a:p>
@@ -2412,7 +2704,15 @@
             <p:ph type="ftr" sz="quarter" idx="11"/>
           </p:nvPr>
         </p:nvSpPr>
-        <p:spPr/>
+        <p:spPr>
+          <a:xfrm>
+            <a:off x="3444215" y="6340168"/>
+            <a:ext cx="3192198" cy="364195"/>
+          </a:xfrm>
+          <a:prstGeom prst="rect">
+            <a:avLst/>
+          </a:prstGeom>
+        </p:spPr>
         <p:txBody>
           <a:bodyPr/>
           <a:lstStyle/>
@@ -2431,7 +2731,15 @@
             <p:ph type="sldNum" sz="quarter" idx="12"/>
           </p:nvPr>
         </p:nvSpPr>
-        <p:spPr/>
+        <p:spPr>
+          <a:xfrm>
+            <a:off x="7224449" y="6340168"/>
+            <a:ext cx="2352146" cy="364195"/>
+          </a:xfrm>
+          <a:prstGeom prst="rect">
+            <a:avLst/>
+          </a:prstGeom>
+        </p:spPr>
         <p:txBody>
           <a:bodyPr/>
           <a:lstStyle/>
@@ -2485,6 +2793,9 @@
             <a:off x="504032" y="272356"/>
             <a:ext cx="3316457" cy="1159092"/>
           </a:xfrm>
+          <a:prstGeom prst="rect">
+            <a:avLst/>
+          </a:prstGeom>
         </p:spPr>
         <p:txBody>
           <a:bodyPr anchor="b"/>
@@ -2517,6 +2828,9 @@
             <a:off x="3941245" y="272355"/>
             <a:ext cx="5635350" cy="5838209"/>
           </a:xfrm>
+          <a:prstGeom prst="rect">
+            <a:avLst/>
+          </a:prstGeom>
         </p:spPr>
         <p:txBody>
           <a:bodyPr/>
@@ -2602,6 +2916,9 @@
             <a:off x="504032" y="1431446"/>
             <a:ext cx="3316457" cy="4679118"/>
           </a:xfrm>
+          <a:prstGeom prst="rect">
+            <a:avLst/>
+          </a:prstGeom>
         </p:spPr>
         <p:txBody>
           <a:bodyPr/>
@@ -2662,7 +2979,15 @@
             <p:ph type="dt" sz="half" idx="10"/>
           </p:nvPr>
         </p:nvSpPr>
-        <p:spPr/>
+        <p:spPr>
+          <a:xfrm>
+            <a:off x="504032" y="6340168"/>
+            <a:ext cx="2352146" cy="364195"/>
+          </a:xfrm>
+          <a:prstGeom prst="rect">
+            <a:avLst/>
+          </a:prstGeom>
+        </p:spPr>
         <p:txBody>
           <a:bodyPr/>
           <a:lstStyle/>
@@ -2670,7 +2995,7 @@
             <a:fld id="{1D8BD707-D9CF-40AE-B4C6-C98DA3205C09}" type="datetimeFigureOut">
               <a:rPr lang="en-US" smtClean="0"/>
               <a:pPr/>
-              <a:t>7/5/2013</a:t>
+              <a:t>1/4/2014</a:t>
             </a:fld>
             <a:endParaRPr lang="en-US"/>
           </a:p>
@@ -2686,7 +3011,15 @@
             <p:ph type="ftr" sz="quarter" idx="11"/>
           </p:nvPr>
         </p:nvSpPr>
-        <p:spPr/>
+        <p:spPr>
+          <a:xfrm>
+            <a:off x="3444215" y="6340168"/>
+            <a:ext cx="3192198" cy="364195"/>
+          </a:xfrm>
+          <a:prstGeom prst="rect">
+            <a:avLst/>
+          </a:prstGeom>
+        </p:spPr>
         <p:txBody>
           <a:bodyPr/>
           <a:lstStyle/>
@@ -2705,7 +3038,15 @@
             <p:ph type="sldNum" sz="quarter" idx="12"/>
           </p:nvPr>
         </p:nvSpPr>
-        <p:spPr/>
+        <p:spPr>
+          <a:xfrm>
+            <a:off x="7224449" y="6340168"/>
+            <a:ext cx="2352146" cy="364195"/>
+          </a:xfrm>
+          <a:prstGeom prst="rect">
+            <a:avLst/>
+          </a:prstGeom>
+        </p:spPr>
         <p:txBody>
           <a:bodyPr/>
           <a:lstStyle/>
@@ -2759,6 +3100,9 @@
             <a:off x="1975877" y="4788378"/>
             <a:ext cx="6048375" cy="565295"/>
           </a:xfrm>
+          <a:prstGeom prst="rect">
+            <a:avLst/>
+          </a:prstGeom>
         </p:spPr>
         <p:txBody>
           <a:bodyPr anchor="b"/>
@@ -2791,6 +3135,9 @@
             <a:off x="1975877" y="611217"/>
             <a:ext cx="6048375" cy="4104323"/>
           </a:xfrm>
+          <a:prstGeom prst="rect">
+            <a:avLst/>
+          </a:prstGeom>
         </p:spPr>
         <p:txBody>
           <a:bodyPr/>
@@ -2852,6 +3199,9 @@
             <a:off x="1975877" y="5353674"/>
             <a:ext cx="6048375" cy="802813"/>
           </a:xfrm>
+          <a:prstGeom prst="rect">
+            <a:avLst/>
+          </a:prstGeom>
         </p:spPr>
         <p:txBody>
           <a:bodyPr/>
@@ -2912,7 +3262,15 @@
             <p:ph type="dt" sz="half" idx="10"/>
           </p:nvPr>
         </p:nvSpPr>
-        <p:spPr/>
+        <p:spPr>
+          <a:xfrm>
+            <a:off x="504032" y="6340168"/>
+            <a:ext cx="2352146" cy="364195"/>
+          </a:xfrm>
+          <a:prstGeom prst="rect">
+            <a:avLst/>
+          </a:prstGeom>
+        </p:spPr>
         <p:txBody>
           <a:bodyPr/>
           <a:lstStyle/>
@@ -2920,7 +3278,7 @@
             <a:fld id="{1D8BD707-D9CF-40AE-B4C6-C98DA3205C09}" type="datetimeFigureOut">
               <a:rPr lang="en-US" smtClean="0"/>
               <a:pPr/>
-              <a:t>7/5/2013</a:t>
+              <a:t>1/4/2014</a:t>
             </a:fld>
             <a:endParaRPr lang="en-US"/>
           </a:p>
@@ -2936,7 +3294,15 @@
             <p:ph type="ftr" sz="quarter" idx="11"/>
           </p:nvPr>
         </p:nvSpPr>
-        <p:spPr/>
+        <p:spPr>
+          <a:xfrm>
+            <a:off x="3444215" y="6340168"/>
+            <a:ext cx="3192198" cy="364195"/>
+          </a:xfrm>
+          <a:prstGeom prst="rect">
+            <a:avLst/>
+          </a:prstGeom>
+        </p:spPr>
         <p:txBody>
           <a:bodyPr/>
           <a:lstStyle/>
@@ -2955,7 +3321,15 @@
             <p:ph type="sldNum" sz="quarter" idx="12"/>
           </p:nvPr>
         </p:nvSpPr>
-        <p:spPr/>
+        <p:spPr>
+          <a:xfrm>
+            <a:off x="7224449" y="6340168"/>
+            <a:ext cx="2352146" cy="364195"/>
+          </a:xfrm>
+          <a:prstGeom prst="rect">
+            <a:avLst/>
+          </a:prstGeom>
+        </p:spPr>
         <p:txBody>
           <a:bodyPr/>
           <a:lstStyle/>
@@ -3001,217 +3375,462 @@
       </p:grpSpPr>
       <p:sp>
         <p:nvSpPr>
-          <p:cNvPr id="2" name="Title Placeholder 1"/>
-          <p:cNvSpPr>
-            <a:spLocks noGrp="1"/>
-          </p:cNvSpPr>
-          <p:nvPr>
-            <p:ph type="title"/>
-          </p:nvPr>
-        </p:nvSpPr>
-        <p:spPr>
-          <a:xfrm>
-            <a:off x="504036" y="273941"/>
-            <a:ext cx="9072563" cy="1140090"/>
-          </a:xfrm>
-          <a:prstGeom prst="rect">
-            <a:avLst/>
-          </a:prstGeom>
-        </p:spPr>
-        <p:txBody>
-          <a:bodyPr vert="horz" lIns="84344" tIns="42172" rIns="84344" bIns="42172" rtlCol="0" anchor="ctr">
-            <a:normAutofit/>
-          </a:bodyPr>
-          <a:lstStyle/>
-          <a:p>
-            <a:r>
-              <a:rPr lang="en-US" smtClean="0"/>
-              <a:t>Click to edit Master title style</a:t>
-            </a:r>
-            <a:endParaRPr lang="en-US"/>
-          </a:p>
-        </p:txBody>
-      </p:sp>
-      <p:sp>
-        <p:nvSpPr>
-          <p:cNvPr id="3" name="Text Placeholder 2"/>
-          <p:cNvSpPr>
-            <a:spLocks noGrp="1"/>
-          </p:cNvSpPr>
-          <p:nvPr>
-            <p:ph type="body" idx="1"/>
-          </p:nvPr>
-        </p:nvSpPr>
-        <p:spPr>
-          <a:xfrm>
-            <a:off x="504036" y="1596128"/>
-            <a:ext cx="9072563" cy="4514439"/>
-          </a:xfrm>
-          <a:prstGeom prst="rect">
-            <a:avLst/>
-          </a:prstGeom>
-        </p:spPr>
-        <p:txBody>
-          <a:bodyPr vert="horz" lIns="84344" tIns="42172" rIns="84344" bIns="42172" rtlCol="0">
-            <a:normAutofit/>
-          </a:bodyPr>
-          <a:lstStyle/>
-          <a:p>
-            <a:pPr lvl="0"/>
-            <a:r>
-              <a:rPr lang="en-US" smtClean="0"/>
-              <a:t>Click to edit Master text styles</a:t>
-            </a:r>
-          </a:p>
-          <a:p>
-            <a:pPr lvl="1"/>
-            <a:r>
-              <a:rPr lang="en-US" smtClean="0"/>
-              <a:t>Second level</a:t>
-            </a:r>
-          </a:p>
-          <a:p>
-            <a:pPr lvl="2"/>
-            <a:r>
-              <a:rPr lang="en-US" smtClean="0"/>
-              <a:t>Third level</a:t>
-            </a:r>
-          </a:p>
-          <a:p>
-            <a:pPr lvl="3"/>
-            <a:r>
-              <a:rPr lang="en-US" smtClean="0"/>
-              <a:t>Fourth level</a:t>
-            </a:r>
-          </a:p>
-          <a:p>
-            <a:pPr lvl="4"/>
-            <a:r>
-              <a:rPr lang="en-US" smtClean="0"/>
-              <a:t>Fifth level</a:t>
-            </a:r>
-            <a:endParaRPr lang="en-US"/>
-          </a:p>
-        </p:txBody>
-      </p:sp>
-      <p:sp>
-        <p:nvSpPr>
-          <p:cNvPr id="4" name="Date Placeholder 3"/>
-          <p:cNvSpPr>
-            <a:spLocks noGrp="1"/>
-          </p:cNvSpPr>
-          <p:nvPr>
-            <p:ph type="dt" sz="half" idx="2"/>
-          </p:nvPr>
-        </p:nvSpPr>
-        <p:spPr>
-          <a:xfrm>
-            <a:off x="504032" y="6340168"/>
-            <a:ext cx="2352146" cy="364195"/>
-          </a:xfrm>
-          <a:prstGeom prst="rect">
-            <a:avLst/>
-          </a:prstGeom>
-        </p:spPr>
-        <p:txBody>
-          <a:bodyPr vert="horz" lIns="84344" tIns="42172" rIns="84344" bIns="42172" rtlCol="0" anchor="ctr"/>
-          <a:lstStyle>
-            <a:lvl1pPr algn="l">
-              <a:defRPr sz="1100">
+          <p:cNvPr id="8" name="Rounded Rectangle 7"/>
+          <p:cNvSpPr/>
+          <p:nvPr userDrawn="1"/>
+        </p:nvSpPr>
+        <p:spPr>
+          <a:xfrm>
+            <a:off x="1151740" y="143669"/>
+            <a:ext cx="8155772" cy="6553200"/>
+          </a:xfrm>
+          <a:prstGeom prst="roundRect">
+            <a:avLst>
+              <a:gd name="adj" fmla="val 3583"/>
+            </a:avLst>
+          </a:prstGeom>
+          <a:solidFill>
+            <a:schemeClr val="accent1">
+              <a:lumMod val="40000"/>
+              <a:lumOff val="60000"/>
+            </a:schemeClr>
+          </a:solidFill>
+          <a:ln>
+            <a:solidFill>
+              <a:schemeClr val="accent1">
+                <a:lumMod val="60000"/>
+                <a:lumOff val="40000"/>
+              </a:schemeClr>
+            </a:solidFill>
+          </a:ln>
+        </p:spPr>
+        <p:style>
+          <a:lnRef idx="2">
+            <a:schemeClr val="accent1">
+              <a:shade val="50000"/>
+            </a:schemeClr>
+          </a:lnRef>
+          <a:fillRef idx="1">
+            <a:schemeClr val="accent1"/>
+          </a:fillRef>
+          <a:effectRef idx="0">
+            <a:schemeClr val="accent1"/>
+          </a:effectRef>
+          <a:fontRef idx="minor">
+            <a:schemeClr val="lt1"/>
+          </a:fontRef>
+        </p:style>
+        <p:txBody>
+          <a:bodyPr rtlCol="0" anchor="t" anchorCtr="1"/>
+          <a:lstStyle/>
+          <a:p>
+            <a:pPr algn="ctr"/>
+            <a:r>
+              <a:rPr lang="en-US" sz="1600" b="1" dirty="0" smtClean="0"/>
+              <a:t>UI</a:t>
+            </a:r>
+            <a:endParaRPr lang="en-SG" sz="1600" b="1" dirty="0"/>
+          </a:p>
+        </p:txBody>
+      </p:sp>
+      <p:grpSp>
+        <p:nvGrpSpPr>
+          <p:cNvPr id="9" name="Group 8"/>
+          <p:cNvGrpSpPr/>
+          <p:nvPr userDrawn="1"/>
+        </p:nvGrpSpPr>
+        <p:grpSpPr>
+          <a:xfrm>
+            <a:off x="1309431" y="372269"/>
+            <a:ext cx="7806050" cy="4191000"/>
+            <a:chOff x="-4503450" y="1371600"/>
+            <a:chExt cx="5646450" cy="4191000"/>
+          </a:xfrm>
+          <a:solidFill>
+            <a:schemeClr val="bg1"/>
+          </a:solidFill>
+        </p:grpSpPr>
+        <p:sp>
+          <p:nvSpPr>
+            <p:cNvPr id="10" name="Rectangle 9"/>
+            <p:cNvSpPr/>
+            <p:nvPr/>
+          </p:nvSpPr>
+          <p:spPr>
+            <a:xfrm>
+              <a:off x="-4503450" y="1523999"/>
+              <a:ext cx="5646449" cy="4038601"/>
+            </a:xfrm>
+            <a:prstGeom prst="rect">
+              <a:avLst/>
+            </a:prstGeom>
+            <a:grpFill/>
+            <a:ln>
+              <a:solidFill>
+                <a:schemeClr val="tx2">
+                  <a:lumMod val="40000"/>
+                  <a:lumOff val="60000"/>
+                </a:schemeClr>
+              </a:solidFill>
+            </a:ln>
+          </p:spPr>
+          <p:style>
+            <a:lnRef idx="2">
+              <a:schemeClr val="accent1">
+                <a:shade val="50000"/>
+              </a:schemeClr>
+            </a:lnRef>
+            <a:fillRef idx="1">
+              <a:schemeClr val="accent1"/>
+            </a:fillRef>
+            <a:effectRef idx="0">
+              <a:schemeClr val="accent1"/>
+            </a:effectRef>
+            <a:fontRef idx="minor">
+              <a:schemeClr val="lt1"/>
+            </a:fontRef>
+          </p:style>
+          <p:txBody>
+            <a:bodyPr rtlCol="0" anchor="t" anchorCtr="0"/>
+            <a:lstStyle/>
+            <a:p>
+              <a:pPr algn="ctr"/>
+              <a:r>
+                <a:rPr lang="en-US" sz="1400" b="1" dirty="0" smtClean="0">
+                  <a:solidFill>
+                    <a:schemeClr val="tx2"/>
+                  </a:solidFill>
+                </a:rPr>
+                <a:t>                                                                                           </a:t>
+              </a:r>
+              <a:r>
+                <a:rPr lang="en-US" sz="1400" b="1" dirty="0" err="1" smtClean="0">
+                  <a:solidFill>
+                    <a:schemeClr val="tx2"/>
+                  </a:solidFill>
+                </a:rPr>
+                <a:t>ui</a:t>
+              </a:r>
+              <a:r>
+                <a:rPr lang="en-US" sz="1400" b="1" dirty="0" smtClean="0">
+                  <a:solidFill>
+                    <a:schemeClr val="tx2"/>
+                  </a:solidFill>
+                </a:rPr>
+                <a:t>::controller</a:t>
+              </a:r>
+              <a:endParaRPr lang="en-SG" sz="1400" b="1" dirty="0">
                 <a:solidFill>
-                  <a:schemeClr val="tx1">
-                    <a:tint val="75000"/>
-                  </a:schemeClr>
+                  <a:schemeClr val="tx2"/>
                 </a:solidFill>
-              </a:defRPr>
-            </a:lvl1pPr>
-          </a:lstStyle>
-          <a:p>
-            <a:fld id="{1D8BD707-D9CF-40AE-B4C6-C98DA3205C09}" type="datetimeFigureOut">
-              <a:rPr lang="en-US" smtClean="0"/>
-              <a:pPr/>
-              <a:t>7/5/2013</a:t>
-            </a:fld>
-            <a:endParaRPr lang="en-US"/>
-          </a:p>
-        </p:txBody>
-      </p:sp>
-      <p:sp>
-        <p:nvSpPr>
-          <p:cNvPr id="5" name="Footer Placeholder 4"/>
-          <p:cNvSpPr>
-            <a:spLocks noGrp="1"/>
-          </p:cNvSpPr>
-          <p:nvPr>
-            <p:ph type="ftr" sz="quarter" idx="3"/>
-          </p:nvPr>
-        </p:nvSpPr>
-        <p:spPr>
-          <a:xfrm>
-            <a:off x="3444215" y="6340168"/>
-            <a:ext cx="3192198" cy="364195"/>
-          </a:xfrm>
-          <a:prstGeom prst="rect">
-            <a:avLst/>
-          </a:prstGeom>
-        </p:spPr>
-        <p:txBody>
-          <a:bodyPr vert="horz" lIns="84344" tIns="42172" rIns="84344" bIns="42172" rtlCol="0" anchor="ctr"/>
-          <a:lstStyle>
-            <a:lvl1pPr algn="ctr">
-              <a:defRPr sz="1100">
+              </a:endParaRPr>
+            </a:p>
+          </p:txBody>
+        </p:sp>
+        <p:sp>
+          <p:nvSpPr>
+            <p:cNvPr id="11" name="Rectangle 10"/>
+            <p:cNvSpPr/>
+            <p:nvPr/>
+          </p:nvSpPr>
+          <p:spPr>
+            <a:xfrm>
+              <a:off x="647700" y="1371600"/>
+              <a:ext cx="495300" cy="152400"/>
+            </a:xfrm>
+            <a:prstGeom prst="rect">
+              <a:avLst/>
+            </a:prstGeom>
+            <a:grpFill/>
+            <a:ln>
+              <a:solidFill>
+                <a:schemeClr val="tx2">
+                  <a:lumMod val="40000"/>
+                  <a:lumOff val="60000"/>
+                </a:schemeClr>
+              </a:solidFill>
+            </a:ln>
+          </p:spPr>
+          <p:style>
+            <a:lnRef idx="2">
+              <a:schemeClr val="accent1">
+                <a:shade val="50000"/>
+              </a:schemeClr>
+            </a:lnRef>
+            <a:fillRef idx="1">
+              <a:schemeClr val="accent1"/>
+            </a:fillRef>
+            <a:effectRef idx="0">
+              <a:schemeClr val="accent1"/>
+            </a:effectRef>
+            <a:fontRef idx="minor">
+              <a:schemeClr val="lt1"/>
+            </a:fontRef>
+          </p:style>
+          <p:txBody>
+            <a:bodyPr rtlCol="0" anchor="t" anchorCtr="0"/>
+            <a:lstStyle/>
+            <a:p>
+              <a:endParaRPr lang="en-SG" sz="1400" b="1">
                 <a:solidFill>
-                  <a:schemeClr val="tx1">
-                    <a:tint val="75000"/>
-                  </a:schemeClr>
+                  <a:schemeClr val="tx2"/>
                 </a:solidFill>
-              </a:defRPr>
-            </a:lvl1pPr>
-          </a:lstStyle>
-          <a:p>
-            <a:endParaRPr lang="en-US"/>
-          </a:p>
-        </p:txBody>
-      </p:sp>
-      <p:sp>
-        <p:nvSpPr>
-          <p:cNvPr id="6" name="Slide Number Placeholder 5"/>
-          <p:cNvSpPr>
-            <a:spLocks noGrp="1"/>
-          </p:cNvSpPr>
-          <p:nvPr>
-            <p:ph type="sldNum" sz="quarter" idx="4"/>
-          </p:nvPr>
-        </p:nvSpPr>
-        <p:spPr>
-          <a:xfrm>
-            <a:off x="7224449" y="6340168"/>
-            <a:ext cx="2352146" cy="364195"/>
-          </a:xfrm>
-          <a:prstGeom prst="rect">
-            <a:avLst/>
-          </a:prstGeom>
-        </p:spPr>
-        <p:txBody>
-          <a:bodyPr vert="horz" lIns="84344" tIns="42172" rIns="84344" bIns="42172" rtlCol="0" anchor="ctr"/>
-          <a:lstStyle>
-            <a:lvl1pPr algn="r">
-              <a:defRPr sz="1100">
+              </a:endParaRPr>
+            </a:p>
+          </p:txBody>
+        </p:sp>
+      </p:grpSp>
+      <p:grpSp>
+        <p:nvGrpSpPr>
+          <p:cNvPr id="12" name="Group 11"/>
+          <p:cNvGrpSpPr/>
+          <p:nvPr userDrawn="1"/>
+        </p:nvGrpSpPr>
+        <p:grpSpPr>
+          <a:xfrm>
+            <a:off x="1309431" y="4660901"/>
+            <a:ext cx="7825099" cy="1939130"/>
+            <a:chOff x="-6244711" y="1774031"/>
+            <a:chExt cx="7387711" cy="1939130"/>
+          </a:xfrm>
+          <a:solidFill>
+            <a:schemeClr val="bg1"/>
+          </a:solidFill>
+        </p:grpSpPr>
+        <p:sp>
+          <p:nvSpPr>
+            <p:cNvPr id="13" name="Rectangle 12"/>
+            <p:cNvSpPr/>
+            <p:nvPr/>
+          </p:nvSpPr>
+          <p:spPr>
+            <a:xfrm>
+              <a:off x="-6244711" y="1926431"/>
+              <a:ext cx="7387711" cy="1786730"/>
+            </a:xfrm>
+            <a:prstGeom prst="rect">
+              <a:avLst/>
+            </a:prstGeom>
+            <a:grpFill/>
+            <a:ln>
+              <a:solidFill>
+                <a:schemeClr val="tx2">
+                  <a:lumMod val="40000"/>
+                  <a:lumOff val="60000"/>
+                </a:schemeClr>
+              </a:solidFill>
+            </a:ln>
+          </p:spPr>
+          <p:style>
+            <a:lnRef idx="2">
+              <a:schemeClr val="accent1">
+                <a:shade val="50000"/>
+              </a:schemeClr>
+            </a:lnRef>
+            <a:fillRef idx="1">
+              <a:schemeClr val="accent1"/>
+            </a:fillRef>
+            <a:effectRef idx="0">
+              <a:schemeClr val="accent1"/>
+            </a:effectRef>
+            <a:fontRef idx="minor">
+              <a:schemeClr val="lt1"/>
+            </a:fontRef>
+          </p:style>
+          <p:txBody>
+            <a:bodyPr rtlCol="0" anchor="t" anchorCtr="0"/>
+            <a:lstStyle/>
+            <a:p>
+              <a:pPr algn="ctr"/>
+              <a:r>
+                <a:rPr lang="en-US" sz="1400" b="1" dirty="0" smtClean="0">
+                  <a:solidFill>
+                    <a:schemeClr val="tx2"/>
+                  </a:solidFill>
+                </a:rPr>
+                <a:t>               </a:t>
+              </a:r>
+              <a:r>
+                <a:rPr lang="en-US" sz="1400" b="1" dirty="0" err="1" smtClean="0">
+                  <a:solidFill>
+                    <a:schemeClr val="tx2"/>
+                  </a:solidFill>
+                </a:rPr>
+                <a:t>ui</a:t>
+              </a:r>
+              <a:r>
+                <a:rPr lang="en-US" sz="1400" b="1" dirty="0" smtClean="0">
+                  <a:solidFill>
+                    <a:schemeClr val="tx2"/>
+                  </a:solidFill>
+                </a:rPr>
+                <a:t>::view</a:t>
+              </a:r>
+              <a:endParaRPr lang="en-SG" sz="1400" b="1" dirty="0">
                 <a:solidFill>
-                  <a:schemeClr val="tx1">
-                    <a:tint val="75000"/>
-                  </a:schemeClr>
+                  <a:schemeClr val="tx2"/>
                 </a:solidFill>
-              </a:defRPr>
-            </a:lvl1pPr>
-          </a:lstStyle>
-          <a:p>
-            <a:fld id="{B6F15528-21DE-4FAA-801E-634DDDAF4B2B}" type="slidenum">
-              <a:rPr lang="en-US" smtClean="0"/>
-              <a:pPr/>
-              <a:t>‹#›</a:t>
-            </a:fld>
-            <a:endParaRPr lang="en-US"/>
+              </a:endParaRPr>
+            </a:p>
+          </p:txBody>
+        </p:sp>
+        <p:sp>
+          <p:nvSpPr>
+            <p:cNvPr id="14" name="Rectangle 13"/>
+            <p:cNvSpPr/>
+            <p:nvPr/>
+          </p:nvSpPr>
+          <p:spPr>
+            <a:xfrm>
+              <a:off x="647700" y="1774031"/>
+              <a:ext cx="495300" cy="152400"/>
+            </a:xfrm>
+            <a:prstGeom prst="rect">
+              <a:avLst/>
+            </a:prstGeom>
+            <a:grpFill/>
+            <a:ln>
+              <a:solidFill>
+                <a:schemeClr val="tx2">
+                  <a:lumMod val="40000"/>
+                  <a:lumOff val="60000"/>
+                </a:schemeClr>
+              </a:solidFill>
+            </a:ln>
+          </p:spPr>
+          <p:style>
+            <a:lnRef idx="2">
+              <a:schemeClr val="accent1">
+                <a:shade val="50000"/>
+              </a:schemeClr>
+            </a:lnRef>
+            <a:fillRef idx="1">
+              <a:schemeClr val="accent1"/>
+            </a:fillRef>
+            <a:effectRef idx="0">
+              <a:schemeClr val="accent1"/>
+            </a:effectRef>
+            <a:fontRef idx="minor">
+              <a:schemeClr val="lt1"/>
+            </a:fontRef>
+          </p:style>
+          <p:txBody>
+            <a:bodyPr rtlCol="0" anchor="t" anchorCtr="0"/>
+            <a:lstStyle/>
+            <a:p>
+              <a:endParaRPr lang="en-SG" sz="1400" b="1">
+                <a:solidFill>
+                  <a:schemeClr val="tx2"/>
+                </a:solidFill>
+              </a:endParaRPr>
+            </a:p>
+          </p:txBody>
+        </p:sp>
+      </p:grpSp>
+      <p:sp>
+        <p:nvSpPr>
+          <p:cNvPr id="39" name="Rounded Rectangle 38"/>
+          <p:cNvSpPr/>
+          <p:nvPr userDrawn="1"/>
+        </p:nvSpPr>
+        <p:spPr>
+          <a:xfrm>
+            <a:off x="9514342" y="143669"/>
+            <a:ext cx="914400" cy="6591297"/>
+          </a:xfrm>
+          <a:prstGeom prst="roundRect">
+            <a:avLst>
+              <a:gd name="adj" fmla="val 23209"/>
+            </a:avLst>
+          </a:prstGeom>
+          <a:solidFill>
+            <a:schemeClr val="bg1">
+              <a:lumMod val="85000"/>
+            </a:schemeClr>
+          </a:solidFill>
+          <a:ln>
+            <a:solidFill>
+              <a:schemeClr val="bg1">
+                <a:lumMod val="75000"/>
+              </a:schemeClr>
+            </a:solidFill>
+          </a:ln>
+        </p:spPr>
+        <p:style>
+          <a:lnRef idx="2">
+            <a:schemeClr val="accent1">
+              <a:shade val="50000"/>
+            </a:schemeClr>
+          </a:lnRef>
+          <a:fillRef idx="1">
+            <a:schemeClr val="accent1"/>
+          </a:fillRef>
+          <a:effectRef idx="0">
+            <a:schemeClr val="accent1"/>
+          </a:effectRef>
+          <a:fontRef idx="minor">
+            <a:schemeClr val="lt1"/>
+          </a:fontRef>
+        </p:style>
+        <p:txBody>
+          <a:bodyPr vert="vert270" rtlCol="0" anchor="t" anchorCtr="1"/>
+          <a:lstStyle/>
+          <a:p>
+            <a:pPr algn="r"/>
+            <a:r>
+              <a:rPr lang="en-US" sz="1600" b="1" dirty="0" smtClean="0"/>
+              <a:t>Logic</a:t>
+            </a:r>
+            <a:endParaRPr lang="en-SG" sz="1600" b="1" dirty="0"/>
+          </a:p>
+        </p:txBody>
+      </p:sp>
+      <p:sp>
+        <p:nvSpPr>
+          <p:cNvPr id="40" name="Rectangle 39"/>
+          <p:cNvSpPr/>
+          <p:nvPr userDrawn="1"/>
+        </p:nvSpPr>
+        <p:spPr>
+          <a:xfrm>
+            <a:off x="9971542" y="-84931"/>
+            <a:ext cx="609600" cy="7010400"/>
+          </a:xfrm>
+          <a:prstGeom prst="rect">
+            <a:avLst/>
+          </a:prstGeom>
+          <a:solidFill>
+            <a:schemeClr val="bg1"/>
+          </a:solidFill>
+          <a:ln>
+            <a:noFill/>
+          </a:ln>
+          <a:effectLst>
+            <a:softEdge rad="63500"/>
+          </a:effectLst>
+        </p:spPr>
+        <p:style>
+          <a:lnRef idx="2">
+            <a:schemeClr val="accent1">
+              <a:shade val="50000"/>
+            </a:schemeClr>
+          </a:lnRef>
+          <a:fillRef idx="1">
+            <a:schemeClr val="accent1"/>
+          </a:fillRef>
+          <a:effectRef idx="0">
+            <a:schemeClr val="accent1"/>
+          </a:effectRef>
+          <a:fontRef idx="minor">
+            <a:schemeClr val="lt1"/>
+          </a:fontRef>
+        </p:style>
+        <p:txBody>
+          <a:bodyPr rtlCol="0" anchor="ctr"/>
+          <a:lstStyle/>
+          <a:p>
+            <a:pPr algn="ctr"/>
+            <a:endParaRPr lang="en-SG"/>
           </a:p>
         </p:txBody>
       </p:sp>
@@ -3555,360 +4174,6 @@
       </p:sp>
       <p:sp>
         <p:nvSpPr>
-          <p:cNvPr id="383" name="Rounded Rectangle 382"/>
-          <p:cNvSpPr/>
-          <p:nvPr/>
-        </p:nvSpPr>
-        <p:spPr>
-          <a:xfrm>
-            <a:off x="1151740" y="143669"/>
-            <a:ext cx="8155772" cy="6553200"/>
-          </a:xfrm>
-          <a:prstGeom prst="roundRect">
-            <a:avLst>
-              <a:gd name="adj" fmla="val 3583"/>
-            </a:avLst>
-          </a:prstGeom>
-          <a:solidFill>
-            <a:schemeClr val="accent1">
-              <a:lumMod val="40000"/>
-              <a:lumOff val="60000"/>
-            </a:schemeClr>
-          </a:solidFill>
-          <a:ln>
-            <a:solidFill>
-              <a:schemeClr val="accent1">
-                <a:lumMod val="60000"/>
-                <a:lumOff val="40000"/>
-              </a:schemeClr>
-            </a:solidFill>
-          </a:ln>
-        </p:spPr>
-        <p:style>
-          <a:lnRef idx="2">
-            <a:schemeClr val="accent1">
-              <a:shade val="50000"/>
-            </a:schemeClr>
-          </a:lnRef>
-          <a:fillRef idx="1">
-            <a:schemeClr val="accent1"/>
-          </a:fillRef>
-          <a:effectRef idx="0">
-            <a:schemeClr val="accent1"/>
-          </a:effectRef>
-          <a:fontRef idx="minor">
-            <a:schemeClr val="lt1"/>
-          </a:fontRef>
-        </p:style>
-        <p:txBody>
-          <a:bodyPr rtlCol="0" anchor="t" anchorCtr="1"/>
-          <a:lstStyle/>
-          <a:p>
-            <a:pPr algn="ctr"/>
-            <a:r>
-              <a:rPr lang="en-US" sz="1600" b="1" dirty="0" smtClean="0"/>
-              <a:t>UI</a:t>
-            </a:r>
-            <a:endParaRPr lang="en-SG" sz="1600" b="1" dirty="0"/>
-          </a:p>
-        </p:txBody>
-      </p:sp>
-      <p:grpSp>
-        <p:nvGrpSpPr>
-          <p:cNvPr id="384" name="Group 383"/>
-          <p:cNvGrpSpPr/>
-          <p:nvPr/>
-        </p:nvGrpSpPr>
-        <p:grpSpPr>
-          <a:xfrm>
-            <a:off x="1309431" y="372269"/>
-            <a:ext cx="7806050" cy="4191000"/>
-            <a:chOff x="-4503450" y="1371600"/>
-            <a:chExt cx="5646450" cy="4191000"/>
-          </a:xfrm>
-          <a:solidFill>
-            <a:schemeClr val="bg1"/>
-          </a:solidFill>
-        </p:grpSpPr>
-        <p:sp>
-          <p:nvSpPr>
-            <p:cNvPr id="385" name="Rectangle 384"/>
-            <p:cNvSpPr/>
-            <p:nvPr/>
-          </p:nvSpPr>
-          <p:spPr>
-            <a:xfrm>
-              <a:off x="-4503450" y="1523999"/>
-              <a:ext cx="5646449" cy="4038601"/>
-            </a:xfrm>
-            <a:prstGeom prst="rect">
-              <a:avLst/>
-            </a:prstGeom>
-            <a:grpFill/>
-            <a:ln>
-              <a:solidFill>
-                <a:schemeClr val="tx2">
-                  <a:lumMod val="40000"/>
-                  <a:lumOff val="60000"/>
-                </a:schemeClr>
-              </a:solidFill>
-            </a:ln>
-          </p:spPr>
-          <p:style>
-            <a:lnRef idx="2">
-              <a:schemeClr val="accent1">
-                <a:shade val="50000"/>
-              </a:schemeClr>
-            </a:lnRef>
-            <a:fillRef idx="1">
-              <a:schemeClr val="accent1"/>
-            </a:fillRef>
-            <a:effectRef idx="0">
-              <a:schemeClr val="accent1"/>
-            </a:effectRef>
-            <a:fontRef idx="minor">
-              <a:schemeClr val="lt1"/>
-            </a:fontRef>
-          </p:style>
-          <p:txBody>
-            <a:bodyPr rtlCol="0" anchor="t" anchorCtr="0"/>
-            <a:lstStyle/>
-            <a:p>
-              <a:pPr algn="ctr"/>
-              <a:r>
-                <a:rPr lang="en-US" sz="1400" b="1" dirty="0" smtClean="0">
-                  <a:solidFill>
-                    <a:schemeClr val="tx2"/>
-                  </a:solidFill>
-                </a:rPr>
-                <a:t>                                                                                           </a:t>
-              </a:r>
-              <a:r>
-                <a:rPr lang="en-US" sz="1400" b="1" dirty="0" err="1" smtClean="0">
-                  <a:solidFill>
-                    <a:schemeClr val="tx2"/>
-                  </a:solidFill>
-                </a:rPr>
-                <a:t>ui</a:t>
-              </a:r>
-              <a:r>
-                <a:rPr lang="en-US" sz="1400" b="1" dirty="0" smtClean="0">
-                  <a:solidFill>
-                    <a:schemeClr val="tx2"/>
-                  </a:solidFill>
-                </a:rPr>
-                <a:t>::controller</a:t>
-              </a:r>
-              <a:endParaRPr lang="en-SG" sz="1400" b="1" dirty="0">
-                <a:solidFill>
-                  <a:schemeClr val="tx2"/>
-                </a:solidFill>
-              </a:endParaRPr>
-            </a:p>
-          </p:txBody>
-        </p:sp>
-        <p:sp>
-          <p:nvSpPr>
-            <p:cNvPr id="386" name="Rectangle 385"/>
-            <p:cNvSpPr/>
-            <p:nvPr/>
-          </p:nvSpPr>
-          <p:spPr>
-            <a:xfrm>
-              <a:off x="647700" y="1371600"/>
-              <a:ext cx="495300" cy="152400"/>
-            </a:xfrm>
-            <a:prstGeom prst="rect">
-              <a:avLst/>
-            </a:prstGeom>
-            <a:grpFill/>
-            <a:ln>
-              <a:solidFill>
-                <a:schemeClr val="tx2">
-                  <a:lumMod val="40000"/>
-                  <a:lumOff val="60000"/>
-                </a:schemeClr>
-              </a:solidFill>
-            </a:ln>
-          </p:spPr>
-          <p:style>
-            <a:lnRef idx="2">
-              <a:schemeClr val="accent1">
-                <a:shade val="50000"/>
-              </a:schemeClr>
-            </a:lnRef>
-            <a:fillRef idx="1">
-              <a:schemeClr val="accent1"/>
-            </a:fillRef>
-            <a:effectRef idx="0">
-              <a:schemeClr val="accent1"/>
-            </a:effectRef>
-            <a:fontRef idx="minor">
-              <a:schemeClr val="lt1"/>
-            </a:fontRef>
-          </p:style>
-          <p:txBody>
-            <a:bodyPr rtlCol="0" anchor="t" anchorCtr="0"/>
-            <a:lstStyle/>
-            <a:p>
-              <a:endParaRPr lang="en-SG" sz="1400" b="1">
-                <a:solidFill>
-                  <a:schemeClr val="tx2"/>
-                </a:solidFill>
-              </a:endParaRPr>
-            </a:p>
-          </p:txBody>
-        </p:sp>
-      </p:grpSp>
-      <p:grpSp>
-        <p:nvGrpSpPr>
-          <p:cNvPr id="387" name="Group 386"/>
-          <p:cNvGrpSpPr/>
-          <p:nvPr/>
-        </p:nvGrpSpPr>
-        <p:grpSpPr>
-          <a:xfrm>
-            <a:off x="1309431" y="4660901"/>
-            <a:ext cx="7825099" cy="1939130"/>
-            <a:chOff x="-6244711" y="1774031"/>
-            <a:chExt cx="7387711" cy="1939130"/>
-          </a:xfrm>
-          <a:solidFill>
-            <a:schemeClr val="bg1"/>
-          </a:solidFill>
-        </p:grpSpPr>
-        <p:sp>
-          <p:nvSpPr>
-            <p:cNvPr id="388" name="Rectangle 387"/>
-            <p:cNvSpPr/>
-            <p:nvPr/>
-          </p:nvSpPr>
-          <p:spPr>
-            <a:xfrm>
-              <a:off x="-6244711" y="1926431"/>
-              <a:ext cx="7387711" cy="1786730"/>
-            </a:xfrm>
-            <a:prstGeom prst="rect">
-              <a:avLst/>
-            </a:prstGeom>
-            <a:grpFill/>
-            <a:ln>
-              <a:solidFill>
-                <a:schemeClr val="tx2">
-                  <a:lumMod val="40000"/>
-                  <a:lumOff val="60000"/>
-                </a:schemeClr>
-              </a:solidFill>
-            </a:ln>
-          </p:spPr>
-          <p:style>
-            <a:lnRef idx="2">
-              <a:schemeClr val="accent1">
-                <a:shade val="50000"/>
-              </a:schemeClr>
-            </a:lnRef>
-            <a:fillRef idx="1">
-              <a:schemeClr val="accent1"/>
-            </a:fillRef>
-            <a:effectRef idx="0">
-              <a:schemeClr val="accent1"/>
-            </a:effectRef>
-            <a:fontRef idx="minor">
-              <a:schemeClr val="lt1"/>
-            </a:fontRef>
-          </p:style>
-          <p:txBody>
-            <a:bodyPr rtlCol="0" anchor="t" anchorCtr="0"/>
-            <a:lstStyle/>
-            <a:p>
-              <a:pPr algn="ctr"/>
-              <a:r>
-                <a:rPr lang="en-US" sz="1400" b="1" dirty="0" smtClean="0">
-                  <a:solidFill>
-                    <a:schemeClr val="tx2"/>
-                  </a:solidFill>
-                </a:rPr>
-                <a:t>               </a:t>
-              </a:r>
-              <a:r>
-                <a:rPr lang="en-US" sz="1400" b="1" dirty="0" err="1" smtClean="0">
-                  <a:solidFill>
-                    <a:schemeClr val="tx2"/>
-                  </a:solidFill>
-                </a:rPr>
-                <a:t>ui</a:t>
-              </a:r>
-              <a:r>
-                <a:rPr lang="en-US" sz="1400" b="1" dirty="0" smtClean="0">
-                  <a:solidFill>
-                    <a:schemeClr val="tx2"/>
-                  </a:solidFill>
-                </a:rPr>
-                <a:t>::view</a:t>
-              </a:r>
-              <a:endParaRPr lang="en-SG" sz="1400" b="1" dirty="0">
-                <a:solidFill>
-                  <a:schemeClr val="tx2"/>
-                </a:solidFill>
-              </a:endParaRPr>
-            </a:p>
-          </p:txBody>
-        </p:sp>
-        <p:sp>
-          <p:nvSpPr>
-            <p:cNvPr id="389" name="Rectangle 388"/>
-            <p:cNvSpPr/>
-            <p:nvPr/>
-          </p:nvSpPr>
-          <p:spPr>
-            <a:xfrm>
-              <a:off x="647700" y="1774031"/>
-              <a:ext cx="495300" cy="152400"/>
-            </a:xfrm>
-            <a:prstGeom prst="rect">
-              <a:avLst/>
-            </a:prstGeom>
-            <a:grpFill/>
-            <a:ln>
-              <a:solidFill>
-                <a:schemeClr val="tx2">
-                  <a:lumMod val="40000"/>
-                  <a:lumOff val="60000"/>
-                </a:schemeClr>
-              </a:solidFill>
-            </a:ln>
-          </p:spPr>
-          <p:style>
-            <a:lnRef idx="2">
-              <a:schemeClr val="accent1">
-                <a:shade val="50000"/>
-              </a:schemeClr>
-            </a:lnRef>
-            <a:fillRef idx="1">
-              <a:schemeClr val="accent1"/>
-            </a:fillRef>
-            <a:effectRef idx="0">
-              <a:schemeClr val="accent1"/>
-            </a:effectRef>
-            <a:fontRef idx="minor">
-              <a:schemeClr val="lt1"/>
-            </a:fontRef>
-          </p:style>
-          <p:txBody>
-            <a:bodyPr rtlCol="0" anchor="t" anchorCtr="0"/>
-            <a:lstStyle/>
-            <a:p>
-              <a:endParaRPr lang="en-SG" sz="1400" b="1">
-                <a:solidFill>
-                  <a:schemeClr val="tx2"/>
-                </a:solidFill>
-              </a:endParaRPr>
-            </a:p>
-          </p:txBody>
-        </p:sp>
-      </p:grpSp>
-      <p:sp>
-        <p:nvSpPr>
           <p:cNvPr id="390" name="Rectangle 389"/>
           <p:cNvSpPr/>
           <p:nvPr/>
@@ -4130,7 +4395,7 @@
         </p:nvSpPr>
         <p:spPr>
           <a:xfrm>
-            <a:off x="7343831" y="2963069"/>
+            <a:off x="7343831" y="2810664"/>
             <a:ext cx="1454388" cy="373296"/>
           </a:xfrm>
           <a:prstGeom prst="rect">
@@ -4174,7 +4439,7 @@
         </p:nvSpPr>
         <p:spPr>
           <a:xfrm>
-            <a:off x="7924365" y="3344069"/>
+            <a:off x="7924365" y="3191664"/>
             <a:ext cx="276225" cy="228600"/>
           </a:xfrm>
           <a:prstGeom prst="triangle">
@@ -4229,8 +4494,8 @@
         </p:nvCxnSpPr>
         <p:spPr>
           <a:xfrm rot="16200000" flipH="1">
-            <a:off x="7863059" y="3772088"/>
-            <a:ext cx="401331" cy="2492"/>
+            <a:off x="7786856" y="3695886"/>
+            <a:ext cx="553736" cy="2492"/>
           </a:xfrm>
           <a:prstGeom prst="bentConnector3">
             <a:avLst>
@@ -5154,113 +5419,6 @@
       </p:sp>
       <p:sp>
         <p:nvSpPr>
-          <p:cNvPr id="414" name="Rounded Rectangle 413"/>
-          <p:cNvSpPr/>
-          <p:nvPr/>
-        </p:nvSpPr>
-        <p:spPr>
-          <a:xfrm>
-            <a:off x="9514342" y="143669"/>
-            <a:ext cx="914400" cy="6591297"/>
-          </a:xfrm>
-          <a:prstGeom prst="roundRect">
-            <a:avLst>
-              <a:gd name="adj" fmla="val 23209"/>
-            </a:avLst>
-          </a:prstGeom>
-          <a:solidFill>
-            <a:schemeClr val="bg1">
-              <a:lumMod val="85000"/>
-            </a:schemeClr>
-          </a:solidFill>
-          <a:ln>
-            <a:solidFill>
-              <a:schemeClr val="bg1">
-                <a:lumMod val="75000"/>
-              </a:schemeClr>
-            </a:solidFill>
-          </a:ln>
-        </p:spPr>
-        <p:style>
-          <a:lnRef idx="2">
-            <a:schemeClr val="accent1">
-              <a:shade val="50000"/>
-            </a:schemeClr>
-          </a:lnRef>
-          <a:fillRef idx="1">
-            <a:schemeClr val="accent1"/>
-          </a:fillRef>
-          <a:effectRef idx="0">
-            <a:schemeClr val="accent1"/>
-          </a:effectRef>
-          <a:fontRef idx="minor">
-            <a:schemeClr val="lt1"/>
-          </a:fontRef>
-        </p:style>
-        <p:txBody>
-          <a:bodyPr vert="vert270" rtlCol="0" anchor="t" anchorCtr="1"/>
-          <a:lstStyle/>
-          <a:p>
-            <a:pPr algn="r"/>
-            <a:r>
-              <a:rPr lang="en-US" sz="1600" b="1" dirty="0" smtClean="0"/>
-              <a:t>Logic</a:t>
-            </a:r>
-            <a:endParaRPr lang="en-SG" sz="1600" b="1" dirty="0"/>
-          </a:p>
-        </p:txBody>
-      </p:sp>
-      <p:sp>
-        <p:nvSpPr>
-          <p:cNvPr id="415" name="Rectangle 414"/>
-          <p:cNvSpPr/>
-          <p:nvPr/>
-        </p:nvSpPr>
-        <p:spPr>
-          <a:xfrm>
-            <a:off x="9971542" y="-84931"/>
-            <a:ext cx="609600" cy="7010400"/>
-          </a:xfrm>
-          <a:prstGeom prst="rect">
-            <a:avLst/>
-          </a:prstGeom>
-          <a:solidFill>
-            <a:schemeClr val="bg1"/>
-          </a:solidFill>
-          <a:ln>
-            <a:noFill/>
-          </a:ln>
-          <a:effectLst>
-            <a:softEdge rad="63500"/>
-          </a:effectLst>
-        </p:spPr>
-        <p:style>
-          <a:lnRef idx="2">
-            <a:schemeClr val="accent1">
-              <a:shade val="50000"/>
-            </a:schemeClr>
-          </a:lnRef>
-          <a:fillRef idx="1">
-            <a:schemeClr val="accent1"/>
-          </a:fillRef>
-          <a:effectRef idx="0">
-            <a:schemeClr val="accent1"/>
-          </a:effectRef>
-          <a:fontRef idx="minor">
-            <a:schemeClr val="lt1"/>
-          </a:fontRef>
-        </p:style>
-        <p:txBody>
-          <a:bodyPr rtlCol="0" anchor="ctr"/>
-          <a:lstStyle/>
-          <a:p>
-            <a:pPr algn="ctr"/>
-            <a:endParaRPr lang="en-SG"/>
-          </a:p>
-        </p:txBody>
-      </p:sp>
-      <p:sp>
-        <p:nvSpPr>
           <p:cNvPr id="416" name="Rectangle 415"/>
           <p:cNvSpPr/>
           <p:nvPr/>
@@ -5349,11 +5507,7 @@
             </a:r>
             <a:r>
               <a:rPr lang="en-US" sz="1600" b="1" dirty="0" err="1" smtClean="0"/>
-              <a:t>abc</a:t>
-            </a:r>
-            <a:r>
-              <a:rPr lang="en-US" sz="1600" b="1" dirty="0" err="1" smtClean="0"/>
-              <a:t>_Action</a:t>
+              <a:t>abc_Action</a:t>
             </a:r>
             <a:endParaRPr lang="en-SG" sz="1600" b="1" dirty="0"/>
           </a:p>
@@ -5983,7 +6137,7 @@
         </p:nvSpPr>
         <p:spPr>
           <a:xfrm>
-            <a:off x="4174623" y="2303715"/>
+            <a:off x="4049712" y="2303715"/>
             <a:ext cx="1388514" cy="377438"/>
           </a:xfrm>
           <a:prstGeom prst="rect">
@@ -6035,8 +6189,8 @@
         </p:nvSpPr>
         <p:spPr>
           <a:xfrm>
-            <a:off x="4902785" y="3496469"/>
-            <a:ext cx="1725676" cy="377438"/>
+            <a:off x="4732384" y="3260934"/>
+            <a:ext cx="1894049" cy="377438"/>
           </a:xfrm>
           <a:prstGeom prst="rect">
             <a:avLst/>
@@ -6087,8 +6241,8 @@
         </p:nvSpPr>
         <p:spPr>
           <a:xfrm>
-            <a:off x="4909226" y="2965545"/>
-            <a:ext cx="1719235" cy="377438"/>
+            <a:off x="4738826" y="2813140"/>
+            <a:ext cx="1886980" cy="377438"/>
           </a:xfrm>
           <a:prstGeom prst="rect">
             <a:avLst/>
@@ -6139,7 +6293,7 @@
         </p:nvSpPr>
         <p:spPr>
           <a:xfrm>
-            <a:off x="4372512" y="2666036"/>
+            <a:off x="4354517" y="2693746"/>
             <a:ext cx="276225" cy="228600"/>
           </a:xfrm>
           <a:prstGeom prst="triangle">
@@ -6190,8 +6344,8 @@
         </p:nvCxnSpPr>
         <p:spPr>
           <a:xfrm rot="16200000" flipH="1">
-            <a:off x="4311429" y="3093832"/>
-            <a:ext cx="790552" cy="392160"/>
+            <a:off x="4348854" y="3066122"/>
+            <a:ext cx="527307" cy="239754"/>
           </a:xfrm>
           <a:prstGeom prst="bentConnector2">
             <a:avLst/>
@@ -6233,8 +6387,8 @@
         </p:nvCxnSpPr>
         <p:spPr>
           <a:xfrm rot="16200000" flipH="1">
-            <a:off x="4580111" y="2825149"/>
-            <a:ext cx="259628" cy="398601"/>
+            <a:off x="4575972" y="2839004"/>
+            <a:ext cx="79513" cy="246196"/>
           </a:xfrm>
           <a:prstGeom prst="bentConnector2">
             <a:avLst/>
@@ -6316,7 +6470,7 @@
         <p:spPr>
           <a:xfrm>
             <a:off x="3276960" y="905139"/>
-            <a:ext cx="1591920" cy="1398576"/>
+            <a:ext cx="1467009" cy="1398576"/>
           </a:xfrm>
           <a:prstGeom prst="bentConnector2">
             <a:avLst/>
@@ -6354,7 +6508,7 @@
         </p:nvSpPr>
         <p:spPr>
           <a:xfrm>
-            <a:off x="6628461" y="3027566"/>
+            <a:off x="6629340" y="2875161"/>
             <a:ext cx="336757" cy="253395"/>
           </a:xfrm>
           <a:prstGeom prst="diamond">
@@ -6405,8 +6559,8 @@
         </p:nvCxnSpPr>
         <p:spPr>
           <a:xfrm flipV="1">
-            <a:off x="6965218" y="3149717"/>
-            <a:ext cx="378613" cy="4547"/>
+            <a:off x="6966097" y="2997312"/>
+            <a:ext cx="377734" cy="4547"/>
           </a:xfrm>
           <a:prstGeom prst="straightConnector1">
             <a:avLst/>
@@ -6532,9 +6686,9 @@
           <p:nvPr/>
         </p:nvCxnSpPr>
         <p:spPr>
-          <a:xfrm flipV="1">
-            <a:off x="3031670" y="2472559"/>
-            <a:ext cx="1142953" cy="4758"/>
+          <a:xfrm>
+            <a:off x="3031670" y="2477317"/>
+            <a:ext cx="1018042" cy="0"/>
           </a:xfrm>
           <a:prstGeom prst="straightConnector1">
             <a:avLst/>
@@ -6632,8 +6786,8 @@
         </p:nvSpPr>
         <p:spPr>
           <a:xfrm>
-            <a:off x="4902785" y="4020655"/>
-            <a:ext cx="1894054" cy="377438"/>
+            <a:off x="4732384" y="3701990"/>
+            <a:ext cx="1894049" cy="377438"/>
           </a:xfrm>
           <a:prstGeom prst="rect">
             <a:avLst/>
@@ -6670,7 +6824,7 @@
             <a:pPr algn="ctr"/>
             <a:r>
               <a:rPr lang="en-US" sz="1600" b="1" dirty="0" err="1" smtClean="0"/>
-              <a:t>FileDownloadResult</a:t>
+              <a:t>AjaxResult</a:t>
             </a:r>
             <a:endParaRPr lang="en-SG" sz="1600" b="1" dirty="0"/>
           </a:p>
@@ -6687,8 +6841,8 @@
         </p:nvCxnSpPr>
         <p:spPr>
           <a:xfrm rot="16200000" flipH="1">
-            <a:off x="4049336" y="3355925"/>
-            <a:ext cx="1314738" cy="392160"/>
+            <a:off x="4128326" y="3286650"/>
+            <a:ext cx="968363" cy="239754"/>
           </a:xfrm>
           <a:prstGeom prst="bentConnector2">
             <a:avLst/>
@@ -7203,6 +7357,101 @@
           </a:p>
         </p:txBody>
       </p:sp>
+      <p:sp>
+        <p:nvSpPr>
+          <p:cNvPr id="74" name="Rectangle 73"/>
+          <p:cNvSpPr/>
+          <p:nvPr/>
+        </p:nvSpPr>
+        <p:spPr>
+          <a:xfrm>
+            <a:off x="4732380" y="4123486"/>
+            <a:ext cx="1894054" cy="377438"/>
+          </a:xfrm>
+          <a:prstGeom prst="rect">
+            <a:avLst/>
+          </a:prstGeom>
+          <a:solidFill>
+            <a:srgbClr val="92D050"/>
+          </a:solidFill>
+          <a:ln>
+            <a:solidFill>
+              <a:srgbClr val="00B050"/>
+            </a:solidFill>
+          </a:ln>
+        </p:spPr>
+        <p:style>
+          <a:lnRef idx="2">
+            <a:schemeClr val="accent6">
+              <a:shade val="50000"/>
+            </a:schemeClr>
+          </a:lnRef>
+          <a:fillRef idx="1">
+            <a:schemeClr val="accent6"/>
+          </a:fillRef>
+          <a:effectRef idx="0">
+            <a:schemeClr val="accent6"/>
+          </a:effectRef>
+          <a:fontRef idx="minor">
+            <a:schemeClr val="lt1"/>
+          </a:fontRef>
+        </p:style>
+        <p:txBody>
+          <a:bodyPr rtlCol="0" anchor="ctr"/>
+          <a:lstStyle/>
+          <a:p>
+            <a:pPr algn="ctr"/>
+            <a:r>
+              <a:rPr lang="en-US" sz="1600" b="1" dirty="0" err="1" smtClean="0"/>
+              <a:t>FileDownloadResult</a:t>
+            </a:r>
+            <a:endParaRPr lang="en-SG" sz="1600" b="1" dirty="0"/>
+          </a:p>
+        </p:txBody>
+      </p:sp>
+      <p:cxnSp>
+        <p:nvCxnSpPr>
+          <p:cNvPr id="75" name="Elbow Connector 74"/>
+          <p:cNvCxnSpPr>
+            <a:stCxn id="433" idx="3"/>
+            <a:endCxn id="74" idx="1"/>
+          </p:cNvCxnSpPr>
+          <p:nvPr/>
+        </p:nvCxnSpPr>
+        <p:spPr>
+          <a:xfrm rot="16200000" flipH="1">
+            <a:off x="3917576" y="3497400"/>
+            <a:ext cx="1389859" cy="239750"/>
+          </a:xfrm>
+          <a:prstGeom prst="bentConnector2">
+            <a:avLst/>
+          </a:prstGeom>
+          <a:solidFill>
+            <a:srgbClr val="92D050"/>
+          </a:solidFill>
+          <a:ln>
+            <a:solidFill>
+              <a:srgbClr val="00B050"/>
+            </a:solidFill>
+          </a:ln>
+        </p:spPr>
+        <p:style>
+          <a:lnRef idx="2">
+            <a:schemeClr val="accent6">
+              <a:shade val="50000"/>
+            </a:schemeClr>
+          </a:lnRef>
+          <a:fillRef idx="1">
+            <a:schemeClr val="accent6"/>
+          </a:fillRef>
+          <a:effectRef idx="0">
+            <a:schemeClr val="accent6"/>
+          </a:effectRef>
+          <a:fontRef idx="minor">
+            <a:schemeClr val="lt1"/>
+          </a:fontRef>
+        </p:style>
+      </p:cxnSp>
     </p:spTree>
     <p:extLst>
       <p:ext uri="{BB962C8B-B14F-4D97-AF65-F5344CB8AC3E}">
